--- a/APRESENTAÇÃO/Práticas DevOps com Docker e Monitoramento do Ambiente.pptx
+++ b/APRESENTAÇÃO/Práticas DevOps com Docker e Monitoramento do Ambiente.pptx
@@ -1,27 +1,27 @@
 
 <file path=ppt/presentation.xml><?xml version="1.0" encoding="utf-8"?>
-<p:presentation xmlns:a="http://schemas.openxmlformats.org/drawingml/2006/main" xmlns:r="http://schemas.openxmlformats.org/officeDocument/2006/relationships" xmlns:mc="http://schemas.openxmlformats.org/markup-compatibility/2006" xmlns:mv="urn:schemas-microsoft-com:mac:vml" xmlns:p="http://schemas.openxmlformats.org/presentationml/2006/main" xmlns:c="http://schemas.openxmlformats.org/drawingml/2006/chart" xmlns:dgm="http://schemas.openxmlformats.org/drawingml/2006/diagram" xmlns:o="urn:schemas-microsoft-com:office:office" xmlns:v="urn:schemas-microsoft-com:vml" xmlns:pvml="urn:schemas-microsoft-com:office:powerpoint" xmlns:com="http://schemas.openxmlformats.org/drawingml/2006/compatibility" xmlns:p14="http://schemas.microsoft.com/office/powerpoint/2010/main" xmlns:p15="http://schemas.microsoft.com/office/powerpoint/2012/main" xmlns:ahyp="http://schemas.microsoft.com/office/drawing/2018/hyperlinkcolor" autoCompressPictures="0" strictFirstAndLastChars="0" saveSubsetFonts="1">
+<p:presentation xmlns:a="http://schemas.openxmlformats.org/drawingml/2006/main" xmlns:r="http://schemas.openxmlformats.org/officeDocument/2006/relationships" xmlns:p="http://schemas.openxmlformats.org/presentationml/2006/main" strictFirstAndLastChars="0" saveSubsetFonts="1" autoCompressPictures="0">
   <p:sldMasterIdLst>
-    <p:sldMasterId id="2147483648" r:id="rId4"/>
+    <p:sldMasterId id="2147483648" r:id="rId1"/>
   </p:sldMasterIdLst>
   <p:notesMasterIdLst>
-    <p:notesMasterId r:id="rId5"/>
+    <p:notesMasterId r:id="rId11"/>
   </p:notesMasterIdLst>
   <p:sldIdLst>
-    <p:sldId id="256" r:id="rId6"/>
-    <p:sldId id="257" r:id="rId7"/>
-    <p:sldId id="258" r:id="rId8"/>
-    <p:sldId id="259" r:id="rId9"/>
-    <p:sldId id="260" r:id="rId10"/>
-    <p:sldId id="261" r:id="rId11"/>
-    <p:sldId id="262" r:id="rId12"/>
-    <p:sldId id="263" r:id="rId13"/>
-    <p:sldId id="264" r:id="rId14"/>
+    <p:sldId id="256" r:id="rId2"/>
+    <p:sldId id="257" r:id="rId3"/>
+    <p:sldId id="258" r:id="rId4"/>
+    <p:sldId id="259" r:id="rId5"/>
+    <p:sldId id="260" r:id="rId6"/>
+    <p:sldId id="261" r:id="rId7"/>
+    <p:sldId id="262" r:id="rId8"/>
+    <p:sldId id="263" r:id="rId9"/>
+    <p:sldId id="264" r:id="rId10"/>
   </p:sldIdLst>
-  <p:sldSz cy="5143500" cx="9144000"/>
+  <p:sldSz cx="9144000" cy="5143500" type="screen16x9"/>
   <p:notesSz cx="6858000" cy="9144000"/>
   <p:defaultTextStyle>
-    <a:defPPr lvl="0" marR="0" rtl="0" algn="l">
+    <a:defPPr marR="0" lvl="0" algn="l" rtl="0">
       <a:lnSpc>
         <a:spcPct val="100000"/>
       </a:lnSpc>
@@ -32,7 +32,7 @@
         <a:spcPts val="0"/>
       </a:spcAft>
     </a:defPPr>
-    <a:lvl1pPr lvl="0" marR="0" rtl="0" algn="l">
+    <a:lvl1pPr marR="0" lvl="0" algn="l" rtl="0">
       <a:lnSpc>
         <a:spcPct val="100000"/>
       </a:lnSpc>
@@ -46,7 +46,7 @@
         <a:srgbClr val="000000"/>
       </a:buClr>
       <a:buFont typeface="Arial"/>
-      <a:defRPr b="0" i="0" sz="1400" u="none" cap="none" strike="noStrike">
+      <a:defRPr sz="1400" b="0" i="0" u="none" strike="noStrike" cap="none">
         <a:solidFill>
           <a:srgbClr val="000000"/>
         </a:solidFill>
@@ -56,7 +56,7 @@
         <a:sym typeface="Arial"/>
       </a:defRPr>
     </a:lvl1pPr>
-    <a:lvl2pPr lvl="1" marR="0" rtl="0" algn="l">
+    <a:lvl2pPr marR="0" lvl="1" algn="l" rtl="0">
       <a:lnSpc>
         <a:spcPct val="100000"/>
       </a:lnSpc>
@@ -70,7 +70,7 @@
         <a:srgbClr val="000000"/>
       </a:buClr>
       <a:buFont typeface="Arial"/>
-      <a:defRPr b="0" i="0" sz="1400" u="none" cap="none" strike="noStrike">
+      <a:defRPr sz="1400" b="0" i="0" u="none" strike="noStrike" cap="none">
         <a:solidFill>
           <a:srgbClr val="000000"/>
         </a:solidFill>
@@ -80,7 +80,7 @@
         <a:sym typeface="Arial"/>
       </a:defRPr>
     </a:lvl2pPr>
-    <a:lvl3pPr lvl="2" marR="0" rtl="0" algn="l">
+    <a:lvl3pPr marR="0" lvl="2" algn="l" rtl="0">
       <a:lnSpc>
         <a:spcPct val="100000"/>
       </a:lnSpc>
@@ -94,7 +94,7 @@
         <a:srgbClr val="000000"/>
       </a:buClr>
       <a:buFont typeface="Arial"/>
-      <a:defRPr b="0" i="0" sz="1400" u="none" cap="none" strike="noStrike">
+      <a:defRPr sz="1400" b="0" i="0" u="none" strike="noStrike" cap="none">
         <a:solidFill>
           <a:srgbClr val="000000"/>
         </a:solidFill>
@@ -104,7 +104,7 @@
         <a:sym typeface="Arial"/>
       </a:defRPr>
     </a:lvl3pPr>
-    <a:lvl4pPr lvl="3" marR="0" rtl="0" algn="l">
+    <a:lvl4pPr marR="0" lvl="3" algn="l" rtl="0">
       <a:lnSpc>
         <a:spcPct val="100000"/>
       </a:lnSpc>
@@ -118,7 +118,7 @@
         <a:srgbClr val="000000"/>
       </a:buClr>
       <a:buFont typeface="Arial"/>
-      <a:defRPr b="0" i="0" sz="1400" u="none" cap="none" strike="noStrike">
+      <a:defRPr sz="1400" b="0" i="0" u="none" strike="noStrike" cap="none">
         <a:solidFill>
           <a:srgbClr val="000000"/>
         </a:solidFill>
@@ -128,7 +128,7 @@
         <a:sym typeface="Arial"/>
       </a:defRPr>
     </a:lvl4pPr>
-    <a:lvl5pPr lvl="4" marR="0" rtl="0" algn="l">
+    <a:lvl5pPr marR="0" lvl="4" algn="l" rtl="0">
       <a:lnSpc>
         <a:spcPct val="100000"/>
       </a:lnSpc>
@@ -142,7 +142,7 @@
         <a:srgbClr val="000000"/>
       </a:buClr>
       <a:buFont typeface="Arial"/>
-      <a:defRPr b="0" i="0" sz="1400" u="none" cap="none" strike="noStrike">
+      <a:defRPr sz="1400" b="0" i="0" u="none" strike="noStrike" cap="none">
         <a:solidFill>
           <a:srgbClr val="000000"/>
         </a:solidFill>
@@ -152,7 +152,7 @@
         <a:sym typeface="Arial"/>
       </a:defRPr>
     </a:lvl5pPr>
-    <a:lvl6pPr lvl="5" marR="0" rtl="0" algn="l">
+    <a:lvl6pPr marR="0" lvl="5" algn="l" rtl="0">
       <a:lnSpc>
         <a:spcPct val="100000"/>
       </a:lnSpc>
@@ -166,7 +166,7 @@
         <a:srgbClr val="000000"/>
       </a:buClr>
       <a:buFont typeface="Arial"/>
-      <a:defRPr b="0" i="0" sz="1400" u="none" cap="none" strike="noStrike">
+      <a:defRPr sz="1400" b="0" i="0" u="none" strike="noStrike" cap="none">
         <a:solidFill>
           <a:srgbClr val="000000"/>
         </a:solidFill>
@@ -176,7 +176,7 @@
         <a:sym typeface="Arial"/>
       </a:defRPr>
     </a:lvl6pPr>
-    <a:lvl7pPr lvl="6" marR="0" rtl="0" algn="l">
+    <a:lvl7pPr marR="0" lvl="6" algn="l" rtl="0">
       <a:lnSpc>
         <a:spcPct val="100000"/>
       </a:lnSpc>
@@ -190,7 +190,7 @@
         <a:srgbClr val="000000"/>
       </a:buClr>
       <a:buFont typeface="Arial"/>
-      <a:defRPr b="0" i="0" sz="1400" u="none" cap="none" strike="noStrike">
+      <a:defRPr sz="1400" b="0" i="0" u="none" strike="noStrike" cap="none">
         <a:solidFill>
           <a:srgbClr val="000000"/>
         </a:solidFill>
@@ -200,7 +200,7 @@
         <a:sym typeface="Arial"/>
       </a:defRPr>
     </a:lvl7pPr>
-    <a:lvl8pPr lvl="7" marR="0" rtl="0" algn="l">
+    <a:lvl8pPr marR="0" lvl="7" algn="l" rtl="0">
       <a:lnSpc>
         <a:spcPct val="100000"/>
       </a:lnSpc>
@@ -214,7 +214,7 @@
         <a:srgbClr val="000000"/>
       </a:buClr>
       <a:buFont typeface="Arial"/>
-      <a:defRPr b="0" i="0" sz="1400" u="none" cap="none" strike="noStrike">
+      <a:defRPr sz="1400" b="0" i="0" u="none" strike="noStrike" cap="none">
         <a:solidFill>
           <a:srgbClr val="000000"/>
         </a:solidFill>
@@ -224,7 +224,7 @@
         <a:sym typeface="Arial"/>
       </a:defRPr>
     </a:lvl8pPr>
-    <a:lvl9pPr lvl="8" marR="0" rtl="0" algn="l">
+    <a:lvl9pPr marR="0" lvl="8" algn="l" rtl="0">
       <a:lnSpc>
         <a:spcPct val="100000"/>
       </a:lnSpc>
@@ -238,7 +238,7 @@
         <a:srgbClr val="000000"/>
       </a:buClr>
       <a:buFont typeface="Arial"/>
-      <a:defRPr b="0" i="0" sz="1400" u="none" cap="none" strike="noStrike">
+      <a:defRPr sz="1400" b="0" i="0" u="none" strike="noStrike" cap="none">
         <a:solidFill>
           <a:srgbClr val="000000"/>
         </a:solidFill>
@@ -251,7 +251,7 @@
   </p:defaultTextStyle>
   <p:extLst>
     <p:ext uri="{EFAFB233-063F-42B5-8137-9DF3F51BA10A}">
-      <p15:sldGuideLst>
+      <p15:sldGuideLst xmlns:p15="http://schemas.microsoft.com/office/powerpoint/2012/main">
         <p15:guide id="1" orient="horz" pos="1620">
           <p15:clr>
             <a:srgbClr val="A4A3A4"/>
@@ -265,18 +265,23 @@
       </p15:sldGuideLst>
     </p:ext>
     <p:ext uri="GoogleSlidesCustomDataVersion2">
-      <go:slidesCustomData xmlns:go="http://customooxmlschemas.google.com/" r:id="rId15" roundtripDataSignature="AMtx7mgWg76I6Jb1ASEvndVVLgftFuUjaQ=="/>
+      <go:slidesCustomData xmlns:go="http://customooxmlschemas.google.com/" xmlns:ahyp="http://schemas.microsoft.com/office/drawing/2018/hyperlinkcolor" xmlns:p15="http://schemas.microsoft.com/office/powerpoint/2012/main" xmlns:p14="http://schemas.microsoft.com/office/powerpoint/2010/main" xmlns:com="http://schemas.openxmlformats.org/drawingml/2006/compatibility" xmlns:pvml="urn:schemas-microsoft-com:office:powerpoint" xmlns:v="urn:schemas-microsoft-com:vml" xmlns:o="urn:schemas-microsoft-com:office:office" xmlns:dgm="http://schemas.openxmlformats.org/drawingml/2006/diagram" xmlns:c="http://schemas.openxmlformats.org/drawingml/2006/chart" xmlns:mv="urn:schemas-microsoft-com:mac:vml" xmlns:mc="http://schemas.openxmlformats.org/markup-compatibility/2006" xmlns="" r:id="rId15" roundtripDataSignature="AMtx7mgWg76I6Jb1ASEvndVVLgftFuUjaQ=="/>
     </p:ext>
   </p:extLst>
 </p:presentation>
 </file>
 
 <file path=ppt/notesMasters/notesMaster1.xml><?xml version="1.0" encoding="utf-8"?>
-<p:notesMaster xmlns:a="http://schemas.openxmlformats.org/drawingml/2006/main" xmlns:r="http://schemas.openxmlformats.org/officeDocument/2006/relationships" xmlns:mc="http://schemas.openxmlformats.org/markup-compatibility/2006" xmlns:mv="urn:schemas-microsoft-com:mac:vml" xmlns:p="http://schemas.openxmlformats.org/presentationml/2006/main" xmlns:c="http://schemas.openxmlformats.org/drawingml/2006/chart" xmlns:dgm="http://schemas.openxmlformats.org/drawingml/2006/diagram" xmlns:o="urn:schemas-microsoft-com:office:office" xmlns:v="urn:schemas-microsoft-com:vml" xmlns:pvml="urn:schemas-microsoft-com:office:powerpoint" xmlns:com="http://schemas.openxmlformats.org/drawingml/2006/compatibility" xmlns:p14="http://schemas.microsoft.com/office/powerpoint/2010/main" xmlns:p15="http://schemas.microsoft.com/office/powerpoint/2012/main" xmlns:ahyp="http://schemas.microsoft.com/office/drawing/2018/hyperlinkcolor">
+<p:notesMaster xmlns:a="http://schemas.openxmlformats.org/drawingml/2006/main" xmlns:r="http://schemas.openxmlformats.org/officeDocument/2006/relationships" xmlns:p="http://schemas.openxmlformats.org/presentationml/2006/main">
   <p:cSld>
+    <p:bg>
+      <p:bgRef idx="1001">
+        <a:schemeClr val="bg1"/>
+      </p:bgRef>
+    </p:bg>
     <p:spTree>
       <p:nvGrpSpPr>
-        <p:cNvPr id="2" name="Shape 2"/>
+        <p:cNvPr id="1" name="Shape 2"/>
         <p:cNvGrpSpPr/>
         <p:nvPr/>
       </p:nvGrpSpPr>
@@ -291,9 +296,11 @@
       <p:sp>
         <p:nvSpPr>
           <p:cNvPr id="3" name="Google Shape;3;n"/>
-          <p:cNvSpPr/>
+          <p:cNvSpPr>
+            <a:spLocks noGrp="1" noRot="1" noChangeAspect="1"/>
+          </p:cNvSpPr>
           <p:nvPr>
-            <p:ph idx="2" type="sldImg"/>
+            <p:ph type="sldImg" idx="2"/>
           </p:nvPr>
         </p:nvSpPr>
         <p:spPr>
@@ -302,9 +309,13 @@
             <a:ext cx="6096075" cy="3429000"/>
           </a:xfrm>
           <a:custGeom>
-            <a:rect b="b" l="l" r="r" t="t"/>
+            <a:avLst/>
+            <a:gdLst/>
+            <a:ahLst/>
+            <a:cxnLst/>
+            <a:rect l="l" t="t" r="r" b="b"/>
             <a:pathLst>
-              <a:path extrusionOk="0" h="120000" w="120000">
+              <a:path w="120000" h="120000" extrusionOk="0">
                 <a:moveTo>
                   <a:pt x="0" y="0"/>
                 </a:moveTo>
@@ -322,23 +333,25 @@
             </a:pathLst>
           </a:custGeom>
           <a:noFill/>
-          <a:ln cap="flat" cmpd="sng" w="9525">
+          <a:ln w="9525" cap="flat" cmpd="sng">
             <a:solidFill>
               <a:srgbClr val="000000"/>
             </a:solidFill>
             <a:prstDash val="solid"/>
             <a:round/>
-            <a:headEnd len="sm" w="sm" type="none"/>
-            <a:tailEnd len="sm" w="sm" type="none"/>
+            <a:headEnd type="none" w="sm" len="sm"/>
+            <a:tailEnd type="none" w="sm" len="sm"/>
           </a:ln>
         </p:spPr>
       </p:sp>
       <p:sp>
         <p:nvSpPr>
           <p:cNvPr id="4" name="Google Shape;4;n"/>
-          <p:cNvSpPr txBox="1"/>
+          <p:cNvSpPr txBox="1">
+            <a:spLocks noGrp="1"/>
+          </p:cNvSpPr>
           <p:nvPr>
-            <p:ph idx="1" type="body"/>
+            <p:ph type="body" idx="1"/>
           </p:nvPr>
         </p:nvSpPr>
         <p:spPr>
@@ -355,11 +368,11 @@
           </a:ln>
         </p:spPr>
         <p:txBody>
-          <a:bodyPr anchorCtr="0" anchor="t" bIns="91425" lIns="91425" spcFirstLastPara="1" rIns="91425" wrap="square" tIns="91425">
+          <a:bodyPr spcFirstLastPara="1" wrap="square" lIns="91425" tIns="91425" rIns="91425" bIns="91425" anchor="t" anchorCtr="0">
             <a:noAutofit/>
           </a:bodyPr>
           <a:lstStyle>
-            <a:lvl1pPr indent="-298450" lvl="0" marL="457200" marR="0" rtl="0" algn="l">
+            <a:lvl1pPr marL="457200" marR="0" lvl="0" indent="-298450" algn="l" rtl="0">
               <a:lnSpc>
                 <a:spcPct val="100000"/>
               </a:lnSpc>
@@ -375,7 +388,7 @@
               <a:buSzPts val="1100"/>
               <a:buFont typeface="Arial"/>
               <a:buChar char="●"/>
-              <a:defRPr b="0" i="0" sz="1100" u="none" cap="none" strike="noStrike">
+              <a:defRPr sz="1100" b="0" i="0" u="none" strike="noStrike" cap="none">
                 <a:solidFill>
                   <a:srgbClr val="000000"/>
                 </a:solidFill>
@@ -385,7 +398,7 @@
                 <a:sym typeface="Arial"/>
               </a:defRPr>
             </a:lvl1pPr>
-            <a:lvl2pPr indent="-298450" lvl="1" marL="914400" marR="0" rtl="0" algn="l">
+            <a:lvl2pPr marL="914400" marR="0" lvl="1" indent="-298450" algn="l" rtl="0">
               <a:lnSpc>
                 <a:spcPct val="100000"/>
               </a:lnSpc>
@@ -401,7 +414,7 @@
               <a:buSzPts val="1100"/>
               <a:buFont typeface="Arial"/>
               <a:buChar char="○"/>
-              <a:defRPr b="0" i="0" sz="1100" u="none" cap="none" strike="noStrike">
+              <a:defRPr sz="1100" b="0" i="0" u="none" strike="noStrike" cap="none">
                 <a:solidFill>
                   <a:srgbClr val="000000"/>
                 </a:solidFill>
@@ -411,7 +424,7 @@
                 <a:sym typeface="Arial"/>
               </a:defRPr>
             </a:lvl2pPr>
-            <a:lvl3pPr indent="-298450" lvl="2" marL="1371600" marR="0" rtl="0" algn="l">
+            <a:lvl3pPr marL="1371600" marR="0" lvl="2" indent="-298450" algn="l" rtl="0">
               <a:lnSpc>
                 <a:spcPct val="100000"/>
               </a:lnSpc>
@@ -427,7 +440,7 @@
               <a:buSzPts val="1100"/>
               <a:buFont typeface="Arial"/>
               <a:buChar char="■"/>
-              <a:defRPr b="0" i="0" sz="1100" u="none" cap="none" strike="noStrike">
+              <a:defRPr sz="1100" b="0" i="0" u="none" strike="noStrike" cap="none">
                 <a:solidFill>
                   <a:srgbClr val="000000"/>
                 </a:solidFill>
@@ -437,7 +450,7 @@
                 <a:sym typeface="Arial"/>
               </a:defRPr>
             </a:lvl3pPr>
-            <a:lvl4pPr indent="-298450" lvl="3" marL="1828800" marR="0" rtl="0" algn="l">
+            <a:lvl4pPr marL="1828800" marR="0" lvl="3" indent="-298450" algn="l" rtl="0">
               <a:lnSpc>
                 <a:spcPct val="100000"/>
               </a:lnSpc>
@@ -453,7 +466,7 @@
               <a:buSzPts val="1100"/>
               <a:buFont typeface="Arial"/>
               <a:buChar char="●"/>
-              <a:defRPr b="0" i="0" sz="1100" u="none" cap="none" strike="noStrike">
+              <a:defRPr sz="1100" b="0" i="0" u="none" strike="noStrike" cap="none">
                 <a:solidFill>
                   <a:srgbClr val="000000"/>
                 </a:solidFill>
@@ -463,7 +476,7 @@
                 <a:sym typeface="Arial"/>
               </a:defRPr>
             </a:lvl4pPr>
-            <a:lvl5pPr indent="-298450" lvl="4" marL="2286000" marR="0" rtl="0" algn="l">
+            <a:lvl5pPr marL="2286000" marR="0" lvl="4" indent="-298450" algn="l" rtl="0">
               <a:lnSpc>
                 <a:spcPct val="100000"/>
               </a:lnSpc>
@@ -479,7 +492,7 @@
               <a:buSzPts val="1100"/>
               <a:buFont typeface="Arial"/>
               <a:buChar char="○"/>
-              <a:defRPr b="0" i="0" sz="1100" u="none" cap="none" strike="noStrike">
+              <a:defRPr sz="1100" b="0" i="0" u="none" strike="noStrike" cap="none">
                 <a:solidFill>
                   <a:srgbClr val="000000"/>
                 </a:solidFill>
@@ -489,7 +502,7 @@
                 <a:sym typeface="Arial"/>
               </a:defRPr>
             </a:lvl5pPr>
-            <a:lvl6pPr indent="-298450" lvl="5" marL="2743200" marR="0" rtl="0" algn="l">
+            <a:lvl6pPr marL="2743200" marR="0" lvl="5" indent="-298450" algn="l" rtl="0">
               <a:lnSpc>
                 <a:spcPct val="100000"/>
               </a:lnSpc>
@@ -505,7 +518,7 @@
               <a:buSzPts val="1100"/>
               <a:buFont typeface="Arial"/>
               <a:buChar char="■"/>
-              <a:defRPr b="0" i="0" sz="1100" u="none" cap="none" strike="noStrike">
+              <a:defRPr sz="1100" b="0" i="0" u="none" strike="noStrike" cap="none">
                 <a:solidFill>
                   <a:srgbClr val="000000"/>
                 </a:solidFill>
@@ -515,7 +528,7 @@
                 <a:sym typeface="Arial"/>
               </a:defRPr>
             </a:lvl6pPr>
-            <a:lvl7pPr indent="-298450" lvl="6" marL="3200400" marR="0" rtl="0" algn="l">
+            <a:lvl7pPr marL="3200400" marR="0" lvl="6" indent="-298450" algn="l" rtl="0">
               <a:lnSpc>
                 <a:spcPct val="100000"/>
               </a:lnSpc>
@@ -531,7 +544,7 @@
               <a:buSzPts val="1100"/>
               <a:buFont typeface="Arial"/>
               <a:buChar char="●"/>
-              <a:defRPr b="0" i="0" sz="1100" u="none" cap="none" strike="noStrike">
+              <a:defRPr sz="1100" b="0" i="0" u="none" strike="noStrike" cap="none">
                 <a:solidFill>
                   <a:srgbClr val="000000"/>
                 </a:solidFill>
@@ -541,7 +554,7 @@
                 <a:sym typeface="Arial"/>
               </a:defRPr>
             </a:lvl7pPr>
-            <a:lvl8pPr indent="-298450" lvl="7" marL="3657600" marR="0" rtl="0" algn="l">
+            <a:lvl8pPr marL="3657600" marR="0" lvl="7" indent="-298450" algn="l" rtl="0">
               <a:lnSpc>
                 <a:spcPct val="100000"/>
               </a:lnSpc>
@@ -557,7 +570,7 @@
               <a:buSzPts val="1100"/>
               <a:buFont typeface="Arial"/>
               <a:buChar char="○"/>
-              <a:defRPr b="0" i="0" sz="1100" u="none" cap="none" strike="noStrike">
+              <a:defRPr sz="1100" b="0" i="0" u="none" strike="noStrike" cap="none">
                 <a:solidFill>
                   <a:srgbClr val="000000"/>
                 </a:solidFill>
@@ -567,7 +580,7 @@
                 <a:sym typeface="Arial"/>
               </a:defRPr>
             </a:lvl8pPr>
-            <a:lvl9pPr indent="-298450" lvl="8" marL="4114800" marR="0" rtl="0" algn="l">
+            <a:lvl9pPr marL="4114800" marR="0" lvl="8" indent="-298450" algn="l" rtl="0">
               <a:lnSpc>
                 <a:spcPct val="100000"/>
               </a:lnSpc>
@@ -583,7 +596,7 @@
               <a:buSzPts val="1100"/>
               <a:buFont typeface="Arial"/>
               <a:buChar char="■"/>
-              <a:defRPr b="0" i="0" sz="1100" u="none" cap="none" strike="noStrike">
+              <a:defRPr sz="1100" b="0" i="0" u="none" strike="noStrike" cap="none">
                 <a:solidFill>
                   <a:srgbClr val="000000"/>
                 </a:solidFill>
@@ -594,14 +607,16 @@
               </a:defRPr>
             </a:lvl9pPr>
           </a:lstStyle>
-          <a:p/>
+          <a:p>
+            <a:endParaRPr/>
+          </a:p>
         </p:txBody>
       </p:sp>
     </p:spTree>
   </p:cSld>
-  <p:clrMap accent1="accent1" accent2="accent2" accent3="accent3" accent4="accent4" accent5="accent5" accent6="accent6" bg1="lt1" bg2="dk2" tx1="dk1" tx2="lt2" folHlink="folHlink" hlink="hlink"/>
+  <p:clrMap bg1="lt1" tx1="dk1" bg2="dk2" tx2="lt2" accent1="accent1" accent2="accent2" accent3="accent3" accent4="accent4" accent5="accent5" accent6="accent6" hlink="hlink" folHlink="folHlink"/>
   <p:notesStyle>
-    <a:defPPr lvl="0" marR="0" rtl="0" algn="l">
+    <a:defPPr marR="0" lvl="0" algn="l" rtl="0">
       <a:lnSpc>
         <a:spcPct val="100000"/>
       </a:lnSpc>
@@ -612,7 +627,7 @@
         <a:spcPts val="0"/>
       </a:spcAft>
     </a:defPPr>
-    <a:lvl1pPr lvl="0" marR="0" rtl="0" algn="l">
+    <a:lvl1pPr marR="0" lvl="0" algn="l" rtl="0">
       <a:lnSpc>
         <a:spcPct val="100000"/>
       </a:lnSpc>
@@ -626,7 +641,7 @@
         <a:srgbClr val="000000"/>
       </a:buClr>
       <a:buFont typeface="Arial"/>
-      <a:defRPr b="0" i="0" sz="1400" u="none" cap="none" strike="noStrike">
+      <a:defRPr sz="1400" b="0" i="0" u="none" strike="noStrike" cap="none">
         <a:solidFill>
           <a:srgbClr val="000000"/>
         </a:solidFill>
@@ -636,7 +651,7 @@
         <a:sym typeface="Arial"/>
       </a:defRPr>
     </a:lvl1pPr>
-    <a:lvl2pPr lvl="1" marR="0" rtl="0" algn="l">
+    <a:lvl2pPr marR="0" lvl="1" algn="l" rtl="0">
       <a:lnSpc>
         <a:spcPct val="100000"/>
       </a:lnSpc>
@@ -650,7 +665,7 @@
         <a:srgbClr val="000000"/>
       </a:buClr>
       <a:buFont typeface="Arial"/>
-      <a:defRPr b="0" i="0" sz="1400" u="none" cap="none" strike="noStrike">
+      <a:defRPr sz="1400" b="0" i="0" u="none" strike="noStrike" cap="none">
         <a:solidFill>
           <a:srgbClr val="000000"/>
         </a:solidFill>
@@ -660,7 +675,7 @@
         <a:sym typeface="Arial"/>
       </a:defRPr>
     </a:lvl2pPr>
-    <a:lvl3pPr lvl="2" marR="0" rtl="0" algn="l">
+    <a:lvl3pPr marR="0" lvl="2" algn="l" rtl="0">
       <a:lnSpc>
         <a:spcPct val="100000"/>
       </a:lnSpc>
@@ -674,7 +689,7 @@
         <a:srgbClr val="000000"/>
       </a:buClr>
       <a:buFont typeface="Arial"/>
-      <a:defRPr b="0" i="0" sz="1400" u="none" cap="none" strike="noStrike">
+      <a:defRPr sz="1400" b="0" i="0" u="none" strike="noStrike" cap="none">
         <a:solidFill>
           <a:srgbClr val="000000"/>
         </a:solidFill>
@@ -684,7 +699,7 @@
         <a:sym typeface="Arial"/>
       </a:defRPr>
     </a:lvl3pPr>
-    <a:lvl4pPr lvl="3" marR="0" rtl="0" algn="l">
+    <a:lvl4pPr marR="0" lvl="3" algn="l" rtl="0">
       <a:lnSpc>
         <a:spcPct val="100000"/>
       </a:lnSpc>
@@ -698,7 +713,7 @@
         <a:srgbClr val="000000"/>
       </a:buClr>
       <a:buFont typeface="Arial"/>
-      <a:defRPr b="0" i="0" sz="1400" u="none" cap="none" strike="noStrike">
+      <a:defRPr sz="1400" b="0" i="0" u="none" strike="noStrike" cap="none">
         <a:solidFill>
           <a:srgbClr val="000000"/>
         </a:solidFill>
@@ -708,7 +723,7 @@
         <a:sym typeface="Arial"/>
       </a:defRPr>
     </a:lvl4pPr>
-    <a:lvl5pPr lvl="4" marR="0" rtl="0" algn="l">
+    <a:lvl5pPr marR="0" lvl="4" algn="l" rtl="0">
       <a:lnSpc>
         <a:spcPct val="100000"/>
       </a:lnSpc>
@@ -722,7 +737,7 @@
         <a:srgbClr val="000000"/>
       </a:buClr>
       <a:buFont typeface="Arial"/>
-      <a:defRPr b="0" i="0" sz="1400" u="none" cap="none" strike="noStrike">
+      <a:defRPr sz="1400" b="0" i="0" u="none" strike="noStrike" cap="none">
         <a:solidFill>
           <a:srgbClr val="000000"/>
         </a:solidFill>
@@ -732,7 +747,7 @@
         <a:sym typeface="Arial"/>
       </a:defRPr>
     </a:lvl5pPr>
-    <a:lvl6pPr lvl="5" marR="0" rtl="0" algn="l">
+    <a:lvl6pPr marR="0" lvl="5" algn="l" rtl="0">
       <a:lnSpc>
         <a:spcPct val="100000"/>
       </a:lnSpc>
@@ -746,7 +761,7 @@
         <a:srgbClr val="000000"/>
       </a:buClr>
       <a:buFont typeface="Arial"/>
-      <a:defRPr b="0" i="0" sz="1400" u="none" cap="none" strike="noStrike">
+      <a:defRPr sz="1400" b="0" i="0" u="none" strike="noStrike" cap="none">
         <a:solidFill>
           <a:srgbClr val="000000"/>
         </a:solidFill>
@@ -756,7 +771,7 @@
         <a:sym typeface="Arial"/>
       </a:defRPr>
     </a:lvl6pPr>
-    <a:lvl7pPr lvl="6" marR="0" rtl="0" algn="l">
+    <a:lvl7pPr marR="0" lvl="6" algn="l" rtl="0">
       <a:lnSpc>
         <a:spcPct val="100000"/>
       </a:lnSpc>
@@ -770,7 +785,7 @@
         <a:srgbClr val="000000"/>
       </a:buClr>
       <a:buFont typeface="Arial"/>
-      <a:defRPr b="0" i="0" sz="1400" u="none" cap="none" strike="noStrike">
+      <a:defRPr sz="1400" b="0" i="0" u="none" strike="noStrike" cap="none">
         <a:solidFill>
           <a:srgbClr val="000000"/>
         </a:solidFill>
@@ -780,7 +795,7 @@
         <a:sym typeface="Arial"/>
       </a:defRPr>
     </a:lvl7pPr>
-    <a:lvl8pPr lvl="7" marR="0" rtl="0" algn="l">
+    <a:lvl8pPr marR="0" lvl="7" algn="l" rtl="0">
       <a:lnSpc>
         <a:spcPct val="100000"/>
       </a:lnSpc>
@@ -794,7 +809,7 @@
         <a:srgbClr val="000000"/>
       </a:buClr>
       <a:buFont typeface="Arial"/>
-      <a:defRPr b="0" i="0" sz="1400" u="none" cap="none" strike="noStrike">
+      <a:defRPr sz="1400" b="0" i="0" u="none" strike="noStrike" cap="none">
         <a:solidFill>
           <a:srgbClr val="000000"/>
         </a:solidFill>
@@ -804,7 +819,7 @@
         <a:sym typeface="Arial"/>
       </a:defRPr>
     </a:lvl8pPr>
-    <a:lvl9pPr lvl="8" marR="0" rtl="0" algn="l">
+    <a:lvl9pPr marR="0" lvl="8" algn="l" rtl="0">
       <a:lnSpc>
         <a:spcPct val="100000"/>
       </a:lnSpc>
@@ -818,7 +833,7 @@
         <a:srgbClr val="000000"/>
       </a:buClr>
       <a:buFont typeface="Arial"/>
-      <a:defRPr b="0" i="0" sz="1400" u="none" cap="none" strike="noStrike">
+      <a:defRPr sz="1400" b="0" i="0" u="none" strike="noStrike" cap="none">
         <a:solidFill>
           <a:srgbClr val="000000"/>
         </a:solidFill>
@@ -833,11 +848,11 @@
 </file>
 
 <file path=ppt/notesSlides/notesSlide1.xml><?xml version="1.0" encoding="utf-8"?>
-<p:notes xmlns:a="http://schemas.openxmlformats.org/drawingml/2006/main" xmlns:r="http://schemas.openxmlformats.org/officeDocument/2006/relationships" xmlns:mc="http://schemas.openxmlformats.org/markup-compatibility/2006" xmlns:mv="urn:schemas-microsoft-com:mac:vml" xmlns:p="http://schemas.openxmlformats.org/presentationml/2006/main" xmlns:c="http://schemas.openxmlformats.org/drawingml/2006/chart" xmlns:dgm="http://schemas.openxmlformats.org/drawingml/2006/diagram" xmlns:o="urn:schemas-microsoft-com:office:office" xmlns:v="urn:schemas-microsoft-com:vml" xmlns:pvml="urn:schemas-microsoft-com:office:powerpoint" xmlns:com="http://schemas.openxmlformats.org/drawingml/2006/compatibility" xmlns:p14="http://schemas.microsoft.com/office/powerpoint/2010/main" xmlns:p15="http://schemas.microsoft.com/office/powerpoint/2012/main" xmlns:ahyp="http://schemas.microsoft.com/office/drawing/2018/hyperlinkcolor" showMasterPhAnim="0" showMasterSp="0">
+<p:notes xmlns:a="http://schemas.openxmlformats.org/drawingml/2006/main" xmlns:r="http://schemas.openxmlformats.org/officeDocument/2006/relationships" xmlns:p="http://schemas.openxmlformats.org/presentationml/2006/main" showMasterSp="0" showMasterPhAnim="0">
   <p:cSld>
     <p:spTree>
       <p:nvGrpSpPr>
-        <p:cNvPr id="50" name="Shape 50"/>
+        <p:cNvPr id="1" name="Shape 50"/>
         <p:cNvGrpSpPr/>
         <p:nvPr/>
       </p:nvGrpSpPr>
@@ -852,20 +867,26 @@
       <p:sp>
         <p:nvSpPr>
           <p:cNvPr id="51" name="Google Shape;51;p1:notes"/>
-          <p:cNvSpPr/>
+          <p:cNvSpPr>
+            <a:spLocks noGrp="1" noRot="1" noChangeAspect="1"/>
+          </p:cNvSpPr>
           <p:nvPr>
-            <p:ph idx="2" type="sldImg"/>
+            <p:ph type="sldImg" idx="2"/>
           </p:nvPr>
         </p:nvSpPr>
         <p:spPr>
           <a:xfrm>
-            <a:off x="381300" y="685800"/>
-            <a:ext cx="6096075" cy="3429000"/>
+            <a:off x="381000" y="685800"/>
+            <a:ext cx="6096000" cy="3429000"/>
           </a:xfrm>
           <a:custGeom>
-            <a:rect b="b" l="l" r="r" t="t"/>
+            <a:avLst/>
+            <a:gdLst/>
+            <a:ahLst/>
+            <a:cxnLst/>
+            <a:rect l="l" t="t" r="r" b="b"/>
             <a:pathLst>
-              <a:path extrusionOk="0" h="120000" w="120000">
+              <a:path w="120000" h="120000" extrusionOk="0">
                 <a:moveTo>
                   <a:pt x="0" y="0"/>
                 </a:moveTo>
@@ -883,23 +904,25 @@
             </a:pathLst>
           </a:custGeom>
           <a:noFill/>
-          <a:ln cap="flat" cmpd="sng" w="9525">
+          <a:ln w="9525" cap="flat" cmpd="sng">
             <a:solidFill>
               <a:srgbClr val="000000"/>
             </a:solidFill>
             <a:prstDash val="solid"/>
             <a:round/>
-            <a:headEnd len="sm" w="sm" type="none"/>
-            <a:tailEnd len="sm" w="sm" type="none"/>
+            <a:headEnd type="none" w="sm" len="sm"/>
+            <a:tailEnd type="none" w="sm" len="sm"/>
           </a:ln>
         </p:spPr>
       </p:sp>
       <p:sp>
         <p:nvSpPr>
           <p:cNvPr id="52" name="Google Shape;52;p1:notes"/>
-          <p:cNvSpPr txBox="1"/>
+          <p:cNvSpPr txBox="1">
+            <a:spLocks noGrp="1"/>
+          </p:cNvSpPr>
           <p:nvPr>
-            <p:ph idx="1" type="body"/>
+            <p:ph type="body" idx="1"/>
           </p:nvPr>
         </p:nvSpPr>
         <p:spPr>
@@ -916,12 +939,12 @@
           </a:ln>
         </p:spPr>
         <p:txBody>
-          <a:bodyPr anchorCtr="0" anchor="t" bIns="91425" lIns="91425" spcFirstLastPara="1" rIns="91425" wrap="square" tIns="91425">
+          <a:bodyPr spcFirstLastPara="1" wrap="square" lIns="91425" tIns="91425" rIns="91425" bIns="91425" anchor="t" anchorCtr="0">
             <a:noAutofit/>
           </a:bodyPr>
           <a:lstStyle/>
           <a:p>
-            <a:pPr indent="0" lvl="0" marL="0" rtl="0" algn="l">
+            <a:pPr marL="0" lvl="0" indent="0" algn="l" rtl="0">
               <a:lnSpc>
                 <a:spcPct val="100000"/>
               </a:lnSpc>
@@ -934,9 +957,6 @@
               <a:buSzPts val="1100"/>
               <a:buNone/>
             </a:pPr>
-            <a:r>
-              <a:t/>
-            </a:r>
             <a:endParaRPr/>
           </a:p>
         </p:txBody>
@@ -950,11 +970,11 @@
 </file>
 
 <file path=ppt/notesSlides/notesSlide2.xml><?xml version="1.0" encoding="utf-8"?>
-<p:notes xmlns:a="http://schemas.openxmlformats.org/drawingml/2006/main" xmlns:r="http://schemas.openxmlformats.org/officeDocument/2006/relationships" xmlns:mc="http://schemas.openxmlformats.org/markup-compatibility/2006" xmlns:mv="urn:schemas-microsoft-com:mac:vml" xmlns:p="http://schemas.openxmlformats.org/presentationml/2006/main" xmlns:c="http://schemas.openxmlformats.org/drawingml/2006/chart" xmlns:dgm="http://schemas.openxmlformats.org/drawingml/2006/diagram" xmlns:o="urn:schemas-microsoft-com:office:office" xmlns:v="urn:schemas-microsoft-com:vml" xmlns:pvml="urn:schemas-microsoft-com:office:powerpoint" xmlns:com="http://schemas.openxmlformats.org/drawingml/2006/compatibility" xmlns:p14="http://schemas.microsoft.com/office/powerpoint/2010/main" xmlns:p15="http://schemas.microsoft.com/office/powerpoint/2012/main" xmlns:ahyp="http://schemas.microsoft.com/office/drawing/2018/hyperlinkcolor" showMasterPhAnim="0" showMasterSp="0">
+<p:notes xmlns:a="http://schemas.openxmlformats.org/drawingml/2006/main" xmlns:r="http://schemas.openxmlformats.org/officeDocument/2006/relationships" xmlns:p="http://schemas.openxmlformats.org/presentationml/2006/main" showMasterSp="0" showMasterPhAnim="0">
   <p:cSld>
     <p:spTree>
       <p:nvGrpSpPr>
-        <p:cNvPr id="56" name="Shape 56"/>
+        <p:cNvPr id="1" name="Shape 56"/>
         <p:cNvGrpSpPr/>
         <p:nvPr/>
       </p:nvGrpSpPr>
@@ -969,9 +989,11 @@
       <p:sp>
         <p:nvSpPr>
           <p:cNvPr id="57" name="Google Shape;57;p2:notes"/>
-          <p:cNvSpPr/>
+          <p:cNvSpPr>
+            <a:spLocks noGrp="1" noRot="1" noChangeAspect="1"/>
+          </p:cNvSpPr>
           <p:nvPr>
-            <p:ph idx="2" type="sldImg"/>
+            <p:ph type="sldImg" idx="2"/>
           </p:nvPr>
         </p:nvSpPr>
         <p:spPr>
@@ -980,9 +1002,13 @@
             <a:ext cx="6096000" cy="3429000"/>
           </a:xfrm>
           <a:custGeom>
-            <a:rect b="b" l="l" r="r" t="t"/>
+            <a:avLst/>
+            <a:gdLst/>
+            <a:ahLst/>
+            <a:cxnLst/>
+            <a:rect l="l" t="t" r="r" b="b"/>
             <a:pathLst>
-              <a:path extrusionOk="0" h="120000" w="120000">
+              <a:path w="120000" h="120000" extrusionOk="0">
                 <a:moveTo>
                   <a:pt x="0" y="0"/>
                 </a:moveTo>
@@ -1000,23 +1026,25 @@
             </a:pathLst>
           </a:custGeom>
           <a:noFill/>
-          <a:ln cap="flat" cmpd="sng" w="9525">
+          <a:ln w="9525" cap="flat" cmpd="sng">
             <a:solidFill>
               <a:srgbClr val="000000"/>
             </a:solidFill>
             <a:prstDash val="solid"/>
             <a:round/>
-            <a:headEnd len="sm" w="sm" type="none"/>
-            <a:tailEnd len="sm" w="sm" type="none"/>
+            <a:headEnd type="none" w="sm" len="sm"/>
+            <a:tailEnd type="none" w="sm" len="sm"/>
           </a:ln>
         </p:spPr>
       </p:sp>
       <p:sp>
         <p:nvSpPr>
           <p:cNvPr id="58" name="Google Shape;58;p2:notes"/>
-          <p:cNvSpPr txBox="1"/>
+          <p:cNvSpPr txBox="1">
+            <a:spLocks noGrp="1"/>
+          </p:cNvSpPr>
           <p:nvPr>
-            <p:ph idx="1" type="body"/>
+            <p:ph type="body" idx="1"/>
           </p:nvPr>
         </p:nvSpPr>
         <p:spPr>
@@ -1033,12 +1061,12 @@
           </a:ln>
         </p:spPr>
         <p:txBody>
-          <a:bodyPr anchorCtr="0" anchor="t" bIns="91425" lIns="91425" spcFirstLastPara="1" rIns="91425" wrap="square" tIns="91425">
+          <a:bodyPr spcFirstLastPara="1" wrap="square" lIns="91425" tIns="91425" rIns="91425" bIns="91425" anchor="t" anchorCtr="0">
             <a:noAutofit/>
           </a:bodyPr>
           <a:lstStyle/>
           <a:p>
-            <a:pPr indent="0" lvl="0" marL="0" rtl="0" algn="l">
+            <a:pPr marL="0" lvl="0" indent="0" algn="l" rtl="0">
               <a:lnSpc>
                 <a:spcPct val="100000"/>
               </a:lnSpc>
@@ -1051,9 +1079,6 @@
               <a:buSzPts val="1100"/>
               <a:buNone/>
             </a:pPr>
-            <a:r>
-              <a:t/>
-            </a:r>
             <a:endParaRPr/>
           </a:p>
         </p:txBody>
@@ -1067,11 +1092,11 @@
 </file>
 
 <file path=ppt/notesSlides/notesSlide3.xml><?xml version="1.0" encoding="utf-8"?>
-<p:notes xmlns:a="http://schemas.openxmlformats.org/drawingml/2006/main" xmlns:r="http://schemas.openxmlformats.org/officeDocument/2006/relationships" xmlns:mc="http://schemas.openxmlformats.org/markup-compatibility/2006" xmlns:mv="urn:schemas-microsoft-com:mac:vml" xmlns:p="http://schemas.openxmlformats.org/presentationml/2006/main" xmlns:c="http://schemas.openxmlformats.org/drawingml/2006/chart" xmlns:dgm="http://schemas.openxmlformats.org/drawingml/2006/diagram" xmlns:o="urn:schemas-microsoft-com:office:office" xmlns:v="urn:schemas-microsoft-com:vml" xmlns:pvml="urn:schemas-microsoft-com:office:powerpoint" xmlns:com="http://schemas.openxmlformats.org/drawingml/2006/compatibility" xmlns:p14="http://schemas.microsoft.com/office/powerpoint/2010/main" xmlns:p15="http://schemas.microsoft.com/office/powerpoint/2012/main" xmlns:ahyp="http://schemas.microsoft.com/office/drawing/2018/hyperlinkcolor" showMasterPhAnim="0" showMasterSp="0">
+<p:notes xmlns:a="http://schemas.openxmlformats.org/drawingml/2006/main" xmlns:r="http://schemas.openxmlformats.org/officeDocument/2006/relationships" xmlns:p="http://schemas.openxmlformats.org/presentationml/2006/main" showMasterSp="0" showMasterPhAnim="0">
   <p:cSld>
     <p:spTree>
       <p:nvGrpSpPr>
-        <p:cNvPr id="63" name="Shape 63"/>
+        <p:cNvPr id="1" name="Shape 63"/>
         <p:cNvGrpSpPr/>
         <p:nvPr/>
       </p:nvGrpSpPr>
@@ -1086,9 +1111,11 @@
       <p:sp>
         <p:nvSpPr>
           <p:cNvPr id="64" name="Google Shape;64;g1732d9a83e9_0_5:notes"/>
-          <p:cNvSpPr/>
+          <p:cNvSpPr>
+            <a:spLocks noGrp="1" noRot="1" noChangeAspect="1"/>
+          </p:cNvSpPr>
           <p:nvPr>
-            <p:ph idx="2" type="sldImg"/>
+            <p:ph type="sldImg" idx="2"/>
           </p:nvPr>
         </p:nvSpPr>
         <p:spPr>
@@ -1097,9 +1124,13 @@
             <a:ext cx="6096000" cy="3429000"/>
           </a:xfrm>
           <a:custGeom>
-            <a:rect b="b" l="l" r="r" t="t"/>
+            <a:avLst/>
+            <a:gdLst/>
+            <a:ahLst/>
+            <a:cxnLst/>
+            <a:rect l="l" t="t" r="r" b="b"/>
             <a:pathLst>
-              <a:path extrusionOk="0" h="120000" w="120000">
+              <a:path w="120000" h="120000" extrusionOk="0">
                 <a:moveTo>
                   <a:pt x="0" y="0"/>
                 </a:moveTo>
@@ -1117,23 +1148,25 @@
             </a:pathLst>
           </a:custGeom>
           <a:noFill/>
-          <a:ln cap="flat" cmpd="sng" w="9525">
+          <a:ln w="9525" cap="flat" cmpd="sng">
             <a:solidFill>
               <a:srgbClr val="000000"/>
             </a:solidFill>
             <a:prstDash val="solid"/>
             <a:round/>
-            <a:headEnd len="sm" w="sm" type="none"/>
-            <a:tailEnd len="sm" w="sm" type="none"/>
+            <a:headEnd type="none" w="sm" len="sm"/>
+            <a:tailEnd type="none" w="sm" len="sm"/>
           </a:ln>
         </p:spPr>
       </p:sp>
       <p:sp>
         <p:nvSpPr>
           <p:cNvPr id="65" name="Google Shape;65;g1732d9a83e9_0_5:notes"/>
-          <p:cNvSpPr txBox="1"/>
+          <p:cNvSpPr txBox="1">
+            <a:spLocks noGrp="1"/>
+          </p:cNvSpPr>
           <p:nvPr>
-            <p:ph idx="1" type="body"/>
+            <p:ph type="body" idx="1"/>
           </p:nvPr>
         </p:nvSpPr>
         <p:spPr>
@@ -1150,12 +1183,12 @@
           </a:ln>
         </p:spPr>
         <p:txBody>
-          <a:bodyPr anchorCtr="0" anchor="t" bIns="91425" lIns="91425" spcFirstLastPara="1" rIns="91425" wrap="square" tIns="91425">
+          <a:bodyPr spcFirstLastPara="1" wrap="square" lIns="91425" tIns="91425" rIns="91425" bIns="91425" anchor="t" anchorCtr="0">
             <a:noAutofit/>
           </a:bodyPr>
           <a:lstStyle/>
           <a:p>
-            <a:pPr indent="0" lvl="0" marL="0" rtl="0" algn="l">
+            <a:pPr marL="0" lvl="0" indent="0" algn="l" rtl="0">
               <a:lnSpc>
                 <a:spcPct val="100000"/>
               </a:lnSpc>
@@ -1168,9 +1201,6 @@
               <a:buSzPts val="1100"/>
               <a:buNone/>
             </a:pPr>
-            <a:r>
-              <a:t/>
-            </a:r>
             <a:endParaRPr/>
           </a:p>
         </p:txBody>
@@ -1184,11 +1214,11 @@
 </file>
 
 <file path=ppt/notesSlides/notesSlide4.xml><?xml version="1.0" encoding="utf-8"?>
-<p:notes xmlns:a="http://schemas.openxmlformats.org/drawingml/2006/main" xmlns:r="http://schemas.openxmlformats.org/officeDocument/2006/relationships" xmlns:mc="http://schemas.openxmlformats.org/markup-compatibility/2006" xmlns:mv="urn:schemas-microsoft-com:mac:vml" xmlns:p="http://schemas.openxmlformats.org/presentationml/2006/main" xmlns:c="http://schemas.openxmlformats.org/drawingml/2006/chart" xmlns:dgm="http://schemas.openxmlformats.org/drawingml/2006/diagram" xmlns:o="urn:schemas-microsoft-com:office:office" xmlns:v="urn:schemas-microsoft-com:vml" xmlns:pvml="urn:schemas-microsoft-com:office:powerpoint" xmlns:com="http://schemas.openxmlformats.org/drawingml/2006/compatibility" xmlns:p14="http://schemas.microsoft.com/office/powerpoint/2010/main" xmlns:p15="http://schemas.microsoft.com/office/powerpoint/2012/main" xmlns:ahyp="http://schemas.microsoft.com/office/drawing/2018/hyperlinkcolor" showMasterPhAnim="0" showMasterSp="0">
+<p:notes xmlns:a="http://schemas.openxmlformats.org/drawingml/2006/main" xmlns:r="http://schemas.openxmlformats.org/officeDocument/2006/relationships" xmlns:p="http://schemas.openxmlformats.org/presentationml/2006/main" showMasterSp="0" showMasterPhAnim="0">
   <p:cSld>
     <p:spTree>
       <p:nvGrpSpPr>
-        <p:cNvPr id="69" name="Shape 69"/>
+        <p:cNvPr id="1" name="Shape 69"/>
         <p:cNvGrpSpPr/>
         <p:nvPr/>
       </p:nvGrpSpPr>
@@ -1203,9 +1233,11 @@
       <p:sp>
         <p:nvSpPr>
           <p:cNvPr id="70" name="Google Shape;70;p3:notes"/>
-          <p:cNvSpPr/>
+          <p:cNvSpPr>
+            <a:spLocks noGrp="1" noRot="1" noChangeAspect="1"/>
+          </p:cNvSpPr>
           <p:nvPr>
-            <p:ph idx="2" type="sldImg"/>
+            <p:ph type="sldImg" idx="2"/>
           </p:nvPr>
         </p:nvSpPr>
         <p:spPr>
@@ -1214,9 +1246,13 @@
             <a:ext cx="6096000" cy="3429000"/>
           </a:xfrm>
           <a:custGeom>
-            <a:rect b="b" l="l" r="r" t="t"/>
+            <a:avLst/>
+            <a:gdLst/>
+            <a:ahLst/>
+            <a:cxnLst/>
+            <a:rect l="l" t="t" r="r" b="b"/>
             <a:pathLst>
-              <a:path extrusionOk="0" h="120000" w="120000">
+              <a:path w="120000" h="120000" extrusionOk="0">
                 <a:moveTo>
                   <a:pt x="0" y="0"/>
                 </a:moveTo>
@@ -1234,23 +1270,25 @@
             </a:pathLst>
           </a:custGeom>
           <a:noFill/>
-          <a:ln cap="flat" cmpd="sng" w="9525">
+          <a:ln w="9525" cap="flat" cmpd="sng">
             <a:solidFill>
               <a:srgbClr val="000000"/>
             </a:solidFill>
             <a:prstDash val="solid"/>
             <a:round/>
-            <a:headEnd len="sm" w="sm" type="none"/>
-            <a:tailEnd len="sm" w="sm" type="none"/>
+            <a:headEnd type="none" w="sm" len="sm"/>
+            <a:tailEnd type="none" w="sm" len="sm"/>
           </a:ln>
         </p:spPr>
       </p:sp>
       <p:sp>
         <p:nvSpPr>
           <p:cNvPr id="71" name="Google Shape;71;p3:notes"/>
-          <p:cNvSpPr txBox="1"/>
+          <p:cNvSpPr txBox="1">
+            <a:spLocks noGrp="1"/>
+          </p:cNvSpPr>
           <p:nvPr>
-            <p:ph idx="1" type="body"/>
+            <p:ph type="body" idx="1"/>
           </p:nvPr>
         </p:nvSpPr>
         <p:spPr>
@@ -1267,12 +1305,12 @@
           </a:ln>
         </p:spPr>
         <p:txBody>
-          <a:bodyPr anchorCtr="0" anchor="t" bIns="91425" lIns="91425" spcFirstLastPara="1" rIns="91425" wrap="square" tIns="91425">
+          <a:bodyPr spcFirstLastPara="1" wrap="square" lIns="91425" tIns="91425" rIns="91425" bIns="91425" anchor="t" anchorCtr="0">
             <a:noAutofit/>
           </a:bodyPr>
           <a:lstStyle/>
           <a:p>
-            <a:pPr indent="0" lvl="0" marL="0" rtl="0" algn="l">
+            <a:pPr marL="0" lvl="0" indent="0" algn="l" rtl="0">
               <a:lnSpc>
                 <a:spcPct val="100000"/>
               </a:lnSpc>
@@ -1285,9 +1323,6 @@
               <a:buSzPts val="1100"/>
               <a:buNone/>
             </a:pPr>
-            <a:r>
-              <a:t/>
-            </a:r>
             <a:endParaRPr/>
           </a:p>
         </p:txBody>
@@ -1301,11 +1336,11 @@
 </file>
 
 <file path=ppt/notesSlides/notesSlide5.xml><?xml version="1.0" encoding="utf-8"?>
-<p:notes xmlns:a="http://schemas.openxmlformats.org/drawingml/2006/main" xmlns:r="http://schemas.openxmlformats.org/officeDocument/2006/relationships" xmlns:mc="http://schemas.openxmlformats.org/markup-compatibility/2006" xmlns:mv="urn:schemas-microsoft-com:mac:vml" xmlns:p="http://schemas.openxmlformats.org/presentationml/2006/main" xmlns:c="http://schemas.openxmlformats.org/drawingml/2006/chart" xmlns:dgm="http://schemas.openxmlformats.org/drawingml/2006/diagram" xmlns:o="urn:schemas-microsoft-com:office:office" xmlns:v="urn:schemas-microsoft-com:vml" xmlns:pvml="urn:schemas-microsoft-com:office:powerpoint" xmlns:com="http://schemas.openxmlformats.org/drawingml/2006/compatibility" xmlns:p14="http://schemas.microsoft.com/office/powerpoint/2010/main" xmlns:p15="http://schemas.microsoft.com/office/powerpoint/2012/main" xmlns:ahyp="http://schemas.microsoft.com/office/drawing/2018/hyperlinkcolor" showMasterPhAnim="0" showMasterSp="0">
+<p:notes xmlns:a="http://schemas.openxmlformats.org/drawingml/2006/main" xmlns:r="http://schemas.openxmlformats.org/officeDocument/2006/relationships" xmlns:p="http://schemas.openxmlformats.org/presentationml/2006/main" showMasterSp="0" showMasterPhAnim="0">
   <p:cSld>
     <p:spTree>
       <p:nvGrpSpPr>
-        <p:cNvPr id="75" name="Shape 75"/>
+        <p:cNvPr id="1" name="Shape 75"/>
         <p:cNvGrpSpPr/>
         <p:nvPr/>
       </p:nvGrpSpPr>
@@ -1320,9 +1355,11 @@
       <p:sp>
         <p:nvSpPr>
           <p:cNvPr id="76" name="Google Shape;76;p4:notes"/>
-          <p:cNvSpPr/>
+          <p:cNvSpPr>
+            <a:spLocks noGrp="1" noRot="1" noChangeAspect="1"/>
+          </p:cNvSpPr>
           <p:nvPr>
-            <p:ph idx="2" type="sldImg"/>
+            <p:ph type="sldImg" idx="2"/>
           </p:nvPr>
         </p:nvSpPr>
         <p:spPr>
@@ -1331,9 +1368,13 @@
             <a:ext cx="6096000" cy="3429000"/>
           </a:xfrm>
           <a:custGeom>
-            <a:rect b="b" l="l" r="r" t="t"/>
+            <a:avLst/>
+            <a:gdLst/>
+            <a:ahLst/>
+            <a:cxnLst/>
+            <a:rect l="l" t="t" r="r" b="b"/>
             <a:pathLst>
-              <a:path extrusionOk="0" h="120000" w="120000">
+              <a:path w="120000" h="120000" extrusionOk="0">
                 <a:moveTo>
                   <a:pt x="0" y="0"/>
                 </a:moveTo>
@@ -1351,23 +1392,25 @@
             </a:pathLst>
           </a:custGeom>
           <a:noFill/>
-          <a:ln cap="flat" cmpd="sng" w="9525">
+          <a:ln w="9525" cap="flat" cmpd="sng">
             <a:solidFill>
               <a:srgbClr val="000000"/>
             </a:solidFill>
             <a:prstDash val="solid"/>
             <a:round/>
-            <a:headEnd len="sm" w="sm" type="none"/>
-            <a:tailEnd len="sm" w="sm" type="none"/>
+            <a:headEnd type="none" w="sm" len="sm"/>
+            <a:tailEnd type="none" w="sm" len="sm"/>
           </a:ln>
         </p:spPr>
       </p:sp>
       <p:sp>
         <p:nvSpPr>
           <p:cNvPr id="77" name="Google Shape;77;p4:notes"/>
-          <p:cNvSpPr txBox="1"/>
+          <p:cNvSpPr txBox="1">
+            <a:spLocks noGrp="1"/>
+          </p:cNvSpPr>
           <p:nvPr>
-            <p:ph idx="1" type="body"/>
+            <p:ph type="body" idx="1"/>
           </p:nvPr>
         </p:nvSpPr>
         <p:spPr>
@@ -1384,12 +1427,12 @@
           </a:ln>
         </p:spPr>
         <p:txBody>
-          <a:bodyPr anchorCtr="0" anchor="t" bIns="91425" lIns="91425" spcFirstLastPara="1" rIns="91425" wrap="square" tIns="91425">
+          <a:bodyPr spcFirstLastPara="1" wrap="square" lIns="91425" tIns="91425" rIns="91425" bIns="91425" anchor="t" anchorCtr="0">
             <a:noAutofit/>
           </a:bodyPr>
           <a:lstStyle/>
           <a:p>
-            <a:pPr indent="0" lvl="0" marL="0" rtl="0" algn="l">
+            <a:pPr marL="0" lvl="0" indent="0" algn="l" rtl="0">
               <a:lnSpc>
                 <a:spcPct val="100000"/>
               </a:lnSpc>
@@ -1402,9 +1445,6 @@
               <a:buSzPts val="1100"/>
               <a:buNone/>
             </a:pPr>
-            <a:r>
-              <a:t/>
-            </a:r>
             <a:endParaRPr/>
           </a:p>
         </p:txBody>
@@ -1418,11 +1458,11 @@
 </file>
 
 <file path=ppt/notesSlides/notesSlide6.xml><?xml version="1.0" encoding="utf-8"?>
-<p:notes xmlns:a="http://schemas.openxmlformats.org/drawingml/2006/main" xmlns:r="http://schemas.openxmlformats.org/officeDocument/2006/relationships" xmlns:mc="http://schemas.openxmlformats.org/markup-compatibility/2006" xmlns:mv="urn:schemas-microsoft-com:mac:vml" xmlns:p="http://schemas.openxmlformats.org/presentationml/2006/main" xmlns:c="http://schemas.openxmlformats.org/drawingml/2006/chart" xmlns:dgm="http://schemas.openxmlformats.org/drawingml/2006/diagram" xmlns:o="urn:schemas-microsoft-com:office:office" xmlns:v="urn:schemas-microsoft-com:vml" xmlns:pvml="urn:schemas-microsoft-com:office:powerpoint" xmlns:com="http://schemas.openxmlformats.org/drawingml/2006/compatibility" xmlns:p14="http://schemas.microsoft.com/office/powerpoint/2010/main" xmlns:p15="http://schemas.microsoft.com/office/powerpoint/2012/main" xmlns:ahyp="http://schemas.microsoft.com/office/drawing/2018/hyperlinkcolor" showMasterPhAnim="0" showMasterSp="0">
+<p:notes xmlns:a="http://schemas.openxmlformats.org/drawingml/2006/main" xmlns:r="http://schemas.openxmlformats.org/officeDocument/2006/relationships" xmlns:p="http://schemas.openxmlformats.org/presentationml/2006/main" showMasterSp="0" showMasterPhAnim="0">
   <p:cSld>
     <p:spTree>
       <p:nvGrpSpPr>
-        <p:cNvPr id="81" name="Shape 81"/>
+        <p:cNvPr id="1" name="Shape 81"/>
         <p:cNvGrpSpPr/>
         <p:nvPr/>
       </p:nvGrpSpPr>
@@ -1437,9 +1477,11 @@
       <p:sp>
         <p:nvSpPr>
           <p:cNvPr id="82" name="Google Shape;82;p5:notes"/>
-          <p:cNvSpPr/>
+          <p:cNvSpPr>
+            <a:spLocks noGrp="1" noRot="1" noChangeAspect="1"/>
+          </p:cNvSpPr>
           <p:nvPr>
-            <p:ph idx="2" type="sldImg"/>
+            <p:ph type="sldImg" idx="2"/>
           </p:nvPr>
         </p:nvSpPr>
         <p:spPr>
@@ -1448,9 +1490,13 @@
             <a:ext cx="6096000" cy="3429000"/>
           </a:xfrm>
           <a:custGeom>
-            <a:rect b="b" l="l" r="r" t="t"/>
+            <a:avLst/>
+            <a:gdLst/>
+            <a:ahLst/>
+            <a:cxnLst/>
+            <a:rect l="l" t="t" r="r" b="b"/>
             <a:pathLst>
-              <a:path extrusionOk="0" h="120000" w="120000">
+              <a:path w="120000" h="120000" extrusionOk="0">
                 <a:moveTo>
                   <a:pt x="0" y="0"/>
                 </a:moveTo>
@@ -1468,23 +1514,25 @@
             </a:pathLst>
           </a:custGeom>
           <a:noFill/>
-          <a:ln cap="flat" cmpd="sng" w="9525">
+          <a:ln w="9525" cap="flat" cmpd="sng">
             <a:solidFill>
               <a:srgbClr val="000000"/>
             </a:solidFill>
             <a:prstDash val="solid"/>
             <a:round/>
-            <a:headEnd len="sm" w="sm" type="none"/>
-            <a:tailEnd len="sm" w="sm" type="none"/>
+            <a:headEnd type="none" w="sm" len="sm"/>
+            <a:tailEnd type="none" w="sm" len="sm"/>
           </a:ln>
         </p:spPr>
       </p:sp>
       <p:sp>
         <p:nvSpPr>
           <p:cNvPr id="83" name="Google Shape;83;p5:notes"/>
-          <p:cNvSpPr txBox="1"/>
+          <p:cNvSpPr txBox="1">
+            <a:spLocks noGrp="1"/>
+          </p:cNvSpPr>
           <p:nvPr>
-            <p:ph idx="1" type="body"/>
+            <p:ph type="body" idx="1"/>
           </p:nvPr>
         </p:nvSpPr>
         <p:spPr>
@@ -1501,12 +1549,12 @@
           </a:ln>
         </p:spPr>
         <p:txBody>
-          <a:bodyPr anchorCtr="0" anchor="t" bIns="91425" lIns="91425" spcFirstLastPara="1" rIns="91425" wrap="square" tIns="91425">
+          <a:bodyPr spcFirstLastPara="1" wrap="square" lIns="91425" tIns="91425" rIns="91425" bIns="91425" anchor="t" anchorCtr="0">
             <a:noAutofit/>
           </a:bodyPr>
           <a:lstStyle/>
           <a:p>
-            <a:pPr indent="0" lvl="0" marL="0" rtl="0" algn="l">
+            <a:pPr marL="0" lvl="0" indent="0" algn="l" rtl="0">
               <a:lnSpc>
                 <a:spcPct val="100000"/>
               </a:lnSpc>
@@ -1519,9 +1567,6 @@
               <a:buSzPts val="1100"/>
               <a:buNone/>
             </a:pPr>
-            <a:r>
-              <a:t/>
-            </a:r>
             <a:endParaRPr/>
           </a:p>
         </p:txBody>
@@ -1535,11 +1580,11 @@
 </file>
 
 <file path=ppt/notesSlides/notesSlide7.xml><?xml version="1.0" encoding="utf-8"?>
-<p:notes xmlns:a="http://schemas.openxmlformats.org/drawingml/2006/main" xmlns:r="http://schemas.openxmlformats.org/officeDocument/2006/relationships" xmlns:mc="http://schemas.openxmlformats.org/markup-compatibility/2006" xmlns:mv="urn:schemas-microsoft-com:mac:vml" xmlns:p="http://schemas.openxmlformats.org/presentationml/2006/main" xmlns:c="http://schemas.openxmlformats.org/drawingml/2006/chart" xmlns:dgm="http://schemas.openxmlformats.org/drawingml/2006/diagram" xmlns:o="urn:schemas-microsoft-com:office:office" xmlns:v="urn:schemas-microsoft-com:vml" xmlns:pvml="urn:schemas-microsoft-com:office:powerpoint" xmlns:com="http://schemas.openxmlformats.org/drawingml/2006/compatibility" xmlns:p14="http://schemas.microsoft.com/office/powerpoint/2010/main" xmlns:p15="http://schemas.microsoft.com/office/powerpoint/2012/main" xmlns:ahyp="http://schemas.microsoft.com/office/drawing/2018/hyperlinkcolor" showMasterPhAnim="0" showMasterSp="0">
+<p:notes xmlns:a="http://schemas.openxmlformats.org/drawingml/2006/main" xmlns:r="http://schemas.openxmlformats.org/officeDocument/2006/relationships" xmlns:p="http://schemas.openxmlformats.org/presentationml/2006/main" showMasterSp="0" showMasterPhAnim="0">
   <p:cSld>
     <p:spTree>
       <p:nvGrpSpPr>
-        <p:cNvPr id="87" name="Shape 87"/>
+        <p:cNvPr id="1" name="Shape 87"/>
         <p:cNvGrpSpPr/>
         <p:nvPr/>
       </p:nvGrpSpPr>
@@ -1554,9 +1599,11 @@
       <p:sp>
         <p:nvSpPr>
           <p:cNvPr id="88" name="Google Shape;88;p6:notes"/>
-          <p:cNvSpPr/>
+          <p:cNvSpPr>
+            <a:spLocks noGrp="1" noRot="1" noChangeAspect="1"/>
+          </p:cNvSpPr>
           <p:nvPr>
-            <p:ph idx="2" type="sldImg"/>
+            <p:ph type="sldImg" idx="2"/>
           </p:nvPr>
         </p:nvSpPr>
         <p:spPr>
@@ -1565,9 +1612,13 @@
             <a:ext cx="6096000" cy="3429000"/>
           </a:xfrm>
           <a:custGeom>
-            <a:rect b="b" l="l" r="r" t="t"/>
+            <a:avLst/>
+            <a:gdLst/>
+            <a:ahLst/>
+            <a:cxnLst/>
+            <a:rect l="l" t="t" r="r" b="b"/>
             <a:pathLst>
-              <a:path extrusionOk="0" h="120000" w="120000">
+              <a:path w="120000" h="120000" extrusionOk="0">
                 <a:moveTo>
                   <a:pt x="0" y="0"/>
                 </a:moveTo>
@@ -1585,23 +1636,25 @@
             </a:pathLst>
           </a:custGeom>
           <a:noFill/>
-          <a:ln cap="flat" cmpd="sng" w="9525">
+          <a:ln w="9525" cap="flat" cmpd="sng">
             <a:solidFill>
               <a:srgbClr val="000000"/>
             </a:solidFill>
             <a:prstDash val="solid"/>
             <a:round/>
-            <a:headEnd len="sm" w="sm" type="none"/>
-            <a:tailEnd len="sm" w="sm" type="none"/>
+            <a:headEnd type="none" w="sm" len="sm"/>
+            <a:tailEnd type="none" w="sm" len="sm"/>
           </a:ln>
         </p:spPr>
       </p:sp>
       <p:sp>
         <p:nvSpPr>
           <p:cNvPr id="89" name="Google Shape;89;p6:notes"/>
-          <p:cNvSpPr txBox="1"/>
+          <p:cNvSpPr txBox="1">
+            <a:spLocks noGrp="1"/>
+          </p:cNvSpPr>
           <p:nvPr>
-            <p:ph idx="1" type="body"/>
+            <p:ph type="body" idx="1"/>
           </p:nvPr>
         </p:nvSpPr>
         <p:spPr>
@@ -1618,12 +1671,12 @@
           </a:ln>
         </p:spPr>
         <p:txBody>
-          <a:bodyPr anchorCtr="0" anchor="t" bIns="91425" lIns="91425" spcFirstLastPara="1" rIns="91425" wrap="square" tIns="91425">
+          <a:bodyPr spcFirstLastPara="1" wrap="square" lIns="91425" tIns="91425" rIns="91425" bIns="91425" anchor="t" anchorCtr="0">
             <a:noAutofit/>
           </a:bodyPr>
           <a:lstStyle/>
           <a:p>
-            <a:pPr indent="0" lvl="0" marL="0" rtl="0" algn="l">
+            <a:pPr marL="0" lvl="0" indent="0" algn="l" rtl="0">
               <a:lnSpc>
                 <a:spcPct val="100000"/>
               </a:lnSpc>
@@ -1636,9 +1689,6 @@
               <a:buSzPts val="1100"/>
               <a:buNone/>
             </a:pPr>
-            <a:r>
-              <a:t/>
-            </a:r>
             <a:endParaRPr/>
           </a:p>
         </p:txBody>
@@ -1652,11 +1702,11 @@
 </file>
 
 <file path=ppt/notesSlides/notesSlide8.xml><?xml version="1.0" encoding="utf-8"?>
-<p:notes xmlns:a="http://schemas.openxmlformats.org/drawingml/2006/main" xmlns:r="http://schemas.openxmlformats.org/officeDocument/2006/relationships" xmlns:mc="http://schemas.openxmlformats.org/markup-compatibility/2006" xmlns:mv="urn:schemas-microsoft-com:mac:vml" xmlns:p="http://schemas.openxmlformats.org/presentationml/2006/main" xmlns:c="http://schemas.openxmlformats.org/drawingml/2006/chart" xmlns:dgm="http://schemas.openxmlformats.org/drawingml/2006/diagram" xmlns:o="urn:schemas-microsoft-com:office:office" xmlns:v="urn:schemas-microsoft-com:vml" xmlns:pvml="urn:schemas-microsoft-com:office:powerpoint" xmlns:com="http://schemas.openxmlformats.org/drawingml/2006/compatibility" xmlns:p14="http://schemas.microsoft.com/office/powerpoint/2010/main" xmlns:p15="http://schemas.microsoft.com/office/powerpoint/2012/main" xmlns:ahyp="http://schemas.microsoft.com/office/drawing/2018/hyperlinkcolor" showMasterPhAnim="0" showMasterSp="0">
+<p:notes xmlns:a="http://schemas.openxmlformats.org/drawingml/2006/main" xmlns:r="http://schemas.openxmlformats.org/officeDocument/2006/relationships" xmlns:p="http://schemas.openxmlformats.org/presentationml/2006/main" showMasterSp="0" showMasterPhAnim="0">
   <p:cSld>
     <p:spTree>
       <p:nvGrpSpPr>
-        <p:cNvPr id="93" name="Shape 93"/>
+        <p:cNvPr id="1" name="Shape 93"/>
         <p:cNvGrpSpPr/>
         <p:nvPr/>
       </p:nvGrpSpPr>
@@ -1671,9 +1721,11 @@
       <p:sp>
         <p:nvSpPr>
           <p:cNvPr id="94" name="Google Shape;94;p7:notes"/>
-          <p:cNvSpPr/>
+          <p:cNvSpPr>
+            <a:spLocks noGrp="1" noRot="1" noChangeAspect="1"/>
+          </p:cNvSpPr>
           <p:nvPr>
-            <p:ph idx="2" type="sldImg"/>
+            <p:ph type="sldImg" idx="2"/>
           </p:nvPr>
         </p:nvSpPr>
         <p:spPr>
@@ -1682,9 +1734,13 @@
             <a:ext cx="6096000" cy="3429000"/>
           </a:xfrm>
           <a:custGeom>
-            <a:rect b="b" l="l" r="r" t="t"/>
+            <a:avLst/>
+            <a:gdLst/>
+            <a:ahLst/>
+            <a:cxnLst/>
+            <a:rect l="l" t="t" r="r" b="b"/>
             <a:pathLst>
-              <a:path extrusionOk="0" h="120000" w="120000">
+              <a:path w="120000" h="120000" extrusionOk="0">
                 <a:moveTo>
                   <a:pt x="0" y="0"/>
                 </a:moveTo>
@@ -1702,23 +1758,25 @@
             </a:pathLst>
           </a:custGeom>
           <a:noFill/>
-          <a:ln cap="flat" cmpd="sng" w="9525">
+          <a:ln w="9525" cap="flat" cmpd="sng">
             <a:solidFill>
               <a:srgbClr val="000000"/>
             </a:solidFill>
             <a:prstDash val="solid"/>
             <a:round/>
-            <a:headEnd len="sm" w="sm" type="none"/>
-            <a:tailEnd len="sm" w="sm" type="none"/>
+            <a:headEnd type="none" w="sm" len="sm"/>
+            <a:tailEnd type="none" w="sm" len="sm"/>
           </a:ln>
         </p:spPr>
       </p:sp>
       <p:sp>
         <p:nvSpPr>
           <p:cNvPr id="95" name="Google Shape;95;p7:notes"/>
-          <p:cNvSpPr txBox="1"/>
+          <p:cNvSpPr txBox="1">
+            <a:spLocks noGrp="1"/>
+          </p:cNvSpPr>
           <p:nvPr>
-            <p:ph idx="1" type="body"/>
+            <p:ph type="body" idx="1"/>
           </p:nvPr>
         </p:nvSpPr>
         <p:spPr>
@@ -1735,12 +1793,12 @@
           </a:ln>
         </p:spPr>
         <p:txBody>
-          <a:bodyPr anchorCtr="0" anchor="t" bIns="91425" lIns="91425" spcFirstLastPara="1" rIns="91425" wrap="square" tIns="91425">
+          <a:bodyPr spcFirstLastPara="1" wrap="square" lIns="91425" tIns="91425" rIns="91425" bIns="91425" anchor="t" anchorCtr="0">
             <a:noAutofit/>
           </a:bodyPr>
           <a:lstStyle/>
           <a:p>
-            <a:pPr indent="0" lvl="0" marL="0" rtl="0" algn="l">
+            <a:pPr marL="0" lvl="0" indent="0" algn="l" rtl="0">
               <a:lnSpc>
                 <a:spcPct val="100000"/>
               </a:lnSpc>
@@ -1753,9 +1811,6 @@
               <a:buSzPts val="1100"/>
               <a:buNone/>
             </a:pPr>
-            <a:r>
-              <a:t/>
-            </a:r>
             <a:endParaRPr/>
           </a:p>
         </p:txBody>
@@ -1769,11 +1824,11 @@
 </file>
 
 <file path=ppt/notesSlides/notesSlide9.xml><?xml version="1.0" encoding="utf-8"?>
-<p:notes xmlns:a="http://schemas.openxmlformats.org/drawingml/2006/main" xmlns:r="http://schemas.openxmlformats.org/officeDocument/2006/relationships" xmlns:mc="http://schemas.openxmlformats.org/markup-compatibility/2006" xmlns:mv="urn:schemas-microsoft-com:mac:vml" xmlns:p="http://schemas.openxmlformats.org/presentationml/2006/main" xmlns:c="http://schemas.openxmlformats.org/drawingml/2006/chart" xmlns:dgm="http://schemas.openxmlformats.org/drawingml/2006/diagram" xmlns:o="urn:schemas-microsoft-com:office:office" xmlns:v="urn:schemas-microsoft-com:vml" xmlns:pvml="urn:schemas-microsoft-com:office:powerpoint" xmlns:com="http://schemas.openxmlformats.org/drawingml/2006/compatibility" xmlns:p14="http://schemas.microsoft.com/office/powerpoint/2010/main" xmlns:p15="http://schemas.microsoft.com/office/powerpoint/2012/main" xmlns:ahyp="http://schemas.microsoft.com/office/drawing/2018/hyperlinkcolor" showMasterPhAnim="0" showMasterSp="0">
+<p:notes xmlns:a="http://schemas.openxmlformats.org/drawingml/2006/main" xmlns:r="http://schemas.openxmlformats.org/officeDocument/2006/relationships" xmlns:p="http://schemas.openxmlformats.org/presentationml/2006/main" showMasterSp="0" showMasterPhAnim="0">
   <p:cSld>
     <p:spTree>
       <p:nvGrpSpPr>
-        <p:cNvPr id="99" name="Shape 99"/>
+        <p:cNvPr id="1" name="Shape 99"/>
         <p:cNvGrpSpPr/>
         <p:nvPr/>
       </p:nvGrpSpPr>
@@ -1788,9 +1843,11 @@
       <p:sp>
         <p:nvSpPr>
           <p:cNvPr id="100" name="Google Shape;100;p8:notes"/>
-          <p:cNvSpPr/>
+          <p:cNvSpPr>
+            <a:spLocks noGrp="1" noRot="1" noChangeAspect="1"/>
+          </p:cNvSpPr>
           <p:nvPr>
-            <p:ph idx="2" type="sldImg"/>
+            <p:ph type="sldImg" idx="2"/>
           </p:nvPr>
         </p:nvSpPr>
         <p:spPr>
@@ -1799,9 +1856,13 @@
             <a:ext cx="6096000" cy="3429000"/>
           </a:xfrm>
           <a:custGeom>
-            <a:rect b="b" l="l" r="r" t="t"/>
+            <a:avLst/>
+            <a:gdLst/>
+            <a:ahLst/>
+            <a:cxnLst/>
+            <a:rect l="l" t="t" r="r" b="b"/>
             <a:pathLst>
-              <a:path extrusionOk="0" h="120000" w="120000">
+              <a:path w="120000" h="120000" extrusionOk="0">
                 <a:moveTo>
                   <a:pt x="0" y="0"/>
                 </a:moveTo>
@@ -1819,23 +1880,25 @@
             </a:pathLst>
           </a:custGeom>
           <a:noFill/>
-          <a:ln cap="flat" cmpd="sng" w="9525">
+          <a:ln w="9525" cap="flat" cmpd="sng">
             <a:solidFill>
               <a:srgbClr val="000000"/>
             </a:solidFill>
             <a:prstDash val="solid"/>
             <a:round/>
-            <a:headEnd len="sm" w="sm" type="none"/>
-            <a:tailEnd len="sm" w="sm" type="none"/>
+            <a:headEnd type="none" w="sm" len="sm"/>
+            <a:tailEnd type="none" w="sm" len="sm"/>
           </a:ln>
         </p:spPr>
       </p:sp>
       <p:sp>
         <p:nvSpPr>
           <p:cNvPr id="101" name="Google Shape;101;p8:notes"/>
-          <p:cNvSpPr txBox="1"/>
+          <p:cNvSpPr txBox="1">
+            <a:spLocks noGrp="1"/>
+          </p:cNvSpPr>
           <p:nvPr>
-            <p:ph idx="1" type="body"/>
+            <p:ph type="body" idx="1"/>
           </p:nvPr>
         </p:nvSpPr>
         <p:spPr>
@@ -1852,12 +1915,12 @@
           </a:ln>
         </p:spPr>
         <p:txBody>
-          <a:bodyPr anchorCtr="0" anchor="t" bIns="91425" lIns="91425" spcFirstLastPara="1" rIns="91425" wrap="square" tIns="91425">
+          <a:bodyPr spcFirstLastPara="1" wrap="square" lIns="91425" tIns="91425" rIns="91425" bIns="91425" anchor="t" anchorCtr="0">
             <a:noAutofit/>
           </a:bodyPr>
           <a:lstStyle/>
           <a:p>
-            <a:pPr indent="0" lvl="0" marL="0" rtl="0" algn="l">
+            <a:pPr marL="0" lvl="0" indent="0" algn="l" rtl="0">
               <a:lnSpc>
                 <a:spcPct val="100000"/>
               </a:lnSpc>
@@ -1870,9 +1933,6 @@
               <a:buSzPts val="1100"/>
               <a:buNone/>
             </a:pPr>
-            <a:r>
-              <a:t/>
-            </a:r>
             <a:endParaRPr/>
           </a:p>
         </p:txBody>
@@ -1886,11 +1946,11 @@
 </file>
 
 <file path=ppt/slideLayouts/slideLayout1.xml><?xml version="1.0" encoding="utf-8"?>
-<p:sldLayout xmlns:a="http://schemas.openxmlformats.org/drawingml/2006/main" xmlns:r="http://schemas.openxmlformats.org/officeDocument/2006/relationships" xmlns:mc="http://schemas.openxmlformats.org/markup-compatibility/2006" xmlns:mv="urn:schemas-microsoft-com:mac:vml" xmlns:p="http://schemas.openxmlformats.org/presentationml/2006/main" xmlns:c="http://schemas.openxmlformats.org/drawingml/2006/chart" xmlns:dgm="http://schemas.openxmlformats.org/drawingml/2006/diagram" xmlns:o="urn:schemas-microsoft-com:office:office" xmlns:v="urn:schemas-microsoft-com:vml" xmlns:pvml="urn:schemas-microsoft-com:office:powerpoint" xmlns:com="http://schemas.openxmlformats.org/drawingml/2006/compatibility" xmlns:p14="http://schemas.microsoft.com/office/powerpoint/2010/main" xmlns:p15="http://schemas.microsoft.com/office/powerpoint/2012/main" xmlns:ahyp="http://schemas.microsoft.com/office/drawing/2018/hyperlinkcolor" matchingName="Title slide" type="title">
+<p:sldLayout xmlns:a="http://schemas.openxmlformats.org/drawingml/2006/main" xmlns:r="http://schemas.openxmlformats.org/officeDocument/2006/relationships" xmlns:p="http://schemas.openxmlformats.org/presentationml/2006/main" matchingName="Title slide" type="title">
   <p:cSld name="TITLE">
     <p:spTree>
       <p:nvGrpSpPr>
-        <p:cNvPr id="9" name="Shape 9"/>
+        <p:cNvPr id="1" name="Shape 9"/>
         <p:cNvGrpSpPr/>
         <p:nvPr/>
       </p:nvGrpSpPr>
@@ -1905,7 +1965,9 @@
       <p:sp>
         <p:nvSpPr>
           <p:cNvPr id="10" name="Google Shape;10;p10"/>
-          <p:cNvSpPr txBox="1"/>
+          <p:cNvSpPr txBox="1">
+            <a:spLocks noGrp="1"/>
+          </p:cNvSpPr>
           <p:nvPr>
             <p:ph type="ctrTitle"/>
           </p:nvPr>
@@ -1924,7 +1986,7 @@
           </a:ln>
         </p:spPr>
         <p:txBody>
-          <a:bodyPr anchorCtr="0" anchor="b" bIns="91425" lIns="91425" spcFirstLastPara="1" rIns="91425" wrap="square" tIns="91425">
+          <a:bodyPr spcFirstLastPara="1" wrap="square" lIns="91425" tIns="91425" rIns="91425" bIns="91425" anchor="b" anchorCtr="0">
             <a:normAutofit/>
           </a:bodyPr>
           <a:lstStyle>
@@ -2055,15 +2117,19 @@
               <a:defRPr sz="5200"/>
             </a:lvl9pPr>
           </a:lstStyle>
-          <a:p/>
+          <a:p>
+            <a:endParaRPr/>
+          </a:p>
         </p:txBody>
       </p:sp>
       <p:sp>
         <p:nvSpPr>
           <p:cNvPr id="11" name="Google Shape;11;p10"/>
-          <p:cNvSpPr txBox="1"/>
+          <p:cNvSpPr txBox="1">
+            <a:spLocks noGrp="1"/>
+          </p:cNvSpPr>
           <p:nvPr>
-            <p:ph idx="1" type="subTitle"/>
+            <p:ph type="subTitle" idx="1"/>
           </p:nvPr>
         </p:nvSpPr>
         <p:spPr>
@@ -2080,7 +2146,7 @@
           </a:ln>
         </p:spPr>
         <p:txBody>
-          <a:bodyPr anchorCtr="0" anchor="t" bIns="91425" lIns="91425" spcFirstLastPara="1" rIns="91425" wrap="square" tIns="91425">
+          <a:bodyPr spcFirstLastPara="1" wrap="square" lIns="91425" tIns="91425" rIns="91425" bIns="91425" anchor="t" anchorCtr="0">
             <a:normAutofit/>
           </a:bodyPr>
           <a:lstStyle>
@@ -2211,15 +2277,19 @@
               <a:defRPr sz="2800"/>
             </a:lvl9pPr>
           </a:lstStyle>
-          <a:p/>
+          <a:p>
+            <a:endParaRPr/>
+          </a:p>
         </p:txBody>
       </p:sp>
       <p:sp>
         <p:nvSpPr>
           <p:cNvPr id="12" name="Google Shape;12;p10"/>
-          <p:cNvSpPr txBox="1"/>
+          <p:cNvSpPr txBox="1">
+            <a:spLocks noGrp="1"/>
+          </p:cNvSpPr>
           <p:nvPr>
-            <p:ph idx="12" type="sldNum"/>
+            <p:ph type="sldNum" idx="12"/>
           </p:nvPr>
         </p:nvSpPr>
         <p:spPr>
@@ -2236,11 +2306,11 @@
           </a:ln>
         </p:spPr>
         <p:txBody>
-          <a:bodyPr anchorCtr="0" anchor="ctr" bIns="91425" lIns="91425" spcFirstLastPara="1" rIns="91425" wrap="square" tIns="91425">
+          <a:bodyPr spcFirstLastPara="1" wrap="square" lIns="91425" tIns="91425" rIns="91425" bIns="91425" anchor="ctr" anchorCtr="0">
             <a:normAutofit/>
           </a:bodyPr>
           <a:lstStyle>
-            <a:lvl1pPr indent="0" lvl="0" marL="0" marR="0" algn="r">
+            <a:lvl1pPr marL="0" marR="0" lvl="0" indent="0" algn="r">
               <a:lnSpc>
                 <a:spcPct val="100000"/>
               </a:lnSpc>
@@ -2256,7 +2326,7 @@
               <a:buSzPts val="1000"/>
               <a:buFont typeface="Arial"/>
               <a:buNone/>
-              <a:defRPr b="0" i="0" sz="1000" u="none" cap="none" strike="noStrike">
+              <a:defRPr sz="1000" b="0" i="0" u="none" strike="noStrike" cap="none">
                 <a:solidFill>
                   <a:schemeClr val="lt2"/>
                 </a:solidFill>
@@ -2266,7 +2336,7 @@
                 <a:sym typeface="Arial"/>
               </a:defRPr>
             </a:lvl1pPr>
-            <a:lvl2pPr indent="0" lvl="1" marL="0" marR="0" algn="r">
+            <a:lvl2pPr marL="0" marR="0" lvl="1" indent="0" algn="r">
               <a:lnSpc>
                 <a:spcPct val="100000"/>
               </a:lnSpc>
@@ -2282,7 +2352,7 @@
               <a:buSzPts val="1000"/>
               <a:buFont typeface="Arial"/>
               <a:buNone/>
-              <a:defRPr b="0" i="0" sz="1000" u="none" cap="none" strike="noStrike">
+              <a:defRPr sz="1000" b="0" i="0" u="none" strike="noStrike" cap="none">
                 <a:solidFill>
                   <a:schemeClr val="lt2"/>
                 </a:solidFill>
@@ -2292,7 +2362,7 @@
                 <a:sym typeface="Arial"/>
               </a:defRPr>
             </a:lvl2pPr>
-            <a:lvl3pPr indent="0" lvl="2" marL="0" marR="0" algn="r">
+            <a:lvl3pPr marL="0" marR="0" lvl="2" indent="0" algn="r">
               <a:lnSpc>
                 <a:spcPct val="100000"/>
               </a:lnSpc>
@@ -2308,7 +2378,7 @@
               <a:buSzPts val="1000"/>
               <a:buFont typeface="Arial"/>
               <a:buNone/>
-              <a:defRPr b="0" i="0" sz="1000" u="none" cap="none" strike="noStrike">
+              <a:defRPr sz="1000" b="0" i="0" u="none" strike="noStrike" cap="none">
                 <a:solidFill>
                   <a:schemeClr val="lt2"/>
                 </a:solidFill>
@@ -2318,7 +2388,7 @@
                 <a:sym typeface="Arial"/>
               </a:defRPr>
             </a:lvl3pPr>
-            <a:lvl4pPr indent="0" lvl="3" marL="0" marR="0" algn="r">
+            <a:lvl4pPr marL="0" marR="0" lvl="3" indent="0" algn="r">
               <a:lnSpc>
                 <a:spcPct val="100000"/>
               </a:lnSpc>
@@ -2334,7 +2404,7 @@
               <a:buSzPts val="1000"/>
               <a:buFont typeface="Arial"/>
               <a:buNone/>
-              <a:defRPr b="0" i="0" sz="1000" u="none" cap="none" strike="noStrike">
+              <a:defRPr sz="1000" b="0" i="0" u="none" strike="noStrike" cap="none">
                 <a:solidFill>
                   <a:schemeClr val="lt2"/>
                 </a:solidFill>
@@ -2344,7 +2414,7 @@
                 <a:sym typeface="Arial"/>
               </a:defRPr>
             </a:lvl4pPr>
-            <a:lvl5pPr indent="0" lvl="4" marL="0" marR="0" algn="r">
+            <a:lvl5pPr marL="0" marR="0" lvl="4" indent="0" algn="r">
               <a:lnSpc>
                 <a:spcPct val="100000"/>
               </a:lnSpc>
@@ -2360,7 +2430,7 @@
               <a:buSzPts val="1000"/>
               <a:buFont typeface="Arial"/>
               <a:buNone/>
-              <a:defRPr b="0" i="0" sz="1000" u="none" cap="none" strike="noStrike">
+              <a:defRPr sz="1000" b="0" i="0" u="none" strike="noStrike" cap="none">
                 <a:solidFill>
                   <a:schemeClr val="lt2"/>
                 </a:solidFill>
@@ -2370,7 +2440,7 @@
                 <a:sym typeface="Arial"/>
               </a:defRPr>
             </a:lvl5pPr>
-            <a:lvl6pPr indent="0" lvl="5" marL="0" marR="0" algn="r">
+            <a:lvl6pPr marL="0" marR="0" lvl="5" indent="0" algn="r">
               <a:lnSpc>
                 <a:spcPct val="100000"/>
               </a:lnSpc>
@@ -2386,7 +2456,7 @@
               <a:buSzPts val="1000"/>
               <a:buFont typeface="Arial"/>
               <a:buNone/>
-              <a:defRPr b="0" i="0" sz="1000" u="none" cap="none" strike="noStrike">
+              <a:defRPr sz="1000" b="0" i="0" u="none" strike="noStrike" cap="none">
                 <a:solidFill>
                   <a:schemeClr val="lt2"/>
                 </a:solidFill>
@@ -2396,7 +2466,7 @@
                 <a:sym typeface="Arial"/>
               </a:defRPr>
             </a:lvl6pPr>
-            <a:lvl7pPr indent="0" lvl="6" marL="0" marR="0" algn="r">
+            <a:lvl7pPr marL="0" marR="0" lvl="6" indent="0" algn="r">
               <a:lnSpc>
                 <a:spcPct val="100000"/>
               </a:lnSpc>
@@ -2412,7 +2482,7 @@
               <a:buSzPts val="1000"/>
               <a:buFont typeface="Arial"/>
               <a:buNone/>
-              <a:defRPr b="0" i="0" sz="1000" u="none" cap="none" strike="noStrike">
+              <a:defRPr sz="1000" b="0" i="0" u="none" strike="noStrike" cap="none">
                 <a:solidFill>
                   <a:schemeClr val="lt2"/>
                 </a:solidFill>
@@ -2422,7 +2492,7 @@
                 <a:sym typeface="Arial"/>
               </a:defRPr>
             </a:lvl7pPr>
-            <a:lvl8pPr indent="0" lvl="7" marL="0" marR="0" algn="r">
+            <a:lvl8pPr marL="0" marR="0" lvl="7" indent="0" algn="r">
               <a:lnSpc>
                 <a:spcPct val="100000"/>
               </a:lnSpc>
@@ -2438,7 +2508,7 @@
               <a:buSzPts val="1000"/>
               <a:buFont typeface="Arial"/>
               <a:buNone/>
-              <a:defRPr b="0" i="0" sz="1000" u="none" cap="none" strike="noStrike">
+              <a:defRPr sz="1000" b="0" i="0" u="none" strike="noStrike" cap="none">
                 <a:solidFill>
                   <a:schemeClr val="lt2"/>
                 </a:solidFill>
@@ -2448,7 +2518,7 @@
                 <a:sym typeface="Arial"/>
               </a:defRPr>
             </a:lvl8pPr>
-            <a:lvl9pPr indent="0" lvl="8" marL="0" marR="0" algn="r">
+            <a:lvl9pPr marL="0" marR="0" lvl="8" indent="0" algn="r">
               <a:lnSpc>
                 <a:spcPct val="100000"/>
               </a:lnSpc>
@@ -2464,7 +2534,7 @@
               <a:buSzPts val="1000"/>
               <a:buFont typeface="Arial"/>
               <a:buNone/>
-              <a:defRPr b="0" i="0" sz="1000" u="none" cap="none" strike="noStrike">
+              <a:defRPr sz="1000" b="0" i="0" u="none" strike="noStrike" cap="none">
                 <a:solidFill>
                   <a:schemeClr val="lt2"/>
                 </a:solidFill>
@@ -2476,7 +2546,7 @@
             </a:lvl9pPr>
           </a:lstStyle>
           <a:p>
-            <a:pPr indent="0" lvl="0" marL="0" rtl="0" algn="r">
+            <a:pPr marL="0" lvl="0" indent="0" algn="r" rtl="0">
               <a:spcBef>
                 <a:spcPts val="0"/>
               </a:spcBef>
@@ -2487,7 +2557,7 @@
             </a:pPr>
             <a:fld id="{00000000-1234-1234-1234-123412341234}" type="slidenum">
               <a:rPr lang="pt-BR"/>
-              <a:t>‹#›</a:t>
+              <a:t>‹nº›</a:t>
             </a:fld>
             <a:endParaRPr/>
           </a:p>
@@ -2502,11 +2572,11 @@
 </file>
 
 <file path=ppt/slideLayouts/slideLayout10.xml><?xml version="1.0" encoding="utf-8"?>
-<p:sldLayout xmlns:a="http://schemas.openxmlformats.org/drawingml/2006/main" xmlns:r="http://schemas.openxmlformats.org/officeDocument/2006/relationships" xmlns:mc="http://schemas.openxmlformats.org/markup-compatibility/2006" xmlns:mv="urn:schemas-microsoft-com:mac:vml" xmlns:p="http://schemas.openxmlformats.org/presentationml/2006/main" xmlns:c="http://schemas.openxmlformats.org/drawingml/2006/chart" xmlns:dgm="http://schemas.openxmlformats.org/drawingml/2006/diagram" xmlns:o="urn:schemas-microsoft-com:office:office" xmlns:v="urn:schemas-microsoft-com:vml" xmlns:pvml="urn:schemas-microsoft-com:office:powerpoint" xmlns:com="http://schemas.openxmlformats.org/drawingml/2006/compatibility" xmlns:p14="http://schemas.microsoft.com/office/powerpoint/2010/main" xmlns:p15="http://schemas.microsoft.com/office/powerpoint/2012/main" xmlns:ahyp="http://schemas.microsoft.com/office/drawing/2018/hyperlinkcolor" matchingName="Big number">
+<p:sldLayout xmlns:a="http://schemas.openxmlformats.org/drawingml/2006/main" xmlns:r="http://schemas.openxmlformats.org/officeDocument/2006/relationships" xmlns:p="http://schemas.openxmlformats.org/presentationml/2006/main" matchingName="Big number">
   <p:cSld name="BIG_NUMBER">
     <p:spTree>
       <p:nvGrpSpPr>
-        <p:cNvPr id="44" name="Shape 44"/>
+        <p:cNvPr id="1" name="Shape 44"/>
         <p:cNvGrpSpPr/>
         <p:nvPr/>
       </p:nvGrpSpPr>
@@ -2521,9 +2591,11 @@
       <p:sp>
         <p:nvSpPr>
           <p:cNvPr id="45" name="Google Shape;45;p19"/>
-          <p:cNvSpPr txBox="1"/>
+          <p:cNvSpPr txBox="1">
+            <a:spLocks noGrp="1"/>
+          </p:cNvSpPr>
           <p:nvPr>
-            <p:ph hasCustomPrompt="1" type="title"/>
+            <p:ph type="title" hasCustomPrompt="1"/>
           </p:nvPr>
         </p:nvSpPr>
         <p:spPr>
@@ -2540,7 +2612,7 @@
           </a:ln>
         </p:spPr>
         <p:txBody>
-          <a:bodyPr anchorCtr="0" anchor="b" bIns="91425" lIns="91425" spcFirstLastPara="1" rIns="91425" wrap="square" tIns="91425">
+          <a:bodyPr spcFirstLastPara="1" wrap="square" lIns="91425" tIns="91425" rIns="91425" bIns="91425" anchor="b" anchorCtr="0">
             <a:normAutofit/>
           </a:bodyPr>
           <a:lstStyle>
@@ -2681,9 +2753,11 @@
       <p:sp>
         <p:nvSpPr>
           <p:cNvPr id="46" name="Google Shape;46;p19"/>
-          <p:cNvSpPr txBox="1"/>
+          <p:cNvSpPr txBox="1">
+            <a:spLocks noGrp="1"/>
+          </p:cNvSpPr>
           <p:nvPr>
-            <p:ph idx="1" type="body"/>
+            <p:ph type="body" idx="1"/>
           </p:nvPr>
         </p:nvSpPr>
         <p:spPr>
@@ -2700,11 +2774,11 @@
           </a:ln>
         </p:spPr>
         <p:txBody>
-          <a:bodyPr anchorCtr="0" anchor="t" bIns="91425" lIns="91425" spcFirstLastPara="1" rIns="91425" wrap="square" tIns="91425">
+          <a:bodyPr spcFirstLastPara="1" wrap="square" lIns="91425" tIns="91425" rIns="91425" bIns="91425" anchor="t" anchorCtr="0">
             <a:normAutofit/>
           </a:bodyPr>
           <a:lstStyle>
-            <a:lvl1pPr indent="-342900" lvl="0" marL="457200" algn="ctr">
+            <a:lvl1pPr marL="457200" lvl="0" indent="-342900" algn="ctr">
               <a:lnSpc>
                 <a:spcPct val="115000"/>
               </a:lnSpc>
@@ -2718,7 +2792,7 @@
               <a:buChar char="●"/>
               <a:defRPr/>
             </a:lvl1pPr>
-            <a:lvl2pPr indent="-317500" lvl="1" marL="914400" algn="ctr">
+            <a:lvl2pPr marL="914400" lvl="1" indent="-317500" algn="ctr">
               <a:lnSpc>
                 <a:spcPct val="115000"/>
               </a:lnSpc>
@@ -2732,7 +2806,7 @@
               <a:buChar char="○"/>
               <a:defRPr/>
             </a:lvl2pPr>
-            <a:lvl3pPr indent="-317500" lvl="2" marL="1371600" algn="ctr">
+            <a:lvl3pPr marL="1371600" lvl="2" indent="-317500" algn="ctr">
               <a:lnSpc>
                 <a:spcPct val="115000"/>
               </a:lnSpc>
@@ -2746,7 +2820,7 @@
               <a:buChar char="■"/>
               <a:defRPr/>
             </a:lvl3pPr>
-            <a:lvl4pPr indent="-317500" lvl="3" marL="1828800" algn="ctr">
+            <a:lvl4pPr marL="1828800" lvl="3" indent="-317500" algn="ctr">
               <a:lnSpc>
                 <a:spcPct val="115000"/>
               </a:lnSpc>
@@ -2760,7 +2834,7 @@
               <a:buChar char="●"/>
               <a:defRPr/>
             </a:lvl4pPr>
-            <a:lvl5pPr indent="-317500" lvl="4" marL="2286000" algn="ctr">
+            <a:lvl5pPr marL="2286000" lvl="4" indent="-317500" algn="ctr">
               <a:lnSpc>
                 <a:spcPct val="115000"/>
               </a:lnSpc>
@@ -2774,7 +2848,7 @@
               <a:buChar char="○"/>
               <a:defRPr/>
             </a:lvl5pPr>
-            <a:lvl6pPr indent="-317500" lvl="5" marL="2743200" algn="ctr">
+            <a:lvl6pPr marL="2743200" lvl="5" indent="-317500" algn="ctr">
               <a:lnSpc>
                 <a:spcPct val="115000"/>
               </a:lnSpc>
@@ -2788,7 +2862,7 @@
               <a:buChar char="■"/>
               <a:defRPr/>
             </a:lvl6pPr>
-            <a:lvl7pPr indent="-317500" lvl="6" marL="3200400" algn="ctr">
+            <a:lvl7pPr marL="3200400" lvl="6" indent="-317500" algn="ctr">
               <a:lnSpc>
                 <a:spcPct val="115000"/>
               </a:lnSpc>
@@ -2802,7 +2876,7 @@
               <a:buChar char="●"/>
               <a:defRPr/>
             </a:lvl7pPr>
-            <a:lvl8pPr indent="-317500" lvl="7" marL="3657600" algn="ctr">
+            <a:lvl8pPr marL="3657600" lvl="7" indent="-317500" algn="ctr">
               <a:lnSpc>
                 <a:spcPct val="115000"/>
               </a:lnSpc>
@@ -2816,7 +2890,7 @@
               <a:buChar char="○"/>
               <a:defRPr/>
             </a:lvl8pPr>
-            <a:lvl9pPr indent="-317500" lvl="8" marL="4114800" algn="ctr">
+            <a:lvl9pPr marL="4114800" lvl="8" indent="-317500" algn="ctr">
               <a:lnSpc>
                 <a:spcPct val="115000"/>
               </a:lnSpc>
@@ -2831,15 +2905,19 @@
               <a:defRPr/>
             </a:lvl9pPr>
           </a:lstStyle>
-          <a:p/>
+          <a:p>
+            <a:endParaRPr/>
+          </a:p>
         </p:txBody>
       </p:sp>
       <p:sp>
         <p:nvSpPr>
           <p:cNvPr id="47" name="Google Shape;47;p19"/>
-          <p:cNvSpPr txBox="1"/>
+          <p:cNvSpPr txBox="1">
+            <a:spLocks noGrp="1"/>
+          </p:cNvSpPr>
           <p:nvPr>
-            <p:ph idx="12" type="sldNum"/>
+            <p:ph type="sldNum" idx="12"/>
           </p:nvPr>
         </p:nvSpPr>
         <p:spPr>
@@ -2856,11 +2934,11 @@
           </a:ln>
         </p:spPr>
         <p:txBody>
-          <a:bodyPr anchorCtr="0" anchor="ctr" bIns="91425" lIns="91425" spcFirstLastPara="1" rIns="91425" wrap="square" tIns="91425">
+          <a:bodyPr spcFirstLastPara="1" wrap="square" lIns="91425" tIns="91425" rIns="91425" bIns="91425" anchor="ctr" anchorCtr="0">
             <a:normAutofit/>
           </a:bodyPr>
           <a:lstStyle>
-            <a:lvl1pPr indent="0" lvl="0" marL="0" marR="0" algn="r">
+            <a:lvl1pPr marL="0" marR="0" lvl="0" indent="0" algn="r">
               <a:lnSpc>
                 <a:spcPct val="100000"/>
               </a:lnSpc>
@@ -2876,7 +2954,7 @@
               <a:buSzPts val="1000"/>
               <a:buFont typeface="Arial"/>
               <a:buNone/>
-              <a:defRPr b="0" i="0" sz="1000" u="none" cap="none" strike="noStrike">
+              <a:defRPr sz="1000" b="0" i="0" u="none" strike="noStrike" cap="none">
                 <a:solidFill>
                   <a:schemeClr val="lt2"/>
                 </a:solidFill>
@@ -2886,7 +2964,7 @@
                 <a:sym typeface="Arial"/>
               </a:defRPr>
             </a:lvl1pPr>
-            <a:lvl2pPr indent="0" lvl="1" marL="0" marR="0" algn="r">
+            <a:lvl2pPr marL="0" marR="0" lvl="1" indent="0" algn="r">
               <a:lnSpc>
                 <a:spcPct val="100000"/>
               </a:lnSpc>
@@ -2902,7 +2980,7 @@
               <a:buSzPts val="1000"/>
               <a:buFont typeface="Arial"/>
               <a:buNone/>
-              <a:defRPr b="0" i="0" sz="1000" u="none" cap="none" strike="noStrike">
+              <a:defRPr sz="1000" b="0" i="0" u="none" strike="noStrike" cap="none">
                 <a:solidFill>
                   <a:schemeClr val="lt2"/>
                 </a:solidFill>
@@ -2912,7 +2990,7 @@
                 <a:sym typeface="Arial"/>
               </a:defRPr>
             </a:lvl2pPr>
-            <a:lvl3pPr indent="0" lvl="2" marL="0" marR="0" algn="r">
+            <a:lvl3pPr marL="0" marR="0" lvl="2" indent="0" algn="r">
               <a:lnSpc>
                 <a:spcPct val="100000"/>
               </a:lnSpc>
@@ -2928,7 +3006,7 @@
               <a:buSzPts val="1000"/>
               <a:buFont typeface="Arial"/>
               <a:buNone/>
-              <a:defRPr b="0" i="0" sz="1000" u="none" cap="none" strike="noStrike">
+              <a:defRPr sz="1000" b="0" i="0" u="none" strike="noStrike" cap="none">
                 <a:solidFill>
                   <a:schemeClr val="lt2"/>
                 </a:solidFill>
@@ -2938,7 +3016,7 @@
                 <a:sym typeface="Arial"/>
               </a:defRPr>
             </a:lvl3pPr>
-            <a:lvl4pPr indent="0" lvl="3" marL="0" marR="0" algn="r">
+            <a:lvl4pPr marL="0" marR="0" lvl="3" indent="0" algn="r">
               <a:lnSpc>
                 <a:spcPct val="100000"/>
               </a:lnSpc>
@@ -2954,7 +3032,7 @@
               <a:buSzPts val="1000"/>
               <a:buFont typeface="Arial"/>
               <a:buNone/>
-              <a:defRPr b="0" i="0" sz="1000" u="none" cap="none" strike="noStrike">
+              <a:defRPr sz="1000" b="0" i="0" u="none" strike="noStrike" cap="none">
                 <a:solidFill>
                   <a:schemeClr val="lt2"/>
                 </a:solidFill>
@@ -2964,7 +3042,7 @@
                 <a:sym typeface="Arial"/>
               </a:defRPr>
             </a:lvl4pPr>
-            <a:lvl5pPr indent="0" lvl="4" marL="0" marR="0" algn="r">
+            <a:lvl5pPr marL="0" marR="0" lvl="4" indent="0" algn="r">
               <a:lnSpc>
                 <a:spcPct val="100000"/>
               </a:lnSpc>
@@ -2980,7 +3058,7 @@
               <a:buSzPts val="1000"/>
               <a:buFont typeface="Arial"/>
               <a:buNone/>
-              <a:defRPr b="0" i="0" sz="1000" u="none" cap="none" strike="noStrike">
+              <a:defRPr sz="1000" b="0" i="0" u="none" strike="noStrike" cap="none">
                 <a:solidFill>
                   <a:schemeClr val="lt2"/>
                 </a:solidFill>
@@ -2990,7 +3068,7 @@
                 <a:sym typeface="Arial"/>
               </a:defRPr>
             </a:lvl5pPr>
-            <a:lvl6pPr indent="0" lvl="5" marL="0" marR="0" algn="r">
+            <a:lvl6pPr marL="0" marR="0" lvl="5" indent="0" algn="r">
               <a:lnSpc>
                 <a:spcPct val="100000"/>
               </a:lnSpc>
@@ -3006,7 +3084,7 @@
               <a:buSzPts val="1000"/>
               <a:buFont typeface="Arial"/>
               <a:buNone/>
-              <a:defRPr b="0" i="0" sz="1000" u="none" cap="none" strike="noStrike">
+              <a:defRPr sz="1000" b="0" i="0" u="none" strike="noStrike" cap="none">
                 <a:solidFill>
                   <a:schemeClr val="lt2"/>
                 </a:solidFill>
@@ -3016,7 +3094,7 @@
                 <a:sym typeface="Arial"/>
               </a:defRPr>
             </a:lvl6pPr>
-            <a:lvl7pPr indent="0" lvl="6" marL="0" marR="0" algn="r">
+            <a:lvl7pPr marL="0" marR="0" lvl="6" indent="0" algn="r">
               <a:lnSpc>
                 <a:spcPct val="100000"/>
               </a:lnSpc>
@@ -3032,7 +3110,7 @@
               <a:buSzPts val="1000"/>
               <a:buFont typeface="Arial"/>
               <a:buNone/>
-              <a:defRPr b="0" i="0" sz="1000" u="none" cap="none" strike="noStrike">
+              <a:defRPr sz="1000" b="0" i="0" u="none" strike="noStrike" cap="none">
                 <a:solidFill>
                   <a:schemeClr val="lt2"/>
                 </a:solidFill>
@@ -3042,7 +3120,7 @@
                 <a:sym typeface="Arial"/>
               </a:defRPr>
             </a:lvl7pPr>
-            <a:lvl8pPr indent="0" lvl="7" marL="0" marR="0" algn="r">
+            <a:lvl8pPr marL="0" marR="0" lvl="7" indent="0" algn="r">
               <a:lnSpc>
                 <a:spcPct val="100000"/>
               </a:lnSpc>
@@ -3058,7 +3136,7 @@
               <a:buSzPts val="1000"/>
               <a:buFont typeface="Arial"/>
               <a:buNone/>
-              <a:defRPr b="0" i="0" sz="1000" u="none" cap="none" strike="noStrike">
+              <a:defRPr sz="1000" b="0" i="0" u="none" strike="noStrike" cap="none">
                 <a:solidFill>
                   <a:schemeClr val="lt2"/>
                 </a:solidFill>
@@ -3068,7 +3146,7 @@
                 <a:sym typeface="Arial"/>
               </a:defRPr>
             </a:lvl8pPr>
-            <a:lvl9pPr indent="0" lvl="8" marL="0" marR="0" algn="r">
+            <a:lvl9pPr marL="0" marR="0" lvl="8" indent="0" algn="r">
               <a:lnSpc>
                 <a:spcPct val="100000"/>
               </a:lnSpc>
@@ -3084,7 +3162,7 @@
               <a:buSzPts val="1000"/>
               <a:buFont typeface="Arial"/>
               <a:buNone/>
-              <a:defRPr b="0" i="0" sz="1000" u="none" cap="none" strike="noStrike">
+              <a:defRPr sz="1000" b="0" i="0" u="none" strike="noStrike" cap="none">
                 <a:solidFill>
                   <a:schemeClr val="lt2"/>
                 </a:solidFill>
@@ -3096,7 +3174,7 @@
             </a:lvl9pPr>
           </a:lstStyle>
           <a:p>
-            <a:pPr indent="0" lvl="0" marL="0" rtl="0" algn="r">
+            <a:pPr marL="0" lvl="0" indent="0" algn="r" rtl="0">
               <a:spcBef>
                 <a:spcPts val="0"/>
               </a:spcBef>
@@ -3107,7 +3185,7 @@
             </a:pPr>
             <a:fld id="{00000000-1234-1234-1234-123412341234}" type="slidenum">
               <a:rPr lang="pt-BR"/>
-              <a:t>‹#›</a:t>
+              <a:t>‹nº›</a:t>
             </a:fld>
             <a:endParaRPr/>
           </a:p>
@@ -3122,11 +3200,11 @@
 </file>
 
 <file path=ppt/slideLayouts/slideLayout11.xml><?xml version="1.0" encoding="utf-8"?>
-<p:sldLayout xmlns:a="http://schemas.openxmlformats.org/drawingml/2006/main" xmlns:r="http://schemas.openxmlformats.org/officeDocument/2006/relationships" xmlns:mc="http://schemas.openxmlformats.org/markup-compatibility/2006" xmlns:mv="urn:schemas-microsoft-com:mac:vml" xmlns:p="http://schemas.openxmlformats.org/presentationml/2006/main" xmlns:c="http://schemas.openxmlformats.org/drawingml/2006/chart" xmlns:dgm="http://schemas.openxmlformats.org/drawingml/2006/diagram" xmlns:o="urn:schemas-microsoft-com:office:office" xmlns:v="urn:schemas-microsoft-com:vml" xmlns:pvml="urn:schemas-microsoft-com:office:powerpoint" xmlns:com="http://schemas.openxmlformats.org/drawingml/2006/compatibility" xmlns:p14="http://schemas.microsoft.com/office/powerpoint/2010/main" xmlns:p15="http://schemas.microsoft.com/office/powerpoint/2012/main" xmlns:ahyp="http://schemas.microsoft.com/office/drawing/2018/hyperlinkcolor" matchingName="Blank" type="blank">
+<p:sldLayout xmlns:a="http://schemas.openxmlformats.org/drawingml/2006/main" xmlns:r="http://schemas.openxmlformats.org/officeDocument/2006/relationships" xmlns:p="http://schemas.openxmlformats.org/presentationml/2006/main" matchingName="Blank" type="blank">
   <p:cSld name="BLANK">
     <p:spTree>
       <p:nvGrpSpPr>
-        <p:cNvPr id="48" name="Shape 48"/>
+        <p:cNvPr id="1" name="Shape 48"/>
         <p:cNvGrpSpPr/>
         <p:nvPr/>
       </p:nvGrpSpPr>
@@ -3141,9 +3219,11 @@
       <p:sp>
         <p:nvSpPr>
           <p:cNvPr id="49" name="Google Shape;49;p20"/>
-          <p:cNvSpPr txBox="1"/>
+          <p:cNvSpPr txBox="1">
+            <a:spLocks noGrp="1"/>
+          </p:cNvSpPr>
           <p:nvPr>
-            <p:ph idx="12" type="sldNum"/>
+            <p:ph type="sldNum" idx="12"/>
           </p:nvPr>
         </p:nvSpPr>
         <p:spPr>
@@ -3160,11 +3240,11 @@
           </a:ln>
         </p:spPr>
         <p:txBody>
-          <a:bodyPr anchorCtr="0" anchor="ctr" bIns="91425" lIns="91425" spcFirstLastPara="1" rIns="91425" wrap="square" tIns="91425">
+          <a:bodyPr spcFirstLastPara="1" wrap="square" lIns="91425" tIns="91425" rIns="91425" bIns="91425" anchor="ctr" anchorCtr="0">
             <a:normAutofit/>
           </a:bodyPr>
           <a:lstStyle>
-            <a:lvl1pPr indent="0" lvl="0" marL="0" marR="0" algn="r">
+            <a:lvl1pPr marL="0" marR="0" lvl="0" indent="0" algn="r">
               <a:lnSpc>
                 <a:spcPct val="100000"/>
               </a:lnSpc>
@@ -3180,7 +3260,7 @@
               <a:buSzPts val="1000"/>
               <a:buFont typeface="Arial"/>
               <a:buNone/>
-              <a:defRPr b="0" i="0" sz="1000" u="none" cap="none" strike="noStrike">
+              <a:defRPr sz="1000" b="0" i="0" u="none" strike="noStrike" cap="none">
                 <a:solidFill>
                   <a:schemeClr val="lt2"/>
                 </a:solidFill>
@@ -3190,7 +3270,7 @@
                 <a:sym typeface="Arial"/>
               </a:defRPr>
             </a:lvl1pPr>
-            <a:lvl2pPr indent="0" lvl="1" marL="0" marR="0" algn="r">
+            <a:lvl2pPr marL="0" marR="0" lvl="1" indent="0" algn="r">
               <a:lnSpc>
                 <a:spcPct val="100000"/>
               </a:lnSpc>
@@ -3206,7 +3286,7 @@
               <a:buSzPts val="1000"/>
               <a:buFont typeface="Arial"/>
               <a:buNone/>
-              <a:defRPr b="0" i="0" sz="1000" u="none" cap="none" strike="noStrike">
+              <a:defRPr sz="1000" b="0" i="0" u="none" strike="noStrike" cap="none">
                 <a:solidFill>
                   <a:schemeClr val="lt2"/>
                 </a:solidFill>
@@ -3216,7 +3296,7 @@
                 <a:sym typeface="Arial"/>
               </a:defRPr>
             </a:lvl2pPr>
-            <a:lvl3pPr indent="0" lvl="2" marL="0" marR="0" algn="r">
+            <a:lvl3pPr marL="0" marR="0" lvl="2" indent="0" algn="r">
               <a:lnSpc>
                 <a:spcPct val="100000"/>
               </a:lnSpc>
@@ -3232,7 +3312,7 @@
               <a:buSzPts val="1000"/>
               <a:buFont typeface="Arial"/>
               <a:buNone/>
-              <a:defRPr b="0" i="0" sz="1000" u="none" cap="none" strike="noStrike">
+              <a:defRPr sz="1000" b="0" i="0" u="none" strike="noStrike" cap="none">
                 <a:solidFill>
                   <a:schemeClr val="lt2"/>
                 </a:solidFill>
@@ -3242,7 +3322,7 @@
                 <a:sym typeface="Arial"/>
               </a:defRPr>
             </a:lvl3pPr>
-            <a:lvl4pPr indent="0" lvl="3" marL="0" marR="0" algn="r">
+            <a:lvl4pPr marL="0" marR="0" lvl="3" indent="0" algn="r">
               <a:lnSpc>
                 <a:spcPct val="100000"/>
               </a:lnSpc>
@@ -3258,7 +3338,7 @@
               <a:buSzPts val="1000"/>
               <a:buFont typeface="Arial"/>
               <a:buNone/>
-              <a:defRPr b="0" i="0" sz="1000" u="none" cap="none" strike="noStrike">
+              <a:defRPr sz="1000" b="0" i="0" u="none" strike="noStrike" cap="none">
                 <a:solidFill>
                   <a:schemeClr val="lt2"/>
                 </a:solidFill>
@@ -3268,7 +3348,7 @@
                 <a:sym typeface="Arial"/>
               </a:defRPr>
             </a:lvl4pPr>
-            <a:lvl5pPr indent="0" lvl="4" marL="0" marR="0" algn="r">
+            <a:lvl5pPr marL="0" marR="0" lvl="4" indent="0" algn="r">
               <a:lnSpc>
                 <a:spcPct val="100000"/>
               </a:lnSpc>
@@ -3284,7 +3364,7 @@
               <a:buSzPts val="1000"/>
               <a:buFont typeface="Arial"/>
               <a:buNone/>
-              <a:defRPr b="0" i="0" sz="1000" u="none" cap="none" strike="noStrike">
+              <a:defRPr sz="1000" b="0" i="0" u="none" strike="noStrike" cap="none">
                 <a:solidFill>
                   <a:schemeClr val="lt2"/>
                 </a:solidFill>
@@ -3294,7 +3374,7 @@
                 <a:sym typeface="Arial"/>
               </a:defRPr>
             </a:lvl5pPr>
-            <a:lvl6pPr indent="0" lvl="5" marL="0" marR="0" algn="r">
+            <a:lvl6pPr marL="0" marR="0" lvl="5" indent="0" algn="r">
               <a:lnSpc>
                 <a:spcPct val="100000"/>
               </a:lnSpc>
@@ -3310,7 +3390,7 @@
               <a:buSzPts val="1000"/>
               <a:buFont typeface="Arial"/>
               <a:buNone/>
-              <a:defRPr b="0" i="0" sz="1000" u="none" cap="none" strike="noStrike">
+              <a:defRPr sz="1000" b="0" i="0" u="none" strike="noStrike" cap="none">
                 <a:solidFill>
                   <a:schemeClr val="lt2"/>
                 </a:solidFill>
@@ -3320,7 +3400,7 @@
                 <a:sym typeface="Arial"/>
               </a:defRPr>
             </a:lvl6pPr>
-            <a:lvl7pPr indent="0" lvl="6" marL="0" marR="0" algn="r">
+            <a:lvl7pPr marL="0" marR="0" lvl="6" indent="0" algn="r">
               <a:lnSpc>
                 <a:spcPct val="100000"/>
               </a:lnSpc>
@@ -3336,7 +3416,7 @@
               <a:buSzPts val="1000"/>
               <a:buFont typeface="Arial"/>
               <a:buNone/>
-              <a:defRPr b="0" i="0" sz="1000" u="none" cap="none" strike="noStrike">
+              <a:defRPr sz="1000" b="0" i="0" u="none" strike="noStrike" cap="none">
                 <a:solidFill>
                   <a:schemeClr val="lt2"/>
                 </a:solidFill>
@@ -3346,7 +3426,7 @@
                 <a:sym typeface="Arial"/>
               </a:defRPr>
             </a:lvl7pPr>
-            <a:lvl8pPr indent="0" lvl="7" marL="0" marR="0" algn="r">
+            <a:lvl8pPr marL="0" marR="0" lvl="7" indent="0" algn="r">
               <a:lnSpc>
                 <a:spcPct val="100000"/>
               </a:lnSpc>
@@ -3362,7 +3442,7 @@
               <a:buSzPts val="1000"/>
               <a:buFont typeface="Arial"/>
               <a:buNone/>
-              <a:defRPr b="0" i="0" sz="1000" u="none" cap="none" strike="noStrike">
+              <a:defRPr sz="1000" b="0" i="0" u="none" strike="noStrike" cap="none">
                 <a:solidFill>
                   <a:schemeClr val="lt2"/>
                 </a:solidFill>
@@ -3372,7 +3452,7 @@
                 <a:sym typeface="Arial"/>
               </a:defRPr>
             </a:lvl8pPr>
-            <a:lvl9pPr indent="0" lvl="8" marL="0" marR="0" algn="r">
+            <a:lvl9pPr marL="0" marR="0" lvl="8" indent="0" algn="r">
               <a:lnSpc>
                 <a:spcPct val="100000"/>
               </a:lnSpc>
@@ -3388,7 +3468,7 @@
               <a:buSzPts val="1000"/>
               <a:buFont typeface="Arial"/>
               <a:buNone/>
-              <a:defRPr b="0" i="0" sz="1000" u="none" cap="none" strike="noStrike">
+              <a:defRPr sz="1000" b="0" i="0" u="none" strike="noStrike" cap="none">
                 <a:solidFill>
                   <a:schemeClr val="lt2"/>
                 </a:solidFill>
@@ -3400,7 +3480,7 @@
             </a:lvl9pPr>
           </a:lstStyle>
           <a:p>
-            <a:pPr indent="0" lvl="0" marL="0" rtl="0" algn="r">
+            <a:pPr marL="0" lvl="0" indent="0" algn="r" rtl="0">
               <a:spcBef>
                 <a:spcPts val="0"/>
               </a:spcBef>
@@ -3411,7 +3491,7 @@
             </a:pPr>
             <a:fld id="{00000000-1234-1234-1234-123412341234}" type="slidenum">
               <a:rPr lang="pt-BR"/>
-              <a:t>‹#›</a:t>
+              <a:t>‹nº›</a:t>
             </a:fld>
             <a:endParaRPr/>
           </a:p>
@@ -3426,11 +3506,11 @@
 </file>
 
 <file path=ppt/slideLayouts/slideLayout2.xml><?xml version="1.0" encoding="utf-8"?>
-<p:sldLayout xmlns:a="http://schemas.openxmlformats.org/drawingml/2006/main" xmlns:r="http://schemas.openxmlformats.org/officeDocument/2006/relationships" xmlns:mc="http://schemas.openxmlformats.org/markup-compatibility/2006" xmlns:mv="urn:schemas-microsoft-com:mac:vml" xmlns:p="http://schemas.openxmlformats.org/presentationml/2006/main" xmlns:c="http://schemas.openxmlformats.org/drawingml/2006/chart" xmlns:dgm="http://schemas.openxmlformats.org/drawingml/2006/diagram" xmlns:o="urn:schemas-microsoft-com:office:office" xmlns:v="urn:schemas-microsoft-com:vml" xmlns:pvml="urn:schemas-microsoft-com:office:powerpoint" xmlns:com="http://schemas.openxmlformats.org/drawingml/2006/compatibility" xmlns:p14="http://schemas.microsoft.com/office/powerpoint/2010/main" xmlns:p15="http://schemas.microsoft.com/office/powerpoint/2012/main" xmlns:ahyp="http://schemas.microsoft.com/office/drawing/2018/hyperlinkcolor" matchingName="Title and body" type="tx">
+<p:sldLayout xmlns:a="http://schemas.openxmlformats.org/drawingml/2006/main" xmlns:r="http://schemas.openxmlformats.org/officeDocument/2006/relationships" xmlns:p="http://schemas.openxmlformats.org/presentationml/2006/main" matchingName="Title and body" type="tx">
   <p:cSld name="TITLE_AND_BODY">
     <p:spTree>
       <p:nvGrpSpPr>
-        <p:cNvPr id="13" name="Shape 13"/>
+        <p:cNvPr id="1" name="Shape 13"/>
         <p:cNvGrpSpPr/>
         <p:nvPr/>
       </p:nvGrpSpPr>
@@ -3445,7 +3525,9 @@
       <p:sp>
         <p:nvSpPr>
           <p:cNvPr id="14" name="Google Shape;14;p11"/>
-          <p:cNvSpPr txBox="1"/>
+          <p:cNvSpPr txBox="1">
+            <a:spLocks noGrp="1"/>
+          </p:cNvSpPr>
           <p:nvPr>
             <p:ph type="title"/>
           </p:nvPr>
@@ -3464,7 +3546,7 @@
           </a:ln>
         </p:spPr>
         <p:txBody>
-          <a:bodyPr anchorCtr="0" anchor="t" bIns="91425" lIns="91425" spcFirstLastPara="1" rIns="91425" wrap="square" tIns="91425">
+          <a:bodyPr spcFirstLastPara="1" wrap="square" lIns="91425" tIns="91425" rIns="91425" bIns="91425" anchor="t" anchorCtr="0">
             <a:normAutofit/>
           </a:bodyPr>
           <a:lstStyle>
@@ -3595,15 +3677,19 @@
               <a:defRPr/>
             </a:lvl9pPr>
           </a:lstStyle>
-          <a:p/>
+          <a:p>
+            <a:endParaRPr/>
+          </a:p>
         </p:txBody>
       </p:sp>
       <p:sp>
         <p:nvSpPr>
           <p:cNvPr id="15" name="Google Shape;15;p11"/>
-          <p:cNvSpPr txBox="1"/>
+          <p:cNvSpPr txBox="1">
+            <a:spLocks noGrp="1"/>
+          </p:cNvSpPr>
           <p:nvPr>
-            <p:ph idx="1" type="body"/>
+            <p:ph type="body" idx="1"/>
           </p:nvPr>
         </p:nvSpPr>
         <p:spPr>
@@ -3620,11 +3706,11 @@
           </a:ln>
         </p:spPr>
         <p:txBody>
-          <a:bodyPr anchorCtr="0" anchor="t" bIns="91425" lIns="91425" spcFirstLastPara="1" rIns="91425" wrap="square" tIns="91425">
+          <a:bodyPr spcFirstLastPara="1" wrap="square" lIns="91425" tIns="91425" rIns="91425" bIns="91425" anchor="t" anchorCtr="0">
             <a:normAutofit/>
           </a:bodyPr>
           <a:lstStyle>
-            <a:lvl1pPr indent="-342900" lvl="0" marL="457200" algn="l">
+            <a:lvl1pPr marL="457200" lvl="0" indent="-342900" algn="l">
               <a:lnSpc>
                 <a:spcPct val="115000"/>
               </a:lnSpc>
@@ -3638,7 +3724,7 @@
               <a:buChar char="●"/>
               <a:defRPr/>
             </a:lvl1pPr>
-            <a:lvl2pPr indent="-317500" lvl="1" marL="914400" algn="l">
+            <a:lvl2pPr marL="914400" lvl="1" indent="-317500" algn="l">
               <a:lnSpc>
                 <a:spcPct val="115000"/>
               </a:lnSpc>
@@ -3652,7 +3738,7 @@
               <a:buChar char="○"/>
               <a:defRPr/>
             </a:lvl2pPr>
-            <a:lvl3pPr indent="-317500" lvl="2" marL="1371600" algn="l">
+            <a:lvl3pPr marL="1371600" lvl="2" indent="-317500" algn="l">
               <a:lnSpc>
                 <a:spcPct val="115000"/>
               </a:lnSpc>
@@ -3666,7 +3752,7 @@
               <a:buChar char="■"/>
               <a:defRPr/>
             </a:lvl3pPr>
-            <a:lvl4pPr indent="-317500" lvl="3" marL="1828800" algn="l">
+            <a:lvl4pPr marL="1828800" lvl="3" indent="-317500" algn="l">
               <a:lnSpc>
                 <a:spcPct val="115000"/>
               </a:lnSpc>
@@ -3680,7 +3766,7 @@
               <a:buChar char="●"/>
               <a:defRPr/>
             </a:lvl4pPr>
-            <a:lvl5pPr indent="-317500" lvl="4" marL="2286000" algn="l">
+            <a:lvl5pPr marL="2286000" lvl="4" indent="-317500" algn="l">
               <a:lnSpc>
                 <a:spcPct val="115000"/>
               </a:lnSpc>
@@ -3694,7 +3780,7 @@
               <a:buChar char="○"/>
               <a:defRPr/>
             </a:lvl5pPr>
-            <a:lvl6pPr indent="-317500" lvl="5" marL="2743200" algn="l">
+            <a:lvl6pPr marL="2743200" lvl="5" indent="-317500" algn="l">
               <a:lnSpc>
                 <a:spcPct val="115000"/>
               </a:lnSpc>
@@ -3708,7 +3794,7 @@
               <a:buChar char="■"/>
               <a:defRPr/>
             </a:lvl6pPr>
-            <a:lvl7pPr indent="-317500" lvl="6" marL="3200400" algn="l">
+            <a:lvl7pPr marL="3200400" lvl="6" indent="-317500" algn="l">
               <a:lnSpc>
                 <a:spcPct val="115000"/>
               </a:lnSpc>
@@ -3722,7 +3808,7 @@
               <a:buChar char="●"/>
               <a:defRPr/>
             </a:lvl7pPr>
-            <a:lvl8pPr indent="-317500" lvl="7" marL="3657600" algn="l">
+            <a:lvl8pPr marL="3657600" lvl="7" indent="-317500" algn="l">
               <a:lnSpc>
                 <a:spcPct val="115000"/>
               </a:lnSpc>
@@ -3736,7 +3822,7 @@
               <a:buChar char="○"/>
               <a:defRPr/>
             </a:lvl8pPr>
-            <a:lvl9pPr indent="-317500" lvl="8" marL="4114800" algn="l">
+            <a:lvl9pPr marL="4114800" lvl="8" indent="-317500" algn="l">
               <a:lnSpc>
                 <a:spcPct val="115000"/>
               </a:lnSpc>
@@ -3751,15 +3837,19 @@
               <a:defRPr/>
             </a:lvl9pPr>
           </a:lstStyle>
-          <a:p/>
+          <a:p>
+            <a:endParaRPr/>
+          </a:p>
         </p:txBody>
       </p:sp>
       <p:sp>
         <p:nvSpPr>
           <p:cNvPr id="16" name="Google Shape;16;p11"/>
-          <p:cNvSpPr txBox="1"/>
+          <p:cNvSpPr txBox="1">
+            <a:spLocks noGrp="1"/>
+          </p:cNvSpPr>
           <p:nvPr>
-            <p:ph idx="12" type="sldNum"/>
+            <p:ph type="sldNum" idx="12"/>
           </p:nvPr>
         </p:nvSpPr>
         <p:spPr>
@@ -3776,11 +3866,11 @@
           </a:ln>
         </p:spPr>
         <p:txBody>
-          <a:bodyPr anchorCtr="0" anchor="ctr" bIns="91425" lIns="91425" spcFirstLastPara="1" rIns="91425" wrap="square" tIns="91425">
+          <a:bodyPr spcFirstLastPara="1" wrap="square" lIns="91425" tIns="91425" rIns="91425" bIns="91425" anchor="ctr" anchorCtr="0">
             <a:normAutofit/>
           </a:bodyPr>
           <a:lstStyle>
-            <a:lvl1pPr indent="0" lvl="0" marL="0" marR="0" algn="r">
+            <a:lvl1pPr marL="0" marR="0" lvl="0" indent="0" algn="r">
               <a:lnSpc>
                 <a:spcPct val="100000"/>
               </a:lnSpc>
@@ -3796,7 +3886,7 @@
               <a:buSzPts val="1000"/>
               <a:buFont typeface="Arial"/>
               <a:buNone/>
-              <a:defRPr b="0" i="0" sz="1000" u="none" cap="none" strike="noStrike">
+              <a:defRPr sz="1000" b="0" i="0" u="none" strike="noStrike" cap="none">
                 <a:solidFill>
                   <a:schemeClr val="lt2"/>
                 </a:solidFill>
@@ -3806,7 +3896,7 @@
                 <a:sym typeface="Arial"/>
               </a:defRPr>
             </a:lvl1pPr>
-            <a:lvl2pPr indent="0" lvl="1" marL="0" marR="0" algn="r">
+            <a:lvl2pPr marL="0" marR="0" lvl="1" indent="0" algn="r">
               <a:lnSpc>
                 <a:spcPct val="100000"/>
               </a:lnSpc>
@@ -3822,7 +3912,7 @@
               <a:buSzPts val="1000"/>
               <a:buFont typeface="Arial"/>
               <a:buNone/>
-              <a:defRPr b="0" i="0" sz="1000" u="none" cap="none" strike="noStrike">
+              <a:defRPr sz="1000" b="0" i="0" u="none" strike="noStrike" cap="none">
                 <a:solidFill>
                   <a:schemeClr val="lt2"/>
                 </a:solidFill>
@@ -3832,7 +3922,7 @@
                 <a:sym typeface="Arial"/>
               </a:defRPr>
             </a:lvl2pPr>
-            <a:lvl3pPr indent="0" lvl="2" marL="0" marR="0" algn="r">
+            <a:lvl3pPr marL="0" marR="0" lvl="2" indent="0" algn="r">
               <a:lnSpc>
                 <a:spcPct val="100000"/>
               </a:lnSpc>
@@ -3848,7 +3938,7 @@
               <a:buSzPts val="1000"/>
               <a:buFont typeface="Arial"/>
               <a:buNone/>
-              <a:defRPr b="0" i="0" sz="1000" u="none" cap="none" strike="noStrike">
+              <a:defRPr sz="1000" b="0" i="0" u="none" strike="noStrike" cap="none">
                 <a:solidFill>
                   <a:schemeClr val="lt2"/>
                 </a:solidFill>
@@ -3858,7 +3948,7 @@
                 <a:sym typeface="Arial"/>
               </a:defRPr>
             </a:lvl3pPr>
-            <a:lvl4pPr indent="0" lvl="3" marL="0" marR="0" algn="r">
+            <a:lvl4pPr marL="0" marR="0" lvl="3" indent="0" algn="r">
               <a:lnSpc>
                 <a:spcPct val="100000"/>
               </a:lnSpc>
@@ -3874,7 +3964,7 @@
               <a:buSzPts val="1000"/>
               <a:buFont typeface="Arial"/>
               <a:buNone/>
-              <a:defRPr b="0" i="0" sz="1000" u="none" cap="none" strike="noStrike">
+              <a:defRPr sz="1000" b="0" i="0" u="none" strike="noStrike" cap="none">
                 <a:solidFill>
                   <a:schemeClr val="lt2"/>
                 </a:solidFill>
@@ -3884,7 +3974,7 @@
                 <a:sym typeface="Arial"/>
               </a:defRPr>
             </a:lvl4pPr>
-            <a:lvl5pPr indent="0" lvl="4" marL="0" marR="0" algn="r">
+            <a:lvl5pPr marL="0" marR="0" lvl="4" indent="0" algn="r">
               <a:lnSpc>
                 <a:spcPct val="100000"/>
               </a:lnSpc>
@@ -3900,7 +3990,7 @@
               <a:buSzPts val="1000"/>
               <a:buFont typeface="Arial"/>
               <a:buNone/>
-              <a:defRPr b="0" i="0" sz="1000" u="none" cap="none" strike="noStrike">
+              <a:defRPr sz="1000" b="0" i="0" u="none" strike="noStrike" cap="none">
                 <a:solidFill>
                   <a:schemeClr val="lt2"/>
                 </a:solidFill>
@@ -3910,7 +4000,7 @@
                 <a:sym typeface="Arial"/>
               </a:defRPr>
             </a:lvl5pPr>
-            <a:lvl6pPr indent="0" lvl="5" marL="0" marR="0" algn="r">
+            <a:lvl6pPr marL="0" marR="0" lvl="5" indent="0" algn="r">
               <a:lnSpc>
                 <a:spcPct val="100000"/>
               </a:lnSpc>
@@ -3926,7 +4016,7 @@
               <a:buSzPts val="1000"/>
               <a:buFont typeface="Arial"/>
               <a:buNone/>
-              <a:defRPr b="0" i="0" sz="1000" u="none" cap="none" strike="noStrike">
+              <a:defRPr sz="1000" b="0" i="0" u="none" strike="noStrike" cap="none">
                 <a:solidFill>
                   <a:schemeClr val="lt2"/>
                 </a:solidFill>
@@ -3936,7 +4026,7 @@
                 <a:sym typeface="Arial"/>
               </a:defRPr>
             </a:lvl6pPr>
-            <a:lvl7pPr indent="0" lvl="6" marL="0" marR="0" algn="r">
+            <a:lvl7pPr marL="0" marR="0" lvl="6" indent="0" algn="r">
               <a:lnSpc>
                 <a:spcPct val="100000"/>
               </a:lnSpc>
@@ -3952,7 +4042,7 @@
               <a:buSzPts val="1000"/>
               <a:buFont typeface="Arial"/>
               <a:buNone/>
-              <a:defRPr b="0" i="0" sz="1000" u="none" cap="none" strike="noStrike">
+              <a:defRPr sz="1000" b="0" i="0" u="none" strike="noStrike" cap="none">
                 <a:solidFill>
                   <a:schemeClr val="lt2"/>
                 </a:solidFill>
@@ -3962,7 +4052,7 @@
                 <a:sym typeface="Arial"/>
               </a:defRPr>
             </a:lvl7pPr>
-            <a:lvl8pPr indent="0" lvl="7" marL="0" marR="0" algn="r">
+            <a:lvl8pPr marL="0" marR="0" lvl="7" indent="0" algn="r">
               <a:lnSpc>
                 <a:spcPct val="100000"/>
               </a:lnSpc>
@@ -3978,7 +4068,7 @@
               <a:buSzPts val="1000"/>
               <a:buFont typeface="Arial"/>
               <a:buNone/>
-              <a:defRPr b="0" i="0" sz="1000" u="none" cap="none" strike="noStrike">
+              <a:defRPr sz="1000" b="0" i="0" u="none" strike="noStrike" cap="none">
                 <a:solidFill>
                   <a:schemeClr val="lt2"/>
                 </a:solidFill>
@@ -3988,7 +4078,7 @@
                 <a:sym typeface="Arial"/>
               </a:defRPr>
             </a:lvl8pPr>
-            <a:lvl9pPr indent="0" lvl="8" marL="0" marR="0" algn="r">
+            <a:lvl9pPr marL="0" marR="0" lvl="8" indent="0" algn="r">
               <a:lnSpc>
                 <a:spcPct val="100000"/>
               </a:lnSpc>
@@ -4004,7 +4094,7 @@
               <a:buSzPts val="1000"/>
               <a:buFont typeface="Arial"/>
               <a:buNone/>
-              <a:defRPr b="0" i="0" sz="1000" u="none" cap="none" strike="noStrike">
+              <a:defRPr sz="1000" b="0" i="0" u="none" strike="noStrike" cap="none">
                 <a:solidFill>
                   <a:schemeClr val="lt2"/>
                 </a:solidFill>
@@ -4016,7 +4106,7 @@
             </a:lvl9pPr>
           </a:lstStyle>
           <a:p>
-            <a:pPr indent="0" lvl="0" marL="0" rtl="0" algn="r">
+            <a:pPr marL="0" lvl="0" indent="0" algn="r" rtl="0">
               <a:spcBef>
                 <a:spcPts val="0"/>
               </a:spcBef>
@@ -4027,7 +4117,7 @@
             </a:pPr>
             <a:fld id="{00000000-1234-1234-1234-123412341234}" type="slidenum">
               <a:rPr lang="pt-BR"/>
-              <a:t>‹#›</a:t>
+              <a:t>‹nº›</a:t>
             </a:fld>
             <a:endParaRPr/>
           </a:p>
@@ -4042,11 +4132,11 @@
 </file>
 
 <file path=ppt/slideLayouts/slideLayout3.xml><?xml version="1.0" encoding="utf-8"?>
-<p:sldLayout xmlns:a="http://schemas.openxmlformats.org/drawingml/2006/main" xmlns:r="http://schemas.openxmlformats.org/officeDocument/2006/relationships" xmlns:mc="http://schemas.openxmlformats.org/markup-compatibility/2006" xmlns:mv="urn:schemas-microsoft-com:mac:vml" xmlns:p="http://schemas.openxmlformats.org/presentationml/2006/main" xmlns:c="http://schemas.openxmlformats.org/drawingml/2006/chart" xmlns:dgm="http://schemas.openxmlformats.org/drawingml/2006/diagram" xmlns:o="urn:schemas-microsoft-com:office:office" xmlns:v="urn:schemas-microsoft-com:vml" xmlns:pvml="urn:schemas-microsoft-com:office:powerpoint" xmlns:com="http://schemas.openxmlformats.org/drawingml/2006/compatibility" xmlns:p14="http://schemas.microsoft.com/office/powerpoint/2010/main" xmlns:p15="http://schemas.microsoft.com/office/powerpoint/2012/main" xmlns:ahyp="http://schemas.microsoft.com/office/drawing/2018/hyperlinkcolor" matchingName="Section header" type="secHead">
+<p:sldLayout xmlns:a="http://schemas.openxmlformats.org/drawingml/2006/main" xmlns:r="http://schemas.openxmlformats.org/officeDocument/2006/relationships" xmlns:p="http://schemas.openxmlformats.org/presentationml/2006/main" matchingName="Section header" type="secHead">
   <p:cSld name="SECTION_HEADER">
     <p:spTree>
       <p:nvGrpSpPr>
-        <p:cNvPr id="17" name="Shape 17"/>
+        <p:cNvPr id="1" name="Shape 17"/>
         <p:cNvGrpSpPr/>
         <p:nvPr/>
       </p:nvGrpSpPr>
@@ -4061,7 +4151,9 @@
       <p:sp>
         <p:nvSpPr>
           <p:cNvPr id="18" name="Google Shape;18;p12"/>
-          <p:cNvSpPr txBox="1"/>
+          <p:cNvSpPr txBox="1">
+            <a:spLocks noGrp="1"/>
+          </p:cNvSpPr>
           <p:nvPr>
             <p:ph type="title"/>
           </p:nvPr>
@@ -4080,7 +4172,7 @@
           </a:ln>
         </p:spPr>
         <p:txBody>
-          <a:bodyPr anchorCtr="0" anchor="ctr" bIns="91425" lIns="91425" spcFirstLastPara="1" rIns="91425" wrap="square" tIns="91425">
+          <a:bodyPr spcFirstLastPara="1" wrap="square" lIns="91425" tIns="91425" rIns="91425" bIns="91425" anchor="ctr" anchorCtr="0">
             <a:normAutofit/>
           </a:bodyPr>
           <a:lstStyle>
@@ -4211,15 +4303,19 @@
               <a:defRPr sz="3600"/>
             </a:lvl9pPr>
           </a:lstStyle>
-          <a:p/>
+          <a:p>
+            <a:endParaRPr/>
+          </a:p>
         </p:txBody>
       </p:sp>
       <p:sp>
         <p:nvSpPr>
           <p:cNvPr id="19" name="Google Shape;19;p12"/>
-          <p:cNvSpPr txBox="1"/>
+          <p:cNvSpPr txBox="1">
+            <a:spLocks noGrp="1"/>
+          </p:cNvSpPr>
           <p:nvPr>
-            <p:ph idx="12" type="sldNum"/>
+            <p:ph type="sldNum" idx="12"/>
           </p:nvPr>
         </p:nvSpPr>
         <p:spPr>
@@ -4236,11 +4332,11 @@
           </a:ln>
         </p:spPr>
         <p:txBody>
-          <a:bodyPr anchorCtr="0" anchor="ctr" bIns="91425" lIns="91425" spcFirstLastPara="1" rIns="91425" wrap="square" tIns="91425">
+          <a:bodyPr spcFirstLastPara="1" wrap="square" lIns="91425" tIns="91425" rIns="91425" bIns="91425" anchor="ctr" anchorCtr="0">
             <a:normAutofit/>
           </a:bodyPr>
           <a:lstStyle>
-            <a:lvl1pPr indent="0" lvl="0" marL="0" marR="0" algn="r">
+            <a:lvl1pPr marL="0" marR="0" lvl="0" indent="0" algn="r">
               <a:lnSpc>
                 <a:spcPct val="100000"/>
               </a:lnSpc>
@@ -4256,7 +4352,7 @@
               <a:buSzPts val="1000"/>
               <a:buFont typeface="Arial"/>
               <a:buNone/>
-              <a:defRPr b="0" i="0" sz="1000" u="none" cap="none" strike="noStrike">
+              <a:defRPr sz="1000" b="0" i="0" u="none" strike="noStrike" cap="none">
                 <a:solidFill>
                   <a:schemeClr val="lt2"/>
                 </a:solidFill>
@@ -4266,7 +4362,7 @@
                 <a:sym typeface="Arial"/>
               </a:defRPr>
             </a:lvl1pPr>
-            <a:lvl2pPr indent="0" lvl="1" marL="0" marR="0" algn="r">
+            <a:lvl2pPr marL="0" marR="0" lvl="1" indent="0" algn="r">
               <a:lnSpc>
                 <a:spcPct val="100000"/>
               </a:lnSpc>
@@ -4282,7 +4378,7 @@
               <a:buSzPts val="1000"/>
               <a:buFont typeface="Arial"/>
               <a:buNone/>
-              <a:defRPr b="0" i="0" sz="1000" u="none" cap="none" strike="noStrike">
+              <a:defRPr sz="1000" b="0" i="0" u="none" strike="noStrike" cap="none">
                 <a:solidFill>
                   <a:schemeClr val="lt2"/>
                 </a:solidFill>
@@ -4292,7 +4388,7 @@
                 <a:sym typeface="Arial"/>
               </a:defRPr>
             </a:lvl2pPr>
-            <a:lvl3pPr indent="0" lvl="2" marL="0" marR="0" algn="r">
+            <a:lvl3pPr marL="0" marR="0" lvl="2" indent="0" algn="r">
               <a:lnSpc>
                 <a:spcPct val="100000"/>
               </a:lnSpc>
@@ -4308,7 +4404,7 @@
               <a:buSzPts val="1000"/>
               <a:buFont typeface="Arial"/>
               <a:buNone/>
-              <a:defRPr b="0" i="0" sz="1000" u="none" cap="none" strike="noStrike">
+              <a:defRPr sz="1000" b="0" i="0" u="none" strike="noStrike" cap="none">
                 <a:solidFill>
                   <a:schemeClr val="lt2"/>
                 </a:solidFill>
@@ -4318,7 +4414,7 @@
                 <a:sym typeface="Arial"/>
               </a:defRPr>
             </a:lvl3pPr>
-            <a:lvl4pPr indent="0" lvl="3" marL="0" marR="0" algn="r">
+            <a:lvl4pPr marL="0" marR="0" lvl="3" indent="0" algn="r">
               <a:lnSpc>
                 <a:spcPct val="100000"/>
               </a:lnSpc>
@@ -4334,7 +4430,7 @@
               <a:buSzPts val="1000"/>
               <a:buFont typeface="Arial"/>
               <a:buNone/>
-              <a:defRPr b="0" i="0" sz="1000" u="none" cap="none" strike="noStrike">
+              <a:defRPr sz="1000" b="0" i="0" u="none" strike="noStrike" cap="none">
                 <a:solidFill>
                   <a:schemeClr val="lt2"/>
                 </a:solidFill>
@@ -4344,7 +4440,7 @@
                 <a:sym typeface="Arial"/>
               </a:defRPr>
             </a:lvl4pPr>
-            <a:lvl5pPr indent="0" lvl="4" marL="0" marR="0" algn="r">
+            <a:lvl5pPr marL="0" marR="0" lvl="4" indent="0" algn="r">
               <a:lnSpc>
                 <a:spcPct val="100000"/>
               </a:lnSpc>
@@ -4360,7 +4456,7 @@
               <a:buSzPts val="1000"/>
               <a:buFont typeface="Arial"/>
               <a:buNone/>
-              <a:defRPr b="0" i="0" sz="1000" u="none" cap="none" strike="noStrike">
+              <a:defRPr sz="1000" b="0" i="0" u="none" strike="noStrike" cap="none">
                 <a:solidFill>
                   <a:schemeClr val="lt2"/>
                 </a:solidFill>
@@ -4370,7 +4466,7 @@
                 <a:sym typeface="Arial"/>
               </a:defRPr>
             </a:lvl5pPr>
-            <a:lvl6pPr indent="0" lvl="5" marL="0" marR="0" algn="r">
+            <a:lvl6pPr marL="0" marR="0" lvl="5" indent="0" algn="r">
               <a:lnSpc>
                 <a:spcPct val="100000"/>
               </a:lnSpc>
@@ -4386,7 +4482,7 @@
               <a:buSzPts val="1000"/>
               <a:buFont typeface="Arial"/>
               <a:buNone/>
-              <a:defRPr b="0" i="0" sz="1000" u="none" cap="none" strike="noStrike">
+              <a:defRPr sz="1000" b="0" i="0" u="none" strike="noStrike" cap="none">
                 <a:solidFill>
                   <a:schemeClr val="lt2"/>
                 </a:solidFill>
@@ -4396,7 +4492,7 @@
                 <a:sym typeface="Arial"/>
               </a:defRPr>
             </a:lvl6pPr>
-            <a:lvl7pPr indent="0" lvl="6" marL="0" marR="0" algn="r">
+            <a:lvl7pPr marL="0" marR="0" lvl="6" indent="0" algn="r">
               <a:lnSpc>
                 <a:spcPct val="100000"/>
               </a:lnSpc>
@@ -4412,7 +4508,7 @@
               <a:buSzPts val="1000"/>
               <a:buFont typeface="Arial"/>
               <a:buNone/>
-              <a:defRPr b="0" i="0" sz="1000" u="none" cap="none" strike="noStrike">
+              <a:defRPr sz="1000" b="0" i="0" u="none" strike="noStrike" cap="none">
                 <a:solidFill>
                   <a:schemeClr val="lt2"/>
                 </a:solidFill>
@@ -4422,7 +4518,7 @@
                 <a:sym typeface="Arial"/>
               </a:defRPr>
             </a:lvl7pPr>
-            <a:lvl8pPr indent="0" lvl="7" marL="0" marR="0" algn="r">
+            <a:lvl8pPr marL="0" marR="0" lvl="7" indent="0" algn="r">
               <a:lnSpc>
                 <a:spcPct val="100000"/>
               </a:lnSpc>
@@ -4438,7 +4534,7 @@
               <a:buSzPts val="1000"/>
               <a:buFont typeface="Arial"/>
               <a:buNone/>
-              <a:defRPr b="0" i="0" sz="1000" u="none" cap="none" strike="noStrike">
+              <a:defRPr sz="1000" b="0" i="0" u="none" strike="noStrike" cap="none">
                 <a:solidFill>
                   <a:schemeClr val="lt2"/>
                 </a:solidFill>
@@ -4448,7 +4544,7 @@
                 <a:sym typeface="Arial"/>
               </a:defRPr>
             </a:lvl8pPr>
-            <a:lvl9pPr indent="0" lvl="8" marL="0" marR="0" algn="r">
+            <a:lvl9pPr marL="0" marR="0" lvl="8" indent="0" algn="r">
               <a:lnSpc>
                 <a:spcPct val="100000"/>
               </a:lnSpc>
@@ -4464,7 +4560,7 @@
               <a:buSzPts val="1000"/>
               <a:buFont typeface="Arial"/>
               <a:buNone/>
-              <a:defRPr b="0" i="0" sz="1000" u="none" cap="none" strike="noStrike">
+              <a:defRPr sz="1000" b="0" i="0" u="none" strike="noStrike" cap="none">
                 <a:solidFill>
                   <a:schemeClr val="lt2"/>
                 </a:solidFill>
@@ -4476,7 +4572,7 @@
             </a:lvl9pPr>
           </a:lstStyle>
           <a:p>
-            <a:pPr indent="0" lvl="0" marL="0" rtl="0" algn="r">
+            <a:pPr marL="0" lvl="0" indent="0" algn="r" rtl="0">
               <a:spcBef>
                 <a:spcPts val="0"/>
               </a:spcBef>
@@ -4487,7 +4583,7 @@
             </a:pPr>
             <a:fld id="{00000000-1234-1234-1234-123412341234}" type="slidenum">
               <a:rPr lang="pt-BR"/>
-              <a:t>‹#›</a:t>
+              <a:t>‹nº›</a:t>
             </a:fld>
             <a:endParaRPr/>
           </a:p>
@@ -4502,11 +4598,11 @@
 </file>
 
 <file path=ppt/slideLayouts/slideLayout4.xml><?xml version="1.0" encoding="utf-8"?>
-<p:sldLayout xmlns:a="http://schemas.openxmlformats.org/drawingml/2006/main" xmlns:r="http://schemas.openxmlformats.org/officeDocument/2006/relationships" xmlns:mc="http://schemas.openxmlformats.org/markup-compatibility/2006" xmlns:mv="urn:schemas-microsoft-com:mac:vml" xmlns:p="http://schemas.openxmlformats.org/presentationml/2006/main" xmlns:c="http://schemas.openxmlformats.org/drawingml/2006/chart" xmlns:dgm="http://schemas.openxmlformats.org/drawingml/2006/diagram" xmlns:o="urn:schemas-microsoft-com:office:office" xmlns:v="urn:schemas-microsoft-com:vml" xmlns:pvml="urn:schemas-microsoft-com:office:powerpoint" xmlns:com="http://schemas.openxmlformats.org/drawingml/2006/compatibility" xmlns:p14="http://schemas.microsoft.com/office/powerpoint/2010/main" xmlns:p15="http://schemas.microsoft.com/office/powerpoint/2012/main" xmlns:ahyp="http://schemas.microsoft.com/office/drawing/2018/hyperlinkcolor" matchingName="Title and two columns" type="twoColTx">
+<p:sldLayout xmlns:a="http://schemas.openxmlformats.org/drawingml/2006/main" xmlns:r="http://schemas.openxmlformats.org/officeDocument/2006/relationships" xmlns:p="http://schemas.openxmlformats.org/presentationml/2006/main" matchingName="Title and two columns" type="twoColTx">
   <p:cSld name="TITLE_AND_TWO_COLUMNS">
     <p:spTree>
       <p:nvGrpSpPr>
-        <p:cNvPr id="20" name="Shape 20"/>
+        <p:cNvPr id="1" name="Shape 20"/>
         <p:cNvGrpSpPr/>
         <p:nvPr/>
       </p:nvGrpSpPr>
@@ -4521,7 +4617,9 @@
       <p:sp>
         <p:nvSpPr>
           <p:cNvPr id="21" name="Google Shape;21;p13"/>
-          <p:cNvSpPr txBox="1"/>
+          <p:cNvSpPr txBox="1">
+            <a:spLocks noGrp="1"/>
+          </p:cNvSpPr>
           <p:nvPr>
             <p:ph type="title"/>
           </p:nvPr>
@@ -4540,7 +4638,7 @@
           </a:ln>
         </p:spPr>
         <p:txBody>
-          <a:bodyPr anchorCtr="0" anchor="t" bIns="91425" lIns="91425" spcFirstLastPara="1" rIns="91425" wrap="square" tIns="91425">
+          <a:bodyPr spcFirstLastPara="1" wrap="square" lIns="91425" tIns="91425" rIns="91425" bIns="91425" anchor="t" anchorCtr="0">
             <a:normAutofit/>
           </a:bodyPr>
           <a:lstStyle>
@@ -4671,15 +4769,19 @@
               <a:defRPr/>
             </a:lvl9pPr>
           </a:lstStyle>
-          <a:p/>
+          <a:p>
+            <a:endParaRPr/>
+          </a:p>
         </p:txBody>
       </p:sp>
       <p:sp>
         <p:nvSpPr>
           <p:cNvPr id="22" name="Google Shape;22;p13"/>
-          <p:cNvSpPr txBox="1"/>
+          <p:cNvSpPr txBox="1">
+            <a:spLocks noGrp="1"/>
+          </p:cNvSpPr>
           <p:nvPr>
-            <p:ph idx="1" type="body"/>
+            <p:ph type="body" idx="1"/>
           </p:nvPr>
         </p:nvSpPr>
         <p:spPr>
@@ -4696,11 +4798,11 @@
           </a:ln>
         </p:spPr>
         <p:txBody>
-          <a:bodyPr anchorCtr="0" anchor="t" bIns="91425" lIns="91425" spcFirstLastPara="1" rIns="91425" wrap="square" tIns="91425">
+          <a:bodyPr spcFirstLastPara="1" wrap="square" lIns="91425" tIns="91425" rIns="91425" bIns="91425" anchor="t" anchorCtr="0">
             <a:normAutofit/>
           </a:bodyPr>
           <a:lstStyle>
-            <a:lvl1pPr indent="-317500" lvl="0" marL="457200" algn="l">
+            <a:lvl1pPr marL="457200" lvl="0" indent="-317500" algn="l">
               <a:lnSpc>
                 <a:spcPct val="115000"/>
               </a:lnSpc>
@@ -4714,7 +4816,7 @@
               <a:buChar char="●"/>
               <a:defRPr sz="1400"/>
             </a:lvl1pPr>
-            <a:lvl2pPr indent="-304800" lvl="1" marL="914400" algn="l">
+            <a:lvl2pPr marL="914400" lvl="1" indent="-304800" algn="l">
               <a:lnSpc>
                 <a:spcPct val="115000"/>
               </a:lnSpc>
@@ -4728,7 +4830,7 @@
               <a:buChar char="○"/>
               <a:defRPr sz="1200"/>
             </a:lvl2pPr>
-            <a:lvl3pPr indent="-304800" lvl="2" marL="1371600" algn="l">
+            <a:lvl3pPr marL="1371600" lvl="2" indent="-304800" algn="l">
               <a:lnSpc>
                 <a:spcPct val="115000"/>
               </a:lnSpc>
@@ -4742,7 +4844,7 @@
               <a:buChar char="■"/>
               <a:defRPr sz="1200"/>
             </a:lvl3pPr>
-            <a:lvl4pPr indent="-304800" lvl="3" marL="1828800" algn="l">
+            <a:lvl4pPr marL="1828800" lvl="3" indent="-304800" algn="l">
               <a:lnSpc>
                 <a:spcPct val="115000"/>
               </a:lnSpc>
@@ -4756,7 +4858,7 @@
               <a:buChar char="●"/>
               <a:defRPr sz="1200"/>
             </a:lvl4pPr>
-            <a:lvl5pPr indent="-304800" lvl="4" marL="2286000" algn="l">
+            <a:lvl5pPr marL="2286000" lvl="4" indent="-304800" algn="l">
               <a:lnSpc>
                 <a:spcPct val="115000"/>
               </a:lnSpc>
@@ -4770,7 +4872,7 @@
               <a:buChar char="○"/>
               <a:defRPr sz="1200"/>
             </a:lvl5pPr>
-            <a:lvl6pPr indent="-304800" lvl="5" marL="2743200" algn="l">
+            <a:lvl6pPr marL="2743200" lvl="5" indent="-304800" algn="l">
               <a:lnSpc>
                 <a:spcPct val="115000"/>
               </a:lnSpc>
@@ -4784,7 +4886,7 @@
               <a:buChar char="■"/>
               <a:defRPr sz="1200"/>
             </a:lvl6pPr>
-            <a:lvl7pPr indent="-304800" lvl="6" marL="3200400" algn="l">
+            <a:lvl7pPr marL="3200400" lvl="6" indent="-304800" algn="l">
               <a:lnSpc>
                 <a:spcPct val="115000"/>
               </a:lnSpc>
@@ -4798,7 +4900,7 @@
               <a:buChar char="●"/>
               <a:defRPr sz="1200"/>
             </a:lvl7pPr>
-            <a:lvl8pPr indent="-304800" lvl="7" marL="3657600" algn="l">
+            <a:lvl8pPr marL="3657600" lvl="7" indent="-304800" algn="l">
               <a:lnSpc>
                 <a:spcPct val="115000"/>
               </a:lnSpc>
@@ -4812,7 +4914,7 @@
               <a:buChar char="○"/>
               <a:defRPr sz="1200"/>
             </a:lvl8pPr>
-            <a:lvl9pPr indent="-304800" lvl="8" marL="4114800" algn="l">
+            <a:lvl9pPr marL="4114800" lvl="8" indent="-304800" algn="l">
               <a:lnSpc>
                 <a:spcPct val="115000"/>
               </a:lnSpc>
@@ -4827,15 +4929,19 @@
               <a:defRPr sz="1200"/>
             </a:lvl9pPr>
           </a:lstStyle>
-          <a:p/>
+          <a:p>
+            <a:endParaRPr/>
+          </a:p>
         </p:txBody>
       </p:sp>
       <p:sp>
         <p:nvSpPr>
           <p:cNvPr id="23" name="Google Shape;23;p13"/>
-          <p:cNvSpPr txBox="1"/>
+          <p:cNvSpPr txBox="1">
+            <a:spLocks noGrp="1"/>
+          </p:cNvSpPr>
           <p:nvPr>
-            <p:ph idx="2" type="body"/>
+            <p:ph type="body" idx="2"/>
           </p:nvPr>
         </p:nvSpPr>
         <p:spPr>
@@ -4852,11 +4958,11 @@
           </a:ln>
         </p:spPr>
         <p:txBody>
-          <a:bodyPr anchorCtr="0" anchor="t" bIns="91425" lIns="91425" spcFirstLastPara="1" rIns="91425" wrap="square" tIns="91425">
+          <a:bodyPr spcFirstLastPara="1" wrap="square" lIns="91425" tIns="91425" rIns="91425" bIns="91425" anchor="t" anchorCtr="0">
             <a:normAutofit/>
           </a:bodyPr>
           <a:lstStyle>
-            <a:lvl1pPr indent="-317500" lvl="0" marL="457200" algn="l">
+            <a:lvl1pPr marL="457200" lvl="0" indent="-317500" algn="l">
               <a:lnSpc>
                 <a:spcPct val="115000"/>
               </a:lnSpc>
@@ -4870,7 +4976,7 @@
               <a:buChar char="●"/>
               <a:defRPr sz="1400"/>
             </a:lvl1pPr>
-            <a:lvl2pPr indent="-304800" lvl="1" marL="914400" algn="l">
+            <a:lvl2pPr marL="914400" lvl="1" indent="-304800" algn="l">
               <a:lnSpc>
                 <a:spcPct val="115000"/>
               </a:lnSpc>
@@ -4884,7 +4990,7 @@
               <a:buChar char="○"/>
               <a:defRPr sz="1200"/>
             </a:lvl2pPr>
-            <a:lvl3pPr indent="-304800" lvl="2" marL="1371600" algn="l">
+            <a:lvl3pPr marL="1371600" lvl="2" indent="-304800" algn="l">
               <a:lnSpc>
                 <a:spcPct val="115000"/>
               </a:lnSpc>
@@ -4898,7 +5004,7 @@
               <a:buChar char="■"/>
               <a:defRPr sz="1200"/>
             </a:lvl3pPr>
-            <a:lvl4pPr indent="-304800" lvl="3" marL="1828800" algn="l">
+            <a:lvl4pPr marL="1828800" lvl="3" indent="-304800" algn="l">
               <a:lnSpc>
                 <a:spcPct val="115000"/>
               </a:lnSpc>
@@ -4912,7 +5018,7 @@
               <a:buChar char="●"/>
               <a:defRPr sz="1200"/>
             </a:lvl4pPr>
-            <a:lvl5pPr indent="-304800" lvl="4" marL="2286000" algn="l">
+            <a:lvl5pPr marL="2286000" lvl="4" indent="-304800" algn="l">
               <a:lnSpc>
                 <a:spcPct val="115000"/>
               </a:lnSpc>
@@ -4926,7 +5032,7 @@
               <a:buChar char="○"/>
               <a:defRPr sz="1200"/>
             </a:lvl5pPr>
-            <a:lvl6pPr indent="-304800" lvl="5" marL="2743200" algn="l">
+            <a:lvl6pPr marL="2743200" lvl="5" indent="-304800" algn="l">
               <a:lnSpc>
                 <a:spcPct val="115000"/>
               </a:lnSpc>
@@ -4940,7 +5046,7 @@
               <a:buChar char="■"/>
               <a:defRPr sz="1200"/>
             </a:lvl6pPr>
-            <a:lvl7pPr indent="-304800" lvl="6" marL="3200400" algn="l">
+            <a:lvl7pPr marL="3200400" lvl="6" indent="-304800" algn="l">
               <a:lnSpc>
                 <a:spcPct val="115000"/>
               </a:lnSpc>
@@ -4954,7 +5060,7 @@
               <a:buChar char="●"/>
               <a:defRPr sz="1200"/>
             </a:lvl7pPr>
-            <a:lvl8pPr indent="-304800" lvl="7" marL="3657600" algn="l">
+            <a:lvl8pPr marL="3657600" lvl="7" indent="-304800" algn="l">
               <a:lnSpc>
                 <a:spcPct val="115000"/>
               </a:lnSpc>
@@ -4968,7 +5074,7 @@
               <a:buChar char="○"/>
               <a:defRPr sz="1200"/>
             </a:lvl8pPr>
-            <a:lvl9pPr indent="-304800" lvl="8" marL="4114800" algn="l">
+            <a:lvl9pPr marL="4114800" lvl="8" indent="-304800" algn="l">
               <a:lnSpc>
                 <a:spcPct val="115000"/>
               </a:lnSpc>
@@ -4983,15 +5089,19 @@
               <a:defRPr sz="1200"/>
             </a:lvl9pPr>
           </a:lstStyle>
-          <a:p/>
+          <a:p>
+            <a:endParaRPr/>
+          </a:p>
         </p:txBody>
       </p:sp>
       <p:sp>
         <p:nvSpPr>
           <p:cNvPr id="24" name="Google Shape;24;p13"/>
-          <p:cNvSpPr txBox="1"/>
+          <p:cNvSpPr txBox="1">
+            <a:spLocks noGrp="1"/>
+          </p:cNvSpPr>
           <p:nvPr>
-            <p:ph idx="12" type="sldNum"/>
+            <p:ph type="sldNum" idx="12"/>
           </p:nvPr>
         </p:nvSpPr>
         <p:spPr>
@@ -5008,11 +5118,11 @@
           </a:ln>
         </p:spPr>
         <p:txBody>
-          <a:bodyPr anchorCtr="0" anchor="ctr" bIns="91425" lIns="91425" spcFirstLastPara="1" rIns="91425" wrap="square" tIns="91425">
+          <a:bodyPr spcFirstLastPara="1" wrap="square" lIns="91425" tIns="91425" rIns="91425" bIns="91425" anchor="ctr" anchorCtr="0">
             <a:normAutofit/>
           </a:bodyPr>
           <a:lstStyle>
-            <a:lvl1pPr indent="0" lvl="0" marL="0" marR="0" algn="r">
+            <a:lvl1pPr marL="0" marR="0" lvl="0" indent="0" algn="r">
               <a:lnSpc>
                 <a:spcPct val="100000"/>
               </a:lnSpc>
@@ -5028,7 +5138,7 @@
               <a:buSzPts val="1000"/>
               <a:buFont typeface="Arial"/>
               <a:buNone/>
-              <a:defRPr b="0" i="0" sz="1000" u="none" cap="none" strike="noStrike">
+              <a:defRPr sz="1000" b="0" i="0" u="none" strike="noStrike" cap="none">
                 <a:solidFill>
                   <a:schemeClr val="lt2"/>
                 </a:solidFill>
@@ -5038,7 +5148,7 @@
                 <a:sym typeface="Arial"/>
               </a:defRPr>
             </a:lvl1pPr>
-            <a:lvl2pPr indent="0" lvl="1" marL="0" marR="0" algn="r">
+            <a:lvl2pPr marL="0" marR="0" lvl="1" indent="0" algn="r">
               <a:lnSpc>
                 <a:spcPct val="100000"/>
               </a:lnSpc>
@@ -5054,7 +5164,7 @@
               <a:buSzPts val="1000"/>
               <a:buFont typeface="Arial"/>
               <a:buNone/>
-              <a:defRPr b="0" i="0" sz="1000" u="none" cap="none" strike="noStrike">
+              <a:defRPr sz="1000" b="0" i="0" u="none" strike="noStrike" cap="none">
                 <a:solidFill>
                   <a:schemeClr val="lt2"/>
                 </a:solidFill>
@@ -5064,7 +5174,7 @@
                 <a:sym typeface="Arial"/>
               </a:defRPr>
             </a:lvl2pPr>
-            <a:lvl3pPr indent="0" lvl="2" marL="0" marR="0" algn="r">
+            <a:lvl3pPr marL="0" marR="0" lvl="2" indent="0" algn="r">
               <a:lnSpc>
                 <a:spcPct val="100000"/>
               </a:lnSpc>
@@ -5080,7 +5190,7 @@
               <a:buSzPts val="1000"/>
               <a:buFont typeface="Arial"/>
               <a:buNone/>
-              <a:defRPr b="0" i="0" sz="1000" u="none" cap="none" strike="noStrike">
+              <a:defRPr sz="1000" b="0" i="0" u="none" strike="noStrike" cap="none">
                 <a:solidFill>
                   <a:schemeClr val="lt2"/>
                 </a:solidFill>
@@ -5090,7 +5200,7 @@
                 <a:sym typeface="Arial"/>
               </a:defRPr>
             </a:lvl3pPr>
-            <a:lvl4pPr indent="0" lvl="3" marL="0" marR="0" algn="r">
+            <a:lvl4pPr marL="0" marR="0" lvl="3" indent="0" algn="r">
               <a:lnSpc>
                 <a:spcPct val="100000"/>
               </a:lnSpc>
@@ -5106,7 +5216,7 @@
               <a:buSzPts val="1000"/>
               <a:buFont typeface="Arial"/>
               <a:buNone/>
-              <a:defRPr b="0" i="0" sz="1000" u="none" cap="none" strike="noStrike">
+              <a:defRPr sz="1000" b="0" i="0" u="none" strike="noStrike" cap="none">
                 <a:solidFill>
                   <a:schemeClr val="lt2"/>
                 </a:solidFill>
@@ -5116,7 +5226,7 @@
                 <a:sym typeface="Arial"/>
               </a:defRPr>
             </a:lvl4pPr>
-            <a:lvl5pPr indent="0" lvl="4" marL="0" marR="0" algn="r">
+            <a:lvl5pPr marL="0" marR="0" lvl="4" indent="0" algn="r">
               <a:lnSpc>
                 <a:spcPct val="100000"/>
               </a:lnSpc>
@@ -5132,7 +5242,7 @@
               <a:buSzPts val="1000"/>
               <a:buFont typeface="Arial"/>
               <a:buNone/>
-              <a:defRPr b="0" i="0" sz="1000" u="none" cap="none" strike="noStrike">
+              <a:defRPr sz="1000" b="0" i="0" u="none" strike="noStrike" cap="none">
                 <a:solidFill>
                   <a:schemeClr val="lt2"/>
                 </a:solidFill>
@@ -5142,7 +5252,7 @@
                 <a:sym typeface="Arial"/>
               </a:defRPr>
             </a:lvl5pPr>
-            <a:lvl6pPr indent="0" lvl="5" marL="0" marR="0" algn="r">
+            <a:lvl6pPr marL="0" marR="0" lvl="5" indent="0" algn="r">
               <a:lnSpc>
                 <a:spcPct val="100000"/>
               </a:lnSpc>
@@ -5158,7 +5268,7 @@
               <a:buSzPts val="1000"/>
               <a:buFont typeface="Arial"/>
               <a:buNone/>
-              <a:defRPr b="0" i="0" sz="1000" u="none" cap="none" strike="noStrike">
+              <a:defRPr sz="1000" b="0" i="0" u="none" strike="noStrike" cap="none">
                 <a:solidFill>
                   <a:schemeClr val="lt2"/>
                 </a:solidFill>
@@ -5168,7 +5278,7 @@
                 <a:sym typeface="Arial"/>
               </a:defRPr>
             </a:lvl6pPr>
-            <a:lvl7pPr indent="0" lvl="6" marL="0" marR="0" algn="r">
+            <a:lvl7pPr marL="0" marR="0" lvl="6" indent="0" algn="r">
               <a:lnSpc>
                 <a:spcPct val="100000"/>
               </a:lnSpc>
@@ -5184,7 +5294,7 @@
               <a:buSzPts val="1000"/>
               <a:buFont typeface="Arial"/>
               <a:buNone/>
-              <a:defRPr b="0" i="0" sz="1000" u="none" cap="none" strike="noStrike">
+              <a:defRPr sz="1000" b="0" i="0" u="none" strike="noStrike" cap="none">
                 <a:solidFill>
                   <a:schemeClr val="lt2"/>
                 </a:solidFill>
@@ -5194,7 +5304,7 @@
                 <a:sym typeface="Arial"/>
               </a:defRPr>
             </a:lvl7pPr>
-            <a:lvl8pPr indent="0" lvl="7" marL="0" marR="0" algn="r">
+            <a:lvl8pPr marL="0" marR="0" lvl="7" indent="0" algn="r">
               <a:lnSpc>
                 <a:spcPct val="100000"/>
               </a:lnSpc>
@@ -5210,7 +5320,7 @@
               <a:buSzPts val="1000"/>
               <a:buFont typeface="Arial"/>
               <a:buNone/>
-              <a:defRPr b="0" i="0" sz="1000" u="none" cap="none" strike="noStrike">
+              <a:defRPr sz="1000" b="0" i="0" u="none" strike="noStrike" cap="none">
                 <a:solidFill>
                   <a:schemeClr val="lt2"/>
                 </a:solidFill>
@@ -5220,7 +5330,7 @@
                 <a:sym typeface="Arial"/>
               </a:defRPr>
             </a:lvl8pPr>
-            <a:lvl9pPr indent="0" lvl="8" marL="0" marR="0" algn="r">
+            <a:lvl9pPr marL="0" marR="0" lvl="8" indent="0" algn="r">
               <a:lnSpc>
                 <a:spcPct val="100000"/>
               </a:lnSpc>
@@ -5236,7 +5346,7 @@
               <a:buSzPts val="1000"/>
               <a:buFont typeface="Arial"/>
               <a:buNone/>
-              <a:defRPr b="0" i="0" sz="1000" u="none" cap="none" strike="noStrike">
+              <a:defRPr sz="1000" b="0" i="0" u="none" strike="noStrike" cap="none">
                 <a:solidFill>
                   <a:schemeClr val="lt2"/>
                 </a:solidFill>
@@ -5248,7 +5358,7 @@
             </a:lvl9pPr>
           </a:lstStyle>
           <a:p>
-            <a:pPr indent="0" lvl="0" marL="0" rtl="0" algn="r">
+            <a:pPr marL="0" lvl="0" indent="0" algn="r" rtl="0">
               <a:spcBef>
                 <a:spcPts val="0"/>
               </a:spcBef>
@@ -5259,7 +5369,7 @@
             </a:pPr>
             <a:fld id="{00000000-1234-1234-1234-123412341234}" type="slidenum">
               <a:rPr lang="pt-BR"/>
-              <a:t>‹#›</a:t>
+              <a:t>‹nº›</a:t>
             </a:fld>
             <a:endParaRPr/>
           </a:p>
@@ -5274,11 +5384,11 @@
 </file>
 
 <file path=ppt/slideLayouts/slideLayout5.xml><?xml version="1.0" encoding="utf-8"?>
-<p:sldLayout xmlns:a="http://schemas.openxmlformats.org/drawingml/2006/main" xmlns:r="http://schemas.openxmlformats.org/officeDocument/2006/relationships" xmlns:mc="http://schemas.openxmlformats.org/markup-compatibility/2006" xmlns:mv="urn:schemas-microsoft-com:mac:vml" xmlns:p="http://schemas.openxmlformats.org/presentationml/2006/main" xmlns:c="http://schemas.openxmlformats.org/drawingml/2006/chart" xmlns:dgm="http://schemas.openxmlformats.org/drawingml/2006/diagram" xmlns:o="urn:schemas-microsoft-com:office:office" xmlns:v="urn:schemas-microsoft-com:vml" xmlns:pvml="urn:schemas-microsoft-com:office:powerpoint" xmlns:com="http://schemas.openxmlformats.org/drawingml/2006/compatibility" xmlns:p14="http://schemas.microsoft.com/office/powerpoint/2010/main" xmlns:p15="http://schemas.microsoft.com/office/powerpoint/2012/main" xmlns:ahyp="http://schemas.microsoft.com/office/drawing/2018/hyperlinkcolor" matchingName="Title only" type="titleOnly">
+<p:sldLayout xmlns:a="http://schemas.openxmlformats.org/drawingml/2006/main" xmlns:r="http://schemas.openxmlformats.org/officeDocument/2006/relationships" xmlns:p="http://schemas.openxmlformats.org/presentationml/2006/main" matchingName="Title only" type="titleOnly">
   <p:cSld name="TITLE_ONLY">
     <p:spTree>
       <p:nvGrpSpPr>
-        <p:cNvPr id="25" name="Shape 25"/>
+        <p:cNvPr id="1" name="Shape 25"/>
         <p:cNvGrpSpPr/>
         <p:nvPr/>
       </p:nvGrpSpPr>
@@ -5293,7 +5403,9 @@
       <p:sp>
         <p:nvSpPr>
           <p:cNvPr id="26" name="Google Shape;26;p14"/>
-          <p:cNvSpPr txBox="1"/>
+          <p:cNvSpPr txBox="1">
+            <a:spLocks noGrp="1"/>
+          </p:cNvSpPr>
           <p:nvPr>
             <p:ph type="title"/>
           </p:nvPr>
@@ -5312,7 +5424,7 @@
           </a:ln>
         </p:spPr>
         <p:txBody>
-          <a:bodyPr anchorCtr="0" anchor="t" bIns="91425" lIns="91425" spcFirstLastPara="1" rIns="91425" wrap="square" tIns="91425">
+          <a:bodyPr spcFirstLastPara="1" wrap="square" lIns="91425" tIns="91425" rIns="91425" bIns="91425" anchor="t" anchorCtr="0">
             <a:normAutofit/>
           </a:bodyPr>
           <a:lstStyle>
@@ -5443,15 +5555,19 @@
               <a:defRPr/>
             </a:lvl9pPr>
           </a:lstStyle>
-          <a:p/>
+          <a:p>
+            <a:endParaRPr/>
+          </a:p>
         </p:txBody>
       </p:sp>
       <p:sp>
         <p:nvSpPr>
           <p:cNvPr id="27" name="Google Shape;27;p14"/>
-          <p:cNvSpPr txBox="1"/>
+          <p:cNvSpPr txBox="1">
+            <a:spLocks noGrp="1"/>
+          </p:cNvSpPr>
           <p:nvPr>
-            <p:ph idx="12" type="sldNum"/>
+            <p:ph type="sldNum" idx="12"/>
           </p:nvPr>
         </p:nvSpPr>
         <p:spPr>
@@ -5468,11 +5584,11 @@
           </a:ln>
         </p:spPr>
         <p:txBody>
-          <a:bodyPr anchorCtr="0" anchor="ctr" bIns="91425" lIns="91425" spcFirstLastPara="1" rIns="91425" wrap="square" tIns="91425">
+          <a:bodyPr spcFirstLastPara="1" wrap="square" lIns="91425" tIns="91425" rIns="91425" bIns="91425" anchor="ctr" anchorCtr="0">
             <a:normAutofit/>
           </a:bodyPr>
           <a:lstStyle>
-            <a:lvl1pPr indent="0" lvl="0" marL="0" marR="0" algn="r">
+            <a:lvl1pPr marL="0" marR="0" lvl="0" indent="0" algn="r">
               <a:lnSpc>
                 <a:spcPct val="100000"/>
               </a:lnSpc>
@@ -5488,7 +5604,7 @@
               <a:buSzPts val="1000"/>
               <a:buFont typeface="Arial"/>
               <a:buNone/>
-              <a:defRPr b="0" i="0" sz="1000" u="none" cap="none" strike="noStrike">
+              <a:defRPr sz="1000" b="0" i="0" u="none" strike="noStrike" cap="none">
                 <a:solidFill>
                   <a:schemeClr val="lt2"/>
                 </a:solidFill>
@@ -5498,7 +5614,7 @@
                 <a:sym typeface="Arial"/>
               </a:defRPr>
             </a:lvl1pPr>
-            <a:lvl2pPr indent="0" lvl="1" marL="0" marR="0" algn="r">
+            <a:lvl2pPr marL="0" marR="0" lvl="1" indent="0" algn="r">
               <a:lnSpc>
                 <a:spcPct val="100000"/>
               </a:lnSpc>
@@ -5514,7 +5630,7 @@
               <a:buSzPts val="1000"/>
               <a:buFont typeface="Arial"/>
               <a:buNone/>
-              <a:defRPr b="0" i="0" sz="1000" u="none" cap="none" strike="noStrike">
+              <a:defRPr sz="1000" b="0" i="0" u="none" strike="noStrike" cap="none">
                 <a:solidFill>
                   <a:schemeClr val="lt2"/>
                 </a:solidFill>
@@ -5524,7 +5640,7 @@
                 <a:sym typeface="Arial"/>
               </a:defRPr>
             </a:lvl2pPr>
-            <a:lvl3pPr indent="0" lvl="2" marL="0" marR="0" algn="r">
+            <a:lvl3pPr marL="0" marR="0" lvl="2" indent="0" algn="r">
               <a:lnSpc>
                 <a:spcPct val="100000"/>
               </a:lnSpc>
@@ -5540,7 +5656,7 @@
               <a:buSzPts val="1000"/>
               <a:buFont typeface="Arial"/>
               <a:buNone/>
-              <a:defRPr b="0" i="0" sz="1000" u="none" cap="none" strike="noStrike">
+              <a:defRPr sz="1000" b="0" i="0" u="none" strike="noStrike" cap="none">
                 <a:solidFill>
                   <a:schemeClr val="lt2"/>
                 </a:solidFill>
@@ -5550,7 +5666,7 @@
                 <a:sym typeface="Arial"/>
               </a:defRPr>
             </a:lvl3pPr>
-            <a:lvl4pPr indent="0" lvl="3" marL="0" marR="0" algn="r">
+            <a:lvl4pPr marL="0" marR="0" lvl="3" indent="0" algn="r">
               <a:lnSpc>
                 <a:spcPct val="100000"/>
               </a:lnSpc>
@@ -5566,7 +5682,7 @@
               <a:buSzPts val="1000"/>
               <a:buFont typeface="Arial"/>
               <a:buNone/>
-              <a:defRPr b="0" i="0" sz="1000" u="none" cap="none" strike="noStrike">
+              <a:defRPr sz="1000" b="0" i="0" u="none" strike="noStrike" cap="none">
                 <a:solidFill>
                   <a:schemeClr val="lt2"/>
                 </a:solidFill>
@@ -5576,7 +5692,7 @@
                 <a:sym typeface="Arial"/>
               </a:defRPr>
             </a:lvl4pPr>
-            <a:lvl5pPr indent="0" lvl="4" marL="0" marR="0" algn="r">
+            <a:lvl5pPr marL="0" marR="0" lvl="4" indent="0" algn="r">
               <a:lnSpc>
                 <a:spcPct val="100000"/>
               </a:lnSpc>
@@ -5592,7 +5708,7 @@
               <a:buSzPts val="1000"/>
               <a:buFont typeface="Arial"/>
               <a:buNone/>
-              <a:defRPr b="0" i="0" sz="1000" u="none" cap="none" strike="noStrike">
+              <a:defRPr sz="1000" b="0" i="0" u="none" strike="noStrike" cap="none">
                 <a:solidFill>
                   <a:schemeClr val="lt2"/>
                 </a:solidFill>
@@ -5602,7 +5718,7 @@
                 <a:sym typeface="Arial"/>
               </a:defRPr>
             </a:lvl5pPr>
-            <a:lvl6pPr indent="0" lvl="5" marL="0" marR="0" algn="r">
+            <a:lvl6pPr marL="0" marR="0" lvl="5" indent="0" algn="r">
               <a:lnSpc>
                 <a:spcPct val="100000"/>
               </a:lnSpc>
@@ -5618,7 +5734,7 @@
               <a:buSzPts val="1000"/>
               <a:buFont typeface="Arial"/>
               <a:buNone/>
-              <a:defRPr b="0" i="0" sz="1000" u="none" cap="none" strike="noStrike">
+              <a:defRPr sz="1000" b="0" i="0" u="none" strike="noStrike" cap="none">
                 <a:solidFill>
                   <a:schemeClr val="lt2"/>
                 </a:solidFill>
@@ -5628,7 +5744,7 @@
                 <a:sym typeface="Arial"/>
               </a:defRPr>
             </a:lvl6pPr>
-            <a:lvl7pPr indent="0" lvl="6" marL="0" marR="0" algn="r">
+            <a:lvl7pPr marL="0" marR="0" lvl="6" indent="0" algn="r">
               <a:lnSpc>
                 <a:spcPct val="100000"/>
               </a:lnSpc>
@@ -5644,7 +5760,7 @@
               <a:buSzPts val="1000"/>
               <a:buFont typeface="Arial"/>
               <a:buNone/>
-              <a:defRPr b="0" i="0" sz="1000" u="none" cap="none" strike="noStrike">
+              <a:defRPr sz="1000" b="0" i="0" u="none" strike="noStrike" cap="none">
                 <a:solidFill>
                   <a:schemeClr val="lt2"/>
                 </a:solidFill>
@@ -5654,7 +5770,7 @@
                 <a:sym typeface="Arial"/>
               </a:defRPr>
             </a:lvl7pPr>
-            <a:lvl8pPr indent="0" lvl="7" marL="0" marR="0" algn="r">
+            <a:lvl8pPr marL="0" marR="0" lvl="7" indent="0" algn="r">
               <a:lnSpc>
                 <a:spcPct val="100000"/>
               </a:lnSpc>
@@ -5670,7 +5786,7 @@
               <a:buSzPts val="1000"/>
               <a:buFont typeface="Arial"/>
               <a:buNone/>
-              <a:defRPr b="0" i="0" sz="1000" u="none" cap="none" strike="noStrike">
+              <a:defRPr sz="1000" b="0" i="0" u="none" strike="noStrike" cap="none">
                 <a:solidFill>
                   <a:schemeClr val="lt2"/>
                 </a:solidFill>
@@ -5680,7 +5796,7 @@
                 <a:sym typeface="Arial"/>
               </a:defRPr>
             </a:lvl8pPr>
-            <a:lvl9pPr indent="0" lvl="8" marL="0" marR="0" algn="r">
+            <a:lvl9pPr marL="0" marR="0" lvl="8" indent="0" algn="r">
               <a:lnSpc>
                 <a:spcPct val="100000"/>
               </a:lnSpc>
@@ -5696,7 +5812,7 @@
               <a:buSzPts val="1000"/>
               <a:buFont typeface="Arial"/>
               <a:buNone/>
-              <a:defRPr b="0" i="0" sz="1000" u="none" cap="none" strike="noStrike">
+              <a:defRPr sz="1000" b="0" i="0" u="none" strike="noStrike" cap="none">
                 <a:solidFill>
                   <a:schemeClr val="lt2"/>
                 </a:solidFill>
@@ -5708,7 +5824,7 @@
             </a:lvl9pPr>
           </a:lstStyle>
           <a:p>
-            <a:pPr indent="0" lvl="0" marL="0" rtl="0" algn="r">
+            <a:pPr marL="0" lvl="0" indent="0" algn="r" rtl="0">
               <a:spcBef>
                 <a:spcPts val="0"/>
               </a:spcBef>
@@ -5719,7 +5835,7 @@
             </a:pPr>
             <a:fld id="{00000000-1234-1234-1234-123412341234}" type="slidenum">
               <a:rPr lang="pt-BR"/>
-              <a:t>‹#›</a:t>
+              <a:t>‹nº›</a:t>
             </a:fld>
             <a:endParaRPr/>
           </a:p>
@@ -5734,11 +5850,11 @@
 </file>
 
 <file path=ppt/slideLayouts/slideLayout6.xml><?xml version="1.0" encoding="utf-8"?>
-<p:sldLayout xmlns:a="http://schemas.openxmlformats.org/drawingml/2006/main" xmlns:r="http://schemas.openxmlformats.org/officeDocument/2006/relationships" xmlns:mc="http://schemas.openxmlformats.org/markup-compatibility/2006" xmlns:mv="urn:schemas-microsoft-com:mac:vml" xmlns:p="http://schemas.openxmlformats.org/presentationml/2006/main" xmlns:c="http://schemas.openxmlformats.org/drawingml/2006/chart" xmlns:dgm="http://schemas.openxmlformats.org/drawingml/2006/diagram" xmlns:o="urn:schemas-microsoft-com:office:office" xmlns:v="urn:schemas-microsoft-com:vml" xmlns:pvml="urn:schemas-microsoft-com:office:powerpoint" xmlns:com="http://schemas.openxmlformats.org/drawingml/2006/compatibility" xmlns:p14="http://schemas.microsoft.com/office/powerpoint/2010/main" xmlns:p15="http://schemas.microsoft.com/office/powerpoint/2012/main" xmlns:ahyp="http://schemas.microsoft.com/office/drawing/2018/hyperlinkcolor" matchingName="One column text">
+<p:sldLayout xmlns:a="http://schemas.openxmlformats.org/drawingml/2006/main" xmlns:r="http://schemas.openxmlformats.org/officeDocument/2006/relationships" xmlns:p="http://schemas.openxmlformats.org/presentationml/2006/main" matchingName="One column text">
   <p:cSld name="ONE_COLUMN_TEXT">
     <p:spTree>
       <p:nvGrpSpPr>
-        <p:cNvPr id="28" name="Shape 28"/>
+        <p:cNvPr id="1" name="Shape 28"/>
         <p:cNvGrpSpPr/>
         <p:nvPr/>
       </p:nvGrpSpPr>
@@ -5753,7 +5869,9 @@
       <p:sp>
         <p:nvSpPr>
           <p:cNvPr id="29" name="Google Shape;29;p15"/>
-          <p:cNvSpPr txBox="1"/>
+          <p:cNvSpPr txBox="1">
+            <a:spLocks noGrp="1"/>
+          </p:cNvSpPr>
           <p:nvPr>
             <p:ph type="title"/>
           </p:nvPr>
@@ -5772,7 +5890,7 @@
           </a:ln>
         </p:spPr>
         <p:txBody>
-          <a:bodyPr anchorCtr="0" anchor="b" bIns="91425" lIns="91425" spcFirstLastPara="1" rIns="91425" wrap="square" tIns="91425">
+          <a:bodyPr spcFirstLastPara="1" wrap="square" lIns="91425" tIns="91425" rIns="91425" bIns="91425" anchor="b" anchorCtr="0">
             <a:normAutofit/>
           </a:bodyPr>
           <a:lstStyle>
@@ -5903,15 +6021,19 @@
               <a:defRPr sz="2400"/>
             </a:lvl9pPr>
           </a:lstStyle>
-          <a:p/>
+          <a:p>
+            <a:endParaRPr/>
+          </a:p>
         </p:txBody>
       </p:sp>
       <p:sp>
         <p:nvSpPr>
           <p:cNvPr id="30" name="Google Shape;30;p15"/>
-          <p:cNvSpPr txBox="1"/>
+          <p:cNvSpPr txBox="1">
+            <a:spLocks noGrp="1"/>
+          </p:cNvSpPr>
           <p:nvPr>
-            <p:ph idx="1" type="body"/>
+            <p:ph type="body" idx="1"/>
           </p:nvPr>
         </p:nvSpPr>
         <p:spPr>
@@ -5928,11 +6050,11 @@
           </a:ln>
         </p:spPr>
         <p:txBody>
-          <a:bodyPr anchorCtr="0" anchor="t" bIns="91425" lIns="91425" spcFirstLastPara="1" rIns="91425" wrap="square" tIns="91425">
+          <a:bodyPr spcFirstLastPara="1" wrap="square" lIns="91425" tIns="91425" rIns="91425" bIns="91425" anchor="t" anchorCtr="0">
             <a:normAutofit/>
           </a:bodyPr>
           <a:lstStyle>
-            <a:lvl1pPr indent="-304800" lvl="0" marL="457200" algn="l">
+            <a:lvl1pPr marL="457200" lvl="0" indent="-304800" algn="l">
               <a:lnSpc>
                 <a:spcPct val="115000"/>
               </a:lnSpc>
@@ -5946,7 +6068,7 @@
               <a:buChar char="●"/>
               <a:defRPr sz="1200"/>
             </a:lvl1pPr>
-            <a:lvl2pPr indent="-304800" lvl="1" marL="914400" algn="l">
+            <a:lvl2pPr marL="914400" lvl="1" indent="-304800" algn="l">
               <a:lnSpc>
                 <a:spcPct val="115000"/>
               </a:lnSpc>
@@ -5960,7 +6082,7 @@
               <a:buChar char="○"/>
               <a:defRPr sz="1200"/>
             </a:lvl2pPr>
-            <a:lvl3pPr indent="-304800" lvl="2" marL="1371600" algn="l">
+            <a:lvl3pPr marL="1371600" lvl="2" indent="-304800" algn="l">
               <a:lnSpc>
                 <a:spcPct val="115000"/>
               </a:lnSpc>
@@ -5974,7 +6096,7 @@
               <a:buChar char="■"/>
               <a:defRPr sz="1200"/>
             </a:lvl3pPr>
-            <a:lvl4pPr indent="-304800" lvl="3" marL="1828800" algn="l">
+            <a:lvl4pPr marL="1828800" lvl="3" indent="-304800" algn="l">
               <a:lnSpc>
                 <a:spcPct val="115000"/>
               </a:lnSpc>
@@ -5988,7 +6110,7 @@
               <a:buChar char="●"/>
               <a:defRPr sz="1200"/>
             </a:lvl4pPr>
-            <a:lvl5pPr indent="-304800" lvl="4" marL="2286000" algn="l">
+            <a:lvl5pPr marL="2286000" lvl="4" indent="-304800" algn="l">
               <a:lnSpc>
                 <a:spcPct val="115000"/>
               </a:lnSpc>
@@ -6002,7 +6124,7 @@
               <a:buChar char="○"/>
               <a:defRPr sz="1200"/>
             </a:lvl5pPr>
-            <a:lvl6pPr indent="-304800" lvl="5" marL="2743200" algn="l">
+            <a:lvl6pPr marL="2743200" lvl="5" indent="-304800" algn="l">
               <a:lnSpc>
                 <a:spcPct val="115000"/>
               </a:lnSpc>
@@ -6016,7 +6138,7 @@
               <a:buChar char="■"/>
               <a:defRPr sz="1200"/>
             </a:lvl6pPr>
-            <a:lvl7pPr indent="-304800" lvl="6" marL="3200400" algn="l">
+            <a:lvl7pPr marL="3200400" lvl="6" indent="-304800" algn="l">
               <a:lnSpc>
                 <a:spcPct val="115000"/>
               </a:lnSpc>
@@ -6030,7 +6152,7 @@
               <a:buChar char="●"/>
               <a:defRPr sz="1200"/>
             </a:lvl7pPr>
-            <a:lvl8pPr indent="-304800" lvl="7" marL="3657600" algn="l">
+            <a:lvl8pPr marL="3657600" lvl="7" indent="-304800" algn="l">
               <a:lnSpc>
                 <a:spcPct val="115000"/>
               </a:lnSpc>
@@ -6044,7 +6166,7 @@
               <a:buChar char="○"/>
               <a:defRPr sz="1200"/>
             </a:lvl8pPr>
-            <a:lvl9pPr indent="-304800" lvl="8" marL="4114800" algn="l">
+            <a:lvl9pPr marL="4114800" lvl="8" indent="-304800" algn="l">
               <a:lnSpc>
                 <a:spcPct val="115000"/>
               </a:lnSpc>
@@ -6059,15 +6181,19 @@
               <a:defRPr sz="1200"/>
             </a:lvl9pPr>
           </a:lstStyle>
-          <a:p/>
+          <a:p>
+            <a:endParaRPr/>
+          </a:p>
         </p:txBody>
       </p:sp>
       <p:sp>
         <p:nvSpPr>
           <p:cNvPr id="31" name="Google Shape;31;p15"/>
-          <p:cNvSpPr txBox="1"/>
+          <p:cNvSpPr txBox="1">
+            <a:spLocks noGrp="1"/>
+          </p:cNvSpPr>
           <p:nvPr>
-            <p:ph idx="12" type="sldNum"/>
+            <p:ph type="sldNum" idx="12"/>
           </p:nvPr>
         </p:nvSpPr>
         <p:spPr>
@@ -6084,11 +6210,11 @@
           </a:ln>
         </p:spPr>
         <p:txBody>
-          <a:bodyPr anchorCtr="0" anchor="ctr" bIns="91425" lIns="91425" spcFirstLastPara="1" rIns="91425" wrap="square" tIns="91425">
+          <a:bodyPr spcFirstLastPara="1" wrap="square" lIns="91425" tIns="91425" rIns="91425" bIns="91425" anchor="ctr" anchorCtr="0">
             <a:normAutofit/>
           </a:bodyPr>
           <a:lstStyle>
-            <a:lvl1pPr indent="0" lvl="0" marL="0" marR="0" algn="r">
+            <a:lvl1pPr marL="0" marR="0" lvl="0" indent="0" algn="r">
               <a:lnSpc>
                 <a:spcPct val="100000"/>
               </a:lnSpc>
@@ -6104,7 +6230,7 @@
               <a:buSzPts val="1000"/>
               <a:buFont typeface="Arial"/>
               <a:buNone/>
-              <a:defRPr b="0" i="0" sz="1000" u="none" cap="none" strike="noStrike">
+              <a:defRPr sz="1000" b="0" i="0" u="none" strike="noStrike" cap="none">
                 <a:solidFill>
                   <a:schemeClr val="lt2"/>
                 </a:solidFill>
@@ -6114,7 +6240,7 @@
                 <a:sym typeface="Arial"/>
               </a:defRPr>
             </a:lvl1pPr>
-            <a:lvl2pPr indent="0" lvl="1" marL="0" marR="0" algn="r">
+            <a:lvl2pPr marL="0" marR="0" lvl="1" indent="0" algn="r">
               <a:lnSpc>
                 <a:spcPct val="100000"/>
               </a:lnSpc>
@@ -6130,7 +6256,7 @@
               <a:buSzPts val="1000"/>
               <a:buFont typeface="Arial"/>
               <a:buNone/>
-              <a:defRPr b="0" i="0" sz="1000" u="none" cap="none" strike="noStrike">
+              <a:defRPr sz="1000" b="0" i="0" u="none" strike="noStrike" cap="none">
                 <a:solidFill>
                   <a:schemeClr val="lt2"/>
                 </a:solidFill>
@@ -6140,7 +6266,7 @@
                 <a:sym typeface="Arial"/>
               </a:defRPr>
             </a:lvl2pPr>
-            <a:lvl3pPr indent="0" lvl="2" marL="0" marR="0" algn="r">
+            <a:lvl3pPr marL="0" marR="0" lvl="2" indent="0" algn="r">
               <a:lnSpc>
                 <a:spcPct val="100000"/>
               </a:lnSpc>
@@ -6156,7 +6282,7 @@
               <a:buSzPts val="1000"/>
               <a:buFont typeface="Arial"/>
               <a:buNone/>
-              <a:defRPr b="0" i="0" sz="1000" u="none" cap="none" strike="noStrike">
+              <a:defRPr sz="1000" b="0" i="0" u="none" strike="noStrike" cap="none">
                 <a:solidFill>
                   <a:schemeClr val="lt2"/>
                 </a:solidFill>
@@ -6166,7 +6292,7 @@
                 <a:sym typeface="Arial"/>
               </a:defRPr>
             </a:lvl3pPr>
-            <a:lvl4pPr indent="0" lvl="3" marL="0" marR="0" algn="r">
+            <a:lvl4pPr marL="0" marR="0" lvl="3" indent="0" algn="r">
               <a:lnSpc>
                 <a:spcPct val="100000"/>
               </a:lnSpc>
@@ -6182,7 +6308,7 @@
               <a:buSzPts val="1000"/>
               <a:buFont typeface="Arial"/>
               <a:buNone/>
-              <a:defRPr b="0" i="0" sz="1000" u="none" cap="none" strike="noStrike">
+              <a:defRPr sz="1000" b="0" i="0" u="none" strike="noStrike" cap="none">
                 <a:solidFill>
                   <a:schemeClr val="lt2"/>
                 </a:solidFill>
@@ -6192,7 +6318,7 @@
                 <a:sym typeface="Arial"/>
               </a:defRPr>
             </a:lvl4pPr>
-            <a:lvl5pPr indent="0" lvl="4" marL="0" marR="0" algn="r">
+            <a:lvl5pPr marL="0" marR="0" lvl="4" indent="0" algn="r">
               <a:lnSpc>
                 <a:spcPct val="100000"/>
               </a:lnSpc>
@@ -6208,7 +6334,7 @@
               <a:buSzPts val="1000"/>
               <a:buFont typeface="Arial"/>
               <a:buNone/>
-              <a:defRPr b="0" i="0" sz="1000" u="none" cap="none" strike="noStrike">
+              <a:defRPr sz="1000" b="0" i="0" u="none" strike="noStrike" cap="none">
                 <a:solidFill>
                   <a:schemeClr val="lt2"/>
                 </a:solidFill>
@@ -6218,7 +6344,7 @@
                 <a:sym typeface="Arial"/>
               </a:defRPr>
             </a:lvl5pPr>
-            <a:lvl6pPr indent="0" lvl="5" marL="0" marR="0" algn="r">
+            <a:lvl6pPr marL="0" marR="0" lvl="5" indent="0" algn="r">
               <a:lnSpc>
                 <a:spcPct val="100000"/>
               </a:lnSpc>
@@ -6234,7 +6360,7 @@
               <a:buSzPts val="1000"/>
               <a:buFont typeface="Arial"/>
               <a:buNone/>
-              <a:defRPr b="0" i="0" sz="1000" u="none" cap="none" strike="noStrike">
+              <a:defRPr sz="1000" b="0" i="0" u="none" strike="noStrike" cap="none">
                 <a:solidFill>
                   <a:schemeClr val="lt2"/>
                 </a:solidFill>
@@ -6244,7 +6370,7 @@
                 <a:sym typeface="Arial"/>
               </a:defRPr>
             </a:lvl6pPr>
-            <a:lvl7pPr indent="0" lvl="6" marL="0" marR="0" algn="r">
+            <a:lvl7pPr marL="0" marR="0" lvl="6" indent="0" algn="r">
               <a:lnSpc>
                 <a:spcPct val="100000"/>
               </a:lnSpc>
@@ -6260,7 +6386,7 @@
               <a:buSzPts val="1000"/>
               <a:buFont typeface="Arial"/>
               <a:buNone/>
-              <a:defRPr b="0" i="0" sz="1000" u="none" cap="none" strike="noStrike">
+              <a:defRPr sz="1000" b="0" i="0" u="none" strike="noStrike" cap="none">
                 <a:solidFill>
                   <a:schemeClr val="lt2"/>
                 </a:solidFill>
@@ -6270,7 +6396,7 @@
                 <a:sym typeface="Arial"/>
               </a:defRPr>
             </a:lvl7pPr>
-            <a:lvl8pPr indent="0" lvl="7" marL="0" marR="0" algn="r">
+            <a:lvl8pPr marL="0" marR="0" lvl="7" indent="0" algn="r">
               <a:lnSpc>
                 <a:spcPct val="100000"/>
               </a:lnSpc>
@@ -6286,7 +6412,7 @@
               <a:buSzPts val="1000"/>
               <a:buFont typeface="Arial"/>
               <a:buNone/>
-              <a:defRPr b="0" i="0" sz="1000" u="none" cap="none" strike="noStrike">
+              <a:defRPr sz="1000" b="0" i="0" u="none" strike="noStrike" cap="none">
                 <a:solidFill>
                   <a:schemeClr val="lt2"/>
                 </a:solidFill>
@@ -6296,7 +6422,7 @@
                 <a:sym typeface="Arial"/>
               </a:defRPr>
             </a:lvl8pPr>
-            <a:lvl9pPr indent="0" lvl="8" marL="0" marR="0" algn="r">
+            <a:lvl9pPr marL="0" marR="0" lvl="8" indent="0" algn="r">
               <a:lnSpc>
                 <a:spcPct val="100000"/>
               </a:lnSpc>
@@ -6312,7 +6438,7 @@
               <a:buSzPts val="1000"/>
               <a:buFont typeface="Arial"/>
               <a:buNone/>
-              <a:defRPr b="0" i="0" sz="1000" u="none" cap="none" strike="noStrike">
+              <a:defRPr sz="1000" b="0" i="0" u="none" strike="noStrike" cap="none">
                 <a:solidFill>
                   <a:schemeClr val="lt2"/>
                 </a:solidFill>
@@ -6324,7 +6450,7 @@
             </a:lvl9pPr>
           </a:lstStyle>
           <a:p>
-            <a:pPr indent="0" lvl="0" marL="0" rtl="0" algn="r">
+            <a:pPr marL="0" lvl="0" indent="0" algn="r" rtl="0">
               <a:spcBef>
                 <a:spcPts val="0"/>
               </a:spcBef>
@@ -6335,7 +6461,7 @@
             </a:pPr>
             <a:fld id="{00000000-1234-1234-1234-123412341234}" type="slidenum">
               <a:rPr lang="pt-BR"/>
-              <a:t>‹#›</a:t>
+              <a:t>‹nº›</a:t>
             </a:fld>
             <a:endParaRPr/>
           </a:p>
@@ -6350,11 +6476,11 @@
 </file>
 
 <file path=ppt/slideLayouts/slideLayout7.xml><?xml version="1.0" encoding="utf-8"?>
-<p:sldLayout xmlns:a="http://schemas.openxmlformats.org/drawingml/2006/main" xmlns:r="http://schemas.openxmlformats.org/officeDocument/2006/relationships" xmlns:mc="http://schemas.openxmlformats.org/markup-compatibility/2006" xmlns:mv="urn:schemas-microsoft-com:mac:vml" xmlns:p="http://schemas.openxmlformats.org/presentationml/2006/main" xmlns:c="http://schemas.openxmlformats.org/drawingml/2006/chart" xmlns:dgm="http://schemas.openxmlformats.org/drawingml/2006/diagram" xmlns:o="urn:schemas-microsoft-com:office:office" xmlns:v="urn:schemas-microsoft-com:vml" xmlns:pvml="urn:schemas-microsoft-com:office:powerpoint" xmlns:com="http://schemas.openxmlformats.org/drawingml/2006/compatibility" xmlns:p14="http://schemas.microsoft.com/office/powerpoint/2010/main" xmlns:p15="http://schemas.microsoft.com/office/powerpoint/2012/main" xmlns:ahyp="http://schemas.microsoft.com/office/drawing/2018/hyperlinkcolor" matchingName="Main point">
+<p:sldLayout xmlns:a="http://schemas.openxmlformats.org/drawingml/2006/main" xmlns:r="http://schemas.openxmlformats.org/officeDocument/2006/relationships" xmlns:p="http://schemas.openxmlformats.org/presentationml/2006/main" matchingName="Main point">
   <p:cSld name="MAIN_POINT">
     <p:spTree>
       <p:nvGrpSpPr>
-        <p:cNvPr id="32" name="Shape 32"/>
+        <p:cNvPr id="1" name="Shape 32"/>
         <p:cNvGrpSpPr/>
         <p:nvPr/>
       </p:nvGrpSpPr>
@@ -6369,7 +6495,9 @@
       <p:sp>
         <p:nvSpPr>
           <p:cNvPr id="33" name="Google Shape;33;p16"/>
-          <p:cNvSpPr txBox="1"/>
+          <p:cNvSpPr txBox="1">
+            <a:spLocks noGrp="1"/>
+          </p:cNvSpPr>
           <p:nvPr>
             <p:ph type="title"/>
           </p:nvPr>
@@ -6388,7 +6516,7 @@
           </a:ln>
         </p:spPr>
         <p:txBody>
-          <a:bodyPr anchorCtr="0" anchor="ctr" bIns="91425" lIns="91425" spcFirstLastPara="1" rIns="91425" wrap="square" tIns="91425">
+          <a:bodyPr spcFirstLastPara="1" wrap="square" lIns="91425" tIns="91425" rIns="91425" bIns="91425" anchor="ctr" anchorCtr="0">
             <a:normAutofit/>
           </a:bodyPr>
           <a:lstStyle>
@@ -6519,15 +6647,19 @@
               <a:defRPr sz="4800"/>
             </a:lvl9pPr>
           </a:lstStyle>
-          <a:p/>
+          <a:p>
+            <a:endParaRPr/>
+          </a:p>
         </p:txBody>
       </p:sp>
       <p:sp>
         <p:nvSpPr>
           <p:cNvPr id="34" name="Google Shape;34;p16"/>
-          <p:cNvSpPr txBox="1"/>
+          <p:cNvSpPr txBox="1">
+            <a:spLocks noGrp="1"/>
+          </p:cNvSpPr>
           <p:nvPr>
-            <p:ph idx="12" type="sldNum"/>
+            <p:ph type="sldNum" idx="12"/>
           </p:nvPr>
         </p:nvSpPr>
         <p:spPr>
@@ -6544,11 +6676,11 @@
           </a:ln>
         </p:spPr>
         <p:txBody>
-          <a:bodyPr anchorCtr="0" anchor="ctr" bIns="91425" lIns="91425" spcFirstLastPara="1" rIns="91425" wrap="square" tIns="91425">
+          <a:bodyPr spcFirstLastPara="1" wrap="square" lIns="91425" tIns="91425" rIns="91425" bIns="91425" anchor="ctr" anchorCtr="0">
             <a:normAutofit/>
           </a:bodyPr>
           <a:lstStyle>
-            <a:lvl1pPr indent="0" lvl="0" marL="0" marR="0" algn="r">
+            <a:lvl1pPr marL="0" marR="0" lvl="0" indent="0" algn="r">
               <a:lnSpc>
                 <a:spcPct val="100000"/>
               </a:lnSpc>
@@ -6564,7 +6696,7 @@
               <a:buSzPts val="1000"/>
               <a:buFont typeface="Arial"/>
               <a:buNone/>
-              <a:defRPr b="0" i="0" sz="1000" u="none" cap="none" strike="noStrike">
+              <a:defRPr sz="1000" b="0" i="0" u="none" strike="noStrike" cap="none">
                 <a:solidFill>
                   <a:schemeClr val="lt2"/>
                 </a:solidFill>
@@ -6574,7 +6706,7 @@
                 <a:sym typeface="Arial"/>
               </a:defRPr>
             </a:lvl1pPr>
-            <a:lvl2pPr indent="0" lvl="1" marL="0" marR="0" algn="r">
+            <a:lvl2pPr marL="0" marR="0" lvl="1" indent="0" algn="r">
               <a:lnSpc>
                 <a:spcPct val="100000"/>
               </a:lnSpc>
@@ -6590,7 +6722,7 @@
               <a:buSzPts val="1000"/>
               <a:buFont typeface="Arial"/>
               <a:buNone/>
-              <a:defRPr b="0" i="0" sz="1000" u="none" cap="none" strike="noStrike">
+              <a:defRPr sz="1000" b="0" i="0" u="none" strike="noStrike" cap="none">
                 <a:solidFill>
                   <a:schemeClr val="lt2"/>
                 </a:solidFill>
@@ -6600,7 +6732,7 @@
                 <a:sym typeface="Arial"/>
               </a:defRPr>
             </a:lvl2pPr>
-            <a:lvl3pPr indent="0" lvl="2" marL="0" marR="0" algn="r">
+            <a:lvl3pPr marL="0" marR="0" lvl="2" indent="0" algn="r">
               <a:lnSpc>
                 <a:spcPct val="100000"/>
               </a:lnSpc>
@@ -6616,7 +6748,7 @@
               <a:buSzPts val="1000"/>
               <a:buFont typeface="Arial"/>
               <a:buNone/>
-              <a:defRPr b="0" i="0" sz="1000" u="none" cap="none" strike="noStrike">
+              <a:defRPr sz="1000" b="0" i="0" u="none" strike="noStrike" cap="none">
                 <a:solidFill>
                   <a:schemeClr val="lt2"/>
                 </a:solidFill>
@@ -6626,7 +6758,7 @@
                 <a:sym typeface="Arial"/>
               </a:defRPr>
             </a:lvl3pPr>
-            <a:lvl4pPr indent="0" lvl="3" marL="0" marR="0" algn="r">
+            <a:lvl4pPr marL="0" marR="0" lvl="3" indent="0" algn="r">
               <a:lnSpc>
                 <a:spcPct val="100000"/>
               </a:lnSpc>
@@ -6642,7 +6774,7 @@
               <a:buSzPts val="1000"/>
               <a:buFont typeface="Arial"/>
               <a:buNone/>
-              <a:defRPr b="0" i="0" sz="1000" u="none" cap="none" strike="noStrike">
+              <a:defRPr sz="1000" b="0" i="0" u="none" strike="noStrike" cap="none">
                 <a:solidFill>
                   <a:schemeClr val="lt2"/>
                 </a:solidFill>
@@ -6652,7 +6784,7 @@
                 <a:sym typeface="Arial"/>
               </a:defRPr>
             </a:lvl4pPr>
-            <a:lvl5pPr indent="0" lvl="4" marL="0" marR="0" algn="r">
+            <a:lvl5pPr marL="0" marR="0" lvl="4" indent="0" algn="r">
               <a:lnSpc>
                 <a:spcPct val="100000"/>
               </a:lnSpc>
@@ -6668,7 +6800,7 @@
               <a:buSzPts val="1000"/>
               <a:buFont typeface="Arial"/>
               <a:buNone/>
-              <a:defRPr b="0" i="0" sz="1000" u="none" cap="none" strike="noStrike">
+              <a:defRPr sz="1000" b="0" i="0" u="none" strike="noStrike" cap="none">
                 <a:solidFill>
                   <a:schemeClr val="lt2"/>
                 </a:solidFill>
@@ -6678,7 +6810,7 @@
                 <a:sym typeface="Arial"/>
               </a:defRPr>
             </a:lvl5pPr>
-            <a:lvl6pPr indent="0" lvl="5" marL="0" marR="0" algn="r">
+            <a:lvl6pPr marL="0" marR="0" lvl="5" indent="0" algn="r">
               <a:lnSpc>
                 <a:spcPct val="100000"/>
               </a:lnSpc>
@@ -6694,7 +6826,7 @@
               <a:buSzPts val="1000"/>
               <a:buFont typeface="Arial"/>
               <a:buNone/>
-              <a:defRPr b="0" i="0" sz="1000" u="none" cap="none" strike="noStrike">
+              <a:defRPr sz="1000" b="0" i="0" u="none" strike="noStrike" cap="none">
                 <a:solidFill>
                   <a:schemeClr val="lt2"/>
                 </a:solidFill>
@@ -6704,7 +6836,7 @@
                 <a:sym typeface="Arial"/>
               </a:defRPr>
             </a:lvl6pPr>
-            <a:lvl7pPr indent="0" lvl="6" marL="0" marR="0" algn="r">
+            <a:lvl7pPr marL="0" marR="0" lvl="6" indent="0" algn="r">
               <a:lnSpc>
                 <a:spcPct val="100000"/>
               </a:lnSpc>
@@ -6720,7 +6852,7 @@
               <a:buSzPts val="1000"/>
               <a:buFont typeface="Arial"/>
               <a:buNone/>
-              <a:defRPr b="0" i="0" sz="1000" u="none" cap="none" strike="noStrike">
+              <a:defRPr sz="1000" b="0" i="0" u="none" strike="noStrike" cap="none">
                 <a:solidFill>
                   <a:schemeClr val="lt2"/>
                 </a:solidFill>
@@ -6730,7 +6862,7 @@
                 <a:sym typeface="Arial"/>
               </a:defRPr>
             </a:lvl7pPr>
-            <a:lvl8pPr indent="0" lvl="7" marL="0" marR="0" algn="r">
+            <a:lvl8pPr marL="0" marR="0" lvl="7" indent="0" algn="r">
               <a:lnSpc>
                 <a:spcPct val="100000"/>
               </a:lnSpc>
@@ -6746,7 +6878,7 @@
               <a:buSzPts val="1000"/>
               <a:buFont typeface="Arial"/>
               <a:buNone/>
-              <a:defRPr b="0" i="0" sz="1000" u="none" cap="none" strike="noStrike">
+              <a:defRPr sz="1000" b="0" i="0" u="none" strike="noStrike" cap="none">
                 <a:solidFill>
                   <a:schemeClr val="lt2"/>
                 </a:solidFill>
@@ -6756,7 +6888,7 @@
                 <a:sym typeface="Arial"/>
               </a:defRPr>
             </a:lvl8pPr>
-            <a:lvl9pPr indent="0" lvl="8" marL="0" marR="0" algn="r">
+            <a:lvl9pPr marL="0" marR="0" lvl="8" indent="0" algn="r">
               <a:lnSpc>
                 <a:spcPct val="100000"/>
               </a:lnSpc>
@@ -6772,7 +6904,7 @@
               <a:buSzPts val="1000"/>
               <a:buFont typeface="Arial"/>
               <a:buNone/>
-              <a:defRPr b="0" i="0" sz="1000" u="none" cap="none" strike="noStrike">
+              <a:defRPr sz="1000" b="0" i="0" u="none" strike="noStrike" cap="none">
                 <a:solidFill>
                   <a:schemeClr val="lt2"/>
                 </a:solidFill>
@@ -6784,7 +6916,7 @@
             </a:lvl9pPr>
           </a:lstStyle>
           <a:p>
-            <a:pPr indent="0" lvl="0" marL="0" rtl="0" algn="r">
+            <a:pPr marL="0" lvl="0" indent="0" algn="r" rtl="0">
               <a:spcBef>
                 <a:spcPts val="0"/>
               </a:spcBef>
@@ -6795,7 +6927,7 @@
             </a:pPr>
             <a:fld id="{00000000-1234-1234-1234-123412341234}" type="slidenum">
               <a:rPr lang="pt-BR"/>
-              <a:t>‹#›</a:t>
+              <a:t>‹nº›</a:t>
             </a:fld>
             <a:endParaRPr/>
           </a:p>
@@ -6810,11 +6942,11 @@
 </file>
 
 <file path=ppt/slideLayouts/slideLayout8.xml><?xml version="1.0" encoding="utf-8"?>
-<p:sldLayout xmlns:a="http://schemas.openxmlformats.org/drawingml/2006/main" xmlns:r="http://schemas.openxmlformats.org/officeDocument/2006/relationships" xmlns:mc="http://schemas.openxmlformats.org/markup-compatibility/2006" xmlns:mv="urn:schemas-microsoft-com:mac:vml" xmlns:p="http://schemas.openxmlformats.org/presentationml/2006/main" xmlns:c="http://schemas.openxmlformats.org/drawingml/2006/chart" xmlns:dgm="http://schemas.openxmlformats.org/drawingml/2006/diagram" xmlns:o="urn:schemas-microsoft-com:office:office" xmlns:v="urn:schemas-microsoft-com:vml" xmlns:pvml="urn:schemas-microsoft-com:office:powerpoint" xmlns:com="http://schemas.openxmlformats.org/drawingml/2006/compatibility" xmlns:p14="http://schemas.microsoft.com/office/powerpoint/2010/main" xmlns:p15="http://schemas.microsoft.com/office/powerpoint/2012/main" xmlns:ahyp="http://schemas.microsoft.com/office/drawing/2018/hyperlinkcolor" matchingName="Section title and description">
+<p:sldLayout xmlns:a="http://schemas.openxmlformats.org/drawingml/2006/main" xmlns:r="http://schemas.openxmlformats.org/officeDocument/2006/relationships" xmlns:p="http://schemas.openxmlformats.org/presentationml/2006/main" matchingName="Section title and description">
   <p:cSld name="SECTION_TITLE_AND_DESCRIPTION">
     <p:spTree>
       <p:nvGrpSpPr>
-        <p:cNvPr id="35" name="Shape 35"/>
+        <p:cNvPr id="1" name="Shape 35"/>
         <p:cNvGrpSpPr/>
         <p:nvPr/>
       </p:nvGrpSpPr>
@@ -6848,12 +6980,12 @@
           </a:ln>
         </p:spPr>
         <p:txBody>
-          <a:bodyPr anchorCtr="0" anchor="ctr" bIns="91425" lIns="91425" spcFirstLastPara="1" rIns="91425" wrap="square" tIns="91425">
+          <a:bodyPr spcFirstLastPara="1" wrap="square" lIns="91425" tIns="91425" rIns="91425" bIns="91425" anchor="ctr" anchorCtr="0">
             <a:noAutofit/>
           </a:bodyPr>
           <a:lstStyle/>
           <a:p>
-            <a:pPr indent="0" lvl="0" marL="0" marR="0" rtl="0" algn="l">
+            <a:pPr marL="0" marR="0" lvl="0" indent="0" algn="l" rtl="0">
               <a:lnSpc>
                 <a:spcPct val="100000"/>
               </a:lnSpc>
@@ -6870,10 +7002,7 @@
               <a:buFont typeface="Arial"/>
               <a:buNone/>
             </a:pPr>
-            <a:r>
-              <a:t/>
-            </a:r>
-            <a:endParaRPr b="0" i="0" sz="1400" u="none" cap="none" strike="noStrike">
+            <a:endParaRPr sz="1400" b="0" i="0" u="none" strike="noStrike" cap="none">
               <a:solidFill>
                 <a:srgbClr val="000000"/>
               </a:solidFill>
@@ -6888,7 +7017,9 @@
       <p:sp>
         <p:nvSpPr>
           <p:cNvPr id="37" name="Google Shape;37;p17"/>
-          <p:cNvSpPr txBox="1"/>
+          <p:cNvSpPr txBox="1">
+            <a:spLocks noGrp="1"/>
+          </p:cNvSpPr>
           <p:nvPr>
             <p:ph type="title"/>
           </p:nvPr>
@@ -6907,7 +7038,7 @@
           </a:ln>
         </p:spPr>
         <p:txBody>
-          <a:bodyPr anchorCtr="0" anchor="b" bIns="91425" lIns="91425" spcFirstLastPara="1" rIns="91425" wrap="square" tIns="91425">
+          <a:bodyPr spcFirstLastPara="1" wrap="square" lIns="91425" tIns="91425" rIns="91425" bIns="91425" anchor="b" anchorCtr="0">
             <a:normAutofit/>
           </a:bodyPr>
           <a:lstStyle>
@@ -7038,15 +7169,19 @@
               <a:defRPr sz="4200"/>
             </a:lvl9pPr>
           </a:lstStyle>
-          <a:p/>
+          <a:p>
+            <a:endParaRPr/>
+          </a:p>
         </p:txBody>
       </p:sp>
       <p:sp>
         <p:nvSpPr>
           <p:cNvPr id="38" name="Google Shape;38;p17"/>
-          <p:cNvSpPr txBox="1"/>
+          <p:cNvSpPr txBox="1">
+            <a:spLocks noGrp="1"/>
+          </p:cNvSpPr>
           <p:nvPr>
-            <p:ph idx="1" type="subTitle"/>
+            <p:ph type="subTitle" idx="1"/>
           </p:nvPr>
         </p:nvSpPr>
         <p:spPr>
@@ -7063,7 +7198,7 @@
           </a:ln>
         </p:spPr>
         <p:txBody>
-          <a:bodyPr anchorCtr="0" anchor="t" bIns="91425" lIns="91425" spcFirstLastPara="1" rIns="91425" wrap="square" tIns="91425">
+          <a:bodyPr spcFirstLastPara="1" wrap="square" lIns="91425" tIns="91425" rIns="91425" bIns="91425" anchor="t" anchorCtr="0">
             <a:normAutofit/>
           </a:bodyPr>
           <a:lstStyle>
@@ -7194,15 +7329,19 @@
               <a:defRPr sz="2100"/>
             </a:lvl9pPr>
           </a:lstStyle>
-          <a:p/>
+          <a:p>
+            <a:endParaRPr/>
+          </a:p>
         </p:txBody>
       </p:sp>
       <p:sp>
         <p:nvSpPr>
           <p:cNvPr id="39" name="Google Shape;39;p17"/>
-          <p:cNvSpPr txBox="1"/>
+          <p:cNvSpPr txBox="1">
+            <a:spLocks noGrp="1"/>
+          </p:cNvSpPr>
           <p:nvPr>
-            <p:ph idx="2" type="body"/>
+            <p:ph type="body" idx="2"/>
           </p:nvPr>
         </p:nvSpPr>
         <p:spPr>
@@ -7219,11 +7358,11 @@
           </a:ln>
         </p:spPr>
         <p:txBody>
-          <a:bodyPr anchorCtr="0" anchor="ctr" bIns="91425" lIns="91425" spcFirstLastPara="1" rIns="91425" wrap="square" tIns="91425">
+          <a:bodyPr spcFirstLastPara="1" wrap="square" lIns="91425" tIns="91425" rIns="91425" bIns="91425" anchor="ctr" anchorCtr="0">
             <a:normAutofit/>
           </a:bodyPr>
           <a:lstStyle>
-            <a:lvl1pPr indent="-342900" lvl="0" marL="457200" algn="l">
+            <a:lvl1pPr marL="457200" lvl="0" indent="-342900" algn="l">
               <a:lnSpc>
                 <a:spcPct val="115000"/>
               </a:lnSpc>
@@ -7244,7 +7383,7 @@
                 </a:solidFill>
               </a:defRPr>
             </a:lvl1pPr>
-            <a:lvl2pPr indent="-317500" lvl="1" marL="914400" algn="l">
+            <a:lvl2pPr marL="914400" lvl="1" indent="-317500" algn="l">
               <a:lnSpc>
                 <a:spcPct val="115000"/>
               </a:lnSpc>
@@ -7265,7 +7404,7 @@
                 </a:solidFill>
               </a:defRPr>
             </a:lvl2pPr>
-            <a:lvl3pPr indent="-317500" lvl="2" marL="1371600" algn="l">
+            <a:lvl3pPr marL="1371600" lvl="2" indent="-317500" algn="l">
               <a:lnSpc>
                 <a:spcPct val="115000"/>
               </a:lnSpc>
@@ -7286,7 +7425,7 @@
                 </a:solidFill>
               </a:defRPr>
             </a:lvl3pPr>
-            <a:lvl4pPr indent="-317500" lvl="3" marL="1828800" algn="l">
+            <a:lvl4pPr marL="1828800" lvl="3" indent="-317500" algn="l">
               <a:lnSpc>
                 <a:spcPct val="115000"/>
               </a:lnSpc>
@@ -7307,7 +7446,7 @@
                 </a:solidFill>
               </a:defRPr>
             </a:lvl4pPr>
-            <a:lvl5pPr indent="-317500" lvl="4" marL="2286000" algn="l">
+            <a:lvl5pPr marL="2286000" lvl="4" indent="-317500" algn="l">
               <a:lnSpc>
                 <a:spcPct val="115000"/>
               </a:lnSpc>
@@ -7328,7 +7467,7 @@
                 </a:solidFill>
               </a:defRPr>
             </a:lvl5pPr>
-            <a:lvl6pPr indent="-317500" lvl="5" marL="2743200" algn="l">
+            <a:lvl6pPr marL="2743200" lvl="5" indent="-317500" algn="l">
               <a:lnSpc>
                 <a:spcPct val="115000"/>
               </a:lnSpc>
@@ -7349,7 +7488,7 @@
                 </a:solidFill>
               </a:defRPr>
             </a:lvl6pPr>
-            <a:lvl7pPr indent="-317500" lvl="6" marL="3200400" algn="l">
+            <a:lvl7pPr marL="3200400" lvl="6" indent="-317500" algn="l">
               <a:lnSpc>
                 <a:spcPct val="115000"/>
               </a:lnSpc>
@@ -7370,7 +7509,7 @@
                 </a:solidFill>
               </a:defRPr>
             </a:lvl7pPr>
-            <a:lvl8pPr indent="-317500" lvl="7" marL="3657600" algn="l">
+            <a:lvl8pPr marL="3657600" lvl="7" indent="-317500" algn="l">
               <a:lnSpc>
                 <a:spcPct val="115000"/>
               </a:lnSpc>
@@ -7391,7 +7530,7 @@
                 </a:solidFill>
               </a:defRPr>
             </a:lvl8pPr>
-            <a:lvl9pPr indent="-317500" lvl="8" marL="4114800" algn="l">
+            <a:lvl9pPr marL="4114800" lvl="8" indent="-317500" algn="l">
               <a:lnSpc>
                 <a:spcPct val="115000"/>
               </a:lnSpc>
@@ -7413,15 +7552,19 @@
               </a:defRPr>
             </a:lvl9pPr>
           </a:lstStyle>
-          <a:p/>
+          <a:p>
+            <a:endParaRPr/>
+          </a:p>
         </p:txBody>
       </p:sp>
       <p:sp>
         <p:nvSpPr>
           <p:cNvPr id="40" name="Google Shape;40;p17"/>
-          <p:cNvSpPr txBox="1"/>
+          <p:cNvSpPr txBox="1">
+            <a:spLocks noGrp="1"/>
+          </p:cNvSpPr>
           <p:nvPr>
-            <p:ph idx="12" type="sldNum"/>
+            <p:ph type="sldNum" idx="12"/>
           </p:nvPr>
         </p:nvSpPr>
         <p:spPr>
@@ -7438,11 +7581,11 @@
           </a:ln>
         </p:spPr>
         <p:txBody>
-          <a:bodyPr anchorCtr="0" anchor="ctr" bIns="91425" lIns="91425" spcFirstLastPara="1" rIns="91425" wrap="square" tIns="91425">
+          <a:bodyPr spcFirstLastPara="1" wrap="square" lIns="91425" tIns="91425" rIns="91425" bIns="91425" anchor="ctr" anchorCtr="0">
             <a:normAutofit/>
           </a:bodyPr>
           <a:lstStyle>
-            <a:lvl1pPr indent="0" lvl="0" marL="0" marR="0" algn="r">
+            <a:lvl1pPr marL="0" marR="0" lvl="0" indent="0" algn="r">
               <a:lnSpc>
                 <a:spcPct val="100000"/>
               </a:lnSpc>
@@ -7458,7 +7601,7 @@
               <a:buSzPts val="1000"/>
               <a:buFont typeface="Arial"/>
               <a:buNone/>
-              <a:defRPr b="0" i="0" sz="1000" u="none" cap="none" strike="noStrike">
+              <a:defRPr sz="1000" b="0" i="0" u="none" strike="noStrike" cap="none">
                 <a:solidFill>
                   <a:schemeClr val="lt2"/>
                 </a:solidFill>
@@ -7468,7 +7611,7 @@
                 <a:sym typeface="Arial"/>
               </a:defRPr>
             </a:lvl1pPr>
-            <a:lvl2pPr indent="0" lvl="1" marL="0" marR="0" algn="r">
+            <a:lvl2pPr marL="0" marR="0" lvl="1" indent="0" algn="r">
               <a:lnSpc>
                 <a:spcPct val="100000"/>
               </a:lnSpc>
@@ -7484,7 +7627,7 @@
               <a:buSzPts val="1000"/>
               <a:buFont typeface="Arial"/>
               <a:buNone/>
-              <a:defRPr b="0" i="0" sz="1000" u="none" cap="none" strike="noStrike">
+              <a:defRPr sz="1000" b="0" i="0" u="none" strike="noStrike" cap="none">
                 <a:solidFill>
                   <a:schemeClr val="lt2"/>
                 </a:solidFill>
@@ -7494,7 +7637,7 @@
                 <a:sym typeface="Arial"/>
               </a:defRPr>
             </a:lvl2pPr>
-            <a:lvl3pPr indent="0" lvl="2" marL="0" marR="0" algn="r">
+            <a:lvl3pPr marL="0" marR="0" lvl="2" indent="0" algn="r">
               <a:lnSpc>
                 <a:spcPct val="100000"/>
               </a:lnSpc>
@@ -7510,7 +7653,7 @@
               <a:buSzPts val="1000"/>
               <a:buFont typeface="Arial"/>
               <a:buNone/>
-              <a:defRPr b="0" i="0" sz="1000" u="none" cap="none" strike="noStrike">
+              <a:defRPr sz="1000" b="0" i="0" u="none" strike="noStrike" cap="none">
                 <a:solidFill>
                   <a:schemeClr val="lt2"/>
                 </a:solidFill>
@@ -7520,7 +7663,7 @@
                 <a:sym typeface="Arial"/>
               </a:defRPr>
             </a:lvl3pPr>
-            <a:lvl4pPr indent="0" lvl="3" marL="0" marR="0" algn="r">
+            <a:lvl4pPr marL="0" marR="0" lvl="3" indent="0" algn="r">
               <a:lnSpc>
                 <a:spcPct val="100000"/>
               </a:lnSpc>
@@ -7536,7 +7679,7 @@
               <a:buSzPts val="1000"/>
               <a:buFont typeface="Arial"/>
               <a:buNone/>
-              <a:defRPr b="0" i="0" sz="1000" u="none" cap="none" strike="noStrike">
+              <a:defRPr sz="1000" b="0" i="0" u="none" strike="noStrike" cap="none">
                 <a:solidFill>
                   <a:schemeClr val="lt2"/>
                 </a:solidFill>
@@ -7546,7 +7689,7 @@
                 <a:sym typeface="Arial"/>
               </a:defRPr>
             </a:lvl4pPr>
-            <a:lvl5pPr indent="0" lvl="4" marL="0" marR="0" algn="r">
+            <a:lvl5pPr marL="0" marR="0" lvl="4" indent="0" algn="r">
               <a:lnSpc>
                 <a:spcPct val="100000"/>
               </a:lnSpc>
@@ -7562,7 +7705,7 @@
               <a:buSzPts val="1000"/>
               <a:buFont typeface="Arial"/>
               <a:buNone/>
-              <a:defRPr b="0" i="0" sz="1000" u="none" cap="none" strike="noStrike">
+              <a:defRPr sz="1000" b="0" i="0" u="none" strike="noStrike" cap="none">
                 <a:solidFill>
                   <a:schemeClr val="lt2"/>
                 </a:solidFill>
@@ -7572,7 +7715,7 @@
                 <a:sym typeface="Arial"/>
               </a:defRPr>
             </a:lvl5pPr>
-            <a:lvl6pPr indent="0" lvl="5" marL="0" marR="0" algn="r">
+            <a:lvl6pPr marL="0" marR="0" lvl="5" indent="0" algn="r">
               <a:lnSpc>
                 <a:spcPct val="100000"/>
               </a:lnSpc>
@@ -7588,7 +7731,7 @@
               <a:buSzPts val="1000"/>
               <a:buFont typeface="Arial"/>
               <a:buNone/>
-              <a:defRPr b="0" i="0" sz="1000" u="none" cap="none" strike="noStrike">
+              <a:defRPr sz="1000" b="0" i="0" u="none" strike="noStrike" cap="none">
                 <a:solidFill>
                   <a:schemeClr val="lt2"/>
                 </a:solidFill>
@@ -7598,7 +7741,7 @@
                 <a:sym typeface="Arial"/>
               </a:defRPr>
             </a:lvl6pPr>
-            <a:lvl7pPr indent="0" lvl="6" marL="0" marR="0" algn="r">
+            <a:lvl7pPr marL="0" marR="0" lvl="6" indent="0" algn="r">
               <a:lnSpc>
                 <a:spcPct val="100000"/>
               </a:lnSpc>
@@ -7614,7 +7757,7 @@
               <a:buSzPts val="1000"/>
               <a:buFont typeface="Arial"/>
               <a:buNone/>
-              <a:defRPr b="0" i="0" sz="1000" u="none" cap="none" strike="noStrike">
+              <a:defRPr sz="1000" b="0" i="0" u="none" strike="noStrike" cap="none">
                 <a:solidFill>
                   <a:schemeClr val="lt2"/>
                 </a:solidFill>
@@ -7624,7 +7767,7 @@
                 <a:sym typeface="Arial"/>
               </a:defRPr>
             </a:lvl7pPr>
-            <a:lvl8pPr indent="0" lvl="7" marL="0" marR="0" algn="r">
+            <a:lvl8pPr marL="0" marR="0" lvl="7" indent="0" algn="r">
               <a:lnSpc>
                 <a:spcPct val="100000"/>
               </a:lnSpc>
@@ -7640,7 +7783,7 @@
               <a:buSzPts val="1000"/>
               <a:buFont typeface="Arial"/>
               <a:buNone/>
-              <a:defRPr b="0" i="0" sz="1000" u="none" cap="none" strike="noStrike">
+              <a:defRPr sz="1000" b="0" i="0" u="none" strike="noStrike" cap="none">
                 <a:solidFill>
                   <a:schemeClr val="lt2"/>
                 </a:solidFill>
@@ -7650,7 +7793,7 @@
                 <a:sym typeface="Arial"/>
               </a:defRPr>
             </a:lvl8pPr>
-            <a:lvl9pPr indent="0" lvl="8" marL="0" marR="0" algn="r">
+            <a:lvl9pPr marL="0" marR="0" lvl="8" indent="0" algn="r">
               <a:lnSpc>
                 <a:spcPct val="100000"/>
               </a:lnSpc>
@@ -7666,7 +7809,7 @@
               <a:buSzPts val="1000"/>
               <a:buFont typeface="Arial"/>
               <a:buNone/>
-              <a:defRPr b="0" i="0" sz="1000" u="none" cap="none" strike="noStrike">
+              <a:defRPr sz="1000" b="0" i="0" u="none" strike="noStrike" cap="none">
                 <a:solidFill>
                   <a:schemeClr val="lt2"/>
                 </a:solidFill>
@@ -7678,7 +7821,7 @@
             </a:lvl9pPr>
           </a:lstStyle>
           <a:p>
-            <a:pPr indent="0" lvl="0" marL="0" rtl="0" algn="r">
+            <a:pPr marL="0" lvl="0" indent="0" algn="r" rtl="0">
               <a:spcBef>
                 <a:spcPts val="0"/>
               </a:spcBef>
@@ -7689,7 +7832,7 @@
             </a:pPr>
             <a:fld id="{00000000-1234-1234-1234-123412341234}" type="slidenum">
               <a:rPr lang="pt-BR"/>
-              <a:t>‹#›</a:t>
+              <a:t>‹nº›</a:t>
             </a:fld>
             <a:endParaRPr/>
           </a:p>
@@ -7704,11 +7847,11 @@
 </file>
 
 <file path=ppt/slideLayouts/slideLayout9.xml><?xml version="1.0" encoding="utf-8"?>
-<p:sldLayout xmlns:a="http://schemas.openxmlformats.org/drawingml/2006/main" xmlns:r="http://schemas.openxmlformats.org/officeDocument/2006/relationships" xmlns:mc="http://schemas.openxmlformats.org/markup-compatibility/2006" xmlns:mv="urn:schemas-microsoft-com:mac:vml" xmlns:p="http://schemas.openxmlformats.org/presentationml/2006/main" xmlns:c="http://schemas.openxmlformats.org/drawingml/2006/chart" xmlns:dgm="http://schemas.openxmlformats.org/drawingml/2006/diagram" xmlns:o="urn:schemas-microsoft-com:office:office" xmlns:v="urn:schemas-microsoft-com:vml" xmlns:pvml="urn:schemas-microsoft-com:office:powerpoint" xmlns:com="http://schemas.openxmlformats.org/drawingml/2006/compatibility" xmlns:p14="http://schemas.microsoft.com/office/powerpoint/2010/main" xmlns:p15="http://schemas.microsoft.com/office/powerpoint/2012/main" xmlns:ahyp="http://schemas.microsoft.com/office/drawing/2018/hyperlinkcolor" matchingName="Caption">
+<p:sldLayout xmlns:a="http://schemas.openxmlformats.org/drawingml/2006/main" xmlns:r="http://schemas.openxmlformats.org/officeDocument/2006/relationships" xmlns:p="http://schemas.openxmlformats.org/presentationml/2006/main" matchingName="Caption">
   <p:cSld name="CAPTION_ONLY">
     <p:spTree>
       <p:nvGrpSpPr>
-        <p:cNvPr id="41" name="Shape 41"/>
+        <p:cNvPr id="1" name="Shape 41"/>
         <p:cNvGrpSpPr/>
         <p:nvPr/>
       </p:nvGrpSpPr>
@@ -7723,9 +7866,11 @@
       <p:sp>
         <p:nvSpPr>
           <p:cNvPr id="42" name="Google Shape;42;p18"/>
-          <p:cNvSpPr txBox="1"/>
+          <p:cNvSpPr txBox="1">
+            <a:spLocks noGrp="1"/>
+          </p:cNvSpPr>
           <p:nvPr>
-            <p:ph idx="1" type="body"/>
+            <p:ph type="body" idx="1"/>
           </p:nvPr>
         </p:nvSpPr>
         <p:spPr>
@@ -7742,11 +7887,11 @@
           </a:ln>
         </p:spPr>
         <p:txBody>
-          <a:bodyPr anchorCtr="0" anchor="ctr" bIns="91425" lIns="91425" spcFirstLastPara="1" rIns="91425" wrap="square" tIns="91425">
+          <a:bodyPr spcFirstLastPara="1" wrap="square" lIns="91425" tIns="91425" rIns="91425" bIns="91425" anchor="ctr" anchorCtr="0">
             <a:normAutofit/>
           </a:bodyPr>
           <a:lstStyle>
-            <a:lvl1pPr indent="-228600" lvl="0" marL="457200" algn="l">
+            <a:lvl1pPr marL="457200" lvl="0" indent="-228600" algn="l">
               <a:lnSpc>
                 <a:spcPct val="100000"/>
               </a:lnSpc>
@@ -7761,15 +7906,19 @@
               <a:defRPr/>
             </a:lvl1pPr>
           </a:lstStyle>
-          <a:p/>
+          <a:p>
+            <a:endParaRPr/>
+          </a:p>
         </p:txBody>
       </p:sp>
       <p:sp>
         <p:nvSpPr>
           <p:cNvPr id="43" name="Google Shape;43;p18"/>
-          <p:cNvSpPr txBox="1"/>
+          <p:cNvSpPr txBox="1">
+            <a:spLocks noGrp="1"/>
+          </p:cNvSpPr>
           <p:nvPr>
-            <p:ph idx="12" type="sldNum"/>
+            <p:ph type="sldNum" idx="12"/>
           </p:nvPr>
         </p:nvSpPr>
         <p:spPr>
@@ -7786,11 +7935,11 @@
           </a:ln>
         </p:spPr>
         <p:txBody>
-          <a:bodyPr anchorCtr="0" anchor="ctr" bIns="91425" lIns="91425" spcFirstLastPara="1" rIns="91425" wrap="square" tIns="91425">
+          <a:bodyPr spcFirstLastPara="1" wrap="square" lIns="91425" tIns="91425" rIns="91425" bIns="91425" anchor="ctr" anchorCtr="0">
             <a:normAutofit/>
           </a:bodyPr>
           <a:lstStyle>
-            <a:lvl1pPr indent="0" lvl="0" marL="0" marR="0" algn="r">
+            <a:lvl1pPr marL="0" marR="0" lvl="0" indent="0" algn="r">
               <a:lnSpc>
                 <a:spcPct val="100000"/>
               </a:lnSpc>
@@ -7806,7 +7955,7 @@
               <a:buSzPts val="1000"/>
               <a:buFont typeface="Arial"/>
               <a:buNone/>
-              <a:defRPr b="0" i="0" sz="1000" u="none" cap="none" strike="noStrike">
+              <a:defRPr sz="1000" b="0" i="0" u="none" strike="noStrike" cap="none">
                 <a:solidFill>
                   <a:schemeClr val="lt2"/>
                 </a:solidFill>
@@ -7816,7 +7965,7 @@
                 <a:sym typeface="Arial"/>
               </a:defRPr>
             </a:lvl1pPr>
-            <a:lvl2pPr indent="0" lvl="1" marL="0" marR="0" algn="r">
+            <a:lvl2pPr marL="0" marR="0" lvl="1" indent="0" algn="r">
               <a:lnSpc>
                 <a:spcPct val="100000"/>
               </a:lnSpc>
@@ -7832,7 +7981,7 @@
               <a:buSzPts val="1000"/>
               <a:buFont typeface="Arial"/>
               <a:buNone/>
-              <a:defRPr b="0" i="0" sz="1000" u="none" cap="none" strike="noStrike">
+              <a:defRPr sz="1000" b="0" i="0" u="none" strike="noStrike" cap="none">
                 <a:solidFill>
                   <a:schemeClr val="lt2"/>
                 </a:solidFill>
@@ -7842,7 +7991,7 @@
                 <a:sym typeface="Arial"/>
               </a:defRPr>
             </a:lvl2pPr>
-            <a:lvl3pPr indent="0" lvl="2" marL="0" marR="0" algn="r">
+            <a:lvl3pPr marL="0" marR="0" lvl="2" indent="0" algn="r">
               <a:lnSpc>
                 <a:spcPct val="100000"/>
               </a:lnSpc>
@@ -7858,7 +8007,7 @@
               <a:buSzPts val="1000"/>
               <a:buFont typeface="Arial"/>
               <a:buNone/>
-              <a:defRPr b="0" i="0" sz="1000" u="none" cap="none" strike="noStrike">
+              <a:defRPr sz="1000" b="0" i="0" u="none" strike="noStrike" cap="none">
                 <a:solidFill>
                   <a:schemeClr val="lt2"/>
                 </a:solidFill>
@@ -7868,7 +8017,7 @@
                 <a:sym typeface="Arial"/>
               </a:defRPr>
             </a:lvl3pPr>
-            <a:lvl4pPr indent="0" lvl="3" marL="0" marR="0" algn="r">
+            <a:lvl4pPr marL="0" marR="0" lvl="3" indent="0" algn="r">
               <a:lnSpc>
                 <a:spcPct val="100000"/>
               </a:lnSpc>
@@ -7884,7 +8033,7 @@
               <a:buSzPts val="1000"/>
               <a:buFont typeface="Arial"/>
               <a:buNone/>
-              <a:defRPr b="0" i="0" sz="1000" u="none" cap="none" strike="noStrike">
+              <a:defRPr sz="1000" b="0" i="0" u="none" strike="noStrike" cap="none">
                 <a:solidFill>
                   <a:schemeClr val="lt2"/>
                 </a:solidFill>
@@ -7894,7 +8043,7 @@
                 <a:sym typeface="Arial"/>
               </a:defRPr>
             </a:lvl4pPr>
-            <a:lvl5pPr indent="0" lvl="4" marL="0" marR="0" algn="r">
+            <a:lvl5pPr marL="0" marR="0" lvl="4" indent="0" algn="r">
               <a:lnSpc>
                 <a:spcPct val="100000"/>
               </a:lnSpc>
@@ -7910,7 +8059,7 @@
               <a:buSzPts val="1000"/>
               <a:buFont typeface="Arial"/>
               <a:buNone/>
-              <a:defRPr b="0" i="0" sz="1000" u="none" cap="none" strike="noStrike">
+              <a:defRPr sz="1000" b="0" i="0" u="none" strike="noStrike" cap="none">
                 <a:solidFill>
                   <a:schemeClr val="lt2"/>
                 </a:solidFill>
@@ -7920,7 +8069,7 @@
                 <a:sym typeface="Arial"/>
               </a:defRPr>
             </a:lvl5pPr>
-            <a:lvl6pPr indent="0" lvl="5" marL="0" marR="0" algn="r">
+            <a:lvl6pPr marL="0" marR="0" lvl="5" indent="0" algn="r">
               <a:lnSpc>
                 <a:spcPct val="100000"/>
               </a:lnSpc>
@@ -7936,7 +8085,7 @@
               <a:buSzPts val="1000"/>
               <a:buFont typeface="Arial"/>
               <a:buNone/>
-              <a:defRPr b="0" i="0" sz="1000" u="none" cap="none" strike="noStrike">
+              <a:defRPr sz="1000" b="0" i="0" u="none" strike="noStrike" cap="none">
                 <a:solidFill>
                   <a:schemeClr val="lt2"/>
                 </a:solidFill>
@@ -7946,7 +8095,7 @@
                 <a:sym typeface="Arial"/>
               </a:defRPr>
             </a:lvl6pPr>
-            <a:lvl7pPr indent="0" lvl="6" marL="0" marR="0" algn="r">
+            <a:lvl7pPr marL="0" marR="0" lvl="6" indent="0" algn="r">
               <a:lnSpc>
                 <a:spcPct val="100000"/>
               </a:lnSpc>
@@ -7962,7 +8111,7 @@
               <a:buSzPts val="1000"/>
               <a:buFont typeface="Arial"/>
               <a:buNone/>
-              <a:defRPr b="0" i="0" sz="1000" u="none" cap="none" strike="noStrike">
+              <a:defRPr sz="1000" b="0" i="0" u="none" strike="noStrike" cap="none">
                 <a:solidFill>
                   <a:schemeClr val="lt2"/>
                 </a:solidFill>
@@ -7972,7 +8121,7 @@
                 <a:sym typeface="Arial"/>
               </a:defRPr>
             </a:lvl7pPr>
-            <a:lvl8pPr indent="0" lvl="7" marL="0" marR="0" algn="r">
+            <a:lvl8pPr marL="0" marR="0" lvl="7" indent="0" algn="r">
               <a:lnSpc>
                 <a:spcPct val="100000"/>
               </a:lnSpc>
@@ -7988,7 +8137,7 @@
               <a:buSzPts val="1000"/>
               <a:buFont typeface="Arial"/>
               <a:buNone/>
-              <a:defRPr b="0" i="0" sz="1000" u="none" cap="none" strike="noStrike">
+              <a:defRPr sz="1000" b="0" i="0" u="none" strike="noStrike" cap="none">
                 <a:solidFill>
                   <a:schemeClr val="lt2"/>
                 </a:solidFill>
@@ -7998,7 +8147,7 @@
                 <a:sym typeface="Arial"/>
               </a:defRPr>
             </a:lvl8pPr>
-            <a:lvl9pPr indent="0" lvl="8" marL="0" marR="0" algn="r">
+            <a:lvl9pPr marL="0" marR="0" lvl="8" indent="0" algn="r">
               <a:lnSpc>
                 <a:spcPct val="100000"/>
               </a:lnSpc>
@@ -8014,7 +8163,7 @@
               <a:buSzPts val="1000"/>
               <a:buFont typeface="Arial"/>
               <a:buNone/>
-              <a:defRPr b="0" i="0" sz="1000" u="none" cap="none" strike="noStrike">
+              <a:defRPr sz="1000" b="0" i="0" u="none" strike="noStrike" cap="none">
                 <a:solidFill>
                   <a:schemeClr val="lt2"/>
                 </a:solidFill>
@@ -8026,7 +8175,7 @@
             </a:lvl9pPr>
           </a:lstStyle>
           <a:p>
-            <a:pPr indent="0" lvl="0" marL="0" rtl="0" algn="r">
+            <a:pPr marL="0" lvl="0" indent="0" algn="r" rtl="0">
               <a:spcBef>
                 <a:spcPts val="0"/>
               </a:spcBef>
@@ -8037,7 +8186,7 @@
             </a:pPr>
             <a:fld id="{00000000-1234-1234-1234-123412341234}" type="slidenum">
               <a:rPr lang="pt-BR"/>
-              <a:t>‹#›</a:t>
+              <a:t>‹nº›</a:t>
             </a:fld>
             <a:endParaRPr/>
           </a:p>
@@ -8052,18 +8201,19 @@
 </file>
 
 <file path=ppt/slideMasters/slideMaster1.xml><?xml version="1.0" encoding="utf-8"?>
-<p:sldMaster xmlns:a="http://schemas.openxmlformats.org/drawingml/2006/main" xmlns:r="http://schemas.openxmlformats.org/officeDocument/2006/relationships" xmlns:mc="http://schemas.openxmlformats.org/markup-compatibility/2006" xmlns:mv="urn:schemas-microsoft-com:mac:vml" xmlns:p="http://schemas.openxmlformats.org/presentationml/2006/main" xmlns:c="http://schemas.openxmlformats.org/drawingml/2006/chart" xmlns:dgm="http://schemas.openxmlformats.org/drawingml/2006/diagram" xmlns:o="urn:schemas-microsoft-com:office:office" xmlns:v="urn:schemas-microsoft-com:vml" xmlns:pvml="urn:schemas-microsoft-com:office:powerpoint" xmlns:com="http://schemas.openxmlformats.org/drawingml/2006/compatibility" xmlns:p14="http://schemas.microsoft.com/office/powerpoint/2010/main" xmlns:p15="http://schemas.microsoft.com/office/powerpoint/2012/main" xmlns:ahyp="http://schemas.microsoft.com/office/drawing/2018/hyperlinkcolor">
+<p:sldMaster xmlns:a="http://schemas.openxmlformats.org/drawingml/2006/main" xmlns:r="http://schemas.openxmlformats.org/officeDocument/2006/relationships" xmlns:p="http://schemas.openxmlformats.org/presentationml/2006/main">
   <p:cSld name="simple-dark-2">
     <p:bg>
       <p:bgPr>
         <a:solidFill>
           <a:schemeClr val="lt1"/>
         </a:solidFill>
+        <a:effectLst/>
       </p:bgPr>
     </p:bg>
     <p:spTree>
       <p:nvGrpSpPr>
-        <p:cNvPr id="5" name="Shape 5"/>
+        <p:cNvPr id="1" name="Shape 5"/>
         <p:cNvGrpSpPr/>
         <p:nvPr/>
       </p:nvGrpSpPr>
@@ -8078,7 +8228,9 @@
       <p:sp>
         <p:nvSpPr>
           <p:cNvPr id="6" name="Google Shape;6;p9"/>
-          <p:cNvSpPr txBox="1"/>
+          <p:cNvSpPr txBox="1">
+            <a:spLocks noGrp="1"/>
+          </p:cNvSpPr>
           <p:nvPr>
             <p:ph type="title"/>
           </p:nvPr>
@@ -8097,11 +8249,11 @@
           </a:ln>
         </p:spPr>
         <p:txBody>
-          <a:bodyPr anchorCtr="0" anchor="t" bIns="91425" lIns="91425" spcFirstLastPara="1" rIns="91425" wrap="square" tIns="91425">
+          <a:bodyPr spcFirstLastPara="1" wrap="square" lIns="91425" tIns="91425" rIns="91425" bIns="91425" anchor="t" anchorCtr="0">
             <a:normAutofit/>
           </a:bodyPr>
           <a:lstStyle>
-            <a:lvl1pPr lvl="0" marR="0" rtl="0" algn="l">
+            <a:lvl1pPr marR="0" lvl="0" algn="l" rtl="0">
               <a:lnSpc>
                 <a:spcPct val="100000"/>
               </a:lnSpc>
@@ -8117,7 +8269,7 @@
               <a:buSzPts val="2800"/>
               <a:buFont typeface="Arial"/>
               <a:buNone/>
-              <a:defRPr b="0" i="0" sz="2800" u="none" cap="none" strike="noStrike">
+              <a:defRPr sz="2800" b="0" i="0" u="none" strike="noStrike" cap="none">
                 <a:solidFill>
                   <a:schemeClr val="dk1"/>
                 </a:solidFill>
@@ -8127,7 +8279,7 @@
                 <a:sym typeface="Arial"/>
               </a:defRPr>
             </a:lvl1pPr>
-            <a:lvl2pPr lvl="1" marR="0" rtl="0" algn="l">
+            <a:lvl2pPr marR="0" lvl="1" algn="l" rtl="0">
               <a:lnSpc>
                 <a:spcPct val="100000"/>
               </a:lnSpc>
@@ -8143,7 +8295,7 @@
               <a:buSzPts val="2800"/>
               <a:buFont typeface="Arial"/>
               <a:buNone/>
-              <a:defRPr b="0" i="0" sz="2800" u="none" cap="none" strike="noStrike">
+              <a:defRPr sz="2800" b="0" i="0" u="none" strike="noStrike" cap="none">
                 <a:solidFill>
                   <a:schemeClr val="dk1"/>
                 </a:solidFill>
@@ -8153,7 +8305,7 @@
                 <a:sym typeface="Arial"/>
               </a:defRPr>
             </a:lvl2pPr>
-            <a:lvl3pPr lvl="2" marR="0" rtl="0" algn="l">
+            <a:lvl3pPr marR="0" lvl="2" algn="l" rtl="0">
               <a:lnSpc>
                 <a:spcPct val="100000"/>
               </a:lnSpc>
@@ -8169,7 +8321,7 @@
               <a:buSzPts val="2800"/>
               <a:buFont typeface="Arial"/>
               <a:buNone/>
-              <a:defRPr b="0" i="0" sz="2800" u="none" cap="none" strike="noStrike">
+              <a:defRPr sz="2800" b="0" i="0" u="none" strike="noStrike" cap="none">
                 <a:solidFill>
                   <a:schemeClr val="dk1"/>
                 </a:solidFill>
@@ -8179,7 +8331,7 @@
                 <a:sym typeface="Arial"/>
               </a:defRPr>
             </a:lvl3pPr>
-            <a:lvl4pPr lvl="3" marR="0" rtl="0" algn="l">
+            <a:lvl4pPr marR="0" lvl="3" algn="l" rtl="0">
               <a:lnSpc>
                 <a:spcPct val="100000"/>
               </a:lnSpc>
@@ -8195,7 +8347,7 @@
               <a:buSzPts val="2800"/>
               <a:buFont typeface="Arial"/>
               <a:buNone/>
-              <a:defRPr b="0" i="0" sz="2800" u="none" cap="none" strike="noStrike">
+              <a:defRPr sz="2800" b="0" i="0" u="none" strike="noStrike" cap="none">
                 <a:solidFill>
                   <a:schemeClr val="dk1"/>
                 </a:solidFill>
@@ -8205,7 +8357,7 @@
                 <a:sym typeface="Arial"/>
               </a:defRPr>
             </a:lvl4pPr>
-            <a:lvl5pPr lvl="4" marR="0" rtl="0" algn="l">
+            <a:lvl5pPr marR="0" lvl="4" algn="l" rtl="0">
               <a:lnSpc>
                 <a:spcPct val="100000"/>
               </a:lnSpc>
@@ -8221,7 +8373,7 @@
               <a:buSzPts val="2800"/>
               <a:buFont typeface="Arial"/>
               <a:buNone/>
-              <a:defRPr b="0" i="0" sz="2800" u="none" cap="none" strike="noStrike">
+              <a:defRPr sz="2800" b="0" i="0" u="none" strike="noStrike" cap="none">
                 <a:solidFill>
                   <a:schemeClr val="dk1"/>
                 </a:solidFill>
@@ -8231,7 +8383,7 @@
                 <a:sym typeface="Arial"/>
               </a:defRPr>
             </a:lvl5pPr>
-            <a:lvl6pPr lvl="5" marR="0" rtl="0" algn="l">
+            <a:lvl6pPr marR="0" lvl="5" algn="l" rtl="0">
               <a:lnSpc>
                 <a:spcPct val="100000"/>
               </a:lnSpc>
@@ -8247,7 +8399,7 @@
               <a:buSzPts val="2800"/>
               <a:buFont typeface="Arial"/>
               <a:buNone/>
-              <a:defRPr b="0" i="0" sz="2800" u="none" cap="none" strike="noStrike">
+              <a:defRPr sz="2800" b="0" i="0" u="none" strike="noStrike" cap="none">
                 <a:solidFill>
                   <a:schemeClr val="dk1"/>
                 </a:solidFill>
@@ -8257,7 +8409,7 @@
                 <a:sym typeface="Arial"/>
               </a:defRPr>
             </a:lvl6pPr>
-            <a:lvl7pPr lvl="6" marR="0" rtl="0" algn="l">
+            <a:lvl7pPr marR="0" lvl="6" algn="l" rtl="0">
               <a:lnSpc>
                 <a:spcPct val="100000"/>
               </a:lnSpc>
@@ -8273,7 +8425,7 @@
               <a:buSzPts val="2800"/>
               <a:buFont typeface="Arial"/>
               <a:buNone/>
-              <a:defRPr b="0" i="0" sz="2800" u="none" cap="none" strike="noStrike">
+              <a:defRPr sz="2800" b="0" i="0" u="none" strike="noStrike" cap="none">
                 <a:solidFill>
                   <a:schemeClr val="dk1"/>
                 </a:solidFill>
@@ -8283,7 +8435,7 @@
                 <a:sym typeface="Arial"/>
               </a:defRPr>
             </a:lvl7pPr>
-            <a:lvl8pPr lvl="7" marR="0" rtl="0" algn="l">
+            <a:lvl8pPr marR="0" lvl="7" algn="l" rtl="0">
               <a:lnSpc>
                 <a:spcPct val="100000"/>
               </a:lnSpc>
@@ -8299,7 +8451,7 @@
               <a:buSzPts val="2800"/>
               <a:buFont typeface="Arial"/>
               <a:buNone/>
-              <a:defRPr b="0" i="0" sz="2800" u="none" cap="none" strike="noStrike">
+              <a:defRPr sz="2800" b="0" i="0" u="none" strike="noStrike" cap="none">
                 <a:solidFill>
                   <a:schemeClr val="dk1"/>
                 </a:solidFill>
@@ -8309,7 +8461,7 @@
                 <a:sym typeface="Arial"/>
               </a:defRPr>
             </a:lvl8pPr>
-            <a:lvl9pPr lvl="8" marR="0" rtl="0" algn="l">
+            <a:lvl9pPr marR="0" lvl="8" algn="l" rtl="0">
               <a:lnSpc>
                 <a:spcPct val="100000"/>
               </a:lnSpc>
@@ -8325,7 +8477,7 @@
               <a:buSzPts val="2800"/>
               <a:buFont typeface="Arial"/>
               <a:buNone/>
-              <a:defRPr b="0" i="0" sz="2800" u="none" cap="none" strike="noStrike">
+              <a:defRPr sz="2800" b="0" i="0" u="none" strike="noStrike" cap="none">
                 <a:solidFill>
                   <a:schemeClr val="dk1"/>
                 </a:solidFill>
@@ -8336,15 +8488,19 @@
               </a:defRPr>
             </a:lvl9pPr>
           </a:lstStyle>
-          <a:p/>
+          <a:p>
+            <a:endParaRPr/>
+          </a:p>
         </p:txBody>
       </p:sp>
       <p:sp>
         <p:nvSpPr>
           <p:cNvPr id="7" name="Google Shape;7;p9"/>
-          <p:cNvSpPr txBox="1"/>
+          <p:cNvSpPr txBox="1">
+            <a:spLocks noGrp="1"/>
+          </p:cNvSpPr>
           <p:nvPr>
-            <p:ph idx="1" type="body"/>
+            <p:ph type="body" idx="1"/>
           </p:nvPr>
         </p:nvSpPr>
         <p:spPr>
@@ -8361,11 +8517,11 @@
           </a:ln>
         </p:spPr>
         <p:txBody>
-          <a:bodyPr anchorCtr="0" anchor="t" bIns="91425" lIns="91425" spcFirstLastPara="1" rIns="91425" wrap="square" tIns="91425">
+          <a:bodyPr spcFirstLastPara="1" wrap="square" lIns="91425" tIns="91425" rIns="91425" bIns="91425" anchor="t" anchorCtr="0">
             <a:normAutofit/>
           </a:bodyPr>
           <a:lstStyle>
-            <a:lvl1pPr indent="-342900" lvl="0" marL="457200" marR="0" rtl="0" algn="l">
+            <a:lvl1pPr marL="457200" marR="0" lvl="0" indent="-342900" algn="l" rtl="0">
               <a:lnSpc>
                 <a:spcPct val="115000"/>
               </a:lnSpc>
@@ -8381,7 +8537,7 @@
               <a:buSzPts val="1800"/>
               <a:buFont typeface="Arial"/>
               <a:buChar char="●"/>
-              <a:defRPr b="0" i="0" sz="1800" u="none" cap="none" strike="noStrike">
+              <a:defRPr sz="1800" b="0" i="0" u="none" strike="noStrike" cap="none">
                 <a:solidFill>
                   <a:schemeClr val="lt2"/>
                 </a:solidFill>
@@ -8391,7 +8547,7 @@
                 <a:sym typeface="Arial"/>
               </a:defRPr>
             </a:lvl1pPr>
-            <a:lvl2pPr indent="-317500" lvl="1" marL="914400" marR="0" rtl="0" algn="l">
+            <a:lvl2pPr marL="914400" marR="0" lvl="1" indent="-317500" algn="l" rtl="0">
               <a:lnSpc>
                 <a:spcPct val="115000"/>
               </a:lnSpc>
@@ -8407,7 +8563,7 @@
               <a:buSzPts val="1400"/>
               <a:buFont typeface="Arial"/>
               <a:buChar char="○"/>
-              <a:defRPr b="0" i="0" sz="1400" u="none" cap="none" strike="noStrike">
+              <a:defRPr sz="1400" b="0" i="0" u="none" strike="noStrike" cap="none">
                 <a:solidFill>
                   <a:schemeClr val="lt2"/>
                 </a:solidFill>
@@ -8417,7 +8573,7 @@
                 <a:sym typeface="Arial"/>
               </a:defRPr>
             </a:lvl2pPr>
-            <a:lvl3pPr indent="-317500" lvl="2" marL="1371600" marR="0" rtl="0" algn="l">
+            <a:lvl3pPr marL="1371600" marR="0" lvl="2" indent="-317500" algn="l" rtl="0">
               <a:lnSpc>
                 <a:spcPct val="115000"/>
               </a:lnSpc>
@@ -8433,7 +8589,7 @@
               <a:buSzPts val="1400"/>
               <a:buFont typeface="Arial"/>
               <a:buChar char="■"/>
-              <a:defRPr b="0" i="0" sz="1400" u="none" cap="none" strike="noStrike">
+              <a:defRPr sz="1400" b="0" i="0" u="none" strike="noStrike" cap="none">
                 <a:solidFill>
                   <a:schemeClr val="lt2"/>
                 </a:solidFill>
@@ -8443,7 +8599,7 @@
                 <a:sym typeface="Arial"/>
               </a:defRPr>
             </a:lvl3pPr>
-            <a:lvl4pPr indent="-317500" lvl="3" marL="1828800" marR="0" rtl="0" algn="l">
+            <a:lvl4pPr marL="1828800" marR="0" lvl="3" indent="-317500" algn="l" rtl="0">
               <a:lnSpc>
                 <a:spcPct val="115000"/>
               </a:lnSpc>
@@ -8459,7 +8615,7 @@
               <a:buSzPts val="1400"/>
               <a:buFont typeface="Arial"/>
               <a:buChar char="●"/>
-              <a:defRPr b="0" i="0" sz="1400" u="none" cap="none" strike="noStrike">
+              <a:defRPr sz="1400" b="0" i="0" u="none" strike="noStrike" cap="none">
                 <a:solidFill>
                   <a:schemeClr val="lt2"/>
                 </a:solidFill>
@@ -8469,7 +8625,7 @@
                 <a:sym typeface="Arial"/>
               </a:defRPr>
             </a:lvl4pPr>
-            <a:lvl5pPr indent="-317500" lvl="4" marL="2286000" marR="0" rtl="0" algn="l">
+            <a:lvl5pPr marL="2286000" marR="0" lvl="4" indent="-317500" algn="l" rtl="0">
               <a:lnSpc>
                 <a:spcPct val="115000"/>
               </a:lnSpc>
@@ -8485,7 +8641,7 @@
               <a:buSzPts val="1400"/>
               <a:buFont typeface="Arial"/>
               <a:buChar char="○"/>
-              <a:defRPr b="0" i="0" sz="1400" u="none" cap="none" strike="noStrike">
+              <a:defRPr sz="1400" b="0" i="0" u="none" strike="noStrike" cap="none">
                 <a:solidFill>
                   <a:schemeClr val="lt2"/>
                 </a:solidFill>
@@ -8495,7 +8651,7 @@
                 <a:sym typeface="Arial"/>
               </a:defRPr>
             </a:lvl5pPr>
-            <a:lvl6pPr indent="-317500" lvl="5" marL="2743200" marR="0" rtl="0" algn="l">
+            <a:lvl6pPr marL="2743200" marR="0" lvl="5" indent="-317500" algn="l" rtl="0">
               <a:lnSpc>
                 <a:spcPct val="115000"/>
               </a:lnSpc>
@@ -8511,7 +8667,7 @@
               <a:buSzPts val="1400"/>
               <a:buFont typeface="Arial"/>
               <a:buChar char="■"/>
-              <a:defRPr b="0" i="0" sz="1400" u="none" cap="none" strike="noStrike">
+              <a:defRPr sz="1400" b="0" i="0" u="none" strike="noStrike" cap="none">
                 <a:solidFill>
                   <a:schemeClr val="lt2"/>
                 </a:solidFill>
@@ -8521,7 +8677,7 @@
                 <a:sym typeface="Arial"/>
               </a:defRPr>
             </a:lvl6pPr>
-            <a:lvl7pPr indent="-317500" lvl="6" marL="3200400" marR="0" rtl="0" algn="l">
+            <a:lvl7pPr marL="3200400" marR="0" lvl="6" indent="-317500" algn="l" rtl="0">
               <a:lnSpc>
                 <a:spcPct val="115000"/>
               </a:lnSpc>
@@ -8537,7 +8693,7 @@
               <a:buSzPts val="1400"/>
               <a:buFont typeface="Arial"/>
               <a:buChar char="●"/>
-              <a:defRPr b="0" i="0" sz="1400" u="none" cap="none" strike="noStrike">
+              <a:defRPr sz="1400" b="0" i="0" u="none" strike="noStrike" cap="none">
                 <a:solidFill>
                   <a:schemeClr val="lt2"/>
                 </a:solidFill>
@@ -8547,7 +8703,7 @@
                 <a:sym typeface="Arial"/>
               </a:defRPr>
             </a:lvl7pPr>
-            <a:lvl8pPr indent="-317500" lvl="7" marL="3657600" marR="0" rtl="0" algn="l">
+            <a:lvl8pPr marL="3657600" marR="0" lvl="7" indent="-317500" algn="l" rtl="0">
               <a:lnSpc>
                 <a:spcPct val="115000"/>
               </a:lnSpc>
@@ -8563,7 +8719,7 @@
               <a:buSzPts val="1400"/>
               <a:buFont typeface="Arial"/>
               <a:buChar char="○"/>
-              <a:defRPr b="0" i="0" sz="1400" u="none" cap="none" strike="noStrike">
+              <a:defRPr sz="1400" b="0" i="0" u="none" strike="noStrike" cap="none">
                 <a:solidFill>
                   <a:schemeClr val="lt2"/>
                 </a:solidFill>
@@ -8573,7 +8729,7 @@
                 <a:sym typeface="Arial"/>
               </a:defRPr>
             </a:lvl8pPr>
-            <a:lvl9pPr indent="-317500" lvl="8" marL="4114800" marR="0" rtl="0" algn="l">
+            <a:lvl9pPr marL="4114800" marR="0" lvl="8" indent="-317500" algn="l" rtl="0">
               <a:lnSpc>
                 <a:spcPct val="115000"/>
               </a:lnSpc>
@@ -8589,7 +8745,7 @@
               <a:buSzPts val="1400"/>
               <a:buFont typeface="Arial"/>
               <a:buChar char="■"/>
-              <a:defRPr b="0" i="0" sz="1400" u="none" cap="none" strike="noStrike">
+              <a:defRPr sz="1400" b="0" i="0" u="none" strike="noStrike" cap="none">
                 <a:solidFill>
                   <a:schemeClr val="lt2"/>
                 </a:solidFill>
@@ -8600,15 +8756,19 @@
               </a:defRPr>
             </a:lvl9pPr>
           </a:lstStyle>
-          <a:p/>
+          <a:p>
+            <a:endParaRPr/>
+          </a:p>
         </p:txBody>
       </p:sp>
       <p:sp>
         <p:nvSpPr>
           <p:cNvPr id="8" name="Google Shape;8;p9"/>
-          <p:cNvSpPr txBox="1"/>
+          <p:cNvSpPr txBox="1">
+            <a:spLocks noGrp="1"/>
+          </p:cNvSpPr>
           <p:nvPr>
-            <p:ph idx="12" type="sldNum"/>
+            <p:ph type="sldNum" idx="12"/>
           </p:nvPr>
         </p:nvSpPr>
         <p:spPr>
@@ -8625,11 +8785,11 @@
           </a:ln>
         </p:spPr>
         <p:txBody>
-          <a:bodyPr anchorCtr="0" anchor="ctr" bIns="91425" lIns="91425" spcFirstLastPara="1" rIns="91425" wrap="square" tIns="91425">
+          <a:bodyPr spcFirstLastPara="1" wrap="square" lIns="91425" tIns="91425" rIns="91425" bIns="91425" anchor="ctr" anchorCtr="0">
             <a:normAutofit/>
           </a:bodyPr>
           <a:lstStyle>
-            <a:lvl1pPr indent="0" lvl="0" marL="0" marR="0" rtl="0" algn="r">
+            <a:lvl1pPr marL="0" marR="0" lvl="0" indent="0" algn="r" rtl="0">
               <a:lnSpc>
                 <a:spcPct val="100000"/>
               </a:lnSpc>
@@ -8645,7 +8805,7 @@
               <a:buSzPts val="1000"/>
               <a:buFont typeface="Arial"/>
               <a:buNone/>
-              <a:defRPr b="0" i="0" sz="1000" u="none" cap="none" strike="noStrike">
+              <a:defRPr sz="1000" b="0" i="0" u="none" strike="noStrike" cap="none">
                 <a:solidFill>
                   <a:schemeClr val="lt2"/>
                 </a:solidFill>
@@ -8655,7 +8815,7 @@
                 <a:sym typeface="Arial"/>
               </a:defRPr>
             </a:lvl1pPr>
-            <a:lvl2pPr indent="0" lvl="1" marL="0" marR="0" rtl="0" algn="r">
+            <a:lvl2pPr marL="0" marR="0" lvl="1" indent="0" algn="r" rtl="0">
               <a:lnSpc>
                 <a:spcPct val="100000"/>
               </a:lnSpc>
@@ -8671,7 +8831,7 @@
               <a:buSzPts val="1000"/>
               <a:buFont typeface="Arial"/>
               <a:buNone/>
-              <a:defRPr b="0" i="0" sz="1000" u="none" cap="none" strike="noStrike">
+              <a:defRPr sz="1000" b="0" i="0" u="none" strike="noStrike" cap="none">
                 <a:solidFill>
                   <a:schemeClr val="lt2"/>
                 </a:solidFill>
@@ -8681,7 +8841,7 @@
                 <a:sym typeface="Arial"/>
               </a:defRPr>
             </a:lvl2pPr>
-            <a:lvl3pPr indent="0" lvl="2" marL="0" marR="0" rtl="0" algn="r">
+            <a:lvl3pPr marL="0" marR="0" lvl="2" indent="0" algn="r" rtl="0">
               <a:lnSpc>
                 <a:spcPct val="100000"/>
               </a:lnSpc>
@@ -8697,7 +8857,7 @@
               <a:buSzPts val="1000"/>
               <a:buFont typeface="Arial"/>
               <a:buNone/>
-              <a:defRPr b="0" i="0" sz="1000" u="none" cap="none" strike="noStrike">
+              <a:defRPr sz="1000" b="0" i="0" u="none" strike="noStrike" cap="none">
                 <a:solidFill>
                   <a:schemeClr val="lt2"/>
                 </a:solidFill>
@@ -8707,7 +8867,7 @@
                 <a:sym typeface="Arial"/>
               </a:defRPr>
             </a:lvl3pPr>
-            <a:lvl4pPr indent="0" lvl="3" marL="0" marR="0" rtl="0" algn="r">
+            <a:lvl4pPr marL="0" marR="0" lvl="3" indent="0" algn="r" rtl="0">
               <a:lnSpc>
                 <a:spcPct val="100000"/>
               </a:lnSpc>
@@ -8723,7 +8883,7 @@
               <a:buSzPts val="1000"/>
               <a:buFont typeface="Arial"/>
               <a:buNone/>
-              <a:defRPr b="0" i="0" sz="1000" u="none" cap="none" strike="noStrike">
+              <a:defRPr sz="1000" b="0" i="0" u="none" strike="noStrike" cap="none">
                 <a:solidFill>
                   <a:schemeClr val="lt2"/>
                 </a:solidFill>
@@ -8733,7 +8893,7 @@
                 <a:sym typeface="Arial"/>
               </a:defRPr>
             </a:lvl4pPr>
-            <a:lvl5pPr indent="0" lvl="4" marL="0" marR="0" rtl="0" algn="r">
+            <a:lvl5pPr marL="0" marR="0" lvl="4" indent="0" algn="r" rtl="0">
               <a:lnSpc>
                 <a:spcPct val="100000"/>
               </a:lnSpc>
@@ -8749,7 +8909,7 @@
               <a:buSzPts val="1000"/>
               <a:buFont typeface="Arial"/>
               <a:buNone/>
-              <a:defRPr b="0" i="0" sz="1000" u="none" cap="none" strike="noStrike">
+              <a:defRPr sz="1000" b="0" i="0" u="none" strike="noStrike" cap="none">
                 <a:solidFill>
                   <a:schemeClr val="lt2"/>
                 </a:solidFill>
@@ -8759,7 +8919,7 @@
                 <a:sym typeface="Arial"/>
               </a:defRPr>
             </a:lvl5pPr>
-            <a:lvl6pPr indent="0" lvl="5" marL="0" marR="0" rtl="0" algn="r">
+            <a:lvl6pPr marL="0" marR="0" lvl="5" indent="0" algn="r" rtl="0">
               <a:lnSpc>
                 <a:spcPct val="100000"/>
               </a:lnSpc>
@@ -8775,7 +8935,7 @@
               <a:buSzPts val="1000"/>
               <a:buFont typeface="Arial"/>
               <a:buNone/>
-              <a:defRPr b="0" i="0" sz="1000" u="none" cap="none" strike="noStrike">
+              <a:defRPr sz="1000" b="0" i="0" u="none" strike="noStrike" cap="none">
                 <a:solidFill>
                   <a:schemeClr val="lt2"/>
                 </a:solidFill>
@@ -8785,7 +8945,7 @@
                 <a:sym typeface="Arial"/>
               </a:defRPr>
             </a:lvl6pPr>
-            <a:lvl7pPr indent="0" lvl="6" marL="0" marR="0" rtl="0" algn="r">
+            <a:lvl7pPr marL="0" marR="0" lvl="6" indent="0" algn="r" rtl="0">
               <a:lnSpc>
                 <a:spcPct val="100000"/>
               </a:lnSpc>
@@ -8801,7 +8961,7 @@
               <a:buSzPts val="1000"/>
               <a:buFont typeface="Arial"/>
               <a:buNone/>
-              <a:defRPr b="0" i="0" sz="1000" u="none" cap="none" strike="noStrike">
+              <a:defRPr sz="1000" b="0" i="0" u="none" strike="noStrike" cap="none">
                 <a:solidFill>
                   <a:schemeClr val="lt2"/>
                 </a:solidFill>
@@ -8811,7 +8971,7 @@
                 <a:sym typeface="Arial"/>
               </a:defRPr>
             </a:lvl7pPr>
-            <a:lvl8pPr indent="0" lvl="7" marL="0" marR="0" rtl="0" algn="r">
+            <a:lvl8pPr marL="0" marR="0" lvl="7" indent="0" algn="r" rtl="0">
               <a:lnSpc>
                 <a:spcPct val="100000"/>
               </a:lnSpc>
@@ -8827,7 +8987,7 @@
               <a:buSzPts val="1000"/>
               <a:buFont typeface="Arial"/>
               <a:buNone/>
-              <a:defRPr b="0" i="0" sz="1000" u="none" cap="none" strike="noStrike">
+              <a:defRPr sz="1000" b="0" i="0" u="none" strike="noStrike" cap="none">
                 <a:solidFill>
                   <a:schemeClr val="lt2"/>
                 </a:solidFill>
@@ -8837,7 +8997,7 @@
                 <a:sym typeface="Arial"/>
               </a:defRPr>
             </a:lvl8pPr>
-            <a:lvl9pPr indent="0" lvl="8" marL="0" marR="0" rtl="0" algn="r">
+            <a:lvl9pPr marL="0" marR="0" lvl="8" indent="0" algn="r" rtl="0">
               <a:lnSpc>
                 <a:spcPct val="100000"/>
               </a:lnSpc>
@@ -8853,7 +9013,7 @@
               <a:buSzPts val="1000"/>
               <a:buFont typeface="Arial"/>
               <a:buNone/>
-              <a:defRPr b="0" i="0" sz="1000" u="none" cap="none" strike="noStrike">
+              <a:defRPr sz="1000" b="0" i="0" u="none" strike="noStrike" cap="none">
                 <a:solidFill>
                   <a:schemeClr val="lt2"/>
                 </a:solidFill>
@@ -8865,7 +9025,7 @@
             </a:lvl9pPr>
           </a:lstStyle>
           <a:p>
-            <a:pPr indent="0" lvl="0" marL="0" rtl="0" algn="r">
+            <a:pPr marL="0" lvl="0" indent="0" algn="r" rtl="0">
               <a:spcBef>
                 <a:spcPts val="0"/>
               </a:spcBef>
@@ -8876,7 +9036,7 @@
             </a:pPr>
             <a:fld id="{00000000-1234-1234-1234-123412341234}" type="slidenum">
               <a:rPr lang="pt-BR"/>
-              <a:t>‹#›</a:t>
+              <a:t>‹nº›</a:t>
             </a:fld>
             <a:endParaRPr/>
           </a:p>
@@ -8884,7 +9044,7 @@
       </p:sp>
     </p:spTree>
   </p:cSld>
-  <p:clrMap accent1="accent1" accent2="accent2" accent3="accent3" accent4="accent4" accent5="accent5" accent6="accent6" bg1="lt1" bg2="dk2" tx1="dk1" tx2="lt2" folHlink="folHlink" hlink="hlink"/>
+  <p:clrMap bg1="lt1" tx1="dk1" bg2="dk2" tx2="lt2" accent1="accent1" accent2="accent2" accent3="accent3" accent4="accent4" accent5="accent5" accent6="accent6" hlink="hlink" folHlink="folHlink"/>
   <p:sldLayoutIdLst>
     <p:sldLayoutId id="2147483649" r:id="rId1"/>
     <p:sldLayoutId id="2147483650" r:id="rId2"/>
@@ -8898,10 +9058,10 @@
     <p:sldLayoutId id="2147483658" r:id="rId10"/>
     <p:sldLayoutId id="2147483659" r:id="rId11"/>
   </p:sldLayoutIdLst>
-  <p:hf dt="0" ftr="0" hdr="0" sldNum="0"/>
+  <p:hf sldNum="0" hdr="0" ftr="0" dt="0"/>
   <p:txStyles>
     <p:titleStyle>
-      <a:defPPr lvl="0" marR="0" rtl="0" algn="l">
+      <a:defPPr marR="0" lvl="0" algn="l" rtl="0">
         <a:lnSpc>
           <a:spcPct val="100000"/>
         </a:lnSpc>
@@ -8912,7 +9072,7 @@
           <a:spcPts val="0"/>
         </a:spcAft>
       </a:defPPr>
-      <a:lvl1pPr lvl="0" marR="0" rtl="0" algn="l">
+      <a:lvl1pPr marR="0" lvl="0" algn="l" rtl="0">
         <a:lnSpc>
           <a:spcPct val="100000"/>
         </a:lnSpc>
@@ -8926,7 +9086,7 @@
           <a:srgbClr val="000000"/>
         </a:buClr>
         <a:buFont typeface="Arial"/>
-        <a:defRPr b="0" i="0" sz="1400" u="none" cap="none" strike="noStrike">
+        <a:defRPr sz="1400" b="0" i="0" u="none" strike="noStrike" cap="none">
           <a:solidFill>
             <a:srgbClr val="000000"/>
           </a:solidFill>
@@ -8936,7 +9096,7 @@
           <a:sym typeface="Arial"/>
         </a:defRPr>
       </a:lvl1pPr>
-      <a:lvl2pPr lvl="1" marR="0" rtl="0" algn="l">
+      <a:lvl2pPr marR="0" lvl="1" algn="l" rtl="0">
         <a:lnSpc>
           <a:spcPct val="100000"/>
         </a:lnSpc>
@@ -8950,7 +9110,7 @@
           <a:srgbClr val="000000"/>
         </a:buClr>
         <a:buFont typeface="Arial"/>
-        <a:defRPr b="0" i="0" sz="1400" u="none" cap="none" strike="noStrike">
+        <a:defRPr sz="1400" b="0" i="0" u="none" strike="noStrike" cap="none">
           <a:solidFill>
             <a:srgbClr val="000000"/>
           </a:solidFill>
@@ -8960,7 +9120,7 @@
           <a:sym typeface="Arial"/>
         </a:defRPr>
       </a:lvl2pPr>
-      <a:lvl3pPr lvl="2" marR="0" rtl="0" algn="l">
+      <a:lvl3pPr marR="0" lvl="2" algn="l" rtl="0">
         <a:lnSpc>
           <a:spcPct val="100000"/>
         </a:lnSpc>
@@ -8974,7 +9134,7 @@
           <a:srgbClr val="000000"/>
         </a:buClr>
         <a:buFont typeface="Arial"/>
-        <a:defRPr b="0" i="0" sz="1400" u="none" cap="none" strike="noStrike">
+        <a:defRPr sz="1400" b="0" i="0" u="none" strike="noStrike" cap="none">
           <a:solidFill>
             <a:srgbClr val="000000"/>
           </a:solidFill>
@@ -8984,7 +9144,7 @@
           <a:sym typeface="Arial"/>
         </a:defRPr>
       </a:lvl3pPr>
-      <a:lvl4pPr lvl="3" marR="0" rtl="0" algn="l">
+      <a:lvl4pPr marR="0" lvl="3" algn="l" rtl="0">
         <a:lnSpc>
           <a:spcPct val="100000"/>
         </a:lnSpc>
@@ -8998,7 +9158,7 @@
           <a:srgbClr val="000000"/>
         </a:buClr>
         <a:buFont typeface="Arial"/>
-        <a:defRPr b="0" i="0" sz="1400" u="none" cap="none" strike="noStrike">
+        <a:defRPr sz="1400" b="0" i="0" u="none" strike="noStrike" cap="none">
           <a:solidFill>
             <a:srgbClr val="000000"/>
           </a:solidFill>
@@ -9008,7 +9168,7 @@
           <a:sym typeface="Arial"/>
         </a:defRPr>
       </a:lvl4pPr>
-      <a:lvl5pPr lvl="4" marR="0" rtl="0" algn="l">
+      <a:lvl5pPr marR="0" lvl="4" algn="l" rtl="0">
         <a:lnSpc>
           <a:spcPct val="100000"/>
         </a:lnSpc>
@@ -9022,7 +9182,7 @@
           <a:srgbClr val="000000"/>
         </a:buClr>
         <a:buFont typeface="Arial"/>
-        <a:defRPr b="0" i="0" sz="1400" u="none" cap="none" strike="noStrike">
+        <a:defRPr sz="1400" b="0" i="0" u="none" strike="noStrike" cap="none">
           <a:solidFill>
             <a:srgbClr val="000000"/>
           </a:solidFill>
@@ -9032,7 +9192,7 @@
           <a:sym typeface="Arial"/>
         </a:defRPr>
       </a:lvl5pPr>
-      <a:lvl6pPr lvl="5" marR="0" rtl="0" algn="l">
+      <a:lvl6pPr marR="0" lvl="5" algn="l" rtl="0">
         <a:lnSpc>
           <a:spcPct val="100000"/>
         </a:lnSpc>
@@ -9046,7 +9206,7 @@
           <a:srgbClr val="000000"/>
         </a:buClr>
         <a:buFont typeface="Arial"/>
-        <a:defRPr b="0" i="0" sz="1400" u="none" cap="none" strike="noStrike">
+        <a:defRPr sz="1400" b="0" i="0" u="none" strike="noStrike" cap="none">
           <a:solidFill>
             <a:srgbClr val="000000"/>
           </a:solidFill>
@@ -9056,7 +9216,7 @@
           <a:sym typeface="Arial"/>
         </a:defRPr>
       </a:lvl6pPr>
-      <a:lvl7pPr lvl="6" marR="0" rtl="0" algn="l">
+      <a:lvl7pPr marR="0" lvl="6" algn="l" rtl="0">
         <a:lnSpc>
           <a:spcPct val="100000"/>
         </a:lnSpc>
@@ -9070,7 +9230,7 @@
           <a:srgbClr val="000000"/>
         </a:buClr>
         <a:buFont typeface="Arial"/>
-        <a:defRPr b="0" i="0" sz="1400" u="none" cap="none" strike="noStrike">
+        <a:defRPr sz="1400" b="0" i="0" u="none" strike="noStrike" cap="none">
           <a:solidFill>
             <a:srgbClr val="000000"/>
           </a:solidFill>
@@ -9080,7 +9240,7 @@
           <a:sym typeface="Arial"/>
         </a:defRPr>
       </a:lvl7pPr>
-      <a:lvl8pPr lvl="7" marR="0" rtl="0" algn="l">
+      <a:lvl8pPr marR="0" lvl="7" algn="l" rtl="0">
         <a:lnSpc>
           <a:spcPct val="100000"/>
         </a:lnSpc>
@@ -9094,7 +9254,7 @@
           <a:srgbClr val="000000"/>
         </a:buClr>
         <a:buFont typeface="Arial"/>
-        <a:defRPr b="0" i="0" sz="1400" u="none" cap="none" strike="noStrike">
+        <a:defRPr sz="1400" b="0" i="0" u="none" strike="noStrike" cap="none">
           <a:solidFill>
             <a:srgbClr val="000000"/>
           </a:solidFill>
@@ -9104,7 +9264,7 @@
           <a:sym typeface="Arial"/>
         </a:defRPr>
       </a:lvl8pPr>
-      <a:lvl9pPr lvl="8" marR="0" rtl="0" algn="l">
+      <a:lvl9pPr marR="0" lvl="8" algn="l" rtl="0">
         <a:lnSpc>
           <a:spcPct val="100000"/>
         </a:lnSpc>
@@ -9118,7 +9278,7 @@
           <a:srgbClr val="000000"/>
         </a:buClr>
         <a:buFont typeface="Arial"/>
-        <a:defRPr b="0" i="0" sz="1400" u="none" cap="none" strike="noStrike">
+        <a:defRPr sz="1400" b="0" i="0" u="none" strike="noStrike" cap="none">
           <a:solidFill>
             <a:srgbClr val="000000"/>
           </a:solidFill>
@@ -9130,7 +9290,7 @@
       </a:lvl9pPr>
     </p:titleStyle>
     <p:bodyStyle>
-      <a:defPPr lvl="0" marR="0" rtl="0" algn="l">
+      <a:defPPr marR="0" lvl="0" algn="l" rtl="0">
         <a:lnSpc>
           <a:spcPct val="100000"/>
         </a:lnSpc>
@@ -9141,7 +9301,7 @@
           <a:spcPts val="0"/>
         </a:spcAft>
       </a:defPPr>
-      <a:lvl1pPr lvl="0" marR="0" rtl="0" algn="l">
+      <a:lvl1pPr marR="0" lvl="0" algn="l" rtl="0">
         <a:lnSpc>
           <a:spcPct val="100000"/>
         </a:lnSpc>
@@ -9155,7 +9315,7 @@
           <a:srgbClr val="000000"/>
         </a:buClr>
         <a:buFont typeface="Arial"/>
-        <a:defRPr b="0" i="0" sz="1400" u="none" cap="none" strike="noStrike">
+        <a:defRPr sz="1400" b="0" i="0" u="none" strike="noStrike" cap="none">
           <a:solidFill>
             <a:srgbClr val="000000"/>
           </a:solidFill>
@@ -9165,7 +9325,7 @@
           <a:sym typeface="Arial"/>
         </a:defRPr>
       </a:lvl1pPr>
-      <a:lvl2pPr lvl="1" marR="0" rtl="0" algn="l">
+      <a:lvl2pPr marR="0" lvl="1" algn="l" rtl="0">
         <a:lnSpc>
           <a:spcPct val="100000"/>
         </a:lnSpc>
@@ -9179,7 +9339,7 @@
           <a:srgbClr val="000000"/>
         </a:buClr>
         <a:buFont typeface="Arial"/>
-        <a:defRPr b="0" i="0" sz="1400" u="none" cap="none" strike="noStrike">
+        <a:defRPr sz="1400" b="0" i="0" u="none" strike="noStrike" cap="none">
           <a:solidFill>
             <a:srgbClr val="000000"/>
           </a:solidFill>
@@ -9189,7 +9349,7 @@
           <a:sym typeface="Arial"/>
         </a:defRPr>
       </a:lvl2pPr>
-      <a:lvl3pPr lvl="2" marR="0" rtl="0" algn="l">
+      <a:lvl3pPr marR="0" lvl="2" algn="l" rtl="0">
         <a:lnSpc>
           <a:spcPct val="100000"/>
         </a:lnSpc>
@@ -9203,7 +9363,7 @@
           <a:srgbClr val="000000"/>
         </a:buClr>
         <a:buFont typeface="Arial"/>
-        <a:defRPr b="0" i="0" sz="1400" u="none" cap="none" strike="noStrike">
+        <a:defRPr sz="1400" b="0" i="0" u="none" strike="noStrike" cap="none">
           <a:solidFill>
             <a:srgbClr val="000000"/>
           </a:solidFill>
@@ -9213,7 +9373,7 @@
           <a:sym typeface="Arial"/>
         </a:defRPr>
       </a:lvl3pPr>
-      <a:lvl4pPr lvl="3" marR="0" rtl="0" algn="l">
+      <a:lvl4pPr marR="0" lvl="3" algn="l" rtl="0">
         <a:lnSpc>
           <a:spcPct val="100000"/>
         </a:lnSpc>
@@ -9227,7 +9387,7 @@
           <a:srgbClr val="000000"/>
         </a:buClr>
         <a:buFont typeface="Arial"/>
-        <a:defRPr b="0" i="0" sz="1400" u="none" cap="none" strike="noStrike">
+        <a:defRPr sz="1400" b="0" i="0" u="none" strike="noStrike" cap="none">
           <a:solidFill>
             <a:srgbClr val="000000"/>
           </a:solidFill>
@@ -9237,7 +9397,7 @@
           <a:sym typeface="Arial"/>
         </a:defRPr>
       </a:lvl4pPr>
-      <a:lvl5pPr lvl="4" marR="0" rtl="0" algn="l">
+      <a:lvl5pPr marR="0" lvl="4" algn="l" rtl="0">
         <a:lnSpc>
           <a:spcPct val="100000"/>
         </a:lnSpc>
@@ -9251,7 +9411,7 @@
           <a:srgbClr val="000000"/>
         </a:buClr>
         <a:buFont typeface="Arial"/>
-        <a:defRPr b="0" i="0" sz="1400" u="none" cap="none" strike="noStrike">
+        <a:defRPr sz="1400" b="0" i="0" u="none" strike="noStrike" cap="none">
           <a:solidFill>
             <a:srgbClr val="000000"/>
           </a:solidFill>
@@ -9261,7 +9421,7 @@
           <a:sym typeface="Arial"/>
         </a:defRPr>
       </a:lvl5pPr>
-      <a:lvl6pPr lvl="5" marR="0" rtl="0" algn="l">
+      <a:lvl6pPr marR="0" lvl="5" algn="l" rtl="0">
         <a:lnSpc>
           <a:spcPct val="100000"/>
         </a:lnSpc>
@@ -9275,7 +9435,7 @@
           <a:srgbClr val="000000"/>
         </a:buClr>
         <a:buFont typeface="Arial"/>
-        <a:defRPr b="0" i="0" sz="1400" u="none" cap="none" strike="noStrike">
+        <a:defRPr sz="1400" b="0" i="0" u="none" strike="noStrike" cap="none">
           <a:solidFill>
             <a:srgbClr val="000000"/>
           </a:solidFill>
@@ -9285,7 +9445,7 @@
           <a:sym typeface="Arial"/>
         </a:defRPr>
       </a:lvl6pPr>
-      <a:lvl7pPr lvl="6" marR="0" rtl="0" algn="l">
+      <a:lvl7pPr marR="0" lvl="6" algn="l" rtl="0">
         <a:lnSpc>
           <a:spcPct val="100000"/>
         </a:lnSpc>
@@ -9299,7 +9459,7 @@
           <a:srgbClr val="000000"/>
         </a:buClr>
         <a:buFont typeface="Arial"/>
-        <a:defRPr b="0" i="0" sz="1400" u="none" cap="none" strike="noStrike">
+        <a:defRPr sz="1400" b="0" i="0" u="none" strike="noStrike" cap="none">
           <a:solidFill>
             <a:srgbClr val="000000"/>
           </a:solidFill>
@@ -9309,7 +9469,7 @@
           <a:sym typeface="Arial"/>
         </a:defRPr>
       </a:lvl7pPr>
-      <a:lvl8pPr lvl="7" marR="0" rtl="0" algn="l">
+      <a:lvl8pPr marR="0" lvl="7" algn="l" rtl="0">
         <a:lnSpc>
           <a:spcPct val="100000"/>
         </a:lnSpc>
@@ -9323,7 +9483,7 @@
           <a:srgbClr val="000000"/>
         </a:buClr>
         <a:buFont typeface="Arial"/>
-        <a:defRPr b="0" i="0" sz="1400" u="none" cap="none" strike="noStrike">
+        <a:defRPr sz="1400" b="0" i="0" u="none" strike="noStrike" cap="none">
           <a:solidFill>
             <a:srgbClr val="000000"/>
           </a:solidFill>
@@ -9333,7 +9493,7 @@
           <a:sym typeface="Arial"/>
         </a:defRPr>
       </a:lvl8pPr>
-      <a:lvl9pPr lvl="8" marR="0" rtl="0" algn="l">
+      <a:lvl9pPr marR="0" lvl="8" algn="l" rtl="0">
         <a:lnSpc>
           <a:spcPct val="100000"/>
         </a:lnSpc>
@@ -9347,7 +9507,7 @@
           <a:srgbClr val="000000"/>
         </a:buClr>
         <a:buFont typeface="Arial"/>
-        <a:defRPr b="0" i="0" sz="1400" u="none" cap="none" strike="noStrike">
+        <a:defRPr sz="1400" b="0" i="0" u="none" strike="noStrike" cap="none">
           <a:solidFill>
             <a:srgbClr val="000000"/>
           </a:solidFill>
@@ -9359,7 +9519,7 @@
       </a:lvl9pPr>
     </p:bodyStyle>
     <p:otherStyle>
-      <a:defPPr lvl="0" marR="0" rtl="0" algn="l">
+      <a:defPPr marR="0" lvl="0" algn="l" rtl="0">
         <a:lnSpc>
           <a:spcPct val="100000"/>
         </a:lnSpc>
@@ -9370,7 +9530,7 @@
           <a:spcPts val="0"/>
         </a:spcAft>
       </a:defPPr>
-      <a:lvl1pPr lvl="0" marR="0" rtl="0" algn="l">
+      <a:lvl1pPr marR="0" lvl="0" algn="l" rtl="0">
         <a:lnSpc>
           <a:spcPct val="100000"/>
         </a:lnSpc>
@@ -9384,7 +9544,7 @@
           <a:srgbClr val="000000"/>
         </a:buClr>
         <a:buFont typeface="Arial"/>
-        <a:defRPr b="0" i="0" sz="1400" u="none" cap="none" strike="noStrike">
+        <a:defRPr sz="1400" b="0" i="0" u="none" strike="noStrike" cap="none">
           <a:solidFill>
             <a:srgbClr val="000000"/>
           </a:solidFill>
@@ -9394,7 +9554,7 @@
           <a:sym typeface="Arial"/>
         </a:defRPr>
       </a:lvl1pPr>
-      <a:lvl2pPr lvl="1" marR="0" rtl="0" algn="l">
+      <a:lvl2pPr marR="0" lvl="1" algn="l" rtl="0">
         <a:lnSpc>
           <a:spcPct val="100000"/>
         </a:lnSpc>
@@ -9408,7 +9568,7 @@
           <a:srgbClr val="000000"/>
         </a:buClr>
         <a:buFont typeface="Arial"/>
-        <a:defRPr b="0" i="0" sz="1400" u="none" cap="none" strike="noStrike">
+        <a:defRPr sz="1400" b="0" i="0" u="none" strike="noStrike" cap="none">
           <a:solidFill>
             <a:srgbClr val="000000"/>
           </a:solidFill>
@@ -9418,7 +9578,7 @@
           <a:sym typeface="Arial"/>
         </a:defRPr>
       </a:lvl2pPr>
-      <a:lvl3pPr lvl="2" marR="0" rtl="0" algn="l">
+      <a:lvl3pPr marR="0" lvl="2" algn="l" rtl="0">
         <a:lnSpc>
           <a:spcPct val="100000"/>
         </a:lnSpc>
@@ -9432,7 +9592,7 @@
           <a:srgbClr val="000000"/>
         </a:buClr>
         <a:buFont typeface="Arial"/>
-        <a:defRPr b="0" i="0" sz="1400" u="none" cap="none" strike="noStrike">
+        <a:defRPr sz="1400" b="0" i="0" u="none" strike="noStrike" cap="none">
           <a:solidFill>
             <a:srgbClr val="000000"/>
           </a:solidFill>
@@ -9442,7 +9602,7 @@
           <a:sym typeface="Arial"/>
         </a:defRPr>
       </a:lvl3pPr>
-      <a:lvl4pPr lvl="3" marR="0" rtl="0" algn="l">
+      <a:lvl4pPr marR="0" lvl="3" algn="l" rtl="0">
         <a:lnSpc>
           <a:spcPct val="100000"/>
         </a:lnSpc>
@@ -9456,7 +9616,7 @@
           <a:srgbClr val="000000"/>
         </a:buClr>
         <a:buFont typeface="Arial"/>
-        <a:defRPr b="0" i="0" sz="1400" u="none" cap="none" strike="noStrike">
+        <a:defRPr sz="1400" b="0" i="0" u="none" strike="noStrike" cap="none">
           <a:solidFill>
             <a:srgbClr val="000000"/>
           </a:solidFill>
@@ -9466,7 +9626,7 @@
           <a:sym typeface="Arial"/>
         </a:defRPr>
       </a:lvl4pPr>
-      <a:lvl5pPr lvl="4" marR="0" rtl="0" algn="l">
+      <a:lvl5pPr marR="0" lvl="4" algn="l" rtl="0">
         <a:lnSpc>
           <a:spcPct val="100000"/>
         </a:lnSpc>
@@ -9480,7 +9640,7 @@
           <a:srgbClr val="000000"/>
         </a:buClr>
         <a:buFont typeface="Arial"/>
-        <a:defRPr b="0" i="0" sz="1400" u="none" cap="none" strike="noStrike">
+        <a:defRPr sz="1400" b="0" i="0" u="none" strike="noStrike" cap="none">
           <a:solidFill>
             <a:srgbClr val="000000"/>
           </a:solidFill>
@@ -9490,7 +9650,7 @@
           <a:sym typeface="Arial"/>
         </a:defRPr>
       </a:lvl5pPr>
-      <a:lvl6pPr lvl="5" marR="0" rtl="0" algn="l">
+      <a:lvl6pPr marR="0" lvl="5" algn="l" rtl="0">
         <a:lnSpc>
           <a:spcPct val="100000"/>
         </a:lnSpc>
@@ -9504,7 +9664,7 @@
           <a:srgbClr val="000000"/>
         </a:buClr>
         <a:buFont typeface="Arial"/>
-        <a:defRPr b="0" i="0" sz="1400" u="none" cap="none" strike="noStrike">
+        <a:defRPr sz="1400" b="0" i="0" u="none" strike="noStrike" cap="none">
           <a:solidFill>
             <a:srgbClr val="000000"/>
           </a:solidFill>
@@ -9514,7 +9674,7 @@
           <a:sym typeface="Arial"/>
         </a:defRPr>
       </a:lvl6pPr>
-      <a:lvl7pPr lvl="6" marR="0" rtl="0" algn="l">
+      <a:lvl7pPr marR="0" lvl="6" algn="l" rtl="0">
         <a:lnSpc>
           <a:spcPct val="100000"/>
         </a:lnSpc>
@@ -9528,7 +9688,7 @@
           <a:srgbClr val="000000"/>
         </a:buClr>
         <a:buFont typeface="Arial"/>
-        <a:defRPr b="0" i="0" sz="1400" u="none" cap="none" strike="noStrike">
+        <a:defRPr sz="1400" b="0" i="0" u="none" strike="noStrike" cap="none">
           <a:solidFill>
             <a:srgbClr val="000000"/>
           </a:solidFill>
@@ -9538,7 +9698,7 @@
           <a:sym typeface="Arial"/>
         </a:defRPr>
       </a:lvl7pPr>
-      <a:lvl8pPr lvl="7" marR="0" rtl="0" algn="l">
+      <a:lvl8pPr marR="0" lvl="7" algn="l" rtl="0">
         <a:lnSpc>
           <a:spcPct val="100000"/>
         </a:lnSpc>
@@ -9552,7 +9712,7 @@
           <a:srgbClr val="000000"/>
         </a:buClr>
         <a:buFont typeface="Arial"/>
-        <a:defRPr b="0" i="0" sz="1400" u="none" cap="none" strike="noStrike">
+        <a:defRPr sz="1400" b="0" i="0" u="none" strike="noStrike" cap="none">
           <a:solidFill>
             <a:srgbClr val="000000"/>
           </a:solidFill>
@@ -9562,7 +9722,7 @@
           <a:sym typeface="Arial"/>
         </a:defRPr>
       </a:lvl8pPr>
-      <a:lvl9pPr lvl="8" marR="0" rtl="0" algn="l">
+      <a:lvl9pPr marR="0" lvl="8" algn="l" rtl="0">
         <a:lnSpc>
           <a:spcPct val="100000"/>
         </a:lnSpc>
@@ -9576,7 +9736,7 @@
           <a:srgbClr val="000000"/>
         </a:buClr>
         <a:buFont typeface="Arial"/>
-        <a:defRPr b="0" i="0" sz="1400" u="none" cap="none" strike="noStrike">
+        <a:defRPr sz="1400" b="0" i="0" u="none" strike="noStrike" cap="none">
           <a:solidFill>
             <a:srgbClr val="000000"/>
           </a:solidFill>
@@ -9592,11 +9752,11 @@
 </file>
 
 <file path=ppt/slides/slide1.xml><?xml version="1.0" encoding="utf-8"?>
-<p:sld xmlns:a="http://schemas.openxmlformats.org/drawingml/2006/main" xmlns:r="http://schemas.openxmlformats.org/officeDocument/2006/relationships" xmlns:mc="http://schemas.openxmlformats.org/markup-compatibility/2006" xmlns:mv="urn:schemas-microsoft-com:mac:vml" xmlns:p="http://schemas.openxmlformats.org/presentationml/2006/main" xmlns:c="http://schemas.openxmlformats.org/drawingml/2006/chart" xmlns:dgm="http://schemas.openxmlformats.org/drawingml/2006/diagram" xmlns:o="urn:schemas-microsoft-com:office:office" xmlns:v="urn:schemas-microsoft-com:vml" xmlns:pvml="urn:schemas-microsoft-com:office:powerpoint" xmlns:com="http://schemas.openxmlformats.org/drawingml/2006/compatibility" xmlns:p14="http://schemas.microsoft.com/office/powerpoint/2010/main" xmlns:p15="http://schemas.microsoft.com/office/powerpoint/2012/main" xmlns:ahyp="http://schemas.microsoft.com/office/drawing/2018/hyperlinkcolor">
+<p:sld xmlns:a="http://schemas.openxmlformats.org/drawingml/2006/main" xmlns:r="http://schemas.openxmlformats.org/officeDocument/2006/relationships" xmlns:p="http://schemas.openxmlformats.org/presentationml/2006/main">
   <p:cSld>
     <p:spTree>
       <p:nvGrpSpPr>
-        <p:cNvPr id="53" name="Shape 53"/>
+        <p:cNvPr id="1" name="Shape 53"/>
         <p:cNvGrpSpPr/>
         <p:nvPr/>
       </p:nvGrpSpPr>
@@ -9611,7 +9771,9 @@
       <p:sp>
         <p:nvSpPr>
           <p:cNvPr id="54" name="Google Shape;54;p1"/>
-          <p:cNvSpPr txBox="1"/>
+          <p:cNvSpPr txBox="1">
+            <a:spLocks noGrp="1"/>
+          </p:cNvSpPr>
           <p:nvPr>
             <p:ph type="ctrTitle"/>
           </p:nvPr>
@@ -9630,12 +9792,12 @@
           </a:ln>
         </p:spPr>
         <p:txBody>
-          <a:bodyPr anchorCtr="0" anchor="b" bIns="91425" lIns="91425" spcFirstLastPara="1" rIns="91425" wrap="square" tIns="91425">
+          <a:bodyPr spcFirstLastPara="1" wrap="square" lIns="91425" tIns="91425" rIns="91425" bIns="91425" anchor="b" anchorCtr="0">
             <a:normAutofit fontScale="90000"/>
           </a:bodyPr>
           <a:lstStyle/>
           <a:p>
-            <a:pPr indent="0" lvl="0" marL="0" rtl="0" algn="ctr">
+            <a:pPr marL="0" lvl="0" indent="0" algn="ctr" rtl="0">
               <a:lnSpc>
                 <a:spcPct val="100000"/>
               </a:lnSpc>
@@ -9659,9 +9821,11 @@
       <p:sp>
         <p:nvSpPr>
           <p:cNvPr id="55" name="Google Shape;55;p1"/>
-          <p:cNvSpPr txBox="1"/>
+          <p:cNvSpPr txBox="1">
+            <a:spLocks noGrp="1"/>
+          </p:cNvSpPr>
           <p:nvPr>
-            <p:ph idx="1" type="subTitle"/>
+            <p:ph type="subTitle" idx="1"/>
           </p:nvPr>
         </p:nvSpPr>
         <p:spPr>
@@ -9678,12 +9842,12 @@
           </a:ln>
         </p:spPr>
         <p:txBody>
-          <a:bodyPr anchorCtr="0" anchor="t" bIns="91425" lIns="91425" spcFirstLastPara="1" rIns="91425" wrap="square" tIns="91425">
+          <a:bodyPr spcFirstLastPara="1" wrap="square" lIns="91425" tIns="91425" rIns="91425" bIns="91425" anchor="t" anchorCtr="0">
             <a:normAutofit/>
           </a:bodyPr>
           <a:lstStyle/>
           <a:p>
-            <a:pPr indent="0" lvl="0" marL="0" rtl="0" algn="ctr">
+            <a:pPr marL="0" lvl="0" indent="0" algn="ctr" rtl="0">
               <a:lnSpc>
                 <a:spcPct val="100000"/>
               </a:lnSpc>
@@ -9697,18 +9861,10 @@
               <a:buNone/>
             </a:pPr>
             <a:r>
-              <a:rPr lang="pt-BR">
-                <a:solidFill>
-                  <a:schemeClr val="dk1"/>
-                </a:solidFill>
-              </a:rPr>
-              <a:t>Oficina 04</a:t>
-            </a:r>
-            <a:r>
-              <a:rPr lang="pt-BR"/>
+              <a:rPr lang="pt-BR" dirty="0"/>
               <a:t> </a:t>
             </a:r>
-            <a:endParaRPr/>
+            <a:endParaRPr dirty="0"/>
           </a:p>
         </p:txBody>
       </p:sp>
@@ -9721,11 +9877,11 @@
 </file>
 
 <file path=ppt/slides/slide2.xml><?xml version="1.0" encoding="utf-8"?>
-<p:sld xmlns:a="http://schemas.openxmlformats.org/drawingml/2006/main" xmlns:r="http://schemas.openxmlformats.org/officeDocument/2006/relationships" xmlns:mc="http://schemas.openxmlformats.org/markup-compatibility/2006" xmlns:mv="urn:schemas-microsoft-com:mac:vml" xmlns:p="http://schemas.openxmlformats.org/presentationml/2006/main" xmlns:c="http://schemas.openxmlformats.org/drawingml/2006/chart" xmlns:dgm="http://schemas.openxmlformats.org/drawingml/2006/diagram" xmlns:o="urn:schemas-microsoft-com:office:office" xmlns:v="urn:schemas-microsoft-com:vml" xmlns:pvml="urn:schemas-microsoft-com:office:powerpoint" xmlns:com="http://schemas.openxmlformats.org/drawingml/2006/compatibility" xmlns:p14="http://schemas.microsoft.com/office/powerpoint/2010/main" xmlns:p15="http://schemas.microsoft.com/office/powerpoint/2012/main" xmlns:ahyp="http://schemas.microsoft.com/office/drawing/2018/hyperlinkcolor">
+<p:sld xmlns:a="http://schemas.openxmlformats.org/drawingml/2006/main" xmlns:r="http://schemas.openxmlformats.org/officeDocument/2006/relationships" xmlns:p="http://schemas.openxmlformats.org/presentationml/2006/main">
   <p:cSld>
     <p:spTree>
       <p:nvGrpSpPr>
-        <p:cNvPr id="59" name="Shape 59"/>
+        <p:cNvPr id="1" name="Shape 59"/>
         <p:cNvGrpSpPr/>
         <p:nvPr/>
       </p:nvGrpSpPr>
@@ -9740,7 +9896,9 @@
       <p:sp>
         <p:nvSpPr>
           <p:cNvPr id="60" name="Google Shape;60;p2"/>
-          <p:cNvSpPr txBox="1"/>
+          <p:cNvSpPr txBox="1">
+            <a:spLocks noGrp="1"/>
+          </p:cNvSpPr>
           <p:nvPr>
             <p:ph type="title"/>
           </p:nvPr>
@@ -9759,12 +9917,12 @@
           </a:ln>
         </p:spPr>
         <p:txBody>
-          <a:bodyPr anchorCtr="0" anchor="t" bIns="91425" lIns="91425" spcFirstLastPara="1" rIns="91425" wrap="square" tIns="91425">
+          <a:bodyPr spcFirstLastPara="1" wrap="square" lIns="91425" tIns="91425" rIns="91425" bIns="91425" anchor="t" anchorCtr="0">
             <a:normAutofit fontScale="90000"/>
           </a:bodyPr>
           <a:lstStyle/>
           <a:p>
-            <a:pPr indent="0" lvl="0" marL="0" rtl="0" algn="l">
+            <a:pPr marL="0" lvl="0" indent="0" algn="l" rtl="0">
               <a:lnSpc>
                 <a:spcPct val="100000"/>
               </a:lnSpc>
@@ -9788,9 +9946,11 @@
       <p:sp>
         <p:nvSpPr>
           <p:cNvPr id="61" name="Google Shape;61;p2"/>
-          <p:cNvSpPr txBox="1"/>
+          <p:cNvSpPr txBox="1">
+            <a:spLocks noGrp="1"/>
+          </p:cNvSpPr>
           <p:nvPr>
-            <p:ph idx="1" type="body"/>
+            <p:ph type="body" idx="1"/>
           </p:nvPr>
         </p:nvSpPr>
         <p:spPr>
@@ -9807,12 +9967,12 @@
           </a:ln>
         </p:spPr>
         <p:txBody>
-          <a:bodyPr anchorCtr="0" anchor="t" bIns="91425" lIns="91425" spcFirstLastPara="1" rIns="91425" wrap="square" tIns="91425">
+          <a:bodyPr spcFirstLastPara="1" wrap="square" lIns="91425" tIns="91425" rIns="91425" bIns="91425" anchor="t" anchorCtr="0">
             <a:normAutofit/>
           </a:bodyPr>
           <a:lstStyle/>
           <a:p>
-            <a:pPr indent="0" lvl="0" marL="0" rtl="0" algn="l">
+            <a:pPr marL="0" lvl="0" indent="0" algn="l" rtl="0">
               <a:lnSpc>
                 <a:spcPct val="115000"/>
               </a:lnSpc>
@@ -9840,7 +10000,7 @@
             </a:endParaRPr>
           </a:p>
           <a:p>
-            <a:pPr indent="0" lvl="0" marL="0" rtl="0" algn="l">
+            <a:pPr marL="0" lvl="0" indent="0" algn="l" rtl="0">
               <a:lnSpc>
                 <a:spcPct val="115000"/>
               </a:lnSpc>
@@ -9874,7 +10034,7 @@
             </a:endParaRPr>
           </a:p>
           <a:p>
-            <a:pPr indent="0" lvl="0" marL="0" rtl="0" algn="l">
+            <a:pPr marL="0" lvl="0" indent="0" algn="l" rtl="0">
               <a:lnSpc>
                 <a:spcPct val="115000"/>
               </a:lnSpc>
@@ -9902,7 +10062,7 @@
             </a:endParaRPr>
           </a:p>
           <a:p>
-            <a:pPr indent="0" lvl="0" marL="0" rtl="0" algn="l">
+            <a:pPr marL="0" lvl="0" indent="0" algn="l" rtl="0">
               <a:lnSpc>
                 <a:spcPct val="115000"/>
               </a:lnSpc>
@@ -9941,7 +10101,7 @@
           <a:blip r:embed="rId3">
             <a:alphaModFix amt="97000"/>
           </a:blip>
-          <a:srcRect b="0" l="0" r="0" t="0"/>
+          <a:srcRect/>
           <a:stretch/>
         </p:blipFill>
         <p:spPr>
@@ -9957,12 +10117,12 @@
             <a:noFill/>
           </a:ln>
           <a:effectLst>
-            <a:outerShdw blurRad="57150" rotWithShape="0" algn="bl" dir="5400000" dist="19050">
+            <a:outerShdw blurRad="57150" dist="19050" dir="5400000" algn="bl" rotWithShape="0">
               <a:srgbClr val="000000">
                 <a:alpha val="49803"/>
               </a:srgbClr>
             </a:outerShdw>
-            <a:reflection blurRad="0" dir="5400000" dist="38100" endA="0" endPos="30000" fadeDir="5400012" kx="0" rotWithShape="0" algn="bl" stPos="0" sy="-100000" ky="0"/>
+            <a:reflection endPos="30000" dist="38100" dir="5400000" fadeDir="5400012" sy="-100000" algn="bl" rotWithShape="0"/>
           </a:effectLst>
         </p:spPr>
       </p:pic>
@@ -9975,11 +10135,11 @@
 </file>
 
 <file path=ppt/slides/slide3.xml><?xml version="1.0" encoding="utf-8"?>
-<p:sld xmlns:a="http://schemas.openxmlformats.org/drawingml/2006/main" xmlns:r="http://schemas.openxmlformats.org/officeDocument/2006/relationships" xmlns:mc="http://schemas.openxmlformats.org/markup-compatibility/2006" xmlns:mv="urn:schemas-microsoft-com:mac:vml" xmlns:p="http://schemas.openxmlformats.org/presentationml/2006/main" xmlns:c="http://schemas.openxmlformats.org/drawingml/2006/chart" xmlns:dgm="http://schemas.openxmlformats.org/drawingml/2006/diagram" xmlns:o="urn:schemas-microsoft-com:office:office" xmlns:v="urn:schemas-microsoft-com:vml" xmlns:pvml="urn:schemas-microsoft-com:office:powerpoint" xmlns:com="http://schemas.openxmlformats.org/drawingml/2006/compatibility" xmlns:p14="http://schemas.microsoft.com/office/powerpoint/2010/main" xmlns:p15="http://schemas.microsoft.com/office/powerpoint/2012/main" xmlns:ahyp="http://schemas.microsoft.com/office/drawing/2018/hyperlinkcolor">
+<p:sld xmlns:a="http://schemas.openxmlformats.org/drawingml/2006/main" xmlns:r="http://schemas.openxmlformats.org/officeDocument/2006/relationships" xmlns:p="http://schemas.openxmlformats.org/presentationml/2006/main">
   <p:cSld>
     <p:spTree>
       <p:nvGrpSpPr>
-        <p:cNvPr id="66" name="Shape 66"/>
+        <p:cNvPr id="1" name="Shape 66"/>
         <p:cNvGrpSpPr/>
         <p:nvPr/>
       </p:nvGrpSpPr>
@@ -9994,7 +10154,9 @@
       <p:sp>
         <p:nvSpPr>
           <p:cNvPr id="67" name="Google Shape;67;g1732d9a83e9_0_5"/>
-          <p:cNvSpPr txBox="1"/>
+          <p:cNvSpPr txBox="1">
+            <a:spLocks noGrp="1"/>
+          </p:cNvSpPr>
           <p:nvPr>
             <p:ph type="title"/>
           </p:nvPr>
@@ -10013,12 +10175,12 @@
           </a:ln>
         </p:spPr>
         <p:txBody>
-          <a:bodyPr anchorCtr="0" anchor="t" bIns="91425" lIns="91425" spcFirstLastPara="1" rIns="91425" wrap="square" tIns="91425">
+          <a:bodyPr spcFirstLastPara="1" wrap="square" lIns="91425" tIns="91425" rIns="91425" bIns="91425" anchor="t" anchorCtr="0">
             <a:normAutofit fontScale="90000"/>
           </a:bodyPr>
           <a:lstStyle/>
           <a:p>
-            <a:pPr indent="0" lvl="0" marL="0" rtl="0" algn="l">
+            <a:pPr marL="0" lvl="0" indent="0" algn="l" rtl="0">
               <a:lnSpc>
                 <a:spcPct val="100000"/>
               </a:lnSpc>
@@ -10042,9 +10204,11 @@
       <p:sp>
         <p:nvSpPr>
           <p:cNvPr id="68" name="Google Shape;68;g1732d9a83e9_0_5"/>
-          <p:cNvSpPr txBox="1"/>
+          <p:cNvSpPr txBox="1">
+            <a:spLocks noGrp="1"/>
+          </p:cNvSpPr>
           <p:nvPr>
-            <p:ph idx="1" type="body"/>
+            <p:ph type="body" idx="1"/>
           </p:nvPr>
         </p:nvSpPr>
         <p:spPr>
@@ -10061,12 +10225,12 @@
           </a:ln>
         </p:spPr>
         <p:txBody>
-          <a:bodyPr anchorCtr="0" anchor="t" bIns="91425" lIns="91425" spcFirstLastPara="1" rIns="91425" wrap="square" tIns="91425">
+          <a:bodyPr spcFirstLastPara="1" wrap="square" lIns="91425" tIns="91425" rIns="91425" bIns="91425" anchor="t" anchorCtr="0">
             <a:normAutofit/>
           </a:bodyPr>
           <a:lstStyle/>
           <a:p>
-            <a:pPr indent="0" lvl="0" marL="0" rtl="0" algn="l">
+            <a:pPr marL="0" lvl="0" indent="0" algn="l" rtl="0">
               <a:lnSpc>
                 <a:spcPct val="115000"/>
               </a:lnSpc>
@@ -10094,7 +10258,7 @@
             </a:endParaRPr>
           </a:p>
           <a:p>
-            <a:pPr indent="0" lvl="0" marL="0" rtl="0" algn="l">
+            <a:pPr marL="0" lvl="0" indent="0" algn="l" rtl="0">
               <a:lnSpc>
                 <a:spcPct val="115000"/>
               </a:lnSpc>
@@ -10107,9 +10271,6 @@
               <a:buSzPts val="1800"/>
               <a:buNone/>
             </a:pPr>
-            <a:r>
-              <a:t/>
-            </a:r>
             <a:endParaRPr/>
           </a:p>
         </p:txBody>
@@ -10123,11 +10284,11 @@
 </file>
 
 <file path=ppt/slides/slide4.xml><?xml version="1.0" encoding="utf-8"?>
-<p:sld xmlns:a="http://schemas.openxmlformats.org/drawingml/2006/main" xmlns:r="http://schemas.openxmlformats.org/officeDocument/2006/relationships" xmlns:mc="http://schemas.openxmlformats.org/markup-compatibility/2006" xmlns:mv="urn:schemas-microsoft-com:mac:vml" xmlns:p="http://schemas.openxmlformats.org/presentationml/2006/main" xmlns:c="http://schemas.openxmlformats.org/drawingml/2006/chart" xmlns:dgm="http://schemas.openxmlformats.org/drawingml/2006/diagram" xmlns:o="urn:schemas-microsoft-com:office:office" xmlns:v="urn:schemas-microsoft-com:vml" xmlns:pvml="urn:schemas-microsoft-com:office:powerpoint" xmlns:com="http://schemas.openxmlformats.org/drawingml/2006/compatibility" xmlns:p14="http://schemas.microsoft.com/office/powerpoint/2010/main" xmlns:p15="http://schemas.microsoft.com/office/powerpoint/2012/main" xmlns:ahyp="http://schemas.microsoft.com/office/drawing/2018/hyperlinkcolor">
+<p:sld xmlns:a="http://schemas.openxmlformats.org/drawingml/2006/main" xmlns:r="http://schemas.openxmlformats.org/officeDocument/2006/relationships" xmlns:p="http://schemas.openxmlformats.org/presentationml/2006/main">
   <p:cSld>
     <p:spTree>
       <p:nvGrpSpPr>
-        <p:cNvPr id="72" name="Shape 72"/>
+        <p:cNvPr id="1" name="Shape 72"/>
         <p:cNvGrpSpPr/>
         <p:nvPr/>
       </p:nvGrpSpPr>
@@ -10142,7 +10303,9 @@
       <p:sp>
         <p:nvSpPr>
           <p:cNvPr id="73" name="Google Shape;73;p3"/>
-          <p:cNvSpPr txBox="1"/>
+          <p:cNvSpPr txBox="1">
+            <a:spLocks noGrp="1"/>
+          </p:cNvSpPr>
           <p:nvPr>
             <p:ph type="title"/>
           </p:nvPr>
@@ -10161,12 +10324,12 @@
           </a:ln>
         </p:spPr>
         <p:txBody>
-          <a:bodyPr anchorCtr="0" anchor="t" bIns="91425" lIns="91425" spcFirstLastPara="1" rIns="91425" wrap="square" tIns="91425">
+          <a:bodyPr spcFirstLastPara="1" wrap="square" lIns="91425" tIns="91425" rIns="91425" bIns="91425" anchor="t" anchorCtr="0">
             <a:normAutofit fontScale="90000"/>
           </a:bodyPr>
           <a:lstStyle/>
           <a:p>
-            <a:pPr indent="0" lvl="0" marL="0" rtl="0" algn="l">
+            <a:pPr marL="0" lvl="0" indent="0" algn="l" rtl="0">
               <a:lnSpc>
                 <a:spcPct val="100000"/>
               </a:lnSpc>
@@ -10190,9 +10353,11 @@
       <p:sp>
         <p:nvSpPr>
           <p:cNvPr id="74" name="Google Shape;74;p3"/>
-          <p:cNvSpPr txBox="1"/>
+          <p:cNvSpPr txBox="1">
+            <a:spLocks noGrp="1"/>
+          </p:cNvSpPr>
           <p:nvPr>
-            <p:ph idx="1" type="body"/>
+            <p:ph type="body" idx="1"/>
           </p:nvPr>
         </p:nvSpPr>
         <p:spPr>
@@ -10209,12 +10374,12 @@
           </a:ln>
         </p:spPr>
         <p:txBody>
-          <a:bodyPr anchorCtr="0" anchor="t" bIns="91425" lIns="91425" spcFirstLastPara="1" rIns="91425" wrap="square" tIns="91425">
+          <a:bodyPr spcFirstLastPara="1" wrap="square" lIns="91425" tIns="91425" rIns="91425" bIns="91425" anchor="t" anchorCtr="0">
             <a:normAutofit/>
           </a:bodyPr>
           <a:lstStyle/>
           <a:p>
-            <a:pPr indent="0" lvl="0" marL="0" rtl="0" algn="l">
+            <a:pPr marL="0" lvl="0" indent="0" algn="l" rtl="0">
               <a:lnSpc>
                 <a:spcPct val="115000"/>
               </a:lnSpc>
@@ -10242,7 +10407,7 @@
             </a:endParaRPr>
           </a:p>
           <a:p>
-            <a:pPr indent="0" lvl="0" marL="0" rtl="0" algn="l">
+            <a:pPr marL="0" lvl="0" indent="0" algn="l" rtl="0">
               <a:lnSpc>
                 <a:spcPct val="115000"/>
               </a:lnSpc>
@@ -10270,7 +10435,7 @@
             </a:endParaRPr>
           </a:p>
           <a:p>
-            <a:pPr indent="0" lvl="0" marL="0" rtl="0" algn="l">
+            <a:pPr marL="0" lvl="0" indent="0" algn="l" rtl="0">
               <a:lnSpc>
                 <a:spcPct val="115000"/>
               </a:lnSpc>
@@ -10298,7 +10463,7 @@
             </a:endParaRPr>
           </a:p>
           <a:p>
-            <a:pPr indent="0" lvl="0" marL="0" rtl="0" algn="l">
+            <a:pPr marL="0" lvl="0" indent="0" algn="l" rtl="0">
               <a:lnSpc>
                 <a:spcPct val="115000"/>
               </a:lnSpc>
@@ -10311,9 +10476,6 @@
               <a:buSzPts val="1800"/>
               <a:buNone/>
             </a:pPr>
-            <a:r>
-              <a:t/>
-            </a:r>
             <a:endParaRPr>
               <a:solidFill>
                 <a:schemeClr val="dk1"/>
@@ -10321,7 +10483,7 @@
             </a:endParaRPr>
           </a:p>
           <a:p>
-            <a:pPr indent="0" lvl="0" marL="0" rtl="0" algn="l">
+            <a:pPr marL="0" lvl="0" indent="0" algn="l" rtl="0">
               <a:lnSpc>
                 <a:spcPct val="115000"/>
               </a:lnSpc>
@@ -10349,7 +10511,7 @@
             </a:endParaRPr>
           </a:p>
           <a:p>
-            <a:pPr indent="0" lvl="0" marL="0" rtl="0" algn="l">
+            <a:pPr marL="0" lvl="0" indent="0" algn="l" rtl="0">
               <a:lnSpc>
                 <a:spcPct val="115000"/>
               </a:lnSpc>
@@ -10377,7 +10539,7 @@
             </a:endParaRPr>
           </a:p>
           <a:p>
-            <a:pPr indent="0" lvl="0" marL="0" rtl="0" algn="l">
+            <a:pPr marL="0" lvl="0" indent="0" algn="l" rtl="0">
               <a:lnSpc>
                 <a:spcPct val="115000"/>
               </a:lnSpc>
@@ -10415,11 +10577,11 @@
 </file>
 
 <file path=ppt/slides/slide5.xml><?xml version="1.0" encoding="utf-8"?>
-<p:sld xmlns:a="http://schemas.openxmlformats.org/drawingml/2006/main" xmlns:r="http://schemas.openxmlformats.org/officeDocument/2006/relationships" xmlns:mc="http://schemas.openxmlformats.org/markup-compatibility/2006" xmlns:mv="urn:schemas-microsoft-com:mac:vml" xmlns:p="http://schemas.openxmlformats.org/presentationml/2006/main" xmlns:c="http://schemas.openxmlformats.org/drawingml/2006/chart" xmlns:dgm="http://schemas.openxmlformats.org/drawingml/2006/diagram" xmlns:o="urn:schemas-microsoft-com:office:office" xmlns:v="urn:schemas-microsoft-com:vml" xmlns:pvml="urn:schemas-microsoft-com:office:powerpoint" xmlns:com="http://schemas.openxmlformats.org/drawingml/2006/compatibility" xmlns:p14="http://schemas.microsoft.com/office/powerpoint/2010/main" xmlns:p15="http://schemas.microsoft.com/office/powerpoint/2012/main" xmlns:ahyp="http://schemas.microsoft.com/office/drawing/2018/hyperlinkcolor">
+<p:sld xmlns:a="http://schemas.openxmlformats.org/drawingml/2006/main" xmlns:r="http://schemas.openxmlformats.org/officeDocument/2006/relationships" xmlns:p="http://schemas.openxmlformats.org/presentationml/2006/main">
   <p:cSld>
     <p:spTree>
       <p:nvGrpSpPr>
-        <p:cNvPr id="78" name="Shape 78"/>
+        <p:cNvPr id="1" name="Shape 78"/>
         <p:cNvGrpSpPr/>
         <p:nvPr/>
       </p:nvGrpSpPr>
@@ -10434,7 +10596,9 @@
       <p:sp>
         <p:nvSpPr>
           <p:cNvPr id="79" name="Google Shape;79;p4"/>
-          <p:cNvSpPr txBox="1"/>
+          <p:cNvSpPr txBox="1">
+            <a:spLocks noGrp="1"/>
+          </p:cNvSpPr>
           <p:nvPr>
             <p:ph type="title"/>
           </p:nvPr>
@@ -10453,12 +10617,12 @@
           </a:ln>
         </p:spPr>
         <p:txBody>
-          <a:bodyPr anchorCtr="0" anchor="t" bIns="91425" lIns="91425" spcFirstLastPara="1" rIns="91425" wrap="square" tIns="91425">
+          <a:bodyPr spcFirstLastPara="1" wrap="square" lIns="91425" tIns="91425" rIns="91425" bIns="91425" anchor="t" anchorCtr="0">
             <a:normAutofit fontScale="90000"/>
           </a:bodyPr>
           <a:lstStyle/>
           <a:p>
-            <a:pPr indent="0" lvl="0" marL="0" rtl="0" algn="l">
+            <a:pPr marL="0" lvl="0" indent="0" algn="l" rtl="0">
               <a:lnSpc>
                 <a:spcPct val="100000"/>
               </a:lnSpc>
@@ -10482,9 +10646,11 @@
       <p:sp>
         <p:nvSpPr>
           <p:cNvPr id="80" name="Google Shape;80;p4"/>
-          <p:cNvSpPr txBox="1"/>
+          <p:cNvSpPr txBox="1">
+            <a:spLocks noGrp="1"/>
+          </p:cNvSpPr>
           <p:nvPr>
-            <p:ph idx="1" type="body"/>
+            <p:ph type="body" idx="1"/>
           </p:nvPr>
         </p:nvSpPr>
         <p:spPr>
@@ -10501,12 +10667,12 @@
           </a:ln>
         </p:spPr>
         <p:txBody>
-          <a:bodyPr anchorCtr="0" anchor="t" bIns="91425" lIns="91425" spcFirstLastPara="1" rIns="91425" wrap="square" tIns="91425">
+          <a:bodyPr spcFirstLastPara="1" wrap="square" lIns="91425" tIns="91425" rIns="91425" bIns="91425" anchor="t" anchorCtr="0">
             <a:normAutofit/>
           </a:bodyPr>
           <a:lstStyle/>
           <a:p>
-            <a:pPr indent="0" lvl="0" marL="0" rtl="0" algn="l">
+            <a:pPr marL="0" lvl="0" indent="0" algn="l" rtl="0">
               <a:lnSpc>
                 <a:spcPct val="115000"/>
               </a:lnSpc>
@@ -10534,7 +10700,7 @@
             </a:endParaRPr>
           </a:p>
           <a:p>
-            <a:pPr indent="0" lvl="0" marL="0" rtl="0" algn="l">
+            <a:pPr marL="0" lvl="0" indent="0" algn="l" rtl="0">
               <a:lnSpc>
                 <a:spcPct val="115000"/>
               </a:lnSpc>
@@ -10562,7 +10728,7 @@
             </a:endParaRPr>
           </a:p>
           <a:p>
-            <a:pPr indent="0" lvl="0" marL="0" rtl="0" algn="l">
+            <a:pPr marL="0" lvl="0" indent="0" algn="l" rtl="0">
               <a:lnSpc>
                 <a:spcPct val="115000"/>
               </a:lnSpc>
@@ -10590,7 +10756,7 @@
             </a:endParaRPr>
           </a:p>
           <a:p>
-            <a:pPr indent="0" lvl="0" marL="0" rtl="0" algn="l">
+            <a:pPr marL="0" lvl="0" indent="0" algn="l" rtl="0">
               <a:lnSpc>
                 <a:spcPct val="115000"/>
               </a:lnSpc>
@@ -10603,9 +10769,6 @@
               <a:buSzPts val="1800"/>
               <a:buNone/>
             </a:pPr>
-            <a:r>
-              <a:t/>
-            </a:r>
             <a:endParaRPr>
               <a:solidFill>
                 <a:schemeClr val="dk1"/>
@@ -10613,7 +10776,7 @@
             </a:endParaRPr>
           </a:p>
           <a:p>
-            <a:pPr indent="0" lvl="0" marL="0" rtl="0" algn="l">
+            <a:pPr marL="0" lvl="0" indent="0" algn="l" rtl="0">
               <a:lnSpc>
                 <a:spcPct val="115000"/>
               </a:lnSpc>
@@ -10641,7 +10804,7 @@
             </a:endParaRPr>
           </a:p>
           <a:p>
-            <a:pPr indent="0" lvl="0" marL="0" rtl="0" algn="l">
+            <a:pPr marL="0" lvl="0" indent="0" algn="l" rtl="0">
               <a:lnSpc>
                 <a:spcPct val="115000"/>
               </a:lnSpc>
@@ -10669,7 +10832,7 @@
             </a:endParaRPr>
           </a:p>
           <a:p>
-            <a:pPr indent="0" lvl="0" marL="0" rtl="0" algn="l">
+            <a:pPr marL="0" lvl="0" indent="0" algn="l" rtl="0">
               <a:lnSpc>
                 <a:spcPct val="115000"/>
               </a:lnSpc>
@@ -10707,11 +10870,11 @@
 </file>
 
 <file path=ppt/slides/slide6.xml><?xml version="1.0" encoding="utf-8"?>
-<p:sld xmlns:a="http://schemas.openxmlformats.org/drawingml/2006/main" xmlns:r="http://schemas.openxmlformats.org/officeDocument/2006/relationships" xmlns:mc="http://schemas.openxmlformats.org/markup-compatibility/2006" xmlns:mv="urn:schemas-microsoft-com:mac:vml" xmlns:p="http://schemas.openxmlformats.org/presentationml/2006/main" xmlns:c="http://schemas.openxmlformats.org/drawingml/2006/chart" xmlns:dgm="http://schemas.openxmlformats.org/drawingml/2006/diagram" xmlns:o="urn:schemas-microsoft-com:office:office" xmlns:v="urn:schemas-microsoft-com:vml" xmlns:pvml="urn:schemas-microsoft-com:office:powerpoint" xmlns:com="http://schemas.openxmlformats.org/drawingml/2006/compatibility" xmlns:p14="http://schemas.microsoft.com/office/powerpoint/2010/main" xmlns:p15="http://schemas.microsoft.com/office/powerpoint/2012/main" xmlns:ahyp="http://schemas.microsoft.com/office/drawing/2018/hyperlinkcolor">
+<p:sld xmlns:a="http://schemas.openxmlformats.org/drawingml/2006/main" xmlns:r="http://schemas.openxmlformats.org/officeDocument/2006/relationships" xmlns:p="http://schemas.openxmlformats.org/presentationml/2006/main">
   <p:cSld>
     <p:spTree>
       <p:nvGrpSpPr>
-        <p:cNvPr id="84" name="Shape 84"/>
+        <p:cNvPr id="1" name="Shape 84"/>
         <p:cNvGrpSpPr/>
         <p:nvPr/>
       </p:nvGrpSpPr>
@@ -10726,7 +10889,9 @@
       <p:sp>
         <p:nvSpPr>
           <p:cNvPr id="85" name="Google Shape;85;p5"/>
-          <p:cNvSpPr txBox="1"/>
+          <p:cNvSpPr txBox="1">
+            <a:spLocks noGrp="1"/>
+          </p:cNvSpPr>
           <p:nvPr>
             <p:ph type="title"/>
           </p:nvPr>
@@ -10745,12 +10910,12 @@
           </a:ln>
         </p:spPr>
         <p:txBody>
-          <a:bodyPr anchorCtr="0" anchor="t" bIns="91425" lIns="91425" spcFirstLastPara="1" rIns="91425" wrap="square" tIns="91425">
+          <a:bodyPr spcFirstLastPara="1" wrap="square" lIns="91425" tIns="91425" rIns="91425" bIns="91425" anchor="t" anchorCtr="0">
             <a:normAutofit fontScale="90000"/>
           </a:bodyPr>
           <a:lstStyle/>
           <a:p>
-            <a:pPr indent="0" lvl="0" marL="0" rtl="0" algn="l">
+            <a:pPr marL="0" lvl="0" indent="0" algn="l" rtl="0">
               <a:lnSpc>
                 <a:spcPct val="100000"/>
               </a:lnSpc>
@@ -10774,9 +10939,11 @@
       <p:sp>
         <p:nvSpPr>
           <p:cNvPr id="86" name="Google Shape;86;p5"/>
-          <p:cNvSpPr txBox="1"/>
+          <p:cNvSpPr txBox="1">
+            <a:spLocks noGrp="1"/>
+          </p:cNvSpPr>
           <p:nvPr>
-            <p:ph idx="1" type="body"/>
+            <p:ph type="body" idx="1"/>
           </p:nvPr>
         </p:nvSpPr>
         <p:spPr>
@@ -10793,12 +10960,12 @@
           </a:ln>
         </p:spPr>
         <p:txBody>
-          <a:bodyPr anchorCtr="0" anchor="t" bIns="91425" lIns="91425" spcFirstLastPara="1" rIns="91425" wrap="square" tIns="91425">
+          <a:bodyPr spcFirstLastPara="1" wrap="square" lIns="91425" tIns="91425" rIns="91425" bIns="91425" anchor="t" anchorCtr="0">
             <a:normAutofit/>
           </a:bodyPr>
           <a:lstStyle/>
           <a:p>
-            <a:pPr indent="0" lvl="0" marL="0" rtl="0" algn="l">
+            <a:pPr marL="0" lvl="0" indent="0" algn="l" rtl="0">
               <a:lnSpc>
                 <a:spcPct val="115000"/>
               </a:lnSpc>
@@ -10826,7 +10993,7 @@
             </a:endParaRPr>
           </a:p>
           <a:p>
-            <a:pPr indent="0" lvl="0" marL="0" rtl="0" algn="l">
+            <a:pPr marL="0" lvl="0" indent="0" algn="l" rtl="0">
               <a:lnSpc>
                 <a:spcPct val="115000"/>
               </a:lnSpc>
@@ -10854,7 +11021,7 @@
             </a:endParaRPr>
           </a:p>
           <a:p>
-            <a:pPr indent="0" lvl="0" marL="0" rtl="0" algn="l">
+            <a:pPr marL="0" lvl="0" indent="0" algn="l" rtl="0">
               <a:lnSpc>
                 <a:spcPct val="115000"/>
               </a:lnSpc>
@@ -10867,9 +11034,6 @@
               <a:buSzPts val="1800"/>
               <a:buNone/>
             </a:pPr>
-            <a:r>
-              <a:t/>
-            </a:r>
             <a:endParaRPr>
               <a:solidFill>
                 <a:schemeClr val="dk1"/>
@@ -10877,7 +11041,7 @@
             </a:endParaRPr>
           </a:p>
           <a:p>
-            <a:pPr indent="0" lvl="0" marL="0" rtl="0" algn="l">
+            <a:pPr marL="0" lvl="0" indent="0" algn="l" rtl="0">
               <a:lnSpc>
                 <a:spcPct val="115000"/>
               </a:lnSpc>
@@ -10905,7 +11069,7 @@
             </a:endParaRPr>
           </a:p>
           <a:p>
-            <a:pPr indent="0" lvl="0" marL="0" rtl="0" algn="l">
+            <a:pPr marL="0" lvl="0" indent="0" algn="l" rtl="0">
               <a:lnSpc>
                 <a:spcPct val="115000"/>
               </a:lnSpc>
@@ -10943,11 +11107,11 @@
 </file>
 
 <file path=ppt/slides/slide7.xml><?xml version="1.0" encoding="utf-8"?>
-<p:sld xmlns:a="http://schemas.openxmlformats.org/drawingml/2006/main" xmlns:r="http://schemas.openxmlformats.org/officeDocument/2006/relationships" xmlns:mc="http://schemas.openxmlformats.org/markup-compatibility/2006" xmlns:mv="urn:schemas-microsoft-com:mac:vml" xmlns:p="http://schemas.openxmlformats.org/presentationml/2006/main" xmlns:c="http://schemas.openxmlformats.org/drawingml/2006/chart" xmlns:dgm="http://schemas.openxmlformats.org/drawingml/2006/diagram" xmlns:o="urn:schemas-microsoft-com:office:office" xmlns:v="urn:schemas-microsoft-com:vml" xmlns:pvml="urn:schemas-microsoft-com:office:powerpoint" xmlns:com="http://schemas.openxmlformats.org/drawingml/2006/compatibility" xmlns:p14="http://schemas.microsoft.com/office/powerpoint/2010/main" xmlns:p15="http://schemas.microsoft.com/office/powerpoint/2012/main" xmlns:ahyp="http://schemas.microsoft.com/office/drawing/2018/hyperlinkcolor">
+<p:sld xmlns:a="http://schemas.openxmlformats.org/drawingml/2006/main" xmlns:r="http://schemas.openxmlformats.org/officeDocument/2006/relationships" xmlns:p="http://schemas.openxmlformats.org/presentationml/2006/main">
   <p:cSld>
     <p:spTree>
       <p:nvGrpSpPr>
-        <p:cNvPr id="90" name="Shape 90"/>
+        <p:cNvPr id="1" name="Shape 90"/>
         <p:cNvGrpSpPr/>
         <p:nvPr/>
       </p:nvGrpSpPr>
@@ -10962,7 +11126,9 @@
       <p:sp>
         <p:nvSpPr>
           <p:cNvPr id="91" name="Google Shape;91;p6"/>
-          <p:cNvSpPr txBox="1"/>
+          <p:cNvSpPr txBox="1">
+            <a:spLocks noGrp="1"/>
+          </p:cNvSpPr>
           <p:nvPr>
             <p:ph type="title"/>
           </p:nvPr>
@@ -10981,12 +11147,12 @@
           </a:ln>
         </p:spPr>
         <p:txBody>
-          <a:bodyPr anchorCtr="0" anchor="t" bIns="91425" lIns="91425" spcFirstLastPara="1" rIns="91425" wrap="square" tIns="91425">
+          <a:bodyPr spcFirstLastPara="1" wrap="square" lIns="91425" tIns="91425" rIns="91425" bIns="91425" anchor="t" anchorCtr="0">
             <a:normAutofit fontScale="90000"/>
           </a:bodyPr>
           <a:lstStyle/>
           <a:p>
-            <a:pPr indent="0" lvl="0" marL="0" rtl="0" algn="l">
+            <a:pPr marL="0" lvl="0" indent="0" algn="l" rtl="0">
               <a:lnSpc>
                 <a:spcPct val="100000"/>
               </a:lnSpc>
@@ -11010,9 +11176,11 @@
       <p:sp>
         <p:nvSpPr>
           <p:cNvPr id="92" name="Google Shape;92;p6"/>
-          <p:cNvSpPr txBox="1"/>
+          <p:cNvSpPr txBox="1">
+            <a:spLocks noGrp="1"/>
+          </p:cNvSpPr>
           <p:nvPr>
-            <p:ph idx="1" type="body"/>
+            <p:ph type="body" idx="1"/>
           </p:nvPr>
         </p:nvSpPr>
         <p:spPr>
@@ -11029,12 +11197,12 @@
           </a:ln>
         </p:spPr>
         <p:txBody>
-          <a:bodyPr anchorCtr="0" anchor="t" bIns="91425" lIns="91425" spcFirstLastPara="1" rIns="91425" wrap="square" tIns="91425">
+          <a:bodyPr spcFirstLastPara="1" wrap="square" lIns="91425" tIns="91425" rIns="91425" bIns="91425" anchor="t" anchorCtr="0">
             <a:normAutofit/>
           </a:bodyPr>
           <a:lstStyle/>
           <a:p>
-            <a:pPr indent="0" lvl="0" marL="0" rtl="0" algn="l">
+            <a:pPr marL="0" lvl="0" indent="0" algn="l" rtl="0">
               <a:lnSpc>
                 <a:spcPct val="115000"/>
               </a:lnSpc>
@@ -11062,7 +11230,7 @@
             </a:endParaRPr>
           </a:p>
           <a:p>
-            <a:pPr indent="0" lvl="0" marL="0" rtl="0" algn="l">
+            <a:pPr marL="0" lvl="0" indent="0" algn="l" rtl="0">
               <a:lnSpc>
                 <a:spcPct val="115000"/>
               </a:lnSpc>
@@ -11090,7 +11258,7 @@
             </a:endParaRPr>
           </a:p>
           <a:p>
-            <a:pPr indent="0" lvl="0" marL="0" rtl="0" algn="l">
+            <a:pPr marL="0" lvl="0" indent="0" algn="l" rtl="0">
               <a:lnSpc>
                 <a:spcPct val="115000"/>
               </a:lnSpc>
@@ -11103,9 +11271,6 @@
               <a:buSzPts val="1800"/>
               <a:buNone/>
             </a:pPr>
-            <a:r>
-              <a:t/>
-            </a:r>
             <a:endParaRPr>
               <a:solidFill>
                 <a:schemeClr val="dk1"/>
@@ -11113,7 +11278,7 @@
             </a:endParaRPr>
           </a:p>
           <a:p>
-            <a:pPr indent="0" lvl="0" marL="0" rtl="0" algn="l">
+            <a:pPr marL="0" lvl="0" indent="0" algn="l" rtl="0">
               <a:lnSpc>
                 <a:spcPct val="115000"/>
               </a:lnSpc>
@@ -11141,7 +11306,7 @@
             </a:endParaRPr>
           </a:p>
           <a:p>
-            <a:pPr indent="0" lvl="0" marL="0" rtl="0" algn="l">
+            <a:pPr marL="0" lvl="0" indent="0" algn="l" rtl="0">
               <a:lnSpc>
                 <a:spcPct val="115000"/>
               </a:lnSpc>
@@ -11179,11 +11344,11 @@
 </file>
 
 <file path=ppt/slides/slide8.xml><?xml version="1.0" encoding="utf-8"?>
-<p:sld xmlns:a="http://schemas.openxmlformats.org/drawingml/2006/main" xmlns:r="http://schemas.openxmlformats.org/officeDocument/2006/relationships" xmlns:mc="http://schemas.openxmlformats.org/markup-compatibility/2006" xmlns:mv="urn:schemas-microsoft-com:mac:vml" xmlns:p="http://schemas.openxmlformats.org/presentationml/2006/main" xmlns:c="http://schemas.openxmlformats.org/drawingml/2006/chart" xmlns:dgm="http://schemas.openxmlformats.org/drawingml/2006/diagram" xmlns:o="urn:schemas-microsoft-com:office:office" xmlns:v="urn:schemas-microsoft-com:vml" xmlns:pvml="urn:schemas-microsoft-com:office:powerpoint" xmlns:com="http://schemas.openxmlformats.org/drawingml/2006/compatibility" xmlns:p14="http://schemas.microsoft.com/office/powerpoint/2010/main" xmlns:p15="http://schemas.microsoft.com/office/powerpoint/2012/main" xmlns:ahyp="http://schemas.microsoft.com/office/drawing/2018/hyperlinkcolor">
+<p:sld xmlns:a="http://schemas.openxmlformats.org/drawingml/2006/main" xmlns:r="http://schemas.openxmlformats.org/officeDocument/2006/relationships" xmlns:p="http://schemas.openxmlformats.org/presentationml/2006/main">
   <p:cSld>
     <p:spTree>
       <p:nvGrpSpPr>
-        <p:cNvPr id="96" name="Shape 96"/>
+        <p:cNvPr id="1" name="Shape 96"/>
         <p:cNvGrpSpPr/>
         <p:nvPr/>
       </p:nvGrpSpPr>
@@ -11198,7 +11363,9 @@
       <p:sp>
         <p:nvSpPr>
           <p:cNvPr id="97" name="Google Shape;97;p7"/>
-          <p:cNvSpPr txBox="1"/>
+          <p:cNvSpPr txBox="1">
+            <a:spLocks noGrp="1"/>
+          </p:cNvSpPr>
           <p:nvPr>
             <p:ph type="title"/>
           </p:nvPr>
@@ -11217,12 +11384,12 @@
           </a:ln>
         </p:spPr>
         <p:txBody>
-          <a:bodyPr anchorCtr="0" anchor="t" bIns="91425" lIns="91425" spcFirstLastPara="1" rIns="91425" wrap="square" tIns="91425">
+          <a:bodyPr spcFirstLastPara="1" wrap="square" lIns="91425" tIns="91425" rIns="91425" bIns="91425" anchor="t" anchorCtr="0">
             <a:normAutofit fontScale="90000"/>
           </a:bodyPr>
           <a:lstStyle/>
           <a:p>
-            <a:pPr indent="0" lvl="0" marL="0" rtl="0" algn="l">
+            <a:pPr marL="0" lvl="0" indent="0" algn="l" rtl="0">
               <a:lnSpc>
                 <a:spcPct val="100000"/>
               </a:lnSpc>
@@ -11246,9 +11413,11 @@
       <p:sp>
         <p:nvSpPr>
           <p:cNvPr id="98" name="Google Shape;98;p7"/>
-          <p:cNvSpPr txBox="1"/>
+          <p:cNvSpPr txBox="1">
+            <a:spLocks noGrp="1"/>
+          </p:cNvSpPr>
           <p:nvPr>
-            <p:ph idx="1" type="body"/>
+            <p:ph type="body" idx="1"/>
           </p:nvPr>
         </p:nvSpPr>
         <p:spPr>
@@ -11265,12 +11434,12 @@
           </a:ln>
         </p:spPr>
         <p:txBody>
-          <a:bodyPr anchorCtr="0" anchor="t" bIns="91425" lIns="91425" spcFirstLastPara="1" rIns="91425" wrap="square" tIns="91425">
+          <a:bodyPr spcFirstLastPara="1" wrap="square" lIns="91425" tIns="91425" rIns="91425" bIns="91425" anchor="t" anchorCtr="0">
             <a:normAutofit/>
           </a:bodyPr>
           <a:lstStyle/>
           <a:p>
-            <a:pPr indent="0" lvl="0" marL="0" rtl="0" algn="l">
+            <a:pPr marL="0" lvl="0" indent="0" algn="l" rtl="0">
               <a:lnSpc>
                 <a:spcPct val="115000"/>
               </a:lnSpc>
@@ -11298,7 +11467,7 @@
             </a:endParaRPr>
           </a:p>
           <a:p>
-            <a:pPr indent="0" lvl="0" marL="0" rtl="0" algn="l">
+            <a:pPr marL="0" lvl="0" indent="0" algn="l" rtl="0">
               <a:lnSpc>
                 <a:spcPct val="115000"/>
               </a:lnSpc>
@@ -11326,7 +11495,7 @@
             </a:endParaRPr>
           </a:p>
           <a:p>
-            <a:pPr indent="0" lvl="0" marL="0" rtl="0" algn="l">
+            <a:pPr marL="0" lvl="0" indent="0" algn="l" rtl="0">
               <a:lnSpc>
                 <a:spcPct val="115000"/>
               </a:lnSpc>
@@ -11339,9 +11508,6 @@
               <a:buSzPts val="1800"/>
               <a:buNone/>
             </a:pPr>
-            <a:r>
-              <a:t/>
-            </a:r>
             <a:endParaRPr>
               <a:solidFill>
                 <a:schemeClr val="dk1"/>
@@ -11349,7 +11515,7 @@
             </a:endParaRPr>
           </a:p>
           <a:p>
-            <a:pPr indent="0" lvl="0" marL="0" rtl="0" algn="l">
+            <a:pPr marL="0" lvl="0" indent="0" algn="l" rtl="0">
               <a:lnSpc>
                 <a:spcPct val="115000"/>
               </a:lnSpc>
@@ -11377,7 +11543,7 @@
             </a:endParaRPr>
           </a:p>
           <a:p>
-            <a:pPr indent="0" lvl="0" marL="0" rtl="0" algn="l">
+            <a:pPr marL="0" lvl="0" indent="0" algn="l" rtl="0">
               <a:lnSpc>
                 <a:spcPct val="115000"/>
               </a:lnSpc>
@@ -11405,7 +11571,7 @@
             </a:endParaRPr>
           </a:p>
           <a:p>
-            <a:pPr indent="0" lvl="0" marL="0" rtl="0" algn="l">
+            <a:pPr marL="0" lvl="0" indent="0" algn="l" rtl="0">
               <a:lnSpc>
                 <a:spcPct val="115000"/>
               </a:lnSpc>
@@ -11433,7 +11599,7 @@
             </a:endParaRPr>
           </a:p>
           <a:p>
-            <a:pPr indent="0" lvl="0" marL="0" rtl="0" algn="l">
+            <a:pPr marL="0" lvl="0" indent="0" algn="l" rtl="0">
               <a:lnSpc>
                 <a:spcPct val="115000"/>
               </a:lnSpc>
@@ -11471,11 +11637,11 @@
 </file>
 
 <file path=ppt/slides/slide9.xml><?xml version="1.0" encoding="utf-8"?>
-<p:sld xmlns:a="http://schemas.openxmlformats.org/drawingml/2006/main" xmlns:r="http://schemas.openxmlformats.org/officeDocument/2006/relationships" xmlns:mc="http://schemas.openxmlformats.org/markup-compatibility/2006" xmlns:mv="urn:schemas-microsoft-com:mac:vml" xmlns:p="http://schemas.openxmlformats.org/presentationml/2006/main" xmlns:c="http://schemas.openxmlformats.org/drawingml/2006/chart" xmlns:dgm="http://schemas.openxmlformats.org/drawingml/2006/diagram" xmlns:o="urn:schemas-microsoft-com:office:office" xmlns:v="urn:schemas-microsoft-com:vml" xmlns:pvml="urn:schemas-microsoft-com:office:powerpoint" xmlns:com="http://schemas.openxmlformats.org/drawingml/2006/compatibility" xmlns:p14="http://schemas.microsoft.com/office/powerpoint/2010/main" xmlns:p15="http://schemas.microsoft.com/office/powerpoint/2012/main" xmlns:ahyp="http://schemas.microsoft.com/office/drawing/2018/hyperlinkcolor">
+<p:sld xmlns:a="http://schemas.openxmlformats.org/drawingml/2006/main" xmlns:r="http://schemas.openxmlformats.org/officeDocument/2006/relationships" xmlns:p="http://schemas.openxmlformats.org/presentationml/2006/main">
   <p:cSld>
     <p:spTree>
       <p:nvGrpSpPr>
-        <p:cNvPr id="102" name="Shape 102"/>
+        <p:cNvPr id="1" name="Shape 102"/>
         <p:cNvGrpSpPr/>
         <p:nvPr/>
       </p:nvGrpSpPr>
@@ -11490,7 +11656,9 @@
       <p:sp>
         <p:nvSpPr>
           <p:cNvPr id="103" name="Google Shape;103;p8"/>
-          <p:cNvSpPr txBox="1"/>
+          <p:cNvSpPr txBox="1">
+            <a:spLocks noGrp="1"/>
+          </p:cNvSpPr>
           <p:nvPr>
             <p:ph type="title"/>
           </p:nvPr>
@@ -11509,12 +11677,12 @@
           </a:ln>
         </p:spPr>
         <p:txBody>
-          <a:bodyPr anchorCtr="0" anchor="t" bIns="91425" lIns="91425" spcFirstLastPara="1" rIns="91425" wrap="square" tIns="91425">
+          <a:bodyPr spcFirstLastPara="1" wrap="square" lIns="91425" tIns="91425" rIns="91425" bIns="91425" anchor="t" anchorCtr="0">
             <a:normAutofit fontScale="90000"/>
           </a:bodyPr>
           <a:lstStyle/>
           <a:p>
-            <a:pPr indent="0" lvl="0" marL="0" rtl="0" algn="l">
+            <a:pPr marL="0" lvl="0" indent="0" algn="l" rtl="0">
               <a:lnSpc>
                 <a:spcPct val="100000"/>
               </a:lnSpc>
@@ -11538,9 +11706,11 @@
       <p:sp>
         <p:nvSpPr>
           <p:cNvPr id="104" name="Google Shape;104;p8"/>
-          <p:cNvSpPr txBox="1"/>
+          <p:cNvSpPr txBox="1">
+            <a:spLocks noGrp="1"/>
+          </p:cNvSpPr>
           <p:nvPr>
-            <p:ph idx="1" type="body"/>
+            <p:ph type="body" idx="1"/>
           </p:nvPr>
         </p:nvSpPr>
         <p:spPr>
@@ -11557,12 +11727,12 @@
           </a:ln>
         </p:spPr>
         <p:txBody>
-          <a:bodyPr anchorCtr="0" anchor="t" bIns="91425" lIns="91425" spcFirstLastPara="1" rIns="91425" wrap="square" tIns="91425">
+          <a:bodyPr spcFirstLastPara="1" wrap="square" lIns="91425" tIns="91425" rIns="91425" bIns="91425" anchor="t" anchorCtr="0">
             <a:normAutofit fontScale="32500" lnSpcReduction="20000"/>
           </a:bodyPr>
           <a:lstStyle/>
           <a:p>
-            <a:pPr indent="0" lvl="0" marL="0" rtl="0" algn="l">
+            <a:pPr marL="0" lvl="0" indent="0" algn="l" rtl="0">
               <a:lnSpc>
                 <a:spcPct val="115000"/>
               </a:lnSpc>
@@ -11590,7 +11760,7 @@
             </a:endParaRPr>
           </a:p>
           <a:p>
-            <a:pPr indent="0" lvl="0" marL="0" rtl="0" algn="l">
+            <a:pPr marL="0" lvl="0" indent="0" algn="l" rtl="0">
               <a:lnSpc>
                 <a:spcPct val="115000"/>
               </a:lnSpc>
@@ -11618,7 +11788,7 @@
             </a:endParaRPr>
           </a:p>
           <a:p>
-            <a:pPr indent="0" lvl="0" marL="0" rtl="0" algn="l">
+            <a:pPr marL="0" lvl="0" indent="0" algn="l" rtl="0">
               <a:lnSpc>
                 <a:spcPct val="115000"/>
               </a:lnSpc>
@@ -11646,7 +11816,7 @@
             </a:endParaRPr>
           </a:p>
           <a:p>
-            <a:pPr indent="0" lvl="0" marL="0" rtl="0" algn="l">
+            <a:pPr marL="0" lvl="0" indent="0" algn="l" rtl="0">
               <a:lnSpc>
                 <a:spcPct val="115000"/>
               </a:lnSpc>
@@ -11674,7 +11844,7 @@
             </a:endParaRPr>
           </a:p>
           <a:p>
-            <a:pPr indent="0" lvl="0" marL="0" rtl="0" algn="l">
+            <a:pPr marL="0" lvl="0" indent="0" algn="l" rtl="0">
               <a:lnSpc>
                 <a:spcPct val="115000"/>
               </a:lnSpc>
@@ -11702,7 +11872,7 @@
             </a:endParaRPr>
           </a:p>
           <a:p>
-            <a:pPr indent="0" lvl="0" marL="0" rtl="0" algn="l">
+            <a:pPr marL="0" lvl="0" indent="0" algn="l" rtl="0">
               <a:lnSpc>
                 <a:spcPct val="115000"/>
               </a:lnSpc>
@@ -11715,9 +11885,6 @@
               <a:buSzPct val="42200"/>
               <a:buNone/>
             </a:pPr>
-            <a:r>
-              <a:t/>
-            </a:r>
             <a:endParaRPr sz="4265">
               <a:solidFill>
                 <a:schemeClr val="dk1"/>
@@ -11725,7 +11892,7 @@
             </a:endParaRPr>
           </a:p>
           <a:p>
-            <a:pPr indent="0" lvl="0" marL="0" rtl="0" algn="l">
+            <a:pPr marL="0" lvl="0" indent="0" algn="l" rtl="0">
               <a:lnSpc>
                 <a:spcPct val="115000"/>
               </a:lnSpc>
@@ -11753,7 +11920,7 @@
             </a:endParaRPr>
           </a:p>
           <a:p>
-            <a:pPr indent="0" lvl="0" marL="0" rtl="0" algn="l">
+            <a:pPr marL="0" lvl="0" indent="0" algn="l" rtl="0">
               <a:lnSpc>
                 <a:spcPct val="115000"/>
               </a:lnSpc>
@@ -11766,9 +11933,6 @@
               <a:buSzPct val="100000"/>
               <a:buNone/>
             </a:pPr>
-            <a:r>
-              <a:t/>
-            </a:r>
             <a:endParaRPr>
               <a:solidFill>
                 <a:schemeClr val="dk1"/>
@@ -11776,7 +11940,7 @@
             </a:endParaRPr>
           </a:p>
           <a:p>
-            <a:pPr indent="0" lvl="0" marL="0" rtl="0" algn="l">
+            <a:pPr marL="0" lvl="0" indent="0" algn="l" rtl="0">
               <a:lnSpc>
                 <a:spcPct val="115000"/>
               </a:lnSpc>
@@ -11814,7 +11978,288 @@
 </file>
 
 <file path=ppt/theme/theme1.xml><?xml version="1.0" encoding="utf-8"?>
-<a:theme xmlns:a="http://schemas.openxmlformats.org/drawingml/2006/main" xmlns:r="http://schemas.openxmlformats.org/officeDocument/2006/relationships">
+<a:theme xmlns:a="http://schemas.openxmlformats.org/drawingml/2006/main" name="Simple Dark">
+  <a:themeElements>
+    <a:clrScheme name="Simple Dark">
+      <a:dk1>
+        <a:srgbClr val="FFFFFF"/>
+      </a:dk1>
+      <a:lt1>
+        <a:srgbClr val="212121"/>
+      </a:lt1>
+      <a:dk2>
+        <a:srgbClr val="303030"/>
+      </a:dk2>
+      <a:lt2>
+        <a:srgbClr val="ADADAD"/>
+      </a:lt2>
+      <a:accent1>
+        <a:srgbClr val="009688"/>
+      </a:accent1>
+      <a:accent2>
+        <a:srgbClr val="EEEEEE"/>
+      </a:accent2>
+      <a:accent3>
+        <a:srgbClr val="78909C"/>
+      </a:accent3>
+      <a:accent4>
+        <a:srgbClr val="FFAB40"/>
+      </a:accent4>
+      <a:accent5>
+        <a:srgbClr val="4DD0E1"/>
+      </a:accent5>
+      <a:accent6>
+        <a:srgbClr val="EEFF41"/>
+      </a:accent6>
+      <a:hlink>
+        <a:srgbClr val="4DD0E1"/>
+      </a:hlink>
+      <a:folHlink>
+        <a:srgbClr val="4DD0E1"/>
+      </a:folHlink>
+    </a:clrScheme>
+    <a:fontScheme name="Office">
+      <a:majorFont>
+        <a:latin typeface="Arial"/>
+        <a:ea typeface=""/>
+        <a:cs typeface=""/>
+        <a:font script="Jpan" typeface="ＭＳ Ｐゴシック"/>
+        <a:font script="Hang" typeface="맑은 고딕"/>
+        <a:font script="Hans" typeface="宋体"/>
+        <a:font script="Hant" typeface="新細明體"/>
+        <a:font script="Arab" typeface="Times New Roman"/>
+        <a:font script="Hebr" typeface="Times New Roman"/>
+        <a:font script="Thai" typeface="Angsana New"/>
+        <a:font script="Ethi" typeface="Nyala"/>
+        <a:font script="Beng" typeface="Vrinda"/>
+        <a:font script="Gujr" typeface="Shruti"/>
+        <a:font script="Khmr" typeface="MoolBoran"/>
+        <a:font script="Knda" typeface="Tunga"/>
+        <a:font script="Guru" typeface="Raavi"/>
+        <a:font script="Cans" typeface="Euphemia"/>
+        <a:font script="Cher" typeface="Plantagenet Cherokee"/>
+        <a:font script="Yiii" typeface="Microsoft Yi Baiti"/>
+        <a:font script="Tibt" typeface="Microsoft Himalaya"/>
+        <a:font script="Thaa" typeface="MV Boli"/>
+        <a:font script="Deva" typeface="Mangal"/>
+        <a:font script="Telu" typeface="Gautami"/>
+        <a:font script="Taml" typeface="Latha"/>
+        <a:font script="Syrc" typeface="Estrangelo Edessa"/>
+        <a:font script="Orya" typeface="Kalinga"/>
+        <a:font script="Mlym" typeface="Kartika"/>
+        <a:font script="Laoo" typeface="DokChampa"/>
+        <a:font script="Sinh" typeface="Iskoola Pota"/>
+        <a:font script="Mong" typeface="Mongolian Baiti"/>
+        <a:font script="Viet" typeface="Times New Roman"/>
+        <a:font script="Uigh" typeface="Microsoft Uighur"/>
+        <a:font script="Geor" typeface="Sylfaen"/>
+      </a:majorFont>
+      <a:minorFont>
+        <a:latin typeface="Arial"/>
+        <a:ea typeface=""/>
+        <a:cs typeface=""/>
+        <a:font script="Jpan" typeface="ＭＳ Ｐゴシック"/>
+        <a:font script="Hang" typeface="맑은 고딕"/>
+        <a:font script="Hans" typeface="宋体"/>
+        <a:font script="Hant" typeface="新細明體"/>
+        <a:font script="Arab" typeface="Arial"/>
+        <a:font script="Hebr" typeface="Arial"/>
+        <a:font script="Thai" typeface="Cordia New"/>
+        <a:font script="Ethi" typeface="Nyala"/>
+        <a:font script="Beng" typeface="Vrinda"/>
+        <a:font script="Gujr" typeface="Shruti"/>
+        <a:font script="Khmr" typeface="DaunPenh"/>
+        <a:font script="Knda" typeface="Tunga"/>
+        <a:font script="Guru" typeface="Raavi"/>
+        <a:font script="Cans" typeface="Euphemia"/>
+        <a:font script="Cher" typeface="Plantagenet Cherokee"/>
+        <a:font script="Yiii" typeface="Microsoft Yi Baiti"/>
+        <a:font script="Tibt" typeface="Microsoft Himalaya"/>
+        <a:font script="Thaa" typeface="MV Boli"/>
+        <a:font script="Deva" typeface="Mangal"/>
+        <a:font script="Telu" typeface="Gautami"/>
+        <a:font script="Taml" typeface="Latha"/>
+        <a:font script="Syrc" typeface="Estrangelo Edessa"/>
+        <a:font script="Orya" typeface="Kalinga"/>
+        <a:font script="Mlym" typeface="Kartika"/>
+        <a:font script="Laoo" typeface="DokChampa"/>
+        <a:font script="Sinh" typeface="Iskoola Pota"/>
+        <a:font script="Mong" typeface="Mongolian Baiti"/>
+        <a:font script="Viet" typeface="Arial"/>
+        <a:font script="Uigh" typeface="Microsoft Uighur"/>
+        <a:font script="Geor" typeface="Sylfaen"/>
+      </a:minorFont>
+    </a:fontScheme>
+    <a:fmtScheme name="Office">
+      <a:fillStyleLst>
+        <a:solidFill>
+          <a:schemeClr val="phClr"/>
+        </a:solidFill>
+        <a:gradFill rotWithShape="1">
+          <a:gsLst>
+            <a:gs pos="0">
+              <a:schemeClr val="phClr">
+                <a:tint val="50000"/>
+                <a:satMod val="300000"/>
+              </a:schemeClr>
+            </a:gs>
+            <a:gs pos="35000">
+              <a:schemeClr val="phClr">
+                <a:tint val="37000"/>
+                <a:satMod val="300000"/>
+              </a:schemeClr>
+            </a:gs>
+            <a:gs pos="100000">
+              <a:schemeClr val="phClr">
+                <a:tint val="15000"/>
+                <a:satMod val="350000"/>
+              </a:schemeClr>
+            </a:gs>
+          </a:gsLst>
+          <a:lin ang="16200000" scaled="1"/>
+        </a:gradFill>
+        <a:gradFill rotWithShape="1">
+          <a:gsLst>
+            <a:gs pos="0">
+              <a:schemeClr val="phClr">
+                <a:tint val="100000"/>
+                <a:shade val="100000"/>
+                <a:satMod val="130000"/>
+              </a:schemeClr>
+            </a:gs>
+            <a:gs pos="100000">
+              <a:schemeClr val="phClr">
+                <a:tint val="50000"/>
+                <a:shade val="100000"/>
+                <a:satMod val="350000"/>
+              </a:schemeClr>
+            </a:gs>
+          </a:gsLst>
+          <a:lin ang="16200000" scaled="0"/>
+        </a:gradFill>
+      </a:fillStyleLst>
+      <a:lnStyleLst>
+        <a:ln w="9525" cap="flat" cmpd="sng" algn="ctr">
+          <a:solidFill>
+            <a:schemeClr val="phClr">
+              <a:shade val="95000"/>
+              <a:satMod val="105000"/>
+            </a:schemeClr>
+          </a:solidFill>
+          <a:prstDash val="solid"/>
+        </a:ln>
+        <a:ln w="25400" cap="flat" cmpd="sng" algn="ctr">
+          <a:solidFill>
+            <a:schemeClr val="phClr"/>
+          </a:solidFill>
+          <a:prstDash val="solid"/>
+        </a:ln>
+        <a:ln w="38100" cap="flat" cmpd="sng" algn="ctr">
+          <a:solidFill>
+            <a:schemeClr val="phClr"/>
+          </a:solidFill>
+          <a:prstDash val="solid"/>
+        </a:ln>
+      </a:lnStyleLst>
+      <a:effectStyleLst>
+        <a:effectStyle>
+          <a:effectLst>
+            <a:outerShdw blurRad="40000" dist="20000" dir="5400000" rotWithShape="0">
+              <a:srgbClr val="000000">
+                <a:alpha val="38000"/>
+              </a:srgbClr>
+            </a:outerShdw>
+          </a:effectLst>
+        </a:effectStyle>
+        <a:effectStyle>
+          <a:effectLst>
+            <a:outerShdw blurRad="40000" dist="23000" dir="5400000" rotWithShape="0">
+              <a:srgbClr val="000000">
+                <a:alpha val="35000"/>
+              </a:srgbClr>
+            </a:outerShdw>
+          </a:effectLst>
+        </a:effectStyle>
+        <a:effectStyle>
+          <a:effectLst>
+            <a:outerShdw blurRad="40000" dist="23000" dir="5400000" rotWithShape="0">
+              <a:srgbClr val="000000">
+                <a:alpha val="35000"/>
+              </a:srgbClr>
+            </a:outerShdw>
+          </a:effectLst>
+          <a:scene3d>
+            <a:camera prst="orthographicFront">
+              <a:rot lat="0" lon="0" rev="0"/>
+            </a:camera>
+            <a:lightRig rig="threePt" dir="t">
+              <a:rot lat="0" lon="0" rev="1200000"/>
+            </a:lightRig>
+          </a:scene3d>
+          <a:sp3d>
+            <a:bevelT w="63500" h="25400"/>
+          </a:sp3d>
+        </a:effectStyle>
+      </a:effectStyleLst>
+      <a:bgFillStyleLst>
+        <a:solidFill>
+          <a:schemeClr val="phClr"/>
+        </a:solidFill>
+        <a:gradFill rotWithShape="1">
+          <a:gsLst>
+            <a:gs pos="0">
+              <a:schemeClr val="phClr">
+                <a:tint val="40000"/>
+                <a:satMod val="350000"/>
+              </a:schemeClr>
+            </a:gs>
+            <a:gs pos="40000">
+              <a:schemeClr val="phClr">
+                <a:tint val="45000"/>
+                <a:shade val="99000"/>
+                <a:satMod val="350000"/>
+              </a:schemeClr>
+            </a:gs>
+            <a:gs pos="100000">
+              <a:schemeClr val="phClr">
+                <a:shade val="20000"/>
+                <a:satMod val="255000"/>
+              </a:schemeClr>
+            </a:gs>
+          </a:gsLst>
+          <a:path path="circle">
+            <a:fillToRect l="50000" t="-80000" r="50000" b="180000"/>
+          </a:path>
+        </a:gradFill>
+        <a:gradFill rotWithShape="1">
+          <a:gsLst>
+            <a:gs pos="0">
+              <a:schemeClr val="phClr">
+                <a:tint val="80000"/>
+                <a:satMod val="300000"/>
+              </a:schemeClr>
+            </a:gs>
+            <a:gs pos="100000">
+              <a:schemeClr val="phClr">
+                <a:shade val="30000"/>
+                <a:satMod val="200000"/>
+              </a:schemeClr>
+            </a:gs>
+          </a:gsLst>
+          <a:path path="circle">
+            <a:fillToRect l="50000" t="50000" r="50000" b="50000"/>
+          </a:path>
+        </a:gradFill>
+      </a:bgFillStyleLst>
+    </a:fmtScheme>
+  </a:themeElements>
+  <a:objectDefaults/>
+  <a:extraClrSchemeLst/>
+</a:theme>
+</file>
+
+<file path=ppt/theme/theme2.xml><?xml version="1.0" encoding="utf-8"?>
+<a:theme xmlns:a="http://schemas.openxmlformats.org/drawingml/2006/main">
   <a:themeElements>
     <a:clrScheme name="Default">
       <a:dk1>
@@ -12089,284 +12534,7 @@
       </a:bgFillStyleLst>
     </a:fmtScheme>
   </a:themeElements>
-</a:theme>
-</file>
-
-<file path=ppt/theme/theme2.xml><?xml version="1.0" encoding="utf-8"?>
-<a:theme xmlns:a="http://schemas.openxmlformats.org/drawingml/2006/main" xmlns:r="http://schemas.openxmlformats.org/officeDocument/2006/relationships" name="Simple Dark">
-  <a:themeElements>
-    <a:clrScheme name="Simple Dark">
-      <a:dk1>
-        <a:srgbClr val="FFFFFF"/>
-      </a:dk1>
-      <a:lt1>
-        <a:srgbClr val="212121"/>
-      </a:lt1>
-      <a:dk2>
-        <a:srgbClr val="303030"/>
-      </a:dk2>
-      <a:lt2>
-        <a:srgbClr val="ADADAD"/>
-      </a:lt2>
-      <a:accent1>
-        <a:srgbClr val="009688"/>
-      </a:accent1>
-      <a:accent2>
-        <a:srgbClr val="EEEEEE"/>
-      </a:accent2>
-      <a:accent3>
-        <a:srgbClr val="78909C"/>
-      </a:accent3>
-      <a:accent4>
-        <a:srgbClr val="FFAB40"/>
-      </a:accent4>
-      <a:accent5>
-        <a:srgbClr val="4DD0E1"/>
-      </a:accent5>
-      <a:accent6>
-        <a:srgbClr val="EEFF41"/>
-      </a:accent6>
-      <a:hlink>
-        <a:srgbClr val="4DD0E1"/>
-      </a:hlink>
-      <a:folHlink>
-        <a:srgbClr val="4DD0E1"/>
-      </a:folHlink>
-    </a:clrScheme>
-    <a:fontScheme name="Office">
-      <a:majorFont>
-        <a:latin typeface="Arial"/>
-        <a:ea typeface=""/>
-        <a:cs typeface=""/>
-        <a:font script="Jpan" typeface="ＭＳ Ｐゴシック"/>
-        <a:font script="Hang" typeface="맑은 고딕"/>
-        <a:font script="Hans" typeface="宋体"/>
-        <a:font script="Hant" typeface="新細明體"/>
-        <a:font script="Arab" typeface="Times New Roman"/>
-        <a:font script="Hebr" typeface="Times New Roman"/>
-        <a:font script="Thai" typeface="Angsana New"/>
-        <a:font script="Ethi" typeface="Nyala"/>
-        <a:font script="Beng" typeface="Vrinda"/>
-        <a:font script="Gujr" typeface="Shruti"/>
-        <a:font script="Khmr" typeface="MoolBoran"/>
-        <a:font script="Knda" typeface="Tunga"/>
-        <a:font script="Guru" typeface="Raavi"/>
-        <a:font script="Cans" typeface="Euphemia"/>
-        <a:font script="Cher" typeface="Plantagenet Cherokee"/>
-        <a:font script="Yiii" typeface="Microsoft Yi Baiti"/>
-        <a:font script="Tibt" typeface="Microsoft Himalaya"/>
-        <a:font script="Thaa" typeface="MV Boli"/>
-        <a:font script="Deva" typeface="Mangal"/>
-        <a:font script="Telu" typeface="Gautami"/>
-        <a:font script="Taml" typeface="Latha"/>
-        <a:font script="Syrc" typeface="Estrangelo Edessa"/>
-        <a:font script="Orya" typeface="Kalinga"/>
-        <a:font script="Mlym" typeface="Kartika"/>
-        <a:font script="Laoo" typeface="DokChampa"/>
-        <a:font script="Sinh" typeface="Iskoola Pota"/>
-        <a:font script="Mong" typeface="Mongolian Baiti"/>
-        <a:font script="Viet" typeface="Times New Roman"/>
-        <a:font script="Uigh" typeface="Microsoft Uighur"/>
-        <a:font script="Geor" typeface="Sylfaen"/>
-      </a:majorFont>
-      <a:minorFont>
-        <a:latin typeface="Arial"/>
-        <a:ea typeface=""/>
-        <a:cs typeface=""/>
-        <a:font script="Jpan" typeface="ＭＳ Ｐゴシック"/>
-        <a:font script="Hang" typeface="맑은 고딕"/>
-        <a:font script="Hans" typeface="宋体"/>
-        <a:font script="Hant" typeface="新細明體"/>
-        <a:font script="Arab" typeface="Arial"/>
-        <a:font script="Hebr" typeface="Arial"/>
-        <a:font script="Thai" typeface="Cordia New"/>
-        <a:font script="Ethi" typeface="Nyala"/>
-        <a:font script="Beng" typeface="Vrinda"/>
-        <a:font script="Gujr" typeface="Shruti"/>
-        <a:font script="Khmr" typeface="DaunPenh"/>
-        <a:font script="Knda" typeface="Tunga"/>
-        <a:font script="Guru" typeface="Raavi"/>
-        <a:font script="Cans" typeface="Euphemia"/>
-        <a:font script="Cher" typeface="Plantagenet Cherokee"/>
-        <a:font script="Yiii" typeface="Microsoft Yi Baiti"/>
-        <a:font script="Tibt" typeface="Microsoft Himalaya"/>
-        <a:font script="Thaa" typeface="MV Boli"/>
-        <a:font script="Deva" typeface="Mangal"/>
-        <a:font script="Telu" typeface="Gautami"/>
-        <a:font script="Taml" typeface="Latha"/>
-        <a:font script="Syrc" typeface="Estrangelo Edessa"/>
-        <a:font script="Orya" typeface="Kalinga"/>
-        <a:font script="Mlym" typeface="Kartika"/>
-        <a:font script="Laoo" typeface="DokChampa"/>
-        <a:font script="Sinh" typeface="Iskoola Pota"/>
-        <a:font script="Mong" typeface="Mongolian Baiti"/>
-        <a:font script="Viet" typeface="Arial"/>
-        <a:font script="Uigh" typeface="Microsoft Uighur"/>
-        <a:font script="Geor" typeface="Sylfaen"/>
-      </a:minorFont>
-    </a:fontScheme>
-    <a:fmtScheme name="Office">
-      <a:fillStyleLst>
-        <a:solidFill>
-          <a:schemeClr val="phClr"/>
-        </a:solidFill>
-        <a:gradFill rotWithShape="1">
-          <a:gsLst>
-            <a:gs pos="0">
-              <a:schemeClr val="phClr">
-                <a:tint val="50000"/>
-                <a:satMod val="300000"/>
-              </a:schemeClr>
-            </a:gs>
-            <a:gs pos="35000">
-              <a:schemeClr val="phClr">
-                <a:tint val="37000"/>
-                <a:satMod val="300000"/>
-              </a:schemeClr>
-            </a:gs>
-            <a:gs pos="100000">
-              <a:schemeClr val="phClr">
-                <a:tint val="15000"/>
-                <a:satMod val="350000"/>
-              </a:schemeClr>
-            </a:gs>
-          </a:gsLst>
-          <a:lin ang="16200000" scaled="1"/>
-        </a:gradFill>
-        <a:gradFill rotWithShape="1">
-          <a:gsLst>
-            <a:gs pos="0">
-              <a:schemeClr val="phClr">
-                <a:tint val="100000"/>
-                <a:shade val="100000"/>
-                <a:satMod val="130000"/>
-              </a:schemeClr>
-            </a:gs>
-            <a:gs pos="100000">
-              <a:schemeClr val="phClr">
-                <a:tint val="50000"/>
-                <a:shade val="100000"/>
-                <a:satMod val="350000"/>
-              </a:schemeClr>
-            </a:gs>
-          </a:gsLst>
-          <a:lin ang="16200000" scaled="0"/>
-        </a:gradFill>
-      </a:fillStyleLst>
-      <a:lnStyleLst>
-        <a:ln w="9525" cap="flat" cmpd="sng" algn="ctr">
-          <a:solidFill>
-            <a:schemeClr val="phClr">
-              <a:shade val="95000"/>
-              <a:satMod val="105000"/>
-            </a:schemeClr>
-          </a:solidFill>
-          <a:prstDash val="solid"/>
-        </a:ln>
-        <a:ln w="25400" cap="flat" cmpd="sng" algn="ctr">
-          <a:solidFill>
-            <a:schemeClr val="phClr"/>
-          </a:solidFill>
-          <a:prstDash val="solid"/>
-        </a:ln>
-        <a:ln w="38100" cap="flat" cmpd="sng" algn="ctr">
-          <a:solidFill>
-            <a:schemeClr val="phClr"/>
-          </a:solidFill>
-          <a:prstDash val="solid"/>
-        </a:ln>
-      </a:lnStyleLst>
-      <a:effectStyleLst>
-        <a:effectStyle>
-          <a:effectLst>
-            <a:outerShdw blurRad="40000" dist="20000" dir="5400000" rotWithShape="0">
-              <a:srgbClr val="000000">
-                <a:alpha val="38000"/>
-              </a:srgbClr>
-            </a:outerShdw>
-          </a:effectLst>
-        </a:effectStyle>
-        <a:effectStyle>
-          <a:effectLst>
-            <a:outerShdw blurRad="40000" dist="23000" dir="5400000" rotWithShape="0">
-              <a:srgbClr val="000000">
-                <a:alpha val="35000"/>
-              </a:srgbClr>
-            </a:outerShdw>
-          </a:effectLst>
-        </a:effectStyle>
-        <a:effectStyle>
-          <a:effectLst>
-            <a:outerShdw blurRad="40000" dist="23000" dir="5400000" rotWithShape="0">
-              <a:srgbClr val="000000">
-                <a:alpha val="35000"/>
-              </a:srgbClr>
-            </a:outerShdw>
-          </a:effectLst>
-          <a:scene3d>
-            <a:camera prst="orthographicFront">
-              <a:rot lat="0" lon="0" rev="0"/>
-            </a:camera>
-            <a:lightRig rig="threePt" dir="t">
-              <a:rot lat="0" lon="0" rev="1200000"/>
-            </a:lightRig>
-          </a:scene3d>
-          <a:sp3d>
-            <a:bevelT w="63500" h="25400"/>
-          </a:sp3d>
-        </a:effectStyle>
-      </a:effectStyleLst>
-      <a:bgFillStyleLst>
-        <a:solidFill>
-          <a:schemeClr val="phClr"/>
-        </a:solidFill>
-        <a:gradFill rotWithShape="1">
-          <a:gsLst>
-            <a:gs pos="0">
-              <a:schemeClr val="phClr">
-                <a:tint val="40000"/>
-                <a:satMod val="350000"/>
-              </a:schemeClr>
-            </a:gs>
-            <a:gs pos="40000">
-              <a:schemeClr val="phClr">
-                <a:tint val="45000"/>
-                <a:shade val="99000"/>
-                <a:satMod val="350000"/>
-              </a:schemeClr>
-            </a:gs>
-            <a:gs pos="100000">
-              <a:schemeClr val="phClr">
-                <a:shade val="20000"/>
-                <a:satMod val="255000"/>
-              </a:schemeClr>
-            </a:gs>
-          </a:gsLst>
-          <a:path path="circle">
-            <a:fillToRect l="50000" t="-80000" r="50000" b="180000"/>
-          </a:path>
-        </a:gradFill>
-        <a:gradFill rotWithShape="1">
-          <a:gsLst>
-            <a:gs pos="0">
-              <a:schemeClr val="phClr">
-                <a:tint val="80000"/>
-                <a:satMod val="300000"/>
-              </a:schemeClr>
-            </a:gs>
-            <a:gs pos="100000">
-              <a:schemeClr val="phClr">
-                <a:shade val="30000"/>
-                <a:satMod val="200000"/>
-              </a:schemeClr>
-            </a:gs>
-          </a:gsLst>
-          <a:path path="circle">
-            <a:fillToRect l="50000" t="50000" r="50000" b="50000"/>
-          </a:path>
-        </a:gradFill>
-      </a:bgFillStyleLst>
-    </a:fmtScheme>
-  </a:themeElements>
+  <a:objectDefaults/>
+  <a:extraClrSchemeLst/>
 </a:theme>
 </file>
--- a/APRESENTAÇÃO/Práticas DevOps com Docker e Monitoramento do Ambiente.pptx
+++ b/APRESENTAÇÃO/Práticas DevOps com Docker e Monitoramento do Ambiente.pptx
@@ -998,7 +998,7 @@
         </p:nvSpPr>
         <p:spPr>
           <a:xfrm>
-            <a:off x="381300" y="685800"/>
+            <a:off x="381000" y="685800"/>
             <a:ext cx="6096000" cy="3429000"/>
           </a:xfrm>
           <a:custGeom>
@@ -1242,7 +1242,7 @@
         </p:nvSpPr>
         <p:spPr>
           <a:xfrm>
-            <a:off x="381300" y="685800"/>
+            <a:off x="381000" y="685800"/>
             <a:ext cx="6096000" cy="3429000"/>
           </a:xfrm>
           <a:custGeom>
@@ -1364,7 +1364,7 @@
         </p:nvSpPr>
         <p:spPr>
           <a:xfrm>
-            <a:off x="381300" y="685800"/>
+            <a:off x="381000" y="685800"/>
             <a:ext cx="6096000" cy="3429000"/>
           </a:xfrm>
           <a:custGeom>
@@ -1486,7 +1486,7 @@
         </p:nvSpPr>
         <p:spPr>
           <a:xfrm>
-            <a:off x="381300" y="685800"/>
+            <a:off x="381000" y="685800"/>
             <a:ext cx="6096000" cy="3429000"/>
           </a:xfrm>
           <a:custGeom>
@@ -1608,7 +1608,7 @@
         </p:nvSpPr>
         <p:spPr>
           <a:xfrm>
-            <a:off x="381300" y="685800"/>
+            <a:off x="381000" y="685800"/>
             <a:ext cx="6096000" cy="3429000"/>
           </a:xfrm>
           <a:custGeom>
@@ -1730,7 +1730,7 @@
         </p:nvSpPr>
         <p:spPr>
           <a:xfrm>
-            <a:off x="381300" y="685800"/>
+            <a:off x="381000" y="685800"/>
             <a:ext cx="6096000" cy="3429000"/>
           </a:xfrm>
           <a:custGeom>
@@ -9968,7 +9968,7 @@
         </p:spPr>
         <p:txBody>
           <a:bodyPr spcFirstLastPara="1" wrap="square" lIns="91425" tIns="91425" rIns="91425" bIns="91425" anchor="t" anchorCtr="0">
-            <a:normAutofit/>
+            <a:normAutofit lnSpcReduction="10000"/>
           </a:bodyPr>
           <a:lstStyle/>
           <a:p>
@@ -9986,14 +9986,30 @@
               <a:buNone/>
             </a:pPr>
             <a:r>
-              <a:rPr lang="pt-BR">
+              <a:rPr lang="pt-BR" dirty="0">
                 <a:solidFill>
                   <a:schemeClr val="dk1"/>
                 </a:solidFill>
               </a:rPr>
-              <a:t>Meu nome é Gabriel Silva Nascimento, tenho 28 anos, me formei em Ciência da Computação na PUC Minas Poços de Caldas, atualmente estou trabalhando como Desenvolvedor Cloud Pleno (SRE) na empresa Luizalabs.</a:t>
+              <a:t>Meu nome é Gabriel Silva Nascimento, tenho 29 anos, me formei em Ciência da Computação na PUC Minas Poços de Caldas, atualmente estou trabalhando como Desenvolvedor Cloud Pleno (SRE) na empresa </a:t>
             </a:r>
-            <a:endParaRPr>
+            <a:r>
+              <a:rPr lang="pt-BR" dirty="0" err="1">
+                <a:solidFill>
+                  <a:schemeClr val="dk1"/>
+                </a:solidFill>
+              </a:rPr>
+              <a:t>Luizalabs</a:t>
+            </a:r>
+            <a:r>
+              <a:rPr lang="pt-BR" dirty="0">
+                <a:solidFill>
+                  <a:schemeClr val="dk1"/>
+                </a:solidFill>
+              </a:rPr>
+              <a:t>.</a:t>
+            </a:r>
+            <a:endParaRPr dirty="0">
               <a:solidFill>
                 <a:schemeClr val="dk1"/>
               </a:solidFill>
@@ -10014,7 +10030,7 @@
               <a:buNone/>
             </a:pPr>
             <a:r>
-              <a:rPr lang="pt-BR">
+              <a:rPr lang="pt-BR" dirty="0">
                 <a:solidFill>
                   <a:schemeClr val="dk1"/>
                 </a:solidFill>
@@ -10024,7 +10040,7 @@
               </a:rPr>
               <a:t>Linkedin: www.linkedin.com/in/gabriel-silva-nascimento-466aa7b0</a:t>
             </a:r>
-            <a:endParaRPr>
+            <a:endParaRPr dirty="0">
               <a:solidFill>
                 <a:schemeClr val="dk1"/>
               </a:solidFill>
@@ -10048,14 +10064,14 @@
               <a:buNone/>
             </a:pPr>
             <a:r>
-              <a:rPr lang="pt-BR">
+              <a:rPr lang="pt-BR" dirty="0">
                 <a:solidFill>
                   <a:schemeClr val="dk1"/>
                 </a:solidFill>
               </a:rPr>
               <a:t>Github:</a:t>
             </a:r>
-            <a:endParaRPr>
+            <a:endParaRPr dirty="0">
               <a:solidFill>
                 <a:schemeClr val="dk1"/>
               </a:solidFill>
@@ -10076,14 +10092,14 @@
               <a:buNone/>
             </a:pPr>
             <a:r>
-              <a:rPr lang="pt-BR">
+              <a:rPr lang="pt-BR" dirty="0">
                 <a:solidFill>
                   <a:schemeClr val="dk1"/>
                 </a:solidFill>
               </a:rPr>
               <a:t>https://github.com/Gabrielgsn30</a:t>
             </a:r>
-            <a:endParaRPr>
+            <a:endParaRPr dirty="0">
               <a:solidFill>
                 <a:schemeClr val="dk1"/>
               </a:solidFill>
@@ -10384,7 +10400,7 @@
                 <a:spcPct val="115000"/>
               </a:lnSpc>
               <a:spcBef>
-                <a:spcPts val="0"/>
+                <a:spcPts val="1200"/>
               </a:spcBef>
               <a:spcAft>
                 <a:spcPts val="0"/>
@@ -10393,14 +10409,30 @@
               <a:buNone/>
             </a:pPr>
             <a:r>
-              <a:rPr lang="pt-BR">
+              <a:rPr lang="pt-BR" dirty="0">
                 <a:solidFill>
                   <a:schemeClr val="dk1"/>
                 </a:solidFill>
               </a:rPr>
-              <a:t>19:00 - 20:30</a:t>
+              <a:t>Práticas </a:t>
             </a:r>
-            <a:endParaRPr>
+            <a:r>
+              <a:rPr lang="pt-BR" dirty="0" err="1">
+                <a:solidFill>
+                  <a:schemeClr val="dk1"/>
+                </a:solidFill>
+              </a:rPr>
+              <a:t>DevOps</a:t>
+            </a:r>
+            <a:r>
+              <a:rPr lang="pt-BR" dirty="0">
+                <a:solidFill>
+                  <a:schemeClr val="dk1"/>
+                </a:solidFill>
+              </a:rPr>
+              <a:t>;</a:t>
+            </a:r>
+            <a:endParaRPr dirty="0">
               <a:solidFill>
                 <a:schemeClr val="dk1"/>
               </a:solidFill>
@@ -10421,14 +10453,29 @@
               <a:buNone/>
             </a:pPr>
             <a:r>
-              <a:rPr lang="pt-BR">
+              <a:rPr lang="pt-BR" dirty="0">
                 <a:solidFill>
                   <a:schemeClr val="dk1"/>
                 </a:solidFill>
               </a:rPr>
-              <a:t>Práticas DevOps;</a:t>
+              <a:t>Introdução ao Docker;</a:t>
             </a:r>
-            <a:endParaRPr>
+          </a:p>
+          <a:p>
+            <a:pPr marL="0" lvl="0" indent="0" algn="l" rtl="0">
+              <a:lnSpc>
+                <a:spcPct val="115000"/>
+              </a:lnSpc>
+              <a:spcBef>
+                <a:spcPts val="1200"/>
+              </a:spcBef>
+              <a:spcAft>
+                <a:spcPts val="0"/>
+              </a:spcAft>
+              <a:buSzPts val="1800"/>
+              <a:buNone/>
+            </a:pPr>
+            <a:endParaRPr lang="pt-BR" dirty="0">
               <a:solidFill>
                 <a:schemeClr val="dk1"/>
               </a:solidFill>
@@ -10449,14 +10496,29 @@
               <a:buNone/>
             </a:pPr>
             <a:r>
-              <a:rPr lang="pt-BR">
+              <a:rPr lang="pt-BR" dirty="0">
                 <a:solidFill>
                   <a:schemeClr val="dk1"/>
                 </a:solidFill>
               </a:rPr>
-              <a:t>Mercado de trabalho;</a:t>
+              <a:t>Intervalo</a:t>
             </a:r>
-            <a:endParaRPr>
+          </a:p>
+          <a:p>
+            <a:pPr marL="0" lvl="0" indent="0" algn="l" rtl="0">
+              <a:lnSpc>
+                <a:spcPct val="115000"/>
+              </a:lnSpc>
+              <a:spcBef>
+                <a:spcPts val="1200"/>
+              </a:spcBef>
+              <a:spcAft>
+                <a:spcPts val="0"/>
+              </a:spcAft>
+              <a:buSzPts val="1800"/>
+              <a:buNone/>
+            </a:pPr>
+            <a:endParaRPr dirty="0">
               <a:solidFill>
                 <a:schemeClr val="dk1"/>
               </a:solidFill>
@@ -10471,96 +10533,20 @@
                 <a:spcPts val="1200"/>
               </a:spcBef>
               <a:spcAft>
-                <a:spcPts val="0"/>
-              </a:spcAft>
-              <a:buSzPts val="1800"/>
-              <a:buNone/>
-            </a:pPr>
-            <a:endParaRPr>
-              <a:solidFill>
-                <a:schemeClr val="dk1"/>
-              </a:solidFill>
-            </a:endParaRPr>
-          </a:p>
-          <a:p>
-            <a:pPr marL="0" lvl="0" indent="0" algn="l" rtl="0">
-              <a:lnSpc>
-                <a:spcPct val="115000"/>
-              </a:lnSpc>
-              <a:spcBef>
                 <a:spcPts val="1200"/>
-              </a:spcBef>
-              <a:spcAft>
-                <a:spcPts val="0"/>
               </a:spcAft>
               <a:buSzPts val="1800"/>
               <a:buNone/>
             </a:pPr>
             <a:r>
-              <a:rPr lang="pt-BR">
-                <a:solidFill>
-                  <a:schemeClr val="dk1"/>
-                </a:solidFill>
-              </a:rPr>
-              <a:t>21:00 - 22:00</a:t>
-            </a:r>
-            <a:endParaRPr>
-              <a:solidFill>
-                <a:schemeClr val="dk1"/>
-              </a:solidFill>
-            </a:endParaRPr>
-          </a:p>
-          <a:p>
-            <a:pPr marL="0" lvl="0" indent="0" algn="l" rtl="0">
-              <a:lnSpc>
-                <a:spcPct val="115000"/>
-              </a:lnSpc>
-              <a:spcBef>
-                <a:spcPts val="1200"/>
-              </a:spcBef>
-              <a:spcAft>
-                <a:spcPts val="0"/>
-              </a:spcAft>
-              <a:buSzPts val="1800"/>
-              <a:buNone/>
-            </a:pPr>
-            <a:r>
-              <a:rPr lang="pt-BR">
-                <a:solidFill>
-                  <a:schemeClr val="dk1"/>
-                </a:solidFill>
-              </a:rPr>
-              <a:t>Introdução ao Docker;</a:t>
-            </a:r>
-            <a:endParaRPr>
-              <a:solidFill>
-                <a:schemeClr val="dk1"/>
-              </a:solidFill>
-            </a:endParaRPr>
-          </a:p>
-          <a:p>
-            <a:pPr marL="0" lvl="0" indent="0" algn="l" rtl="0">
-              <a:lnSpc>
-                <a:spcPct val="115000"/>
-              </a:lnSpc>
-              <a:spcBef>
-                <a:spcPts val="1200"/>
-              </a:spcBef>
-              <a:spcAft>
-                <a:spcPts val="1200"/>
-              </a:spcAft>
-              <a:buSzPts val="1800"/>
-              <a:buNone/>
-            </a:pPr>
-            <a:r>
-              <a:rPr lang="pt-BR">
+              <a:rPr lang="pt-BR" dirty="0">
                 <a:solidFill>
                   <a:schemeClr val="dk1"/>
                 </a:solidFill>
               </a:rPr>
               <a:t>Comandos Básicos Docker;</a:t>
             </a:r>
-            <a:endParaRPr>
+            <a:endParaRPr dirty="0">
               <a:solidFill>
                 <a:schemeClr val="dk1"/>
               </a:solidFill>
@@ -10668,7 +10654,7 @@
         </p:spPr>
         <p:txBody>
           <a:bodyPr spcFirstLastPara="1" wrap="square" lIns="91425" tIns="91425" rIns="91425" bIns="91425" anchor="t" anchorCtr="0">
-            <a:normAutofit/>
+            <a:normAutofit fontScale="92500" lnSpcReduction="10000"/>
           </a:bodyPr>
           <a:lstStyle/>
           <a:p>
@@ -10677,7 +10663,7 @@
                 <a:spcPct val="115000"/>
               </a:lnSpc>
               <a:spcBef>
-                <a:spcPts val="0"/>
+                <a:spcPts val="1200"/>
               </a:spcBef>
               <a:spcAft>
                 <a:spcPts val="0"/>
@@ -10686,14 +10672,14 @@
               <a:buNone/>
             </a:pPr>
             <a:r>
-              <a:rPr lang="pt-BR">
+              <a:rPr lang="pt-BR" dirty="0">
                 <a:solidFill>
                   <a:schemeClr val="dk1"/>
                 </a:solidFill>
               </a:rPr>
-              <a:t>19:00 - 20:30</a:t>
+              <a:t>Comandos Avançados Docker</a:t>
             </a:r>
-            <a:endParaRPr>
+            <a:endParaRPr dirty="0">
               <a:solidFill>
                 <a:schemeClr val="dk1"/>
               </a:solidFill>
@@ -10714,14 +10700,14 @@
               <a:buNone/>
             </a:pPr>
             <a:r>
-              <a:rPr lang="pt-BR">
+              <a:rPr lang="pt-BR" dirty="0" err="1">
                 <a:solidFill>
                   <a:schemeClr val="dk1"/>
                 </a:solidFill>
               </a:rPr>
-              <a:t>Comandos Avançados Docker</a:t>
+              <a:t>Dockerfile</a:t>
             </a:r>
-            <a:endParaRPr>
+            <a:endParaRPr dirty="0">
               <a:solidFill>
                 <a:schemeClr val="dk1"/>
               </a:solidFill>
@@ -10741,15 +10727,7 @@
               <a:buSzPts val="1800"/>
               <a:buNone/>
             </a:pPr>
-            <a:r>
-              <a:rPr lang="pt-BR">
-                <a:solidFill>
-                  <a:schemeClr val="dk1"/>
-                </a:solidFill>
-              </a:rPr>
-              <a:t>Dockerfile</a:t>
-            </a:r>
-            <a:endParaRPr>
+            <a:endParaRPr lang="pt-BR" dirty="0">
               <a:solidFill>
                 <a:schemeClr val="dk1"/>
               </a:solidFill>
@@ -10769,7 +10747,30 @@
               <a:buSzPts val="1800"/>
               <a:buNone/>
             </a:pPr>
-            <a:endParaRPr>
+            <a:r>
+              <a:rPr lang="pt-BR" dirty="0">
+                <a:solidFill>
+                  <a:schemeClr val="dk1"/>
+                </a:solidFill>
+              </a:rPr>
+              <a:t>Intervalo</a:t>
+            </a:r>
+          </a:p>
+          <a:p>
+            <a:pPr marL="0" lvl="0" indent="0" algn="l" rtl="0">
+              <a:lnSpc>
+                <a:spcPct val="115000"/>
+              </a:lnSpc>
+              <a:spcBef>
+                <a:spcPts val="1200"/>
+              </a:spcBef>
+              <a:spcAft>
+                <a:spcPts val="0"/>
+              </a:spcAft>
+              <a:buSzPts val="1800"/>
+              <a:buNone/>
+            </a:pPr>
+            <a:endParaRPr dirty="0">
               <a:solidFill>
                 <a:schemeClr val="dk1"/>
               </a:solidFill>
@@ -10790,14 +10791,30 @@
               <a:buNone/>
             </a:pPr>
             <a:r>
-              <a:rPr lang="pt-BR">
+              <a:rPr lang="pt-BR" dirty="0">
                 <a:solidFill>
                   <a:schemeClr val="dk1"/>
                 </a:solidFill>
               </a:rPr>
-              <a:t>21:00 - 22:00</a:t>
+              <a:t>Introdução ao Docker </a:t>
             </a:r>
-            <a:endParaRPr>
+            <a:r>
+              <a:rPr lang="pt-BR" dirty="0" err="1">
+                <a:solidFill>
+                  <a:schemeClr val="dk1"/>
+                </a:solidFill>
+              </a:rPr>
+              <a:t>Compose</a:t>
+            </a:r>
+            <a:r>
+              <a:rPr lang="pt-BR" dirty="0">
+                <a:solidFill>
+                  <a:schemeClr val="dk1"/>
+                </a:solidFill>
+              </a:rPr>
+              <a:t>;</a:t>
+            </a:r>
+            <a:endParaRPr dirty="0">
               <a:solidFill>
                 <a:schemeClr val="dk1"/>
               </a:solidFill>
@@ -10812,48 +10829,28 @@
                 <a:spcPts val="1200"/>
               </a:spcBef>
               <a:spcAft>
-                <a:spcPts val="0"/>
+                <a:spcPts val="1200"/>
               </a:spcAft>
               <a:buSzPts val="1800"/>
               <a:buNone/>
             </a:pPr>
             <a:r>
-              <a:rPr lang="pt-BR">
+              <a:rPr lang="pt-BR" dirty="0" err="1">
                 <a:solidFill>
                   <a:schemeClr val="dk1"/>
                 </a:solidFill>
               </a:rPr>
-              <a:t>Introdução ao Docker Compose;</a:t>
+              <a:t>DockerHub</a:t>
             </a:r>
-            <a:endParaRPr>
-              <a:solidFill>
-                <a:schemeClr val="dk1"/>
-              </a:solidFill>
-            </a:endParaRPr>
-          </a:p>
-          <a:p>
-            <a:pPr marL="0" lvl="0" indent="0" algn="l" rtl="0">
-              <a:lnSpc>
-                <a:spcPct val="115000"/>
-              </a:lnSpc>
-              <a:spcBef>
-                <a:spcPts val="1200"/>
-              </a:spcBef>
-              <a:spcAft>
-                <a:spcPts val="1200"/>
-              </a:spcAft>
-              <a:buSzPts val="1800"/>
-              <a:buNone/>
-            </a:pPr>
             <a:r>
-              <a:rPr lang="pt-BR">
+              <a:rPr lang="pt-BR" dirty="0">
                 <a:solidFill>
                   <a:schemeClr val="dk1"/>
                 </a:solidFill>
               </a:rPr>
-              <a:t>DockerHub e Repositórios de Imagens</a:t>
+              <a:t> e Repositórios de Imagens</a:t>
             </a:r>
-            <a:endParaRPr>
+            <a:endParaRPr dirty="0">
               <a:solidFill>
                 <a:schemeClr val="dk1"/>
               </a:solidFill>
@@ -10970,7 +10967,7 @@
                 <a:spcPct val="115000"/>
               </a:lnSpc>
               <a:spcBef>
-                <a:spcPts val="0"/>
+                <a:spcPts val="1200"/>
               </a:spcBef>
               <a:spcAft>
                 <a:spcPts val="0"/>
@@ -10979,14 +10976,78 @@
               <a:buNone/>
             </a:pPr>
             <a:r>
-              <a:rPr lang="pt-BR">
+              <a:rPr lang="pt-BR" dirty="0">
                 <a:solidFill>
                   <a:schemeClr val="dk1"/>
                 </a:solidFill>
               </a:rPr>
-              <a:t>19:00 - 20:30</a:t>
+              <a:t>Introdução ao projeto de Monitoramento, como funciona cada parte.(</a:t>
             </a:r>
-            <a:endParaRPr>
+            <a:r>
+              <a:rPr lang="pt-BR" dirty="0" err="1">
+                <a:solidFill>
+                  <a:schemeClr val="dk1"/>
+                </a:solidFill>
+              </a:rPr>
+              <a:t>Prometheus</a:t>
+            </a:r>
+            <a:r>
+              <a:rPr lang="pt-BR" dirty="0">
+                <a:solidFill>
+                  <a:schemeClr val="dk1"/>
+                </a:solidFill>
+              </a:rPr>
+              <a:t>, </a:t>
+            </a:r>
+            <a:r>
+              <a:rPr lang="pt-BR" dirty="0" err="1">
+                <a:solidFill>
+                  <a:schemeClr val="dk1"/>
+                </a:solidFill>
+              </a:rPr>
+              <a:t>Grafana</a:t>
+            </a:r>
+            <a:r>
+              <a:rPr lang="pt-BR" dirty="0">
+                <a:solidFill>
+                  <a:schemeClr val="dk1"/>
+                </a:solidFill>
+              </a:rPr>
+              <a:t>, </a:t>
+            </a:r>
+            <a:r>
+              <a:rPr lang="pt-BR" dirty="0" err="1">
+                <a:solidFill>
+                  <a:schemeClr val="dk1"/>
+                </a:solidFill>
+              </a:rPr>
+              <a:t>Alertmanager</a:t>
+            </a:r>
+            <a:r>
+              <a:rPr lang="pt-BR" dirty="0">
+                <a:solidFill>
+                  <a:schemeClr val="dk1"/>
+                </a:solidFill>
+              </a:rPr>
+              <a:t>, Node </a:t>
+            </a:r>
+            <a:r>
+              <a:rPr lang="pt-BR" dirty="0" err="1">
+                <a:solidFill>
+                  <a:schemeClr val="dk1"/>
+                </a:solidFill>
+              </a:rPr>
+              <a:t>Exporter</a:t>
+            </a:r>
+            <a:r>
+              <a:rPr lang="pt-BR" dirty="0">
+                <a:solidFill>
+                  <a:schemeClr val="dk1"/>
+                </a:solidFill>
+              </a:rPr>
+              <a:t>)</a:t>
+            </a:r>
+            <a:endParaRPr dirty="0">
               <a:solidFill>
                 <a:schemeClr val="dk1"/>
               </a:solidFill>
@@ -11006,15 +11067,7 @@
               <a:buSzPts val="1800"/>
               <a:buNone/>
             </a:pPr>
-            <a:r>
-              <a:rPr lang="pt-BR">
-                <a:solidFill>
-                  <a:schemeClr val="dk1"/>
-                </a:solidFill>
-              </a:rPr>
-              <a:t>Introdução ao projeto de Monitoramento, como funciona cada parte.(Prometheus, Grafana, Alertmanager, Node Exporter)</a:t>
-            </a:r>
-            <a:endParaRPr>
+            <a:endParaRPr lang="pt-BR" dirty="0">
               <a:solidFill>
                 <a:schemeClr val="dk1"/>
               </a:solidFill>
@@ -11034,7 +11087,30 @@
               <a:buSzPts val="1800"/>
               <a:buNone/>
             </a:pPr>
-            <a:endParaRPr>
+            <a:r>
+              <a:rPr lang="pt-BR" dirty="0">
+                <a:solidFill>
+                  <a:schemeClr val="dk1"/>
+                </a:solidFill>
+              </a:rPr>
+              <a:t>Intervalo</a:t>
+            </a:r>
+          </a:p>
+          <a:p>
+            <a:pPr marL="0" lvl="0" indent="0" algn="l" rtl="0">
+              <a:lnSpc>
+                <a:spcPct val="115000"/>
+              </a:lnSpc>
+              <a:spcBef>
+                <a:spcPts val="1200"/>
+              </a:spcBef>
+              <a:spcAft>
+                <a:spcPts val="0"/>
+              </a:spcAft>
+              <a:buSzPts val="1800"/>
+              <a:buNone/>
+            </a:pPr>
+            <a:endParaRPr dirty="0">
               <a:solidFill>
                 <a:schemeClr val="dk1"/>
               </a:solidFill>
@@ -11049,48 +11125,20 @@
                 <a:spcPts val="1200"/>
               </a:spcBef>
               <a:spcAft>
-                <a:spcPts val="0"/>
+                <a:spcPts val="1200"/>
               </a:spcAft>
               <a:buSzPts val="1800"/>
               <a:buNone/>
             </a:pPr>
             <a:r>
-              <a:rPr lang="pt-BR">
-                <a:solidFill>
-                  <a:schemeClr val="dk1"/>
-                </a:solidFill>
-              </a:rPr>
-              <a:t>21:00 - 22:00</a:t>
-            </a:r>
-            <a:endParaRPr>
-              <a:solidFill>
-                <a:schemeClr val="dk1"/>
-              </a:solidFill>
-            </a:endParaRPr>
-          </a:p>
-          <a:p>
-            <a:pPr marL="0" lvl="0" indent="0" algn="l" rtl="0">
-              <a:lnSpc>
-                <a:spcPct val="115000"/>
-              </a:lnSpc>
-              <a:spcBef>
-                <a:spcPts val="1200"/>
-              </a:spcBef>
-              <a:spcAft>
-                <a:spcPts val="1200"/>
-              </a:spcAft>
-              <a:buSzPts val="1800"/>
-              <a:buNone/>
-            </a:pPr>
-            <a:r>
-              <a:rPr lang="pt-BR">
+              <a:rPr lang="pt-BR" dirty="0">
                 <a:solidFill>
                   <a:schemeClr val="dk1"/>
                 </a:solidFill>
               </a:rPr>
               <a:t>Configuração do Projeto e teste com todos na oficina;</a:t>
             </a:r>
-            <a:endParaRPr>
+            <a:endParaRPr dirty="0">
               <a:solidFill>
                 <a:schemeClr val="dk1"/>
               </a:solidFill>
@@ -11207,7 +11255,7 @@
                 <a:spcPct val="115000"/>
               </a:lnSpc>
               <a:spcBef>
-                <a:spcPts val="0"/>
+                <a:spcPts val="1200"/>
               </a:spcBef>
               <a:spcAft>
                 <a:spcPts val="0"/>
@@ -11216,14 +11264,30 @@
               <a:buNone/>
             </a:pPr>
             <a:r>
-              <a:rPr lang="pt-BR">
+              <a:rPr lang="pt-BR" dirty="0">
                 <a:solidFill>
                   <a:schemeClr val="dk1"/>
                 </a:solidFill>
               </a:rPr>
-              <a:t>19:00 - 20:30</a:t>
+              <a:t>introdução ao </a:t>
             </a:r>
-            <a:endParaRPr>
+            <a:r>
+              <a:rPr lang="pt-BR" dirty="0" err="1">
+                <a:solidFill>
+                  <a:schemeClr val="dk1"/>
+                </a:solidFill>
+              </a:rPr>
+              <a:t>Exporter</a:t>
+            </a:r>
+            <a:r>
+              <a:rPr lang="pt-BR" dirty="0">
+                <a:solidFill>
+                  <a:schemeClr val="dk1"/>
+                </a:solidFill>
+              </a:rPr>
+              <a:t> utilizado, o coletor de métricas;</a:t>
+            </a:r>
+            <a:endParaRPr dirty="0">
               <a:solidFill>
                 <a:schemeClr val="dk1"/>
               </a:solidFill>
@@ -11243,15 +11307,7 @@
               <a:buSzPts val="1800"/>
               <a:buNone/>
             </a:pPr>
-            <a:r>
-              <a:rPr lang="pt-BR">
-                <a:solidFill>
-                  <a:schemeClr val="dk1"/>
-                </a:solidFill>
-              </a:rPr>
-              <a:t>introdução ao Exporter utilizado, o coletor de métricas;</a:t>
-            </a:r>
-            <a:endParaRPr>
+            <a:endParaRPr lang="pt-BR" dirty="0">
               <a:solidFill>
                 <a:schemeClr val="dk1"/>
               </a:solidFill>
@@ -11271,7 +11327,30 @@
               <a:buSzPts val="1800"/>
               <a:buNone/>
             </a:pPr>
-            <a:endParaRPr>
+            <a:r>
+              <a:rPr lang="pt-BR" dirty="0">
+                <a:solidFill>
+                  <a:schemeClr val="dk1"/>
+                </a:solidFill>
+              </a:rPr>
+              <a:t>Intervalo</a:t>
+            </a:r>
+          </a:p>
+          <a:p>
+            <a:pPr marL="0" lvl="0" indent="0" algn="l" rtl="0">
+              <a:lnSpc>
+                <a:spcPct val="115000"/>
+              </a:lnSpc>
+              <a:spcBef>
+                <a:spcPts val="1200"/>
+              </a:spcBef>
+              <a:spcAft>
+                <a:spcPts val="0"/>
+              </a:spcAft>
+              <a:buSzPts val="1800"/>
+              <a:buNone/>
+            </a:pPr>
+            <a:endParaRPr dirty="0">
               <a:solidFill>
                 <a:schemeClr val="dk1"/>
               </a:solidFill>
@@ -11286,48 +11365,36 @@
                 <a:spcPts val="1200"/>
               </a:spcBef>
               <a:spcAft>
-                <a:spcPts val="0"/>
+                <a:spcPts val="1200"/>
               </a:spcAft>
               <a:buSzPts val="1800"/>
               <a:buNone/>
             </a:pPr>
             <a:r>
-              <a:rPr lang="pt-BR">
+              <a:rPr lang="pt-BR" dirty="0">
                 <a:solidFill>
                   <a:schemeClr val="dk1"/>
                 </a:solidFill>
               </a:rPr>
-              <a:t>21:00 - 22:00</a:t>
+              <a:t>Introdução ao </a:t>
             </a:r>
-            <a:endParaRPr>
-              <a:solidFill>
-                <a:schemeClr val="dk1"/>
-              </a:solidFill>
-            </a:endParaRPr>
-          </a:p>
-          <a:p>
-            <a:pPr marL="0" lvl="0" indent="0" algn="l" rtl="0">
-              <a:lnSpc>
-                <a:spcPct val="115000"/>
-              </a:lnSpc>
-              <a:spcBef>
-                <a:spcPts val="1200"/>
-              </a:spcBef>
-              <a:spcAft>
-                <a:spcPts val="1200"/>
-              </a:spcAft>
-              <a:buSzPts val="1800"/>
-              <a:buNone/>
-            </a:pPr>
             <a:r>
-              <a:rPr lang="pt-BR">
+              <a:rPr lang="pt-BR" dirty="0" err="1">
                 <a:solidFill>
                   <a:schemeClr val="dk1"/>
                 </a:solidFill>
               </a:rPr>
-              <a:t>Introdução ao Grafana, criando Dashboards de Monitoramento;</a:t>
+              <a:t>Grafana</a:t>
             </a:r>
-            <a:endParaRPr>
+            <a:r>
+              <a:rPr lang="pt-BR" dirty="0">
+                <a:solidFill>
+                  <a:schemeClr val="dk1"/>
+                </a:solidFill>
+              </a:rPr>
+              <a:t>, criando Dashboards de Monitoramento;</a:t>
+            </a:r>
+            <a:endParaRPr dirty="0">
               <a:solidFill>
                 <a:schemeClr val="dk1"/>
               </a:solidFill>
@@ -11435,7 +11502,7 @@
         </p:spPr>
         <p:txBody>
           <a:bodyPr spcFirstLastPara="1" wrap="square" lIns="91425" tIns="91425" rIns="91425" bIns="91425" anchor="t" anchorCtr="0">
-            <a:normAutofit/>
+            <a:normAutofit fontScale="92500" lnSpcReduction="10000"/>
           </a:bodyPr>
           <a:lstStyle/>
           <a:p>
@@ -11444,7 +11511,7 @@
                 <a:spcPct val="115000"/>
               </a:lnSpc>
               <a:spcBef>
-                <a:spcPts val="0"/>
+                <a:spcPts val="1200"/>
               </a:spcBef>
               <a:spcAft>
                 <a:spcPts val="0"/>
@@ -11453,14 +11520,30 @@
               <a:buNone/>
             </a:pPr>
             <a:r>
-              <a:rPr lang="pt-BR">
+              <a:rPr lang="pt-BR" dirty="0">
                 <a:solidFill>
                   <a:schemeClr val="dk1"/>
                 </a:solidFill>
               </a:rPr>
-              <a:t>19:00 - 20:30</a:t>
+              <a:t>Introdução ao </a:t>
             </a:r>
-            <a:endParaRPr>
+            <a:r>
+              <a:rPr lang="pt-BR" dirty="0" err="1">
+                <a:solidFill>
+                  <a:schemeClr val="dk1"/>
+                </a:solidFill>
+              </a:rPr>
+              <a:t>Alertmanager</a:t>
+            </a:r>
+            <a:r>
+              <a:rPr lang="pt-BR" dirty="0">
+                <a:solidFill>
+                  <a:schemeClr val="dk1"/>
+                </a:solidFill>
+              </a:rPr>
+              <a:t> e Criação de Alertas;</a:t>
+            </a:r>
+            <a:endParaRPr dirty="0">
               <a:solidFill>
                 <a:schemeClr val="dk1"/>
               </a:solidFill>
@@ -11481,14 +11564,45 @@
               <a:buNone/>
             </a:pPr>
             <a:r>
-              <a:rPr lang="pt-BR">
+              <a:rPr lang="pt-BR" dirty="0">
                 <a:solidFill>
                   <a:schemeClr val="dk1"/>
                 </a:solidFill>
               </a:rPr>
-              <a:t>Criação de Alertas e Introdução ao Alertmanager;</a:t>
+              <a:t>Integração do </a:t>
             </a:r>
-            <a:endParaRPr>
+            <a:r>
+              <a:rPr lang="pt-BR" dirty="0" err="1">
+                <a:solidFill>
+                  <a:schemeClr val="dk1"/>
+                </a:solidFill>
+              </a:rPr>
+              <a:t>Alertmanager</a:t>
+            </a:r>
+            <a:r>
+              <a:rPr lang="pt-BR" dirty="0">
+                <a:solidFill>
+                  <a:schemeClr val="dk1"/>
+                </a:solidFill>
+              </a:rPr>
+              <a:t> ao Slack;</a:t>
+            </a:r>
+          </a:p>
+          <a:p>
+            <a:pPr marL="0" lvl="0" indent="0" algn="l" rtl="0">
+              <a:lnSpc>
+                <a:spcPct val="115000"/>
+              </a:lnSpc>
+              <a:spcBef>
+                <a:spcPts val="1200"/>
+              </a:spcBef>
+              <a:spcAft>
+                <a:spcPts val="0"/>
+              </a:spcAft>
+              <a:buSzPts val="1800"/>
+              <a:buNone/>
+            </a:pPr>
+            <a:endParaRPr lang="pt-BR" dirty="0">
               <a:solidFill>
                 <a:schemeClr val="dk1"/>
               </a:solidFill>
@@ -11508,7 +11622,7 @@
               <a:buSzPts val="1800"/>
               <a:buNone/>
             </a:pPr>
-            <a:endParaRPr>
+            <a:endParaRPr dirty="0">
               <a:solidFill>
                 <a:schemeClr val="dk1"/>
               </a:solidFill>
@@ -11529,14 +11643,53 @@
               <a:buNone/>
             </a:pPr>
             <a:r>
-              <a:rPr lang="pt-BR">
+              <a:rPr lang="pt-BR" dirty="0">
                 <a:solidFill>
                   <a:schemeClr val="dk1"/>
                 </a:solidFill>
               </a:rPr>
-              <a:t>21:00 - 22:00</a:t>
+              <a:t>Bônus:</a:t>
             </a:r>
-            <a:endParaRPr>
+          </a:p>
+          <a:p>
+            <a:pPr marL="0" lvl="0" indent="0" algn="l" rtl="0">
+              <a:lnSpc>
+                <a:spcPct val="115000"/>
+              </a:lnSpc>
+              <a:spcBef>
+                <a:spcPts val="1200"/>
+              </a:spcBef>
+              <a:spcAft>
+                <a:spcPts val="0"/>
+              </a:spcAft>
+              <a:buSzPts val="1800"/>
+              <a:buNone/>
+            </a:pPr>
+            <a:r>
+              <a:rPr lang="pt-BR" dirty="0">
+                <a:solidFill>
+                  <a:schemeClr val="dk1"/>
+                </a:solidFill>
+              </a:rPr>
+              <a:t>Integração de uma API com </a:t>
+            </a:r>
+            <a:r>
+              <a:rPr lang="pt-BR" dirty="0" err="1">
+                <a:solidFill>
+                  <a:schemeClr val="dk1"/>
+                </a:solidFill>
+              </a:rPr>
+              <a:t>lib</a:t>
+            </a:r>
+            <a:r>
+              <a:rPr lang="pt-BR" dirty="0">
+                <a:solidFill>
+                  <a:schemeClr val="dk1"/>
+                </a:solidFill>
+              </a:rPr>
+              <a:t> de geração de métricas;</a:t>
+            </a:r>
+            <a:endParaRPr dirty="0">
               <a:solidFill>
                 <a:schemeClr val="dk1"/>
               </a:solidFill>
@@ -11551,76 +11704,52 @@
                 <a:spcPts val="1200"/>
               </a:spcBef>
               <a:spcAft>
-                <a:spcPts val="0"/>
+                <a:spcPts val="1200"/>
               </a:spcAft>
               <a:buSzPts val="1800"/>
               <a:buNone/>
             </a:pPr>
             <a:r>
-              <a:rPr lang="pt-BR">
+              <a:rPr lang="pt-BR" dirty="0">
                 <a:solidFill>
                   <a:schemeClr val="dk1"/>
                 </a:solidFill>
               </a:rPr>
-              <a:t>Integração do Alertmanager ao Slack;</a:t>
+              <a:t>Ferramenta K6 </a:t>
             </a:r>
-            <a:endParaRPr>
-              <a:solidFill>
-                <a:schemeClr val="dk1"/>
-              </a:solidFill>
-            </a:endParaRPr>
-          </a:p>
-          <a:p>
-            <a:pPr marL="0" lvl="0" indent="0" algn="l" rtl="0">
-              <a:lnSpc>
-                <a:spcPct val="115000"/>
-              </a:lnSpc>
-              <a:spcBef>
-                <a:spcPts val="1200"/>
-              </a:spcBef>
-              <a:spcAft>
-                <a:spcPts val="0"/>
-              </a:spcAft>
-              <a:buSzPts val="1800"/>
-              <a:buNone/>
-            </a:pPr>
             <a:r>
-              <a:rPr lang="pt-BR">
+              <a:rPr lang="pt-BR" dirty="0" err="1">
                 <a:solidFill>
                   <a:schemeClr val="dk1"/>
                 </a:solidFill>
               </a:rPr>
-              <a:t>Bônus:</a:t>
+              <a:t>tests</a:t>
             </a:r>
-            <a:endParaRPr>
-              <a:solidFill>
-                <a:schemeClr val="dk1"/>
-              </a:solidFill>
-            </a:endParaRPr>
-          </a:p>
-          <a:p>
-            <a:pPr marL="0" lvl="0" indent="0" algn="l" rtl="0">
-              <a:lnSpc>
-                <a:spcPct val="115000"/>
-              </a:lnSpc>
-              <a:spcBef>
-                <a:spcPts val="1200"/>
-              </a:spcBef>
-              <a:spcAft>
-                <a:spcPts val="1200"/>
-              </a:spcAft>
-              <a:buSzPts val="1800"/>
-              <a:buNone/>
-            </a:pPr>
             <a:r>
-              <a:rPr lang="pt-BR">
+              <a:rPr lang="pt-BR" dirty="0">
                 <a:solidFill>
                   <a:schemeClr val="dk1"/>
                 </a:solidFill>
               </a:rPr>
-              <a:t>K6 tests e envio de informações para o Grafana</a:t>
+              <a:t> e envio de informações para o </a:t>
             </a:r>
-            <a:endParaRPr>
+            <a:r>
+              <a:rPr lang="pt-BR" dirty="0" err="1">
+                <a:solidFill>
+                  <a:schemeClr val="dk1"/>
+                </a:solidFill>
+              </a:rPr>
+              <a:t>Grafana</a:t>
+            </a:r>
+            <a:r>
+              <a:rPr lang="pt-BR" dirty="0">
+                <a:solidFill>
+                  <a:schemeClr val="dk1"/>
+                </a:solidFill>
+              </a:rPr>
+              <a:t>;</a:t>
+            </a:r>
+            <a:endParaRPr dirty="0">
               <a:solidFill>
                 <a:schemeClr val="dk1"/>
               </a:solidFill>
@@ -11696,10 +11825,10 @@
               <a:buNone/>
             </a:pPr>
             <a:r>
-              <a:rPr lang="pt-BR"/>
+              <a:rPr lang="pt-BR" dirty="0"/>
               <a:t>Ferramentas Utilizadas:</a:t>
             </a:r>
-            <a:endParaRPr/>
+            <a:endParaRPr dirty="0"/>
           </a:p>
         </p:txBody>
       </p:sp>
@@ -11746,14 +11875,22 @@
               <a:buNone/>
             </a:pPr>
             <a:r>
-              <a:rPr lang="pt-BR" sz="4265">
+              <a:rPr lang="pt-BR" sz="4265" dirty="0" err="1">
                 <a:solidFill>
                   <a:schemeClr val="dk1"/>
                 </a:solidFill>
               </a:rPr>
-              <a:t>VsCode + Extensão Oficial Docker</a:t>
+              <a:t>VsCode</a:t>
             </a:r>
-            <a:endParaRPr sz="4265">
+            <a:r>
+              <a:rPr lang="pt-BR" sz="4265" dirty="0">
+                <a:solidFill>
+                  <a:schemeClr val="dk1"/>
+                </a:solidFill>
+              </a:rPr>
+              <a:t> + Extensão Oficial Docker</a:t>
+            </a:r>
+            <a:endParaRPr sz="4265" dirty="0">
               <a:solidFill>
                 <a:schemeClr val="dk1"/>
               </a:solidFill>
@@ -11774,14 +11911,14 @@
               <a:buNone/>
             </a:pPr>
             <a:r>
-              <a:rPr lang="pt-BR" sz="4265">
+              <a:rPr lang="pt-BR" sz="4265" dirty="0">
                 <a:solidFill>
                   <a:schemeClr val="dk1"/>
                 </a:solidFill>
               </a:rPr>
               <a:t>Docker</a:t>
             </a:r>
-            <a:endParaRPr sz="4265">
+            <a:endParaRPr sz="4265" dirty="0">
               <a:solidFill>
                 <a:schemeClr val="dk1"/>
               </a:solidFill>
@@ -11802,14 +11939,22 @@
               <a:buNone/>
             </a:pPr>
             <a:r>
-              <a:rPr lang="pt-BR" sz="4265">
+              <a:rPr lang="pt-BR" sz="4265" dirty="0">
                 <a:solidFill>
                   <a:schemeClr val="dk1"/>
                 </a:solidFill>
               </a:rPr>
-              <a:t>Docker-Compose</a:t>
+              <a:t>Docker-</a:t>
             </a:r>
-            <a:endParaRPr sz="4265">
+            <a:r>
+              <a:rPr lang="pt-BR" sz="4265" dirty="0" err="1">
+                <a:solidFill>
+                  <a:schemeClr val="dk1"/>
+                </a:solidFill>
+              </a:rPr>
+              <a:t>Compose</a:t>
+            </a:r>
+            <a:endParaRPr sz="4265" dirty="0">
               <a:solidFill>
                 <a:schemeClr val="dk1"/>
               </a:solidFill>
@@ -11830,14 +11975,94 @@
               <a:buNone/>
             </a:pPr>
             <a:r>
-              <a:rPr lang="pt-BR" sz="4265">
+              <a:rPr lang="pt-BR" sz="4265" dirty="0" err="1">
                 <a:solidFill>
                   <a:schemeClr val="dk1"/>
                 </a:solidFill>
               </a:rPr>
-              <a:t>Prometheus*, AlertManager*, Grafana*, Node Exporter*, Portainer*,*k6,*influxdb</a:t>
+              <a:t>Prometheus</a:t>
             </a:r>
-            <a:endParaRPr sz="4265">
+            <a:r>
+              <a:rPr lang="pt-BR" sz="4265" dirty="0">
+                <a:solidFill>
+                  <a:schemeClr val="dk1"/>
+                </a:solidFill>
+              </a:rPr>
+              <a:t>*, </a:t>
+            </a:r>
+            <a:r>
+              <a:rPr lang="pt-BR" sz="4265" dirty="0" err="1">
+                <a:solidFill>
+                  <a:schemeClr val="dk1"/>
+                </a:solidFill>
+              </a:rPr>
+              <a:t>AlertManager</a:t>
+            </a:r>
+            <a:r>
+              <a:rPr lang="pt-BR" sz="4265" dirty="0">
+                <a:solidFill>
+                  <a:schemeClr val="dk1"/>
+                </a:solidFill>
+              </a:rPr>
+              <a:t>*, </a:t>
+            </a:r>
+            <a:r>
+              <a:rPr lang="pt-BR" sz="4265" dirty="0" err="1">
+                <a:solidFill>
+                  <a:schemeClr val="dk1"/>
+                </a:solidFill>
+              </a:rPr>
+              <a:t>Grafana</a:t>
+            </a:r>
+            <a:r>
+              <a:rPr lang="pt-BR" sz="4265" dirty="0">
+                <a:solidFill>
+                  <a:schemeClr val="dk1"/>
+                </a:solidFill>
+              </a:rPr>
+              <a:t>*, Node </a:t>
+            </a:r>
+            <a:r>
+              <a:rPr lang="pt-BR" sz="4265" dirty="0" err="1">
+                <a:solidFill>
+                  <a:schemeClr val="dk1"/>
+                </a:solidFill>
+              </a:rPr>
+              <a:t>Exporter</a:t>
+            </a:r>
+            <a:r>
+              <a:rPr lang="pt-BR" sz="4265" dirty="0">
+                <a:solidFill>
+                  <a:schemeClr val="dk1"/>
+                </a:solidFill>
+              </a:rPr>
+              <a:t>*, </a:t>
+            </a:r>
+            <a:r>
+              <a:rPr lang="pt-BR" sz="4265" dirty="0" err="1">
+                <a:solidFill>
+                  <a:schemeClr val="dk1"/>
+                </a:solidFill>
+              </a:rPr>
+              <a:t>Portainer</a:t>
+            </a:r>
+            <a:r>
+              <a:rPr lang="pt-BR" sz="4265" dirty="0">
+                <a:solidFill>
+                  <a:schemeClr val="dk1"/>
+                </a:solidFill>
+              </a:rPr>
+              <a:t>*,*k6,*</a:t>
+            </a:r>
+            <a:r>
+              <a:rPr lang="pt-BR" sz="4265" dirty="0" err="1">
+                <a:solidFill>
+                  <a:schemeClr val="dk1"/>
+                </a:solidFill>
+              </a:rPr>
+              <a:t>influxdb</a:t>
+            </a:r>
+            <a:endParaRPr sz="4265" dirty="0">
               <a:solidFill>
                 <a:schemeClr val="dk1"/>
               </a:solidFill>
@@ -11858,14 +12083,14 @@
               <a:buNone/>
             </a:pPr>
             <a:r>
-              <a:rPr lang="pt-BR" sz="4265">
+              <a:rPr lang="pt-BR" sz="4265" dirty="0">
                 <a:solidFill>
                   <a:schemeClr val="dk1"/>
                 </a:solidFill>
               </a:rPr>
               <a:t>Slack</a:t>
             </a:r>
-            <a:endParaRPr sz="4265">
+            <a:endParaRPr sz="4265" dirty="0">
               <a:solidFill>
                 <a:schemeClr val="dk1"/>
               </a:solidFill>
@@ -11885,7 +12110,7 @@
               <a:buSzPct val="42200"/>
               <a:buNone/>
             </a:pPr>
-            <a:endParaRPr sz="4265">
+            <a:endParaRPr sz="4265" dirty="0">
               <a:solidFill>
                 <a:schemeClr val="dk1"/>
               </a:solidFill>
@@ -11906,14 +12131,14 @@
               <a:buNone/>
             </a:pPr>
             <a:r>
-              <a:rPr lang="pt-BR" sz="4265" u="sng">
+              <a:rPr lang="pt-BR" sz="4265" u="sng" dirty="0">
                 <a:solidFill>
                   <a:schemeClr val="dk1"/>
                 </a:solidFill>
               </a:rPr>
               <a:t>Todas as Ferramentas podem ser instaladas tanto no Windows quanto em distribuição Linux, recomendo utilizarem Linux onde irei demonstrar toda a oficina porém pode ser feito em Windows.</a:t>
             </a:r>
-            <a:endParaRPr sz="4265" u="sng">
+            <a:endParaRPr sz="4265" u="sng" dirty="0">
               <a:solidFill>
                 <a:schemeClr val="dk1"/>
               </a:solidFill>
@@ -11933,7 +12158,7 @@
               <a:buSzPct val="100000"/>
               <a:buNone/>
             </a:pPr>
-            <a:endParaRPr>
+            <a:endParaRPr dirty="0">
               <a:solidFill>
                 <a:schemeClr val="dk1"/>
               </a:solidFill>
@@ -11954,14 +12179,14 @@
               <a:buNone/>
             </a:pPr>
             <a:r>
-              <a:rPr lang="pt-BR" sz="4265">
+              <a:rPr lang="pt-BR" sz="4265" dirty="0">
                 <a:solidFill>
                   <a:schemeClr val="dk1"/>
                 </a:solidFill>
               </a:rPr>
               <a:t>* Indica que será utilizado via container Docker</a:t>
             </a:r>
-            <a:endParaRPr>
+            <a:endParaRPr dirty="0">
               <a:solidFill>
                 <a:schemeClr val="dk1"/>
               </a:solidFill>

--- a/APRESENTAÇÃO/Práticas DevOps com Docker e Monitoramento do Ambiente.pptx
+++ b/APRESENTAÇÃO/Práticas DevOps com Docker e Monitoramento do Ambiente.pptx
@@ -265,7 +265,7 @@
       </p15:sldGuideLst>
     </p:ext>
     <p:ext uri="GoogleSlidesCustomDataVersion2">
-      <go:slidesCustomData xmlns:go="http://customooxmlschemas.google.com/" xmlns:ahyp="http://schemas.microsoft.com/office/drawing/2018/hyperlinkcolor" xmlns:p15="http://schemas.microsoft.com/office/powerpoint/2012/main" xmlns:p14="http://schemas.microsoft.com/office/powerpoint/2010/main" xmlns:com="http://schemas.openxmlformats.org/drawingml/2006/compatibility" xmlns:pvml="urn:schemas-microsoft-com:office:powerpoint" xmlns:v="urn:schemas-microsoft-com:vml" xmlns:o="urn:schemas-microsoft-com:office:office" xmlns:dgm="http://schemas.openxmlformats.org/drawingml/2006/diagram" xmlns:c="http://schemas.openxmlformats.org/drawingml/2006/chart" xmlns:mv="urn:schemas-microsoft-com:mac:vml" xmlns:mc="http://schemas.openxmlformats.org/markup-compatibility/2006" xmlns="" r:id="rId15" roundtripDataSignature="AMtx7mgWg76I6Jb1ASEvndVVLgftFuUjaQ=="/>
+      <go:slidesCustomData xmlns="" xmlns:mc="http://schemas.openxmlformats.org/markup-compatibility/2006" xmlns:mv="urn:schemas-microsoft-com:mac:vml" xmlns:c="http://schemas.openxmlformats.org/drawingml/2006/chart" xmlns:dgm="http://schemas.openxmlformats.org/drawingml/2006/diagram" xmlns:o="urn:schemas-microsoft-com:office:office" xmlns:v="urn:schemas-microsoft-com:vml" xmlns:pvml="urn:schemas-microsoft-com:office:powerpoint" xmlns:com="http://schemas.openxmlformats.org/drawingml/2006/compatibility" xmlns:p14="http://schemas.microsoft.com/office/powerpoint/2010/main" xmlns:p15="http://schemas.microsoft.com/office/powerpoint/2012/main" xmlns:ahyp="http://schemas.microsoft.com/office/drawing/2018/hyperlinkcolor" xmlns:go="http://customooxmlschemas.google.com/" r:id="rId15" roundtripDataSignature="AMtx7mgWg76I6Jb1ASEvndVVLgftFuUjaQ=="/>
     </p:ext>
   </p:extLst>
 </p:presentation>
@@ -9991,7 +9991,7 @@
                   <a:schemeClr val="dk1"/>
                 </a:solidFill>
               </a:rPr>
-              <a:t>Meu nome é Gabriel Silva Nascimento, tenho 29 anos, me formei em Ciência da Computação na PUC Minas Poços de Caldas, atualmente estou trabalhando como Desenvolvedor Cloud Pleno (SRE) na empresa </a:t>
+              <a:t>Meu nome é Gabriel Silva Nascimento, tenho 30 anos, me formei em Ciência da Computação na PUC Minas Poços de Caldas, atualmente estou trabalhando como Desenvolvedor Cloud Pleno (SRE) na empresa </a:t>
             </a:r>
             <a:r>
               <a:rPr lang="pt-BR" dirty="0" err="1">
